--- a/04_day.pptx
+++ b/04_day.pptx
@@ -15,6 +15,7 @@
     <p:sldId id="337" r:id="rId9"/>
     <p:sldId id="338" r:id="rId10"/>
     <p:sldId id="339" r:id="rId11"/>
+    <p:sldId id="340" r:id="rId12"/>
   </p:sldIdLst>
   <p:sldSz cx="9144000" cy="6858000" type="screen4x3"/>
   <p:notesSz cx="6858000" cy="9144000"/>
@@ -5013,6 +5014,36 @@
     <p:extLst>
       <p:ext uri="{BB962C8B-B14F-4D97-AF65-F5344CB8AC3E}">
         <p14:creationId xmlns:p14="http://schemas.microsoft.com/office/powerpoint/2010/main" val="67131438"/>
+      </p:ext>
+    </p:extLst>
+  </p:cSld>
+  <p:clrMapOvr>
+    <a:masterClrMapping/>
+  </p:clrMapOvr>
+</p:sld>
+</file>
+
+<file path=ppt/slides/slide11.xml><?xml version="1.0" encoding="utf-8"?>
+<p:sld xmlns:a="http://schemas.openxmlformats.org/drawingml/2006/main" xmlns:r="http://schemas.openxmlformats.org/officeDocument/2006/relationships" xmlns:p="http://schemas.openxmlformats.org/presentationml/2006/main">
+  <p:cSld>
+    <p:spTree>
+      <p:nvGrpSpPr>
+        <p:cNvPr id="1" name=""/>
+        <p:cNvGrpSpPr/>
+        <p:nvPr/>
+      </p:nvGrpSpPr>
+      <p:grpSpPr>
+        <a:xfrm>
+          <a:off x="0" y="0"/>
+          <a:ext cx="0" cy="0"/>
+          <a:chOff x="0" y="0"/>
+          <a:chExt cx="0" cy="0"/>
+        </a:xfrm>
+      </p:grpSpPr>
+    </p:spTree>
+    <p:extLst>
+      <p:ext uri="{BB962C8B-B14F-4D97-AF65-F5344CB8AC3E}">
+        <p14:creationId xmlns:p14="http://schemas.microsoft.com/office/powerpoint/2010/main" val="1969790150"/>
       </p:ext>
     </p:extLst>
   </p:cSld>

--- a/04_day.pptx
+++ b/04_day.pptx
@@ -20,6 +20,9 @@
     <p:sldId id="342" r:id="rId14"/>
     <p:sldId id="343" r:id="rId15"/>
     <p:sldId id="344" r:id="rId16"/>
+    <p:sldId id="345" r:id="rId17"/>
+    <p:sldId id="346" r:id="rId18"/>
+    <p:sldId id="347" r:id="rId19"/>
   </p:sldIdLst>
   <p:sldSz cx="9144000" cy="6858000" type="screen4x3"/>
   <p:notesSz cx="6858000" cy="9144000"/>
@@ -16617,10 +16620,4244 @@
           </a:p>
         </p:txBody>
       </p:sp>
+      <p:sp>
+        <p:nvSpPr>
+          <p:cNvPr id="5" name="직사각형 4">
+            <a:extLst>
+              <a:ext uri="{FF2B5EF4-FFF2-40B4-BE49-F238E27FC236}">
+                <a16:creationId xmlns:a16="http://schemas.microsoft.com/office/drawing/2014/main" id="{B58D49EA-6CCB-4336-A4D3-E2254E583379}"/>
+              </a:ext>
+            </a:extLst>
+          </p:cNvPr>
+          <p:cNvSpPr/>
+          <p:nvPr/>
+        </p:nvSpPr>
+        <p:spPr>
+          <a:xfrm>
+            <a:off x="5220072" y="1484784"/>
+            <a:ext cx="2088232" cy="2448272"/>
+          </a:xfrm>
+          <a:prstGeom prst="rect">
+            <a:avLst/>
+          </a:prstGeom>
+          <a:solidFill>
+            <a:srgbClr val="FFFF00"/>
+          </a:solidFill>
+          <a:ln w="12700"/>
+        </p:spPr>
+        <p:style>
+          <a:lnRef idx="2">
+            <a:schemeClr val="accent1">
+              <a:shade val="50000"/>
+            </a:schemeClr>
+          </a:lnRef>
+          <a:fillRef idx="1">
+            <a:schemeClr val="accent1"/>
+          </a:fillRef>
+          <a:effectRef idx="0">
+            <a:schemeClr val="accent1"/>
+          </a:effectRef>
+          <a:fontRef idx="minor">
+            <a:schemeClr val="lt1"/>
+          </a:fontRef>
+        </p:style>
+        <p:txBody>
+          <a:bodyPr rtlCol="0" anchor="ctr"/>
+          <a:lstStyle/>
+          <a:p>
+            <a:pPr algn="ctr"/>
+            <a:endParaRPr lang="ko-KR" altLang="en-US">
+              <a:solidFill>
+                <a:schemeClr val="tx1"/>
+              </a:solidFill>
+              <a:latin typeface="Consolas" pitchFamily="49" charset="0"/>
+              <a:cs typeface="Consolas" pitchFamily="49" charset="0"/>
+            </a:endParaRPr>
+          </a:p>
+        </p:txBody>
+      </p:sp>
+      <p:sp>
+        <p:nvSpPr>
+          <p:cNvPr id="6" name="TextBox 5">
+            <a:extLst>
+              <a:ext uri="{FF2B5EF4-FFF2-40B4-BE49-F238E27FC236}">
+                <a16:creationId xmlns:a16="http://schemas.microsoft.com/office/drawing/2014/main" id="{4022C35F-88AF-4CE3-A0FD-1840DCB42D6D}"/>
+              </a:ext>
+            </a:extLst>
+          </p:cNvPr>
+          <p:cNvSpPr txBox="1"/>
+          <p:nvPr/>
+        </p:nvSpPr>
+        <p:spPr>
+          <a:xfrm>
+            <a:off x="5364088" y="1052736"/>
+            <a:ext cx="1577676" cy="369332"/>
+          </a:xfrm>
+          <a:prstGeom prst="rect">
+            <a:avLst/>
+          </a:prstGeom>
+          <a:noFill/>
+        </p:spPr>
+        <p:txBody>
+          <a:bodyPr wrap="none" rtlCol="0">
+            <a:spAutoFit/>
+          </a:bodyPr>
+          <a:lstStyle/>
+          <a:p>
+            <a:r>
+              <a:rPr lang="en-US" altLang="ko-KR">
+                <a:latin typeface="Consolas" pitchFamily="49" charset="0"/>
+                <a:cs typeface="Consolas" pitchFamily="49" charset="0"/>
+              </a:rPr>
+              <a:t>mediaserver</a:t>
+            </a:r>
+            <a:endParaRPr lang="ko-KR" altLang="en-US">
+              <a:latin typeface="Consolas" pitchFamily="49" charset="0"/>
+              <a:cs typeface="Consolas" pitchFamily="49" charset="0"/>
+            </a:endParaRPr>
+          </a:p>
+        </p:txBody>
+      </p:sp>
+      <p:sp>
+        <p:nvSpPr>
+          <p:cNvPr id="7" name="TextBox 6">
+            <a:extLst>
+              <a:ext uri="{FF2B5EF4-FFF2-40B4-BE49-F238E27FC236}">
+                <a16:creationId xmlns:a16="http://schemas.microsoft.com/office/drawing/2014/main" id="{627549A1-48B8-467A-BB9D-377429838B23}"/>
+              </a:ext>
+            </a:extLst>
+          </p:cNvPr>
+          <p:cNvSpPr txBox="1"/>
+          <p:nvPr/>
+        </p:nvSpPr>
+        <p:spPr>
+          <a:xfrm>
+            <a:off x="4788024" y="3609890"/>
+            <a:ext cx="5376793" cy="646331"/>
+          </a:xfrm>
+          <a:prstGeom prst="rect">
+            <a:avLst/>
+          </a:prstGeom>
+          <a:noFill/>
+        </p:spPr>
+        <p:txBody>
+          <a:bodyPr wrap="none" rtlCol="0">
+            <a:spAutoFit/>
+          </a:bodyPr>
+          <a:lstStyle/>
+          <a:p>
+            <a:r>
+              <a:rPr lang="en-US" altLang="ko-KR">
+                <a:latin typeface="Consolas" pitchFamily="49" charset="0"/>
+                <a:cs typeface="Consolas" pitchFamily="49" charset="0"/>
+              </a:rPr>
+              <a:t>IPCThreadState::self()-&gt;joinThreadPool();</a:t>
+            </a:r>
+          </a:p>
+          <a:p>
+            <a:r>
+              <a:rPr lang="en-US" altLang="ko-KR">
+                <a:latin typeface="Consolas" pitchFamily="49" charset="0"/>
+                <a:cs typeface="Consolas" pitchFamily="49" charset="0"/>
+              </a:rPr>
+              <a:t>((BBinder*)cookie)-&gt;tracsact();</a:t>
+            </a:r>
+            <a:endParaRPr lang="ko-KR" altLang="en-US">
+              <a:latin typeface="Consolas" pitchFamily="49" charset="0"/>
+              <a:cs typeface="Consolas" pitchFamily="49" charset="0"/>
+            </a:endParaRPr>
+          </a:p>
+        </p:txBody>
+      </p:sp>
+      <p:sp>
+        <p:nvSpPr>
+          <p:cNvPr id="8" name="직사각형 7">
+            <a:extLst>
+              <a:ext uri="{FF2B5EF4-FFF2-40B4-BE49-F238E27FC236}">
+                <a16:creationId xmlns:a16="http://schemas.microsoft.com/office/drawing/2014/main" id="{F124475C-5E2B-44CC-9911-05D669739C1F}"/>
+              </a:ext>
+            </a:extLst>
+          </p:cNvPr>
+          <p:cNvSpPr/>
+          <p:nvPr/>
+        </p:nvSpPr>
+        <p:spPr>
+          <a:xfrm>
+            <a:off x="2483768" y="2339588"/>
+            <a:ext cx="1296144" cy="369332"/>
+          </a:xfrm>
+          <a:prstGeom prst="rect">
+            <a:avLst/>
+          </a:prstGeom>
+          <a:solidFill>
+            <a:srgbClr val="FFFF00"/>
+          </a:solidFill>
+          <a:ln w="12700"/>
+        </p:spPr>
+        <p:style>
+          <a:lnRef idx="2">
+            <a:schemeClr val="accent1">
+              <a:shade val="50000"/>
+            </a:schemeClr>
+          </a:lnRef>
+          <a:fillRef idx="1">
+            <a:schemeClr val="accent1"/>
+          </a:fillRef>
+          <a:effectRef idx="0">
+            <a:schemeClr val="accent1"/>
+          </a:effectRef>
+          <a:fontRef idx="minor">
+            <a:schemeClr val="lt1"/>
+          </a:fontRef>
+        </p:style>
+        <p:txBody>
+          <a:bodyPr rtlCol="0" anchor="ctr"/>
+          <a:lstStyle/>
+          <a:p>
+            <a:pPr algn="ctr"/>
+            <a:r>
+              <a:rPr lang="en-US" altLang="ko-KR">
+                <a:solidFill>
+                  <a:schemeClr val="tx1"/>
+                </a:solidFill>
+                <a:latin typeface="Consolas" pitchFamily="49" charset="0"/>
+                <a:cs typeface="Consolas" pitchFamily="49" charset="0"/>
+              </a:rPr>
+              <a:t>0x1000</a:t>
+            </a:r>
+            <a:endParaRPr lang="ko-KR" altLang="en-US">
+              <a:solidFill>
+                <a:schemeClr val="tx1"/>
+              </a:solidFill>
+              <a:latin typeface="Consolas" pitchFamily="49" charset="0"/>
+              <a:cs typeface="Consolas" pitchFamily="49" charset="0"/>
+            </a:endParaRPr>
+          </a:p>
+        </p:txBody>
+      </p:sp>
+      <p:sp>
+        <p:nvSpPr>
+          <p:cNvPr id="9" name="화살표: 오른쪽 8">
+            <a:extLst>
+              <a:ext uri="{FF2B5EF4-FFF2-40B4-BE49-F238E27FC236}">
+                <a16:creationId xmlns:a16="http://schemas.microsoft.com/office/drawing/2014/main" id="{ABDC4BCA-840F-4BAF-83FF-98182E1F732A}"/>
+              </a:ext>
+            </a:extLst>
+          </p:cNvPr>
+          <p:cNvSpPr/>
+          <p:nvPr/>
+        </p:nvSpPr>
+        <p:spPr>
+          <a:xfrm>
+            <a:off x="4067944" y="2276872"/>
+            <a:ext cx="936104" cy="461665"/>
+          </a:xfrm>
+          <a:prstGeom prst="rightArrow">
+            <a:avLst/>
+          </a:prstGeom>
+          <a:solidFill>
+            <a:srgbClr val="FFC000"/>
+          </a:solidFill>
+          <a:ln w="12700"/>
+        </p:spPr>
+        <p:style>
+          <a:lnRef idx="2">
+            <a:schemeClr val="accent1">
+              <a:shade val="50000"/>
+            </a:schemeClr>
+          </a:lnRef>
+          <a:fillRef idx="1">
+            <a:schemeClr val="accent1"/>
+          </a:fillRef>
+          <a:effectRef idx="0">
+            <a:schemeClr val="accent1"/>
+          </a:effectRef>
+          <a:fontRef idx="minor">
+            <a:schemeClr val="lt1"/>
+          </a:fontRef>
+        </p:style>
+        <p:txBody>
+          <a:bodyPr rtlCol="0" anchor="ctr"/>
+          <a:lstStyle/>
+          <a:p>
+            <a:pPr algn="ctr"/>
+            <a:endParaRPr lang="ko-KR" altLang="en-US">
+              <a:solidFill>
+                <a:schemeClr val="tx1"/>
+              </a:solidFill>
+              <a:latin typeface="Consolas" pitchFamily="49" charset="0"/>
+              <a:cs typeface="Consolas" pitchFamily="49" charset="0"/>
+            </a:endParaRPr>
+          </a:p>
+        </p:txBody>
+      </p:sp>
+      <p:sp>
+        <p:nvSpPr>
+          <p:cNvPr id="10" name="직사각형 9">
+            <a:extLst>
+              <a:ext uri="{FF2B5EF4-FFF2-40B4-BE49-F238E27FC236}">
+                <a16:creationId xmlns:a16="http://schemas.microsoft.com/office/drawing/2014/main" id="{D6C4E03D-216B-4D60-A191-4154F8A6DBD5}"/>
+              </a:ext>
+            </a:extLst>
+          </p:cNvPr>
+          <p:cNvSpPr/>
+          <p:nvPr/>
+        </p:nvSpPr>
+        <p:spPr>
+          <a:xfrm>
+            <a:off x="8004576" y="1422068"/>
+            <a:ext cx="2472079" cy="369332"/>
+          </a:xfrm>
+          <a:prstGeom prst="rect">
+            <a:avLst/>
+          </a:prstGeom>
+          <a:solidFill>
+            <a:srgbClr val="FFC000"/>
+          </a:solidFill>
+          <a:ln w="12700"/>
+        </p:spPr>
+        <p:style>
+          <a:lnRef idx="2">
+            <a:schemeClr val="accent1">
+              <a:shade val="50000"/>
+            </a:schemeClr>
+          </a:lnRef>
+          <a:fillRef idx="1">
+            <a:schemeClr val="accent1"/>
+          </a:fillRef>
+          <a:effectRef idx="0">
+            <a:schemeClr val="accent1"/>
+          </a:effectRef>
+          <a:fontRef idx="minor">
+            <a:schemeClr val="lt1"/>
+          </a:fontRef>
+        </p:style>
+        <p:txBody>
+          <a:bodyPr rtlCol="0" anchor="ctr"/>
+          <a:lstStyle/>
+          <a:p>
+            <a:pPr algn="ctr"/>
+            <a:r>
+              <a:rPr lang="en-US" altLang="ko-KR">
+                <a:solidFill>
+                  <a:schemeClr val="tx1"/>
+                </a:solidFill>
+                <a:latin typeface="Consolas" pitchFamily="49" charset="0"/>
+                <a:cs typeface="Consolas" pitchFamily="49" charset="0"/>
+              </a:rPr>
+              <a:t>MediaPlayerService</a:t>
+            </a:r>
+            <a:endParaRPr lang="ko-KR" altLang="en-US">
+              <a:solidFill>
+                <a:schemeClr val="tx1"/>
+              </a:solidFill>
+              <a:latin typeface="Consolas" pitchFamily="49" charset="0"/>
+              <a:cs typeface="Consolas" pitchFamily="49" charset="0"/>
+            </a:endParaRPr>
+          </a:p>
+        </p:txBody>
+      </p:sp>
+      <p:sp>
+        <p:nvSpPr>
+          <p:cNvPr id="11" name="직사각형 10">
+            <a:extLst>
+              <a:ext uri="{FF2B5EF4-FFF2-40B4-BE49-F238E27FC236}">
+                <a16:creationId xmlns:a16="http://schemas.microsoft.com/office/drawing/2014/main" id="{16D91E47-51D6-432D-B964-FD1CB6CDDEAF}"/>
+              </a:ext>
+            </a:extLst>
+          </p:cNvPr>
+          <p:cNvSpPr/>
+          <p:nvPr/>
+        </p:nvSpPr>
+        <p:spPr>
+          <a:xfrm>
+            <a:off x="8004575" y="1791400"/>
+            <a:ext cx="2472079" cy="369332"/>
+          </a:xfrm>
+          <a:prstGeom prst="rect">
+            <a:avLst/>
+          </a:prstGeom>
+          <a:solidFill>
+            <a:srgbClr val="FFFF00"/>
+          </a:solidFill>
+          <a:ln w="12700"/>
+        </p:spPr>
+        <p:style>
+          <a:lnRef idx="2">
+            <a:schemeClr val="accent1">
+              <a:shade val="50000"/>
+            </a:schemeClr>
+          </a:lnRef>
+          <a:fillRef idx="1">
+            <a:schemeClr val="accent1"/>
+          </a:fillRef>
+          <a:effectRef idx="0">
+            <a:schemeClr val="accent1"/>
+          </a:effectRef>
+          <a:fontRef idx="minor">
+            <a:schemeClr val="lt1"/>
+          </a:fontRef>
+        </p:style>
+        <p:txBody>
+          <a:bodyPr rtlCol="0" anchor="ctr"/>
+          <a:lstStyle/>
+          <a:p>
+            <a:pPr algn="ctr"/>
+            <a:endParaRPr lang="ko-KR" altLang="en-US">
+              <a:solidFill>
+                <a:schemeClr val="tx1"/>
+              </a:solidFill>
+              <a:latin typeface="Consolas" pitchFamily="49" charset="0"/>
+              <a:cs typeface="Consolas" pitchFamily="49" charset="0"/>
+            </a:endParaRPr>
+          </a:p>
+        </p:txBody>
+      </p:sp>
+      <p:sp>
+        <p:nvSpPr>
+          <p:cNvPr id="12" name="직사각형 11">
+            <a:extLst>
+              <a:ext uri="{FF2B5EF4-FFF2-40B4-BE49-F238E27FC236}">
+                <a16:creationId xmlns:a16="http://schemas.microsoft.com/office/drawing/2014/main" id="{7158C449-CD5F-483C-B40F-C67E0A3FB646}"/>
+              </a:ext>
+            </a:extLst>
+          </p:cNvPr>
+          <p:cNvSpPr/>
+          <p:nvPr/>
+        </p:nvSpPr>
+        <p:spPr>
+          <a:xfrm>
+            <a:off x="8004574" y="2160732"/>
+            <a:ext cx="2472079" cy="369332"/>
+          </a:xfrm>
+          <a:prstGeom prst="rect">
+            <a:avLst/>
+          </a:prstGeom>
+          <a:solidFill>
+            <a:srgbClr val="FFFF00"/>
+          </a:solidFill>
+          <a:ln w="12700"/>
+        </p:spPr>
+        <p:style>
+          <a:lnRef idx="2">
+            <a:schemeClr val="accent1">
+              <a:shade val="50000"/>
+            </a:schemeClr>
+          </a:lnRef>
+          <a:fillRef idx="1">
+            <a:schemeClr val="accent1"/>
+          </a:fillRef>
+          <a:effectRef idx="0">
+            <a:schemeClr val="accent1"/>
+          </a:effectRef>
+          <a:fontRef idx="minor">
+            <a:schemeClr val="lt1"/>
+          </a:fontRef>
+        </p:style>
+        <p:txBody>
+          <a:bodyPr rtlCol="0" anchor="ctr"/>
+          <a:lstStyle/>
+          <a:p>
+            <a:pPr algn="ctr"/>
+            <a:r>
+              <a:rPr lang="en-US" altLang="ko-KR">
+                <a:solidFill>
+                  <a:schemeClr val="tx1"/>
+                </a:solidFill>
+                <a:latin typeface="Consolas" pitchFamily="49" charset="0"/>
+                <a:cs typeface="Consolas" pitchFamily="49" charset="0"/>
+              </a:rPr>
+              <a:t>Play();</a:t>
+            </a:r>
+            <a:endParaRPr lang="ko-KR" altLang="en-US">
+              <a:solidFill>
+                <a:schemeClr val="tx1"/>
+              </a:solidFill>
+              <a:latin typeface="Consolas" pitchFamily="49" charset="0"/>
+              <a:cs typeface="Consolas" pitchFamily="49" charset="0"/>
+            </a:endParaRPr>
+          </a:p>
+        </p:txBody>
+      </p:sp>
+      <p:sp>
+        <p:nvSpPr>
+          <p:cNvPr id="13" name="직사각형 12">
+            <a:extLst>
+              <a:ext uri="{FF2B5EF4-FFF2-40B4-BE49-F238E27FC236}">
+                <a16:creationId xmlns:a16="http://schemas.microsoft.com/office/drawing/2014/main" id="{255A391F-A66D-4C8D-8812-9F3637A7BFF3}"/>
+              </a:ext>
+            </a:extLst>
+          </p:cNvPr>
+          <p:cNvSpPr/>
+          <p:nvPr/>
+        </p:nvSpPr>
+        <p:spPr>
+          <a:xfrm>
+            <a:off x="8004573" y="2530064"/>
+            <a:ext cx="2472079" cy="369332"/>
+          </a:xfrm>
+          <a:prstGeom prst="rect">
+            <a:avLst/>
+          </a:prstGeom>
+          <a:solidFill>
+            <a:srgbClr val="FFFF00"/>
+          </a:solidFill>
+          <a:ln w="12700"/>
+        </p:spPr>
+        <p:style>
+          <a:lnRef idx="2">
+            <a:schemeClr val="accent1">
+              <a:shade val="50000"/>
+            </a:schemeClr>
+          </a:lnRef>
+          <a:fillRef idx="1">
+            <a:schemeClr val="accent1"/>
+          </a:fillRef>
+          <a:effectRef idx="0">
+            <a:schemeClr val="accent1"/>
+          </a:effectRef>
+          <a:fontRef idx="minor">
+            <a:schemeClr val="lt1"/>
+          </a:fontRef>
+        </p:style>
+        <p:txBody>
+          <a:bodyPr rtlCol="0" anchor="ctr"/>
+          <a:lstStyle/>
+          <a:p>
+            <a:pPr algn="ctr"/>
+            <a:endParaRPr lang="ko-KR" altLang="en-US">
+              <a:solidFill>
+                <a:schemeClr val="tx1"/>
+              </a:solidFill>
+              <a:latin typeface="Consolas" pitchFamily="49" charset="0"/>
+              <a:cs typeface="Consolas" pitchFamily="49" charset="0"/>
+            </a:endParaRPr>
+          </a:p>
+        </p:txBody>
+      </p:sp>
+      <p:sp>
+        <p:nvSpPr>
+          <p:cNvPr id="14" name="TextBox 13">
+            <a:extLst>
+              <a:ext uri="{FF2B5EF4-FFF2-40B4-BE49-F238E27FC236}">
+                <a16:creationId xmlns:a16="http://schemas.microsoft.com/office/drawing/2014/main" id="{078DFACF-70D3-43BE-AEF3-3EC26A55BCB8}"/>
+              </a:ext>
+            </a:extLst>
+          </p:cNvPr>
+          <p:cNvSpPr txBox="1"/>
+          <p:nvPr/>
+        </p:nvSpPr>
+        <p:spPr>
+          <a:xfrm>
+            <a:off x="10476652" y="1237402"/>
+            <a:ext cx="944489" cy="369332"/>
+          </a:xfrm>
+          <a:prstGeom prst="rect">
+            <a:avLst/>
+          </a:prstGeom>
+          <a:noFill/>
+        </p:spPr>
+        <p:txBody>
+          <a:bodyPr wrap="none" rtlCol="0">
+            <a:spAutoFit/>
+          </a:bodyPr>
+          <a:lstStyle/>
+          <a:p>
+            <a:r>
+              <a:rPr lang="en-US" altLang="ko-KR">
+                <a:latin typeface="Consolas" pitchFamily="49" charset="0"/>
+                <a:cs typeface="Consolas" pitchFamily="49" charset="0"/>
+              </a:rPr>
+              <a:t>0x1000</a:t>
+            </a:r>
+            <a:endParaRPr lang="ko-KR" altLang="en-US">
+              <a:latin typeface="Consolas" pitchFamily="49" charset="0"/>
+              <a:cs typeface="Consolas" pitchFamily="49" charset="0"/>
+            </a:endParaRPr>
+          </a:p>
+        </p:txBody>
+      </p:sp>
+      <p:sp>
+        <p:nvSpPr>
+          <p:cNvPr id="15" name="직사각형 14">
+            <a:extLst>
+              <a:ext uri="{FF2B5EF4-FFF2-40B4-BE49-F238E27FC236}">
+                <a16:creationId xmlns:a16="http://schemas.microsoft.com/office/drawing/2014/main" id="{97825B72-8EC8-4299-867A-9545CDB0FB79}"/>
+              </a:ext>
+            </a:extLst>
+          </p:cNvPr>
+          <p:cNvSpPr/>
+          <p:nvPr/>
+        </p:nvSpPr>
+        <p:spPr>
+          <a:xfrm>
+            <a:off x="1859759" y="3059668"/>
+            <a:ext cx="1296144" cy="369332"/>
+          </a:xfrm>
+          <a:prstGeom prst="rect">
+            <a:avLst/>
+          </a:prstGeom>
+          <a:solidFill>
+            <a:srgbClr val="FFFF00"/>
+          </a:solidFill>
+          <a:ln w="12700"/>
+        </p:spPr>
+        <p:style>
+          <a:lnRef idx="2">
+            <a:schemeClr val="accent1">
+              <a:shade val="50000"/>
+            </a:schemeClr>
+          </a:lnRef>
+          <a:fillRef idx="1">
+            <a:schemeClr val="accent1"/>
+          </a:fillRef>
+          <a:effectRef idx="0">
+            <a:schemeClr val="accent1"/>
+          </a:effectRef>
+          <a:fontRef idx="minor">
+            <a:schemeClr val="lt1"/>
+          </a:fontRef>
+        </p:style>
+        <p:txBody>
+          <a:bodyPr rtlCol="0" anchor="ctr"/>
+          <a:lstStyle/>
+          <a:p>
+            <a:pPr algn="ctr"/>
+            <a:r>
+              <a:rPr lang="en-US" altLang="ko-KR">
+                <a:solidFill>
+                  <a:schemeClr val="tx1"/>
+                </a:solidFill>
+                <a:latin typeface="Consolas" pitchFamily="49" charset="0"/>
+                <a:cs typeface="Consolas" pitchFamily="49" charset="0"/>
+              </a:rPr>
+              <a:t>0x1000</a:t>
+            </a:r>
+            <a:endParaRPr lang="ko-KR" altLang="en-US">
+              <a:solidFill>
+                <a:schemeClr val="tx1"/>
+              </a:solidFill>
+              <a:latin typeface="Consolas" pitchFamily="49" charset="0"/>
+              <a:cs typeface="Consolas" pitchFamily="49" charset="0"/>
+            </a:endParaRPr>
+          </a:p>
+        </p:txBody>
+      </p:sp>
+      <p:sp>
+        <p:nvSpPr>
+          <p:cNvPr id="16" name="화살표: 오른쪽 15">
+            <a:extLst>
+              <a:ext uri="{FF2B5EF4-FFF2-40B4-BE49-F238E27FC236}">
+                <a16:creationId xmlns:a16="http://schemas.microsoft.com/office/drawing/2014/main" id="{E3627D34-B69D-4D71-88D4-28D218AA0880}"/>
+              </a:ext>
+            </a:extLst>
+          </p:cNvPr>
+          <p:cNvSpPr/>
+          <p:nvPr/>
+        </p:nvSpPr>
+        <p:spPr>
+          <a:xfrm>
+            <a:off x="3443935" y="2996952"/>
+            <a:ext cx="936104" cy="461665"/>
+          </a:xfrm>
+          <a:prstGeom prst="rightArrow">
+            <a:avLst/>
+          </a:prstGeom>
+          <a:solidFill>
+            <a:srgbClr val="FFC000"/>
+          </a:solidFill>
+          <a:ln w="12700"/>
+        </p:spPr>
+        <p:style>
+          <a:lnRef idx="2">
+            <a:schemeClr val="accent1">
+              <a:shade val="50000"/>
+            </a:schemeClr>
+          </a:lnRef>
+          <a:fillRef idx="1">
+            <a:schemeClr val="accent1"/>
+          </a:fillRef>
+          <a:effectRef idx="0">
+            <a:schemeClr val="accent1"/>
+          </a:effectRef>
+          <a:fontRef idx="minor">
+            <a:schemeClr val="lt1"/>
+          </a:fontRef>
+        </p:style>
+        <p:txBody>
+          <a:bodyPr rtlCol="0" anchor="ctr"/>
+          <a:lstStyle/>
+          <a:p>
+            <a:pPr algn="ctr"/>
+            <a:endParaRPr lang="ko-KR" altLang="en-US">
+              <a:solidFill>
+                <a:schemeClr val="tx1"/>
+              </a:solidFill>
+              <a:latin typeface="Consolas" pitchFamily="49" charset="0"/>
+              <a:cs typeface="Consolas" pitchFamily="49" charset="0"/>
+            </a:endParaRPr>
+          </a:p>
+        </p:txBody>
+      </p:sp>
     </p:spTree>
     <p:extLst>
       <p:ext uri="{BB962C8B-B14F-4D97-AF65-F5344CB8AC3E}">
         <p14:creationId xmlns:p14="http://schemas.microsoft.com/office/powerpoint/2010/main" val="3262627284"/>
+      </p:ext>
+    </p:extLst>
+  </p:cSld>
+  <p:clrMapOvr>
+    <a:masterClrMapping/>
+  </p:clrMapOvr>
+</p:sld>
+</file>
+
+<file path=ppt/slides/slide16.xml><?xml version="1.0" encoding="utf-8"?>
+<p:sld xmlns:a="http://schemas.openxmlformats.org/drawingml/2006/main" xmlns:r="http://schemas.openxmlformats.org/officeDocument/2006/relationships" xmlns:p="http://schemas.openxmlformats.org/presentationml/2006/main">
+  <p:cSld>
+    <p:spTree>
+      <p:nvGrpSpPr>
+        <p:cNvPr id="1" name=""/>
+        <p:cNvGrpSpPr/>
+        <p:nvPr/>
+      </p:nvGrpSpPr>
+      <p:grpSpPr>
+        <a:xfrm>
+          <a:off x="0" y="0"/>
+          <a:ext cx="0" cy="0"/>
+          <a:chOff x="0" y="0"/>
+          <a:chExt cx="0" cy="0"/>
+        </a:xfrm>
+      </p:grpSpPr>
+      <p:sp>
+        <p:nvSpPr>
+          <p:cNvPr id="4" name="TextBox 3">
+            <a:extLst>
+              <a:ext uri="{FF2B5EF4-FFF2-40B4-BE49-F238E27FC236}">
+                <a16:creationId xmlns:a16="http://schemas.microsoft.com/office/drawing/2014/main" id="{A5BCED7F-FD3D-475F-98B8-F4C99481EB3B}"/>
+              </a:ext>
+            </a:extLst>
+          </p:cNvPr>
+          <p:cNvSpPr txBox="1"/>
+          <p:nvPr/>
+        </p:nvSpPr>
+        <p:spPr>
+          <a:xfrm>
+            <a:off x="539552" y="260648"/>
+            <a:ext cx="7151317" cy="1200329"/>
+          </a:xfrm>
+          <a:prstGeom prst="rect">
+            <a:avLst/>
+          </a:prstGeom>
+          <a:noFill/>
+        </p:spPr>
+        <p:txBody>
+          <a:bodyPr wrap="none" rtlCol="0">
+            <a:spAutoFit/>
+          </a:bodyPr>
+          <a:lstStyle/>
+          <a:p>
+            <a:r>
+              <a:rPr lang="en-US" altLang="ko-KR" sz="2400">
+                <a:latin typeface="Consolas" pitchFamily="49" charset="0"/>
+                <a:cs typeface="Consolas" pitchFamily="49" charset="0"/>
+              </a:rPr>
+              <a:t>ProcessState::self()-&gt;startThreadPool();</a:t>
+            </a:r>
+          </a:p>
+          <a:p>
+            <a:r>
+              <a:rPr lang="en-US" altLang="ko-KR" sz="2400">
+                <a:latin typeface="Consolas" pitchFamily="49" charset="0"/>
+                <a:cs typeface="Consolas" pitchFamily="49" charset="0"/>
+              </a:rPr>
+              <a:t>IPCThreadState::self()-&gt;joinThreadPool();</a:t>
+            </a:r>
+          </a:p>
+          <a:p>
+            <a:endParaRPr lang="ko-KR" altLang="en-US" sz="2400">
+              <a:latin typeface="Consolas" pitchFamily="49" charset="0"/>
+              <a:cs typeface="Consolas" pitchFamily="49" charset="0"/>
+            </a:endParaRPr>
+          </a:p>
+        </p:txBody>
+      </p:sp>
+      <p:sp>
+        <p:nvSpPr>
+          <p:cNvPr id="5" name="직사각형 4">
+            <a:extLst>
+              <a:ext uri="{FF2B5EF4-FFF2-40B4-BE49-F238E27FC236}">
+                <a16:creationId xmlns:a16="http://schemas.microsoft.com/office/drawing/2014/main" id="{B58D49EA-6CCB-4336-A4D3-E2254E583379}"/>
+              </a:ext>
+            </a:extLst>
+          </p:cNvPr>
+          <p:cNvSpPr/>
+          <p:nvPr/>
+        </p:nvSpPr>
+        <p:spPr>
+          <a:xfrm>
+            <a:off x="4658725" y="1822675"/>
+            <a:ext cx="2088232" cy="1318293"/>
+          </a:xfrm>
+          <a:prstGeom prst="rect">
+            <a:avLst/>
+          </a:prstGeom>
+          <a:solidFill>
+            <a:srgbClr val="FFFF00"/>
+          </a:solidFill>
+          <a:ln w="12700"/>
+        </p:spPr>
+        <p:style>
+          <a:lnRef idx="2">
+            <a:schemeClr val="accent1">
+              <a:shade val="50000"/>
+            </a:schemeClr>
+          </a:lnRef>
+          <a:fillRef idx="1">
+            <a:schemeClr val="accent1"/>
+          </a:fillRef>
+          <a:effectRef idx="0">
+            <a:schemeClr val="accent1"/>
+          </a:effectRef>
+          <a:fontRef idx="minor">
+            <a:schemeClr val="lt1"/>
+          </a:fontRef>
+        </p:style>
+        <p:txBody>
+          <a:bodyPr rtlCol="0" anchor="ctr"/>
+          <a:lstStyle/>
+          <a:p>
+            <a:pPr algn="ctr"/>
+            <a:endParaRPr lang="ko-KR" altLang="en-US">
+              <a:solidFill>
+                <a:schemeClr val="tx1"/>
+              </a:solidFill>
+              <a:latin typeface="Consolas" pitchFamily="49" charset="0"/>
+              <a:cs typeface="Consolas" pitchFamily="49" charset="0"/>
+            </a:endParaRPr>
+          </a:p>
+        </p:txBody>
+      </p:sp>
+      <p:sp>
+        <p:nvSpPr>
+          <p:cNvPr id="6" name="TextBox 5">
+            <a:extLst>
+              <a:ext uri="{FF2B5EF4-FFF2-40B4-BE49-F238E27FC236}">
+                <a16:creationId xmlns:a16="http://schemas.microsoft.com/office/drawing/2014/main" id="{4022C35F-88AF-4CE3-A0FD-1840DCB42D6D}"/>
+              </a:ext>
+            </a:extLst>
+          </p:cNvPr>
+          <p:cNvSpPr txBox="1"/>
+          <p:nvPr/>
+        </p:nvSpPr>
+        <p:spPr>
+          <a:xfrm>
+            <a:off x="4788024" y="1412776"/>
+            <a:ext cx="1577676" cy="369332"/>
+          </a:xfrm>
+          <a:prstGeom prst="rect">
+            <a:avLst/>
+          </a:prstGeom>
+          <a:noFill/>
+        </p:spPr>
+        <p:txBody>
+          <a:bodyPr wrap="none" rtlCol="0">
+            <a:spAutoFit/>
+          </a:bodyPr>
+          <a:lstStyle/>
+          <a:p>
+            <a:r>
+              <a:rPr lang="en-US" altLang="ko-KR">
+                <a:latin typeface="Consolas" pitchFamily="49" charset="0"/>
+                <a:cs typeface="Consolas" pitchFamily="49" charset="0"/>
+              </a:rPr>
+              <a:t>mediaserver</a:t>
+            </a:r>
+            <a:endParaRPr lang="ko-KR" altLang="en-US">
+              <a:latin typeface="Consolas" pitchFamily="49" charset="0"/>
+              <a:cs typeface="Consolas" pitchFamily="49" charset="0"/>
+            </a:endParaRPr>
+          </a:p>
+        </p:txBody>
+      </p:sp>
+      <p:sp>
+        <p:nvSpPr>
+          <p:cNvPr id="7" name="TextBox 6">
+            <a:extLst>
+              <a:ext uri="{FF2B5EF4-FFF2-40B4-BE49-F238E27FC236}">
+                <a16:creationId xmlns:a16="http://schemas.microsoft.com/office/drawing/2014/main" id="{627549A1-48B8-467A-BB9D-377429838B23}"/>
+              </a:ext>
+            </a:extLst>
+          </p:cNvPr>
+          <p:cNvSpPr txBox="1"/>
+          <p:nvPr/>
+        </p:nvSpPr>
+        <p:spPr>
+          <a:xfrm>
+            <a:off x="4523795" y="3159876"/>
+            <a:ext cx="5376793" cy="646331"/>
+          </a:xfrm>
+          <a:prstGeom prst="rect">
+            <a:avLst/>
+          </a:prstGeom>
+          <a:noFill/>
+        </p:spPr>
+        <p:txBody>
+          <a:bodyPr wrap="none" rtlCol="0">
+            <a:spAutoFit/>
+          </a:bodyPr>
+          <a:lstStyle/>
+          <a:p>
+            <a:r>
+              <a:rPr lang="en-US" altLang="ko-KR">
+                <a:latin typeface="Consolas" pitchFamily="49" charset="0"/>
+                <a:cs typeface="Consolas" pitchFamily="49" charset="0"/>
+              </a:rPr>
+              <a:t>IPCThreadState::self()-&gt;joinThreadPool();</a:t>
+            </a:r>
+          </a:p>
+          <a:p>
+            <a:r>
+              <a:rPr lang="en-US" altLang="ko-KR">
+                <a:latin typeface="Consolas" pitchFamily="49" charset="0"/>
+                <a:cs typeface="Consolas" pitchFamily="49" charset="0"/>
+              </a:rPr>
+              <a:t>((BBinder*)cookie)-&gt;tracsact();</a:t>
+            </a:r>
+            <a:endParaRPr lang="ko-KR" altLang="en-US">
+              <a:latin typeface="Consolas" pitchFamily="49" charset="0"/>
+              <a:cs typeface="Consolas" pitchFamily="49" charset="0"/>
+            </a:endParaRPr>
+          </a:p>
+        </p:txBody>
+      </p:sp>
+      <p:sp>
+        <p:nvSpPr>
+          <p:cNvPr id="8" name="직사각형 7">
+            <a:extLst>
+              <a:ext uri="{FF2B5EF4-FFF2-40B4-BE49-F238E27FC236}">
+                <a16:creationId xmlns:a16="http://schemas.microsoft.com/office/drawing/2014/main" id="{F124475C-5E2B-44CC-9911-05D669739C1F}"/>
+              </a:ext>
+            </a:extLst>
+          </p:cNvPr>
+          <p:cNvSpPr/>
+          <p:nvPr/>
+        </p:nvSpPr>
+        <p:spPr>
+          <a:xfrm>
+            <a:off x="1907704" y="2699628"/>
+            <a:ext cx="1296144" cy="369332"/>
+          </a:xfrm>
+          <a:prstGeom prst="rect">
+            <a:avLst/>
+          </a:prstGeom>
+          <a:solidFill>
+            <a:srgbClr val="FFFF00"/>
+          </a:solidFill>
+          <a:ln w="12700"/>
+        </p:spPr>
+        <p:style>
+          <a:lnRef idx="2">
+            <a:schemeClr val="accent1">
+              <a:shade val="50000"/>
+            </a:schemeClr>
+          </a:lnRef>
+          <a:fillRef idx="1">
+            <a:schemeClr val="accent1"/>
+          </a:fillRef>
+          <a:effectRef idx="0">
+            <a:schemeClr val="accent1"/>
+          </a:effectRef>
+          <a:fontRef idx="minor">
+            <a:schemeClr val="lt1"/>
+          </a:fontRef>
+        </p:style>
+        <p:txBody>
+          <a:bodyPr rtlCol="0" anchor="ctr"/>
+          <a:lstStyle/>
+          <a:p>
+            <a:pPr algn="ctr"/>
+            <a:r>
+              <a:rPr lang="en-US" altLang="ko-KR">
+                <a:solidFill>
+                  <a:schemeClr val="tx1"/>
+                </a:solidFill>
+                <a:latin typeface="Consolas" pitchFamily="49" charset="0"/>
+                <a:cs typeface="Consolas" pitchFamily="49" charset="0"/>
+              </a:rPr>
+              <a:t>0x1000</a:t>
+            </a:r>
+            <a:endParaRPr lang="ko-KR" altLang="en-US">
+              <a:solidFill>
+                <a:schemeClr val="tx1"/>
+              </a:solidFill>
+              <a:latin typeface="Consolas" pitchFamily="49" charset="0"/>
+              <a:cs typeface="Consolas" pitchFamily="49" charset="0"/>
+            </a:endParaRPr>
+          </a:p>
+        </p:txBody>
+      </p:sp>
+      <p:sp>
+        <p:nvSpPr>
+          <p:cNvPr id="9" name="화살표: 오른쪽 8">
+            <a:extLst>
+              <a:ext uri="{FF2B5EF4-FFF2-40B4-BE49-F238E27FC236}">
+                <a16:creationId xmlns:a16="http://schemas.microsoft.com/office/drawing/2014/main" id="{ABDC4BCA-840F-4BAF-83FF-98182E1F732A}"/>
+              </a:ext>
+            </a:extLst>
+          </p:cNvPr>
+          <p:cNvSpPr/>
+          <p:nvPr/>
+        </p:nvSpPr>
+        <p:spPr>
+          <a:xfrm>
+            <a:off x="3491880" y="2636912"/>
+            <a:ext cx="936104" cy="461665"/>
+          </a:xfrm>
+          <a:prstGeom prst="rightArrow">
+            <a:avLst/>
+          </a:prstGeom>
+          <a:solidFill>
+            <a:srgbClr val="FFC000"/>
+          </a:solidFill>
+          <a:ln w="12700"/>
+        </p:spPr>
+        <p:style>
+          <a:lnRef idx="2">
+            <a:schemeClr val="accent1">
+              <a:shade val="50000"/>
+            </a:schemeClr>
+          </a:lnRef>
+          <a:fillRef idx="1">
+            <a:schemeClr val="accent1"/>
+          </a:fillRef>
+          <a:effectRef idx="0">
+            <a:schemeClr val="accent1"/>
+          </a:effectRef>
+          <a:fontRef idx="minor">
+            <a:schemeClr val="lt1"/>
+          </a:fontRef>
+        </p:style>
+        <p:txBody>
+          <a:bodyPr rtlCol="0" anchor="ctr"/>
+          <a:lstStyle/>
+          <a:p>
+            <a:pPr algn="ctr"/>
+            <a:endParaRPr lang="ko-KR" altLang="en-US">
+              <a:solidFill>
+                <a:schemeClr val="tx1"/>
+              </a:solidFill>
+              <a:latin typeface="Consolas" pitchFamily="49" charset="0"/>
+              <a:cs typeface="Consolas" pitchFamily="49" charset="0"/>
+            </a:endParaRPr>
+          </a:p>
+        </p:txBody>
+      </p:sp>
+      <p:sp>
+        <p:nvSpPr>
+          <p:cNvPr id="10" name="직사각형 9">
+            <a:extLst>
+              <a:ext uri="{FF2B5EF4-FFF2-40B4-BE49-F238E27FC236}">
+                <a16:creationId xmlns:a16="http://schemas.microsoft.com/office/drawing/2014/main" id="{D6C4E03D-216B-4D60-A191-4154F8A6DBD5}"/>
+              </a:ext>
+            </a:extLst>
+          </p:cNvPr>
+          <p:cNvSpPr/>
+          <p:nvPr/>
+        </p:nvSpPr>
+        <p:spPr>
+          <a:xfrm>
+            <a:off x="7614832" y="1520418"/>
+            <a:ext cx="2472079" cy="369332"/>
+          </a:xfrm>
+          <a:prstGeom prst="rect">
+            <a:avLst/>
+          </a:prstGeom>
+          <a:solidFill>
+            <a:srgbClr val="FFC000"/>
+          </a:solidFill>
+          <a:ln w="12700"/>
+        </p:spPr>
+        <p:style>
+          <a:lnRef idx="2">
+            <a:schemeClr val="accent1">
+              <a:shade val="50000"/>
+            </a:schemeClr>
+          </a:lnRef>
+          <a:fillRef idx="1">
+            <a:schemeClr val="accent1"/>
+          </a:fillRef>
+          <a:effectRef idx="0">
+            <a:schemeClr val="accent1"/>
+          </a:effectRef>
+          <a:fontRef idx="minor">
+            <a:schemeClr val="lt1"/>
+          </a:fontRef>
+        </p:style>
+        <p:txBody>
+          <a:bodyPr rtlCol="0" anchor="ctr"/>
+          <a:lstStyle/>
+          <a:p>
+            <a:pPr algn="ctr"/>
+            <a:r>
+              <a:rPr lang="en-US" altLang="ko-KR">
+                <a:solidFill>
+                  <a:schemeClr val="tx1"/>
+                </a:solidFill>
+                <a:latin typeface="Consolas" pitchFamily="49" charset="0"/>
+                <a:cs typeface="Consolas" pitchFamily="49" charset="0"/>
+              </a:rPr>
+              <a:t>MediaPlayerService</a:t>
+            </a:r>
+            <a:endParaRPr lang="ko-KR" altLang="en-US">
+              <a:solidFill>
+                <a:schemeClr val="tx1"/>
+              </a:solidFill>
+              <a:latin typeface="Consolas" pitchFamily="49" charset="0"/>
+              <a:cs typeface="Consolas" pitchFamily="49" charset="0"/>
+            </a:endParaRPr>
+          </a:p>
+        </p:txBody>
+      </p:sp>
+      <p:sp>
+        <p:nvSpPr>
+          <p:cNvPr id="11" name="직사각형 10">
+            <a:extLst>
+              <a:ext uri="{FF2B5EF4-FFF2-40B4-BE49-F238E27FC236}">
+                <a16:creationId xmlns:a16="http://schemas.microsoft.com/office/drawing/2014/main" id="{16D91E47-51D6-432D-B964-FD1CB6CDDEAF}"/>
+              </a:ext>
+            </a:extLst>
+          </p:cNvPr>
+          <p:cNvSpPr/>
+          <p:nvPr/>
+        </p:nvSpPr>
+        <p:spPr>
+          <a:xfrm>
+            <a:off x="7614831" y="1889750"/>
+            <a:ext cx="2472079" cy="369332"/>
+          </a:xfrm>
+          <a:prstGeom prst="rect">
+            <a:avLst/>
+          </a:prstGeom>
+          <a:solidFill>
+            <a:srgbClr val="FFFF00"/>
+          </a:solidFill>
+          <a:ln w="12700"/>
+        </p:spPr>
+        <p:style>
+          <a:lnRef idx="2">
+            <a:schemeClr val="accent1">
+              <a:shade val="50000"/>
+            </a:schemeClr>
+          </a:lnRef>
+          <a:fillRef idx="1">
+            <a:schemeClr val="accent1"/>
+          </a:fillRef>
+          <a:effectRef idx="0">
+            <a:schemeClr val="accent1"/>
+          </a:effectRef>
+          <a:fontRef idx="minor">
+            <a:schemeClr val="lt1"/>
+          </a:fontRef>
+        </p:style>
+        <p:txBody>
+          <a:bodyPr rtlCol="0" anchor="ctr"/>
+          <a:lstStyle/>
+          <a:p>
+            <a:pPr algn="ctr"/>
+            <a:endParaRPr lang="ko-KR" altLang="en-US">
+              <a:solidFill>
+                <a:schemeClr val="tx1"/>
+              </a:solidFill>
+              <a:latin typeface="Consolas" pitchFamily="49" charset="0"/>
+              <a:cs typeface="Consolas" pitchFamily="49" charset="0"/>
+            </a:endParaRPr>
+          </a:p>
+        </p:txBody>
+      </p:sp>
+      <p:sp>
+        <p:nvSpPr>
+          <p:cNvPr id="12" name="직사각형 11">
+            <a:extLst>
+              <a:ext uri="{FF2B5EF4-FFF2-40B4-BE49-F238E27FC236}">
+                <a16:creationId xmlns:a16="http://schemas.microsoft.com/office/drawing/2014/main" id="{7158C449-CD5F-483C-B40F-C67E0A3FB646}"/>
+              </a:ext>
+            </a:extLst>
+          </p:cNvPr>
+          <p:cNvSpPr/>
+          <p:nvPr/>
+        </p:nvSpPr>
+        <p:spPr>
+          <a:xfrm>
+            <a:off x="7614830" y="2259082"/>
+            <a:ext cx="2472079" cy="369332"/>
+          </a:xfrm>
+          <a:prstGeom prst="rect">
+            <a:avLst/>
+          </a:prstGeom>
+          <a:solidFill>
+            <a:srgbClr val="FFFF00"/>
+          </a:solidFill>
+          <a:ln w="12700"/>
+        </p:spPr>
+        <p:style>
+          <a:lnRef idx="2">
+            <a:schemeClr val="accent1">
+              <a:shade val="50000"/>
+            </a:schemeClr>
+          </a:lnRef>
+          <a:fillRef idx="1">
+            <a:schemeClr val="accent1"/>
+          </a:fillRef>
+          <a:effectRef idx="0">
+            <a:schemeClr val="accent1"/>
+          </a:effectRef>
+          <a:fontRef idx="minor">
+            <a:schemeClr val="lt1"/>
+          </a:fontRef>
+        </p:style>
+        <p:txBody>
+          <a:bodyPr rtlCol="0" anchor="ctr"/>
+          <a:lstStyle/>
+          <a:p>
+            <a:pPr algn="ctr"/>
+            <a:r>
+              <a:rPr lang="en-US" altLang="ko-KR">
+                <a:solidFill>
+                  <a:schemeClr val="tx1"/>
+                </a:solidFill>
+                <a:latin typeface="Consolas" pitchFamily="49" charset="0"/>
+                <a:cs typeface="Consolas" pitchFamily="49" charset="0"/>
+              </a:rPr>
+              <a:t>Play();</a:t>
+            </a:r>
+            <a:endParaRPr lang="ko-KR" altLang="en-US">
+              <a:solidFill>
+                <a:schemeClr val="tx1"/>
+              </a:solidFill>
+              <a:latin typeface="Consolas" pitchFamily="49" charset="0"/>
+              <a:cs typeface="Consolas" pitchFamily="49" charset="0"/>
+            </a:endParaRPr>
+          </a:p>
+        </p:txBody>
+      </p:sp>
+      <p:sp>
+        <p:nvSpPr>
+          <p:cNvPr id="13" name="직사각형 12">
+            <a:extLst>
+              <a:ext uri="{FF2B5EF4-FFF2-40B4-BE49-F238E27FC236}">
+                <a16:creationId xmlns:a16="http://schemas.microsoft.com/office/drawing/2014/main" id="{255A391F-A66D-4C8D-8812-9F3637A7BFF3}"/>
+              </a:ext>
+            </a:extLst>
+          </p:cNvPr>
+          <p:cNvSpPr/>
+          <p:nvPr/>
+        </p:nvSpPr>
+        <p:spPr>
+          <a:xfrm>
+            <a:off x="7614829" y="2628414"/>
+            <a:ext cx="2472079" cy="369332"/>
+          </a:xfrm>
+          <a:prstGeom prst="rect">
+            <a:avLst/>
+          </a:prstGeom>
+          <a:solidFill>
+            <a:srgbClr val="FFFF00"/>
+          </a:solidFill>
+          <a:ln w="12700"/>
+        </p:spPr>
+        <p:style>
+          <a:lnRef idx="2">
+            <a:schemeClr val="accent1">
+              <a:shade val="50000"/>
+            </a:schemeClr>
+          </a:lnRef>
+          <a:fillRef idx="1">
+            <a:schemeClr val="accent1"/>
+          </a:fillRef>
+          <a:effectRef idx="0">
+            <a:schemeClr val="accent1"/>
+          </a:effectRef>
+          <a:fontRef idx="minor">
+            <a:schemeClr val="lt1"/>
+          </a:fontRef>
+        </p:style>
+        <p:txBody>
+          <a:bodyPr rtlCol="0" anchor="ctr"/>
+          <a:lstStyle/>
+          <a:p>
+            <a:pPr algn="ctr"/>
+            <a:endParaRPr lang="ko-KR" altLang="en-US">
+              <a:solidFill>
+                <a:schemeClr val="tx1"/>
+              </a:solidFill>
+              <a:latin typeface="Consolas" pitchFamily="49" charset="0"/>
+              <a:cs typeface="Consolas" pitchFamily="49" charset="0"/>
+            </a:endParaRPr>
+          </a:p>
+        </p:txBody>
+      </p:sp>
+      <p:sp>
+        <p:nvSpPr>
+          <p:cNvPr id="14" name="TextBox 13">
+            <a:extLst>
+              <a:ext uri="{FF2B5EF4-FFF2-40B4-BE49-F238E27FC236}">
+                <a16:creationId xmlns:a16="http://schemas.microsoft.com/office/drawing/2014/main" id="{078DFACF-70D3-43BE-AEF3-3EC26A55BCB8}"/>
+              </a:ext>
+            </a:extLst>
+          </p:cNvPr>
+          <p:cNvSpPr txBox="1"/>
+          <p:nvPr/>
+        </p:nvSpPr>
+        <p:spPr>
+          <a:xfrm>
+            <a:off x="10086908" y="1335752"/>
+            <a:ext cx="944489" cy="369332"/>
+          </a:xfrm>
+          <a:prstGeom prst="rect">
+            <a:avLst/>
+          </a:prstGeom>
+          <a:noFill/>
+        </p:spPr>
+        <p:txBody>
+          <a:bodyPr wrap="none" rtlCol="0">
+            <a:spAutoFit/>
+          </a:bodyPr>
+          <a:lstStyle/>
+          <a:p>
+            <a:r>
+              <a:rPr lang="en-US" altLang="ko-KR">
+                <a:latin typeface="Consolas" pitchFamily="49" charset="0"/>
+                <a:cs typeface="Consolas" pitchFamily="49" charset="0"/>
+              </a:rPr>
+              <a:t>0x1000</a:t>
+            </a:r>
+            <a:endParaRPr lang="ko-KR" altLang="en-US">
+              <a:latin typeface="Consolas" pitchFamily="49" charset="0"/>
+              <a:cs typeface="Consolas" pitchFamily="49" charset="0"/>
+            </a:endParaRPr>
+          </a:p>
+        </p:txBody>
+      </p:sp>
+      <p:sp>
+        <p:nvSpPr>
+          <p:cNvPr id="15" name="직사각형 14">
+            <a:extLst>
+              <a:ext uri="{FF2B5EF4-FFF2-40B4-BE49-F238E27FC236}">
+                <a16:creationId xmlns:a16="http://schemas.microsoft.com/office/drawing/2014/main" id="{97825B72-8EC8-4299-867A-9545CDB0FB79}"/>
+              </a:ext>
+            </a:extLst>
+          </p:cNvPr>
+          <p:cNvSpPr/>
+          <p:nvPr/>
+        </p:nvSpPr>
+        <p:spPr>
+          <a:xfrm>
+            <a:off x="1907704" y="4566250"/>
+            <a:ext cx="1296144" cy="369332"/>
+          </a:xfrm>
+          <a:prstGeom prst="rect">
+            <a:avLst/>
+          </a:prstGeom>
+          <a:solidFill>
+            <a:srgbClr val="FFFF00"/>
+          </a:solidFill>
+          <a:ln w="12700"/>
+        </p:spPr>
+        <p:style>
+          <a:lnRef idx="2">
+            <a:schemeClr val="accent1">
+              <a:shade val="50000"/>
+            </a:schemeClr>
+          </a:lnRef>
+          <a:fillRef idx="1">
+            <a:schemeClr val="accent1"/>
+          </a:fillRef>
+          <a:effectRef idx="0">
+            <a:schemeClr val="accent1"/>
+          </a:effectRef>
+          <a:fontRef idx="minor">
+            <a:schemeClr val="lt1"/>
+          </a:fontRef>
+        </p:style>
+        <p:txBody>
+          <a:bodyPr rtlCol="0" anchor="ctr"/>
+          <a:lstStyle/>
+          <a:p>
+            <a:pPr algn="ctr"/>
+            <a:r>
+              <a:rPr lang="en-US" altLang="ko-KR">
+                <a:solidFill>
+                  <a:schemeClr val="tx1"/>
+                </a:solidFill>
+                <a:latin typeface="Consolas" pitchFamily="49" charset="0"/>
+                <a:cs typeface="Consolas" pitchFamily="49" charset="0"/>
+              </a:rPr>
+              <a:t>0x1000</a:t>
+            </a:r>
+            <a:endParaRPr lang="ko-KR" altLang="en-US">
+              <a:solidFill>
+                <a:schemeClr val="tx1"/>
+              </a:solidFill>
+              <a:latin typeface="Consolas" pitchFamily="49" charset="0"/>
+              <a:cs typeface="Consolas" pitchFamily="49" charset="0"/>
+            </a:endParaRPr>
+          </a:p>
+        </p:txBody>
+      </p:sp>
+      <p:sp>
+        <p:nvSpPr>
+          <p:cNvPr id="16" name="화살표: 오른쪽 15">
+            <a:extLst>
+              <a:ext uri="{FF2B5EF4-FFF2-40B4-BE49-F238E27FC236}">
+                <a16:creationId xmlns:a16="http://schemas.microsoft.com/office/drawing/2014/main" id="{E3627D34-B69D-4D71-88D4-28D218AA0880}"/>
+              </a:ext>
+            </a:extLst>
+          </p:cNvPr>
+          <p:cNvSpPr/>
+          <p:nvPr/>
+        </p:nvSpPr>
+        <p:spPr>
+          <a:xfrm>
+            <a:off x="3491880" y="4503534"/>
+            <a:ext cx="936104" cy="461665"/>
+          </a:xfrm>
+          <a:prstGeom prst="rightArrow">
+            <a:avLst/>
+          </a:prstGeom>
+          <a:solidFill>
+            <a:srgbClr val="FFC000"/>
+          </a:solidFill>
+          <a:ln w="12700"/>
+        </p:spPr>
+        <p:style>
+          <a:lnRef idx="2">
+            <a:schemeClr val="accent1">
+              <a:shade val="50000"/>
+            </a:schemeClr>
+          </a:lnRef>
+          <a:fillRef idx="1">
+            <a:schemeClr val="accent1"/>
+          </a:fillRef>
+          <a:effectRef idx="0">
+            <a:schemeClr val="accent1"/>
+          </a:effectRef>
+          <a:fontRef idx="minor">
+            <a:schemeClr val="lt1"/>
+          </a:fontRef>
+        </p:style>
+        <p:txBody>
+          <a:bodyPr rtlCol="0" anchor="ctr"/>
+          <a:lstStyle/>
+          <a:p>
+            <a:pPr algn="ctr"/>
+            <a:endParaRPr lang="ko-KR" altLang="en-US">
+              <a:solidFill>
+                <a:schemeClr val="tx1"/>
+              </a:solidFill>
+              <a:latin typeface="Consolas" pitchFamily="49" charset="0"/>
+              <a:cs typeface="Consolas" pitchFamily="49" charset="0"/>
+            </a:endParaRPr>
+          </a:p>
+        </p:txBody>
+      </p:sp>
+      <p:sp>
+        <p:nvSpPr>
+          <p:cNvPr id="17" name="직사각형 16">
+            <a:extLst>
+              <a:ext uri="{FF2B5EF4-FFF2-40B4-BE49-F238E27FC236}">
+                <a16:creationId xmlns:a16="http://schemas.microsoft.com/office/drawing/2014/main" id="{389C17CE-3954-49EA-951C-ED527A214BF7}"/>
+              </a:ext>
+            </a:extLst>
+          </p:cNvPr>
+          <p:cNvSpPr/>
+          <p:nvPr/>
+        </p:nvSpPr>
+        <p:spPr>
+          <a:xfrm>
+            <a:off x="5463870" y="4477413"/>
+            <a:ext cx="1351049" cy="411806"/>
+          </a:xfrm>
+          <a:prstGeom prst="rect">
+            <a:avLst/>
+          </a:prstGeom>
+          <a:solidFill>
+            <a:srgbClr val="FFFF00"/>
+          </a:solidFill>
+          <a:ln w="12700"/>
+        </p:spPr>
+        <p:style>
+          <a:lnRef idx="2">
+            <a:schemeClr val="accent1">
+              <a:shade val="50000"/>
+            </a:schemeClr>
+          </a:lnRef>
+          <a:fillRef idx="1">
+            <a:schemeClr val="accent1"/>
+          </a:fillRef>
+          <a:effectRef idx="0">
+            <a:schemeClr val="accent1"/>
+          </a:effectRef>
+          <a:fontRef idx="minor">
+            <a:schemeClr val="lt1"/>
+          </a:fontRef>
+        </p:style>
+        <p:txBody>
+          <a:bodyPr rtlCol="0" anchor="ctr"/>
+          <a:lstStyle/>
+          <a:p>
+            <a:pPr algn="ctr"/>
+            <a:endParaRPr lang="ko-KR" altLang="en-US">
+              <a:solidFill>
+                <a:schemeClr val="tx1"/>
+              </a:solidFill>
+              <a:latin typeface="Consolas" pitchFamily="49" charset="0"/>
+              <a:cs typeface="Consolas" pitchFamily="49" charset="0"/>
+            </a:endParaRPr>
+          </a:p>
+        </p:txBody>
+      </p:sp>
+      <p:sp>
+        <p:nvSpPr>
+          <p:cNvPr id="18" name="TextBox 17">
+            <a:extLst>
+              <a:ext uri="{FF2B5EF4-FFF2-40B4-BE49-F238E27FC236}">
+                <a16:creationId xmlns:a16="http://schemas.microsoft.com/office/drawing/2014/main" id="{001FBCE8-8409-47CD-9A00-81C76F9E7999}"/>
+              </a:ext>
+            </a:extLst>
+          </p:cNvPr>
+          <p:cNvSpPr txBox="1"/>
+          <p:nvPr/>
+        </p:nvSpPr>
+        <p:spPr>
+          <a:xfrm>
+            <a:off x="4658725" y="4891667"/>
+            <a:ext cx="5376793" cy="646331"/>
+          </a:xfrm>
+          <a:prstGeom prst="rect">
+            <a:avLst/>
+          </a:prstGeom>
+          <a:noFill/>
+        </p:spPr>
+        <p:txBody>
+          <a:bodyPr wrap="none" rtlCol="0">
+            <a:spAutoFit/>
+          </a:bodyPr>
+          <a:lstStyle/>
+          <a:p>
+            <a:r>
+              <a:rPr lang="en-US" altLang="ko-KR">
+                <a:latin typeface="Consolas" pitchFamily="49" charset="0"/>
+                <a:cs typeface="Consolas" pitchFamily="49" charset="0"/>
+              </a:rPr>
+              <a:t>IPCThreadState::self()-&gt;joinThreadPool();</a:t>
+            </a:r>
+          </a:p>
+          <a:p>
+            <a:r>
+              <a:rPr lang="en-US" altLang="ko-KR">
+                <a:latin typeface="Consolas" pitchFamily="49" charset="0"/>
+                <a:cs typeface="Consolas" pitchFamily="49" charset="0"/>
+              </a:rPr>
+              <a:t>((BBinder*)cookie)-&gt;tracsact();</a:t>
+            </a:r>
+            <a:endParaRPr lang="ko-KR" altLang="en-US">
+              <a:latin typeface="Consolas" pitchFamily="49" charset="0"/>
+              <a:cs typeface="Consolas" pitchFamily="49" charset="0"/>
+            </a:endParaRPr>
+          </a:p>
+        </p:txBody>
+      </p:sp>
+      <p:sp>
+        <p:nvSpPr>
+          <p:cNvPr id="19" name="TextBox 18">
+            <a:extLst>
+              <a:ext uri="{FF2B5EF4-FFF2-40B4-BE49-F238E27FC236}">
+                <a16:creationId xmlns:a16="http://schemas.microsoft.com/office/drawing/2014/main" id="{93B2F9B3-0DD8-4EC8-8FCF-7D082A955CBC}"/>
+              </a:ext>
+            </a:extLst>
+          </p:cNvPr>
+          <p:cNvSpPr txBox="1"/>
+          <p:nvPr/>
+        </p:nvSpPr>
+        <p:spPr>
+          <a:xfrm>
+            <a:off x="6817641" y="4503897"/>
+            <a:ext cx="1197764" cy="369332"/>
+          </a:xfrm>
+          <a:prstGeom prst="rect">
+            <a:avLst/>
+          </a:prstGeom>
+          <a:noFill/>
+        </p:spPr>
+        <p:txBody>
+          <a:bodyPr wrap="none" rtlCol="0">
+            <a:spAutoFit/>
+          </a:bodyPr>
+          <a:lstStyle/>
+          <a:p>
+            <a:r>
+              <a:rPr lang="en-US" altLang="ko-KR">
+                <a:latin typeface="Consolas" pitchFamily="49" charset="0"/>
+                <a:cs typeface="Consolas" pitchFamily="49" charset="0"/>
+              </a:rPr>
+              <a:t>binder_1</a:t>
+            </a:r>
+            <a:endParaRPr lang="ko-KR" altLang="en-US">
+              <a:latin typeface="Consolas" pitchFamily="49" charset="0"/>
+              <a:cs typeface="Consolas" pitchFamily="49" charset="0"/>
+            </a:endParaRPr>
+          </a:p>
+        </p:txBody>
+      </p:sp>
+      <p:sp>
+        <p:nvSpPr>
+          <p:cNvPr id="20" name="직사각형 19">
+            <a:extLst>
+              <a:ext uri="{FF2B5EF4-FFF2-40B4-BE49-F238E27FC236}">
+                <a16:creationId xmlns:a16="http://schemas.microsoft.com/office/drawing/2014/main" id="{8835FE6F-BA27-4F41-8007-5D181CDB2974}"/>
+              </a:ext>
+            </a:extLst>
+          </p:cNvPr>
+          <p:cNvSpPr/>
+          <p:nvPr/>
+        </p:nvSpPr>
+        <p:spPr>
+          <a:xfrm>
+            <a:off x="755576" y="5795972"/>
+            <a:ext cx="1296144" cy="369332"/>
+          </a:xfrm>
+          <a:prstGeom prst="rect">
+            <a:avLst/>
+          </a:prstGeom>
+          <a:solidFill>
+            <a:srgbClr val="FFFF00"/>
+          </a:solidFill>
+          <a:ln w="12700"/>
+        </p:spPr>
+        <p:style>
+          <a:lnRef idx="2">
+            <a:schemeClr val="accent1">
+              <a:shade val="50000"/>
+            </a:schemeClr>
+          </a:lnRef>
+          <a:fillRef idx="1">
+            <a:schemeClr val="accent1"/>
+          </a:fillRef>
+          <a:effectRef idx="0">
+            <a:schemeClr val="accent1"/>
+          </a:effectRef>
+          <a:fontRef idx="minor">
+            <a:schemeClr val="lt1"/>
+          </a:fontRef>
+        </p:style>
+        <p:txBody>
+          <a:bodyPr rtlCol="0" anchor="ctr"/>
+          <a:lstStyle/>
+          <a:p>
+            <a:pPr algn="ctr"/>
+            <a:r>
+              <a:rPr lang="en-US" altLang="ko-KR">
+                <a:solidFill>
+                  <a:schemeClr val="tx1"/>
+                </a:solidFill>
+                <a:latin typeface="Consolas" pitchFamily="49" charset="0"/>
+                <a:cs typeface="Consolas" pitchFamily="49" charset="0"/>
+              </a:rPr>
+              <a:t>0x1000</a:t>
+            </a:r>
+            <a:endParaRPr lang="ko-KR" altLang="en-US">
+              <a:solidFill>
+                <a:schemeClr val="tx1"/>
+              </a:solidFill>
+              <a:latin typeface="Consolas" pitchFamily="49" charset="0"/>
+              <a:cs typeface="Consolas" pitchFamily="49" charset="0"/>
+            </a:endParaRPr>
+          </a:p>
+        </p:txBody>
+      </p:sp>
+      <p:sp>
+        <p:nvSpPr>
+          <p:cNvPr id="21" name="화살표: 오른쪽 20">
+            <a:extLst>
+              <a:ext uri="{FF2B5EF4-FFF2-40B4-BE49-F238E27FC236}">
+                <a16:creationId xmlns:a16="http://schemas.microsoft.com/office/drawing/2014/main" id="{AE664092-A3A5-4A32-AE16-A155D2E16D9A}"/>
+              </a:ext>
+            </a:extLst>
+          </p:cNvPr>
+          <p:cNvSpPr/>
+          <p:nvPr/>
+        </p:nvSpPr>
+        <p:spPr>
+          <a:xfrm>
+            <a:off x="2339752" y="5733256"/>
+            <a:ext cx="936104" cy="461665"/>
+          </a:xfrm>
+          <a:prstGeom prst="rightArrow">
+            <a:avLst/>
+          </a:prstGeom>
+          <a:solidFill>
+            <a:srgbClr val="FFC000"/>
+          </a:solidFill>
+          <a:ln w="12700"/>
+        </p:spPr>
+        <p:style>
+          <a:lnRef idx="2">
+            <a:schemeClr val="accent1">
+              <a:shade val="50000"/>
+            </a:schemeClr>
+          </a:lnRef>
+          <a:fillRef idx="1">
+            <a:schemeClr val="accent1"/>
+          </a:fillRef>
+          <a:effectRef idx="0">
+            <a:schemeClr val="accent1"/>
+          </a:effectRef>
+          <a:fontRef idx="minor">
+            <a:schemeClr val="lt1"/>
+          </a:fontRef>
+        </p:style>
+        <p:txBody>
+          <a:bodyPr rtlCol="0" anchor="ctr"/>
+          <a:lstStyle/>
+          <a:p>
+            <a:pPr algn="ctr"/>
+            <a:endParaRPr lang="ko-KR" altLang="en-US">
+              <a:solidFill>
+                <a:schemeClr val="tx1"/>
+              </a:solidFill>
+              <a:latin typeface="Consolas" pitchFamily="49" charset="0"/>
+              <a:cs typeface="Consolas" pitchFamily="49" charset="0"/>
+            </a:endParaRPr>
+          </a:p>
+        </p:txBody>
+      </p:sp>
+    </p:spTree>
+    <p:extLst>
+      <p:ext uri="{BB962C8B-B14F-4D97-AF65-F5344CB8AC3E}">
+        <p14:creationId xmlns:p14="http://schemas.microsoft.com/office/powerpoint/2010/main" val="1045047626"/>
+      </p:ext>
+    </p:extLst>
+  </p:cSld>
+  <p:clrMapOvr>
+    <a:masterClrMapping/>
+  </p:clrMapOvr>
+</p:sld>
+</file>
+
+<file path=ppt/slides/slide17.xml><?xml version="1.0" encoding="utf-8"?>
+<p:sld xmlns:a="http://schemas.openxmlformats.org/drawingml/2006/main" xmlns:r="http://schemas.openxmlformats.org/officeDocument/2006/relationships" xmlns:p="http://schemas.openxmlformats.org/presentationml/2006/main">
+  <p:cSld>
+    <p:spTree>
+      <p:nvGrpSpPr>
+        <p:cNvPr id="1" name=""/>
+        <p:cNvGrpSpPr/>
+        <p:nvPr/>
+      </p:nvGrpSpPr>
+      <p:grpSpPr>
+        <a:xfrm>
+          <a:off x="0" y="0"/>
+          <a:ext cx="0" cy="0"/>
+          <a:chOff x="0" y="0"/>
+          <a:chExt cx="0" cy="0"/>
+        </a:xfrm>
+      </p:grpSpPr>
+      <p:sp>
+        <p:nvSpPr>
+          <p:cNvPr id="4" name="TextBox 3">
+            <a:extLst>
+              <a:ext uri="{FF2B5EF4-FFF2-40B4-BE49-F238E27FC236}">
+                <a16:creationId xmlns:a16="http://schemas.microsoft.com/office/drawing/2014/main" id="{A5BCED7F-FD3D-475F-98B8-F4C99481EB3B}"/>
+              </a:ext>
+            </a:extLst>
+          </p:cNvPr>
+          <p:cNvSpPr txBox="1"/>
+          <p:nvPr/>
+        </p:nvSpPr>
+        <p:spPr>
+          <a:xfrm>
+            <a:off x="539552" y="260648"/>
+            <a:ext cx="7321235" cy="1200329"/>
+          </a:xfrm>
+          <a:prstGeom prst="rect">
+            <a:avLst/>
+          </a:prstGeom>
+          <a:noFill/>
+        </p:spPr>
+        <p:txBody>
+          <a:bodyPr wrap="none" rtlCol="0">
+            <a:spAutoFit/>
+          </a:bodyPr>
+          <a:lstStyle/>
+          <a:p>
+            <a:r>
+              <a:rPr lang="en-US" altLang="ko-KR" sz="2400">
+                <a:latin typeface="Consolas" pitchFamily="49" charset="0"/>
+                <a:cs typeface="Consolas" pitchFamily="49" charset="0"/>
+              </a:rPr>
+              <a:t>ProcessState::self()-&gt;startThreadPool();</a:t>
+            </a:r>
+          </a:p>
+          <a:p>
+            <a:r>
+              <a:rPr lang="en-US" altLang="ko-KR" sz="2400">
+                <a:latin typeface="Consolas" pitchFamily="49" charset="0"/>
+                <a:cs typeface="Consolas" pitchFamily="49" charset="0"/>
+              </a:rPr>
+              <a:t>IPCThreadState::self()-&gt;joinThreadPool();</a:t>
+            </a:r>
+          </a:p>
+          <a:p>
+            <a:endParaRPr lang="ko-KR" altLang="en-US" sz="2400">
+              <a:latin typeface="Consolas" pitchFamily="49" charset="0"/>
+              <a:cs typeface="Consolas" pitchFamily="49" charset="0"/>
+            </a:endParaRPr>
+          </a:p>
+        </p:txBody>
+      </p:sp>
+      <p:sp>
+        <p:nvSpPr>
+          <p:cNvPr id="5" name="직사각형 4">
+            <a:extLst>
+              <a:ext uri="{FF2B5EF4-FFF2-40B4-BE49-F238E27FC236}">
+                <a16:creationId xmlns:a16="http://schemas.microsoft.com/office/drawing/2014/main" id="{B58D49EA-6CCB-4336-A4D3-E2254E583379}"/>
+              </a:ext>
+            </a:extLst>
+          </p:cNvPr>
+          <p:cNvSpPr/>
+          <p:nvPr/>
+        </p:nvSpPr>
+        <p:spPr>
+          <a:xfrm>
+            <a:off x="4658725" y="1822675"/>
+            <a:ext cx="2088232" cy="1318293"/>
+          </a:xfrm>
+          <a:prstGeom prst="rect">
+            <a:avLst/>
+          </a:prstGeom>
+          <a:solidFill>
+            <a:srgbClr val="FFFF00"/>
+          </a:solidFill>
+          <a:ln w="12700"/>
+        </p:spPr>
+        <p:style>
+          <a:lnRef idx="2">
+            <a:schemeClr val="accent1">
+              <a:shade val="50000"/>
+            </a:schemeClr>
+          </a:lnRef>
+          <a:fillRef idx="1">
+            <a:schemeClr val="accent1"/>
+          </a:fillRef>
+          <a:effectRef idx="0">
+            <a:schemeClr val="accent1"/>
+          </a:effectRef>
+          <a:fontRef idx="minor">
+            <a:schemeClr val="lt1"/>
+          </a:fontRef>
+        </p:style>
+        <p:txBody>
+          <a:bodyPr rtlCol="0" anchor="ctr"/>
+          <a:lstStyle/>
+          <a:p>
+            <a:pPr algn="ctr"/>
+            <a:endParaRPr lang="ko-KR" altLang="en-US">
+              <a:solidFill>
+                <a:schemeClr val="tx1"/>
+              </a:solidFill>
+              <a:latin typeface="Consolas" pitchFamily="49" charset="0"/>
+              <a:cs typeface="Consolas" pitchFamily="49" charset="0"/>
+            </a:endParaRPr>
+          </a:p>
+        </p:txBody>
+      </p:sp>
+      <p:sp>
+        <p:nvSpPr>
+          <p:cNvPr id="6" name="TextBox 5">
+            <a:extLst>
+              <a:ext uri="{FF2B5EF4-FFF2-40B4-BE49-F238E27FC236}">
+                <a16:creationId xmlns:a16="http://schemas.microsoft.com/office/drawing/2014/main" id="{4022C35F-88AF-4CE3-A0FD-1840DCB42D6D}"/>
+              </a:ext>
+            </a:extLst>
+          </p:cNvPr>
+          <p:cNvSpPr txBox="1"/>
+          <p:nvPr/>
+        </p:nvSpPr>
+        <p:spPr>
+          <a:xfrm>
+            <a:off x="4788024" y="1412776"/>
+            <a:ext cx="1577676" cy="369332"/>
+          </a:xfrm>
+          <a:prstGeom prst="rect">
+            <a:avLst/>
+          </a:prstGeom>
+          <a:noFill/>
+        </p:spPr>
+        <p:txBody>
+          <a:bodyPr wrap="none" rtlCol="0">
+            <a:spAutoFit/>
+          </a:bodyPr>
+          <a:lstStyle/>
+          <a:p>
+            <a:r>
+              <a:rPr lang="en-US" altLang="ko-KR">
+                <a:latin typeface="Consolas" pitchFamily="49" charset="0"/>
+                <a:cs typeface="Consolas" pitchFamily="49" charset="0"/>
+              </a:rPr>
+              <a:t>mediaserver</a:t>
+            </a:r>
+            <a:endParaRPr lang="ko-KR" altLang="en-US">
+              <a:latin typeface="Consolas" pitchFamily="49" charset="0"/>
+              <a:cs typeface="Consolas" pitchFamily="49" charset="0"/>
+            </a:endParaRPr>
+          </a:p>
+        </p:txBody>
+      </p:sp>
+      <p:sp>
+        <p:nvSpPr>
+          <p:cNvPr id="7" name="TextBox 6">
+            <a:extLst>
+              <a:ext uri="{FF2B5EF4-FFF2-40B4-BE49-F238E27FC236}">
+                <a16:creationId xmlns:a16="http://schemas.microsoft.com/office/drawing/2014/main" id="{627549A1-48B8-467A-BB9D-377429838B23}"/>
+              </a:ext>
+            </a:extLst>
+          </p:cNvPr>
+          <p:cNvSpPr txBox="1"/>
+          <p:nvPr/>
+        </p:nvSpPr>
+        <p:spPr>
+          <a:xfrm>
+            <a:off x="4523795" y="3159876"/>
+            <a:ext cx="5376793" cy="646331"/>
+          </a:xfrm>
+          <a:prstGeom prst="rect">
+            <a:avLst/>
+          </a:prstGeom>
+          <a:noFill/>
+        </p:spPr>
+        <p:txBody>
+          <a:bodyPr wrap="none" rtlCol="0">
+            <a:spAutoFit/>
+          </a:bodyPr>
+          <a:lstStyle/>
+          <a:p>
+            <a:r>
+              <a:rPr lang="en-US" altLang="ko-KR">
+                <a:latin typeface="Consolas" pitchFamily="49" charset="0"/>
+                <a:cs typeface="Consolas" pitchFamily="49" charset="0"/>
+              </a:rPr>
+              <a:t>IPCThreadState::self()-&gt;joinThreadPool();</a:t>
+            </a:r>
+          </a:p>
+          <a:p>
+            <a:r>
+              <a:rPr lang="en-US" altLang="ko-KR">
+                <a:latin typeface="Consolas" pitchFamily="49" charset="0"/>
+                <a:cs typeface="Consolas" pitchFamily="49" charset="0"/>
+              </a:rPr>
+              <a:t>((BBinder*)cookie)-&gt;tracsact();</a:t>
+            </a:r>
+            <a:endParaRPr lang="ko-KR" altLang="en-US">
+              <a:latin typeface="Consolas" pitchFamily="49" charset="0"/>
+              <a:cs typeface="Consolas" pitchFamily="49" charset="0"/>
+            </a:endParaRPr>
+          </a:p>
+        </p:txBody>
+      </p:sp>
+      <p:sp>
+        <p:nvSpPr>
+          <p:cNvPr id="8" name="직사각형 7">
+            <a:extLst>
+              <a:ext uri="{FF2B5EF4-FFF2-40B4-BE49-F238E27FC236}">
+                <a16:creationId xmlns:a16="http://schemas.microsoft.com/office/drawing/2014/main" id="{F124475C-5E2B-44CC-9911-05D669739C1F}"/>
+              </a:ext>
+            </a:extLst>
+          </p:cNvPr>
+          <p:cNvSpPr/>
+          <p:nvPr/>
+        </p:nvSpPr>
+        <p:spPr>
+          <a:xfrm>
+            <a:off x="1907704" y="2699628"/>
+            <a:ext cx="1296144" cy="369332"/>
+          </a:xfrm>
+          <a:prstGeom prst="rect">
+            <a:avLst/>
+          </a:prstGeom>
+          <a:solidFill>
+            <a:srgbClr val="FFFF00"/>
+          </a:solidFill>
+          <a:ln w="12700"/>
+        </p:spPr>
+        <p:style>
+          <a:lnRef idx="2">
+            <a:schemeClr val="accent1">
+              <a:shade val="50000"/>
+            </a:schemeClr>
+          </a:lnRef>
+          <a:fillRef idx="1">
+            <a:schemeClr val="accent1"/>
+          </a:fillRef>
+          <a:effectRef idx="0">
+            <a:schemeClr val="accent1"/>
+          </a:effectRef>
+          <a:fontRef idx="minor">
+            <a:schemeClr val="lt1"/>
+          </a:fontRef>
+        </p:style>
+        <p:txBody>
+          <a:bodyPr rtlCol="0" anchor="ctr"/>
+          <a:lstStyle/>
+          <a:p>
+            <a:pPr algn="ctr"/>
+            <a:r>
+              <a:rPr lang="en-US" altLang="ko-KR">
+                <a:solidFill>
+                  <a:schemeClr val="tx1"/>
+                </a:solidFill>
+                <a:latin typeface="Consolas" pitchFamily="49" charset="0"/>
+                <a:cs typeface="Consolas" pitchFamily="49" charset="0"/>
+              </a:rPr>
+              <a:t>0x1000</a:t>
+            </a:r>
+            <a:endParaRPr lang="ko-KR" altLang="en-US">
+              <a:solidFill>
+                <a:schemeClr val="tx1"/>
+              </a:solidFill>
+              <a:latin typeface="Consolas" pitchFamily="49" charset="0"/>
+              <a:cs typeface="Consolas" pitchFamily="49" charset="0"/>
+            </a:endParaRPr>
+          </a:p>
+        </p:txBody>
+      </p:sp>
+      <p:sp>
+        <p:nvSpPr>
+          <p:cNvPr id="9" name="화살표: 오른쪽 8">
+            <a:extLst>
+              <a:ext uri="{FF2B5EF4-FFF2-40B4-BE49-F238E27FC236}">
+                <a16:creationId xmlns:a16="http://schemas.microsoft.com/office/drawing/2014/main" id="{ABDC4BCA-840F-4BAF-83FF-98182E1F732A}"/>
+              </a:ext>
+            </a:extLst>
+          </p:cNvPr>
+          <p:cNvSpPr/>
+          <p:nvPr/>
+        </p:nvSpPr>
+        <p:spPr>
+          <a:xfrm>
+            <a:off x="3491880" y="2636912"/>
+            <a:ext cx="936104" cy="461665"/>
+          </a:xfrm>
+          <a:prstGeom prst="rightArrow">
+            <a:avLst/>
+          </a:prstGeom>
+          <a:solidFill>
+            <a:srgbClr val="FFC000"/>
+          </a:solidFill>
+          <a:ln w="12700"/>
+        </p:spPr>
+        <p:style>
+          <a:lnRef idx="2">
+            <a:schemeClr val="accent1">
+              <a:shade val="50000"/>
+            </a:schemeClr>
+          </a:lnRef>
+          <a:fillRef idx="1">
+            <a:schemeClr val="accent1"/>
+          </a:fillRef>
+          <a:effectRef idx="0">
+            <a:schemeClr val="accent1"/>
+          </a:effectRef>
+          <a:fontRef idx="minor">
+            <a:schemeClr val="lt1"/>
+          </a:fontRef>
+        </p:style>
+        <p:txBody>
+          <a:bodyPr rtlCol="0" anchor="ctr"/>
+          <a:lstStyle/>
+          <a:p>
+            <a:pPr algn="ctr"/>
+            <a:endParaRPr lang="ko-KR" altLang="en-US">
+              <a:solidFill>
+                <a:schemeClr val="tx1"/>
+              </a:solidFill>
+              <a:latin typeface="Consolas" pitchFamily="49" charset="0"/>
+              <a:cs typeface="Consolas" pitchFamily="49" charset="0"/>
+            </a:endParaRPr>
+          </a:p>
+        </p:txBody>
+      </p:sp>
+      <p:sp>
+        <p:nvSpPr>
+          <p:cNvPr id="10" name="직사각형 9">
+            <a:extLst>
+              <a:ext uri="{FF2B5EF4-FFF2-40B4-BE49-F238E27FC236}">
+                <a16:creationId xmlns:a16="http://schemas.microsoft.com/office/drawing/2014/main" id="{D6C4E03D-216B-4D60-A191-4154F8A6DBD5}"/>
+              </a:ext>
+            </a:extLst>
+          </p:cNvPr>
+          <p:cNvSpPr/>
+          <p:nvPr/>
+        </p:nvSpPr>
+        <p:spPr>
+          <a:xfrm>
+            <a:off x="7614832" y="1520418"/>
+            <a:ext cx="2472079" cy="369332"/>
+          </a:xfrm>
+          <a:prstGeom prst="rect">
+            <a:avLst/>
+          </a:prstGeom>
+          <a:solidFill>
+            <a:srgbClr val="FFC000"/>
+          </a:solidFill>
+          <a:ln w="12700"/>
+        </p:spPr>
+        <p:style>
+          <a:lnRef idx="2">
+            <a:schemeClr val="accent1">
+              <a:shade val="50000"/>
+            </a:schemeClr>
+          </a:lnRef>
+          <a:fillRef idx="1">
+            <a:schemeClr val="accent1"/>
+          </a:fillRef>
+          <a:effectRef idx="0">
+            <a:schemeClr val="accent1"/>
+          </a:effectRef>
+          <a:fontRef idx="minor">
+            <a:schemeClr val="lt1"/>
+          </a:fontRef>
+        </p:style>
+        <p:txBody>
+          <a:bodyPr rtlCol="0" anchor="ctr"/>
+          <a:lstStyle/>
+          <a:p>
+            <a:pPr algn="ctr"/>
+            <a:r>
+              <a:rPr lang="en-US" altLang="ko-KR">
+                <a:solidFill>
+                  <a:schemeClr val="tx1"/>
+                </a:solidFill>
+                <a:latin typeface="Consolas" pitchFamily="49" charset="0"/>
+                <a:cs typeface="Consolas" pitchFamily="49" charset="0"/>
+              </a:rPr>
+              <a:t>MediaPlayerService</a:t>
+            </a:r>
+            <a:endParaRPr lang="ko-KR" altLang="en-US">
+              <a:solidFill>
+                <a:schemeClr val="tx1"/>
+              </a:solidFill>
+              <a:latin typeface="Consolas" pitchFamily="49" charset="0"/>
+              <a:cs typeface="Consolas" pitchFamily="49" charset="0"/>
+            </a:endParaRPr>
+          </a:p>
+        </p:txBody>
+      </p:sp>
+      <p:sp>
+        <p:nvSpPr>
+          <p:cNvPr id="11" name="직사각형 10">
+            <a:extLst>
+              <a:ext uri="{FF2B5EF4-FFF2-40B4-BE49-F238E27FC236}">
+                <a16:creationId xmlns:a16="http://schemas.microsoft.com/office/drawing/2014/main" id="{16D91E47-51D6-432D-B964-FD1CB6CDDEAF}"/>
+              </a:ext>
+            </a:extLst>
+          </p:cNvPr>
+          <p:cNvSpPr/>
+          <p:nvPr/>
+        </p:nvSpPr>
+        <p:spPr>
+          <a:xfrm>
+            <a:off x="7614831" y="1889750"/>
+            <a:ext cx="2472079" cy="369332"/>
+          </a:xfrm>
+          <a:prstGeom prst="rect">
+            <a:avLst/>
+          </a:prstGeom>
+          <a:solidFill>
+            <a:srgbClr val="FFFF00"/>
+          </a:solidFill>
+          <a:ln w="12700"/>
+        </p:spPr>
+        <p:style>
+          <a:lnRef idx="2">
+            <a:schemeClr val="accent1">
+              <a:shade val="50000"/>
+            </a:schemeClr>
+          </a:lnRef>
+          <a:fillRef idx="1">
+            <a:schemeClr val="accent1"/>
+          </a:fillRef>
+          <a:effectRef idx="0">
+            <a:schemeClr val="accent1"/>
+          </a:effectRef>
+          <a:fontRef idx="minor">
+            <a:schemeClr val="lt1"/>
+          </a:fontRef>
+        </p:style>
+        <p:txBody>
+          <a:bodyPr rtlCol="0" anchor="ctr"/>
+          <a:lstStyle/>
+          <a:p>
+            <a:pPr algn="ctr"/>
+            <a:r>
+              <a:rPr lang="en-US" altLang="ko-KR">
+                <a:solidFill>
+                  <a:schemeClr val="tx1"/>
+                </a:solidFill>
+                <a:latin typeface="Consolas" pitchFamily="49" charset="0"/>
+                <a:cs typeface="Consolas" pitchFamily="49" charset="0"/>
+              </a:rPr>
+              <a:t>true</a:t>
+            </a:r>
+            <a:endParaRPr lang="ko-KR" altLang="en-US">
+              <a:solidFill>
+                <a:schemeClr val="tx1"/>
+              </a:solidFill>
+              <a:latin typeface="Consolas" pitchFamily="49" charset="0"/>
+              <a:cs typeface="Consolas" pitchFamily="49" charset="0"/>
+            </a:endParaRPr>
+          </a:p>
+        </p:txBody>
+      </p:sp>
+      <p:sp>
+        <p:nvSpPr>
+          <p:cNvPr id="12" name="직사각형 11">
+            <a:extLst>
+              <a:ext uri="{FF2B5EF4-FFF2-40B4-BE49-F238E27FC236}">
+                <a16:creationId xmlns:a16="http://schemas.microsoft.com/office/drawing/2014/main" id="{7158C449-CD5F-483C-B40F-C67E0A3FB646}"/>
+              </a:ext>
+            </a:extLst>
+          </p:cNvPr>
+          <p:cNvSpPr/>
+          <p:nvPr/>
+        </p:nvSpPr>
+        <p:spPr>
+          <a:xfrm>
+            <a:off x="7614830" y="2259082"/>
+            <a:ext cx="2472079" cy="369332"/>
+          </a:xfrm>
+          <a:prstGeom prst="rect">
+            <a:avLst/>
+          </a:prstGeom>
+          <a:solidFill>
+            <a:srgbClr val="FFFF00"/>
+          </a:solidFill>
+          <a:ln w="12700"/>
+        </p:spPr>
+        <p:style>
+          <a:lnRef idx="2">
+            <a:schemeClr val="accent1">
+              <a:shade val="50000"/>
+            </a:schemeClr>
+          </a:lnRef>
+          <a:fillRef idx="1">
+            <a:schemeClr val="accent1"/>
+          </a:fillRef>
+          <a:effectRef idx="0">
+            <a:schemeClr val="accent1"/>
+          </a:effectRef>
+          <a:fontRef idx="minor">
+            <a:schemeClr val="lt1"/>
+          </a:fontRef>
+        </p:style>
+        <p:txBody>
+          <a:bodyPr rtlCol="0" anchor="ctr"/>
+          <a:lstStyle/>
+          <a:p>
+            <a:pPr algn="ctr"/>
+            <a:r>
+              <a:rPr lang="en-US" altLang="ko-KR">
+                <a:solidFill>
+                  <a:schemeClr val="tx1"/>
+                </a:solidFill>
+                <a:latin typeface="Consolas" pitchFamily="49" charset="0"/>
+                <a:cs typeface="Consolas" pitchFamily="49" charset="0"/>
+              </a:rPr>
+              <a:t>Play();</a:t>
+            </a:r>
+            <a:endParaRPr lang="ko-KR" altLang="en-US">
+              <a:solidFill>
+                <a:schemeClr val="tx1"/>
+              </a:solidFill>
+              <a:latin typeface="Consolas" pitchFamily="49" charset="0"/>
+              <a:cs typeface="Consolas" pitchFamily="49" charset="0"/>
+            </a:endParaRPr>
+          </a:p>
+        </p:txBody>
+      </p:sp>
+      <p:sp>
+        <p:nvSpPr>
+          <p:cNvPr id="13" name="직사각형 12">
+            <a:extLst>
+              <a:ext uri="{FF2B5EF4-FFF2-40B4-BE49-F238E27FC236}">
+                <a16:creationId xmlns:a16="http://schemas.microsoft.com/office/drawing/2014/main" id="{255A391F-A66D-4C8D-8812-9F3637A7BFF3}"/>
+              </a:ext>
+            </a:extLst>
+          </p:cNvPr>
+          <p:cNvSpPr/>
+          <p:nvPr/>
+        </p:nvSpPr>
+        <p:spPr>
+          <a:xfrm>
+            <a:off x="7614829" y="2628414"/>
+            <a:ext cx="2472079" cy="369332"/>
+          </a:xfrm>
+          <a:prstGeom prst="rect">
+            <a:avLst/>
+          </a:prstGeom>
+          <a:solidFill>
+            <a:srgbClr val="FFFF00"/>
+          </a:solidFill>
+          <a:ln w="12700"/>
+        </p:spPr>
+        <p:style>
+          <a:lnRef idx="2">
+            <a:schemeClr val="accent1">
+              <a:shade val="50000"/>
+            </a:schemeClr>
+          </a:lnRef>
+          <a:fillRef idx="1">
+            <a:schemeClr val="accent1"/>
+          </a:fillRef>
+          <a:effectRef idx="0">
+            <a:schemeClr val="accent1"/>
+          </a:effectRef>
+          <a:fontRef idx="minor">
+            <a:schemeClr val="lt1"/>
+          </a:fontRef>
+        </p:style>
+        <p:txBody>
+          <a:bodyPr rtlCol="0" anchor="ctr"/>
+          <a:lstStyle/>
+          <a:p>
+            <a:pPr algn="ctr"/>
+            <a:endParaRPr lang="ko-KR" altLang="en-US">
+              <a:solidFill>
+                <a:schemeClr val="tx1"/>
+              </a:solidFill>
+              <a:latin typeface="Consolas" pitchFamily="49" charset="0"/>
+              <a:cs typeface="Consolas" pitchFamily="49" charset="0"/>
+            </a:endParaRPr>
+          </a:p>
+        </p:txBody>
+      </p:sp>
+      <p:sp>
+        <p:nvSpPr>
+          <p:cNvPr id="14" name="TextBox 13">
+            <a:extLst>
+              <a:ext uri="{FF2B5EF4-FFF2-40B4-BE49-F238E27FC236}">
+                <a16:creationId xmlns:a16="http://schemas.microsoft.com/office/drawing/2014/main" id="{078DFACF-70D3-43BE-AEF3-3EC26A55BCB8}"/>
+              </a:ext>
+            </a:extLst>
+          </p:cNvPr>
+          <p:cNvSpPr txBox="1"/>
+          <p:nvPr/>
+        </p:nvSpPr>
+        <p:spPr>
+          <a:xfrm>
+            <a:off x="10086908" y="1335752"/>
+            <a:ext cx="944489" cy="369332"/>
+          </a:xfrm>
+          <a:prstGeom prst="rect">
+            <a:avLst/>
+          </a:prstGeom>
+          <a:noFill/>
+        </p:spPr>
+        <p:txBody>
+          <a:bodyPr wrap="none" rtlCol="0">
+            <a:spAutoFit/>
+          </a:bodyPr>
+          <a:lstStyle/>
+          <a:p>
+            <a:r>
+              <a:rPr lang="en-US" altLang="ko-KR">
+                <a:latin typeface="Consolas" pitchFamily="49" charset="0"/>
+                <a:cs typeface="Consolas" pitchFamily="49" charset="0"/>
+              </a:rPr>
+              <a:t>0x1000</a:t>
+            </a:r>
+            <a:endParaRPr lang="ko-KR" altLang="en-US">
+              <a:latin typeface="Consolas" pitchFamily="49" charset="0"/>
+              <a:cs typeface="Consolas" pitchFamily="49" charset="0"/>
+            </a:endParaRPr>
+          </a:p>
+        </p:txBody>
+      </p:sp>
+      <p:sp>
+        <p:nvSpPr>
+          <p:cNvPr id="22" name="직사각형 21">
+            <a:extLst>
+              <a:ext uri="{FF2B5EF4-FFF2-40B4-BE49-F238E27FC236}">
+                <a16:creationId xmlns:a16="http://schemas.microsoft.com/office/drawing/2014/main" id="{B83C0FBA-358B-4D9D-B3D1-F4596D02B640}"/>
+              </a:ext>
+            </a:extLst>
+          </p:cNvPr>
+          <p:cNvSpPr/>
+          <p:nvPr/>
+        </p:nvSpPr>
+        <p:spPr>
+          <a:xfrm>
+            <a:off x="5292080" y="4072126"/>
+            <a:ext cx="1411751" cy="395350"/>
+          </a:xfrm>
+          <a:prstGeom prst="rect">
+            <a:avLst/>
+          </a:prstGeom>
+          <a:solidFill>
+            <a:srgbClr val="FFFF00"/>
+          </a:solidFill>
+          <a:ln w="12700"/>
+        </p:spPr>
+        <p:style>
+          <a:lnRef idx="2">
+            <a:schemeClr val="accent1">
+              <a:shade val="50000"/>
+            </a:schemeClr>
+          </a:lnRef>
+          <a:fillRef idx="1">
+            <a:schemeClr val="accent1"/>
+          </a:fillRef>
+          <a:effectRef idx="0">
+            <a:schemeClr val="accent1"/>
+          </a:effectRef>
+          <a:fontRef idx="minor">
+            <a:schemeClr val="lt1"/>
+          </a:fontRef>
+        </p:style>
+        <p:txBody>
+          <a:bodyPr rtlCol="0" anchor="ctr"/>
+          <a:lstStyle/>
+          <a:p>
+            <a:pPr algn="ctr"/>
+            <a:endParaRPr lang="ko-KR" altLang="en-US">
+              <a:solidFill>
+                <a:schemeClr val="tx1"/>
+              </a:solidFill>
+              <a:latin typeface="Consolas" pitchFamily="49" charset="0"/>
+              <a:cs typeface="Consolas" pitchFamily="49" charset="0"/>
+            </a:endParaRPr>
+          </a:p>
+        </p:txBody>
+      </p:sp>
+      <p:sp>
+        <p:nvSpPr>
+          <p:cNvPr id="23" name="TextBox 22">
+            <a:extLst>
+              <a:ext uri="{FF2B5EF4-FFF2-40B4-BE49-F238E27FC236}">
+                <a16:creationId xmlns:a16="http://schemas.microsoft.com/office/drawing/2014/main" id="{3F694F77-0EAC-40D3-BF67-15F1A41CD0BF}"/>
+              </a:ext>
+            </a:extLst>
+          </p:cNvPr>
+          <p:cNvSpPr txBox="1"/>
+          <p:nvPr/>
+        </p:nvSpPr>
+        <p:spPr>
+          <a:xfrm>
+            <a:off x="4572000" y="4516701"/>
+            <a:ext cx="5376793" cy="646331"/>
+          </a:xfrm>
+          <a:prstGeom prst="rect">
+            <a:avLst/>
+          </a:prstGeom>
+          <a:noFill/>
+        </p:spPr>
+        <p:txBody>
+          <a:bodyPr wrap="none" rtlCol="0">
+            <a:spAutoFit/>
+          </a:bodyPr>
+          <a:lstStyle/>
+          <a:p>
+            <a:r>
+              <a:rPr lang="en-US" altLang="ko-KR">
+                <a:latin typeface="Consolas" pitchFamily="49" charset="0"/>
+                <a:cs typeface="Consolas" pitchFamily="49" charset="0"/>
+              </a:rPr>
+              <a:t>IPCThreadState::self()-&gt;joinThreadPool();</a:t>
+            </a:r>
+          </a:p>
+          <a:p>
+            <a:r>
+              <a:rPr lang="en-US" altLang="ko-KR">
+                <a:latin typeface="Consolas" pitchFamily="49" charset="0"/>
+                <a:cs typeface="Consolas" pitchFamily="49" charset="0"/>
+              </a:rPr>
+              <a:t>((BBinder*)cookie)-&gt;tracsact();</a:t>
+            </a:r>
+            <a:endParaRPr lang="ko-KR" altLang="en-US">
+              <a:latin typeface="Consolas" pitchFamily="49" charset="0"/>
+              <a:cs typeface="Consolas" pitchFamily="49" charset="0"/>
+            </a:endParaRPr>
+          </a:p>
+        </p:txBody>
+      </p:sp>
+      <p:sp>
+        <p:nvSpPr>
+          <p:cNvPr id="24" name="TextBox 23">
+            <a:extLst>
+              <a:ext uri="{FF2B5EF4-FFF2-40B4-BE49-F238E27FC236}">
+                <a16:creationId xmlns:a16="http://schemas.microsoft.com/office/drawing/2014/main" id="{68A1CE9D-B377-40DD-AEB7-9D389A35FABB}"/>
+              </a:ext>
+            </a:extLst>
+          </p:cNvPr>
+          <p:cNvSpPr txBox="1"/>
+          <p:nvPr/>
+        </p:nvSpPr>
+        <p:spPr>
+          <a:xfrm>
+            <a:off x="6901599" y="4098144"/>
+            <a:ext cx="1197764" cy="369332"/>
+          </a:xfrm>
+          <a:prstGeom prst="rect">
+            <a:avLst/>
+          </a:prstGeom>
+          <a:noFill/>
+        </p:spPr>
+        <p:txBody>
+          <a:bodyPr wrap="none" rtlCol="0">
+            <a:spAutoFit/>
+          </a:bodyPr>
+          <a:lstStyle/>
+          <a:p>
+            <a:r>
+              <a:rPr lang="en-US" altLang="ko-KR">
+                <a:latin typeface="Consolas" pitchFamily="49" charset="0"/>
+                <a:cs typeface="Consolas" pitchFamily="49" charset="0"/>
+              </a:rPr>
+              <a:t>binder_1</a:t>
+            </a:r>
+            <a:endParaRPr lang="ko-KR" altLang="en-US">
+              <a:latin typeface="Consolas" pitchFamily="49" charset="0"/>
+              <a:cs typeface="Consolas" pitchFamily="49" charset="0"/>
+            </a:endParaRPr>
+          </a:p>
+        </p:txBody>
+      </p:sp>
+      <p:sp>
+        <p:nvSpPr>
+          <p:cNvPr id="25" name="직사각형 24">
+            <a:extLst>
+              <a:ext uri="{FF2B5EF4-FFF2-40B4-BE49-F238E27FC236}">
+                <a16:creationId xmlns:a16="http://schemas.microsoft.com/office/drawing/2014/main" id="{436CC8D4-636C-4DE6-AAF9-083280331860}"/>
+              </a:ext>
+            </a:extLst>
+          </p:cNvPr>
+          <p:cNvSpPr/>
+          <p:nvPr/>
+        </p:nvSpPr>
+        <p:spPr>
+          <a:xfrm>
+            <a:off x="5270766" y="5331134"/>
+            <a:ext cx="1411751" cy="395350"/>
+          </a:xfrm>
+          <a:prstGeom prst="rect">
+            <a:avLst/>
+          </a:prstGeom>
+          <a:solidFill>
+            <a:srgbClr val="FFFF00"/>
+          </a:solidFill>
+          <a:ln w="12700"/>
+        </p:spPr>
+        <p:style>
+          <a:lnRef idx="2">
+            <a:schemeClr val="accent1">
+              <a:shade val="50000"/>
+            </a:schemeClr>
+          </a:lnRef>
+          <a:fillRef idx="1">
+            <a:schemeClr val="accent1"/>
+          </a:fillRef>
+          <a:effectRef idx="0">
+            <a:schemeClr val="accent1"/>
+          </a:effectRef>
+          <a:fontRef idx="minor">
+            <a:schemeClr val="lt1"/>
+          </a:fontRef>
+        </p:style>
+        <p:txBody>
+          <a:bodyPr rtlCol="0" anchor="ctr"/>
+          <a:lstStyle/>
+          <a:p>
+            <a:pPr algn="ctr"/>
+            <a:endParaRPr lang="ko-KR" altLang="en-US">
+              <a:solidFill>
+                <a:schemeClr val="tx1"/>
+              </a:solidFill>
+              <a:latin typeface="Consolas" pitchFamily="49" charset="0"/>
+              <a:cs typeface="Consolas" pitchFamily="49" charset="0"/>
+            </a:endParaRPr>
+          </a:p>
+        </p:txBody>
+      </p:sp>
+      <p:sp>
+        <p:nvSpPr>
+          <p:cNvPr id="26" name="TextBox 25">
+            <a:extLst>
+              <a:ext uri="{FF2B5EF4-FFF2-40B4-BE49-F238E27FC236}">
+                <a16:creationId xmlns:a16="http://schemas.microsoft.com/office/drawing/2014/main" id="{4ABB1D96-E1FE-4C79-98F7-DD8AFE3B3DF3}"/>
+              </a:ext>
+            </a:extLst>
+          </p:cNvPr>
+          <p:cNvSpPr txBox="1"/>
+          <p:nvPr/>
+        </p:nvSpPr>
+        <p:spPr>
+          <a:xfrm>
+            <a:off x="4550686" y="5775709"/>
+            <a:ext cx="5376793" cy="646331"/>
+          </a:xfrm>
+          <a:prstGeom prst="rect">
+            <a:avLst/>
+          </a:prstGeom>
+          <a:noFill/>
+        </p:spPr>
+        <p:txBody>
+          <a:bodyPr wrap="none" rtlCol="0">
+            <a:spAutoFit/>
+          </a:bodyPr>
+          <a:lstStyle/>
+          <a:p>
+            <a:r>
+              <a:rPr lang="en-US" altLang="ko-KR">
+                <a:latin typeface="Consolas" pitchFamily="49" charset="0"/>
+                <a:cs typeface="Consolas" pitchFamily="49" charset="0"/>
+              </a:rPr>
+              <a:t>IPCThreadState::self()-&gt;joinThreadPool();</a:t>
+            </a:r>
+          </a:p>
+          <a:p>
+            <a:r>
+              <a:rPr lang="en-US" altLang="ko-KR">
+                <a:latin typeface="Consolas" pitchFamily="49" charset="0"/>
+                <a:cs typeface="Consolas" pitchFamily="49" charset="0"/>
+              </a:rPr>
+              <a:t>((BBinder*)cookie)-&gt;tracsact();</a:t>
+            </a:r>
+            <a:endParaRPr lang="ko-KR" altLang="en-US">
+              <a:latin typeface="Consolas" pitchFamily="49" charset="0"/>
+              <a:cs typeface="Consolas" pitchFamily="49" charset="0"/>
+            </a:endParaRPr>
+          </a:p>
+        </p:txBody>
+      </p:sp>
+      <p:sp>
+        <p:nvSpPr>
+          <p:cNvPr id="27" name="TextBox 26">
+            <a:extLst>
+              <a:ext uri="{FF2B5EF4-FFF2-40B4-BE49-F238E27FC236}">
+                <a16:creationId xmlns:a16="http://schemas.microsoft.com/office/drawing/2014/main" id="{47C3DF81-D794-409E-B219-FFA1875E302B}"/>
+              </a:ext>
+            </a:extLst>
+          </p:cNvPr>
+          <p:cNvSpPr txBox="1"/>
+          <p:nvPr/>
+        </p:nvSpPr>
+        <p:spPr>
+          <a:xfrm>
+            <a:off x="6880285" y="5357152"/>
+            <a:ext cx="1197764" cy="369332"/>
+          </a:xfrm>
+          <a:prstGeom prst="rect">
+            <a:avLst/>
+          </a:prstGeom>
+          <a:noFill/>
+        </p:spPr>
+        <p:txBody>
+          <a:bodyPr wrap="none" rtlCol="0">
+            <a:spAutoFit/>
+          </a:bodyPr>
+          <a:lstStyle/>
+          <a:p>
+            <a:r>
+              <a:rPr lang="en-US" altLang="ko-KR">
+                <a:latin typeface="Consolas" pitchFamily="49" charset="0"/>
+                <a:cs typeface="Consolas" pitchFamily="49" charset="0"/>
+              </a:rPr>
+              <a:t>binder_2</a:t>
+            </a:r>
+            <a:endParaRPr lang="ko-KR" altLang="en-US">
+              <a:latin typeface="Consolas" pitchFamily="49" charset="0"/>
+              <a:cs typeface="Consolas" pitchFamily="49" charset="0"/>
+            </a:endParaRPr>
+          </a:p>
+        </p:txBody>
+      </p:sp>
+      <p:sp>
+        <p:nvSpPr>
+          <p:cNvPr id="29" name="TextBox 28">
+            <a:extLst>
+              <a:ext uri="{FF2B5EF4-FFF2-40B4-BE49-F238E27FC236}">
+                <a16:creationId xmlns:a16="http://schemas.microsoft.com/office/drawing/2014/main" id="{62FD0510-5CFC-4C91-985E-56B714AB5BBA}"/>
+              </a:ext>
+            </a:extLst>
+          </p:cNvPr>
+          <p:cNvSpPr txBox="1"/>
+          <p:nvPr/>
+        </p:nvSpPr>
+        <p:spPr>
+          <a:xfrm>
+            <a:off x="10103972" y="1889750"/>
+            <a:ext cx="2464137" cy="369332"/>
+          </a:xfrm>
+          <a:prstGeom prst="rect">
+            <a:avLst/>
+          </a:prstGeom>
+          <a:noFill/>
+        </p:spPr>
+        <p:txBody>
+          <a:bodyPr wrap="none" rtlCol="0">
+            <a:spAutoFit/>
+          </a:bodyPr>
+          <a:lstStyle/>
+          <a:p>
+            <a:pPr algn="ctr"/>
+            <a:r>
+              <a:rPr lang="en-US" altLang="ko-KR">
+                <a:latin typeface="Consolas" pitchFamily="49" charset="0"/>
+                <a:cs typeface="Consolas" pitchFamily="49" charset="0"/>
+              </a:rPr>
+              <a:t>mThreadPoolStarted</a:t>
+            </a:r>
+            <a:endParaRPr lang="ko-KR" altLang="en-US">
+              <a:latin typeface="Consolas" pitchFamily="49" charset="0"/>
+              <a:cs typeface="Consolas" pitchFamily="49" charset="0"/>
+            </a:endParaRPr>
+          </a:p>
+        </p:txBody>
+      </p:sp>
+      <p:sp>
+        <p:nvSpPr>
+          <p:cNvPr id="30" name="직사각형 29">
+            <a:extLst>
+              <a:ext uri="{FF2B5EF4-FFF2-40B4-BE49-F238E27FC236}">
+                <a16:creationId xmlns:a16="http://schemas.microsoft.com/office/drawing/2014/main" id="{B462D66B-A86E-4E5C-9DFD-7F960BEBD498}"/>
+              </a:ext>
+            </a:extLst>
+          </p:cNvPr>
+          <p:cNvSpPr/>
+          <p:nvPr/>
+        </p:nvSpPr>
+        <p:spPr>
+          <a:xfrm>
+            <a:off x="1187624" y="3196416"/>
+            <a:ext cx="2232248" cy="369332"/>
+          </a:xfrm>
+          <a:prstGeom prst="rect">
+            <a:avLst/>
+          </a:prstGeom>
+          <a:solidFill>
+            <a:srgbClr val="FFFF00"/>
+          </a:solidFill>
+          <a:ln w="12700"/>
+        </p:spPr>
+        <p:style>
+          <a:lnRef idx="2">
+            <a:schemeClr val="accent1">
+              <a:shade val="50000"/>
+            </a:schemeClr>
+          </a:lnRef>
+          <a:fillRef idx="1">
+            <a:schemeClr val="accent1"/>
+          </a:fillRef>
+          <a:effectRef idx="0">
+            <a:schemeClr val="accent1"/>
+          </a:effectRef>
+          <a:fontRef idx="minor">
+            <a:schemeClr val="lt1"/>
+          </a:fontRef>
+        </p:style>
+        <p:txBody>
+          <a:bodyPr rtlCol="0" anchor="ctr"/>
+          <a:lstStyle/>
+          <a:p>
+            <a:pPr algn="ctr"/>
+            <a:r>
+              <a:rPr lang="en-US" altLang="ko-KR">
+                <a:solidFill>
+                  <a:schemeClr val="tx1"/>
+                </a:solidFill>
+                <a:latin typeface="Consolas" pitchFamily="49" charset="0"/>
+                <a:cs typeface="Consolas" pitchFamily="49" charset="0"/>
+              </a:rPr>
+              <a:t>BR_SPAWN_LOOPER</a:t>
+            </a:r>
+            <a:endParaRPr lang="ko-KR" altLang="en-US">
+              <a:solidFill>
+                <a:schemeClr val="tx1"/>
+              </a:solidFill>
+              <a:latin typeface="Consolas" pitchFamily="49" charset="0"/>
+              <a:cs typeface="Consolas" pitchFamily="49" charset="0"/>
+            </a:endParaRPr>
+          </a:p>
+        </p:txBody>
+      </p:sp>
+    </p:spTree>
+    <p:extLst>
+      <p:ext uri="{BB962C8B-B14F-4D97-AF65-F5344CB8AC3E}">
+        <p14:creationId xmlns:p14="http://schemas.microsoft.com/office/powerpoint/2010/main" val="1400265453"/>
+      </p:ext>
+    </p:extLst>
+  </p:cSld>
+  <p:clrMapOvr>
+    <a:masterClrMapping/>
+  </p:clrMapOvr>
+</p:sld>
+</file>
+
+<file path=ppt/slides/slide18.xml><?xml version="1.0" encoding="utf-8"?>
+<p:sld xmlns:a="http://schemas.openxmlformats.org/drawingml/2006/main" xmlns:r="http://schemas.openxmlformats.org/officeDocument/2006/relationships" xmlns:p="http://schemas.openxmlformats.org/presentationml/2006/main">
+  <p:cSld>
+    <p:spTree>
+      <p:nvGrpSpPr>
+        <p:cNvPr id="1" name=""/>
+        <p:cNvGrpSpPr/>
+        <p:nvPr/>
+      </p:nvGrpSpPr>
+      <p:grpSpPr>
+        <a:xfrm>
+          <a:off x="0" y="0"/>
+          <a:ext cx="0" cy="0"/>
+          <a:chOff x="0" y="0"/>
+          <a:chExt cx="0" cy="0"/>
+        </a:xfrm>
+      </p:grpSpPr>
+      <p:sp>
+        <p:nvSpPr>
+          <p:cNvPr id="4" name="TextBox 3">
+            <a:extLst>
+              <a:ext uri="{FF2B5EF4-FFF2-40B4-BE49-F238E27FC236}">
+                <a16:creationId xmlns:a16="http://schemas.microsoft.com/office/drawing/2014/main" id="{A5BCED7F-FD3D-475F-98B8-F4C99481EB3B}"/>
+              </a:ext>
+            </a:extLst>
+          </p:cNvPr>
+          <p:cNvSpPr txBox="1"/>
+          <p:nvPr/>
+        </p:nvSpPr>
+        <p:spPr>
+          <a:xfrm>
+            <a:off x="539552" y="260648"/>
+            <a:ext cx="7321235" cy="1200329"/>
+          </a:xfrm>
+          <a:prstGeom prst="rect">
+            <a:avLst/>
+          </a:prstGeom>
+          <a:noFill/>
+        </p:spPr>
+        <p:txBody>
+          <a:bodyPr wrap="none" rtlCol="0">
+            <a:spAutoFit/>
+          </a:bodyPr>
+          <a:lstStyle/>
+          <a:p>
+            <a:r>
+              <a:rPr lang="en-US" altLang="ko-KR" sz="2400">
+                <a:latin typeface="Consolas" pitchFamily="49" charset="0"/>
+                <a:cs typeface="Consolas" pitchFamily="49" charset="0"/>
+              </a:rPr>
+              <a:t>ProcessState::self()-&gt;startThreadPool();</a:t>
+            </a:r>
+          </a:p>
+          <a:p>
+            <a:r>
+              <a:rPr lang="en-US" altLang="ko-KR" sz="2400">
+                <a:latin typeface="Consolas" pitchFamily="49" charset="0"/>
+                <a:cs typeface="Consolas" pitchFamily="49" charset="0"/>
+              </a:rPr>
+              <a:t>IPCThreadState::self()-&gt;joinThreadPool();</a:t>
+            </a:r>
+          </a:p>
+          <a:p>
+            <a:endParaRPr lang="ko-KR" altLang="en-US" sz="2400">
+              <a:latin typeface="Consolas" pitchFamily="49" charset="0"/>
+              <a:cs typeface="Consolas" pitchFamily="49" charset="0"/>
+            </a:endParaRPr>
+          </a:p>
+        </p:txBody>
+      </p:sp>
+      <p:sp>
+        <p:nvSpPr>
+          <p:cNvPr id="5" name="직사각형 4">
+            <a:extLst>
+              <a:ext uri="{FF2B5EF4-FFF2-40B4-BE49-F238E27FC236}">
+                <a16:creationId xmlns:a16="http://schemas.microsoft.com/office/drawing/2014/main" id="{B58D49EA-6CCB-4336-A4D3-E2254E583379}"/>
+              </a:ext>
+            </a:extLst>
+          </p:cNvPr>
+          <p:cNvSpPr/>
+          <p:nvPr/>
+        </p:nvSpPr>
+        <p:spPr>
+          <a:xfrm>
+            <a:off x="4658725" y="1822675"/>
+            <a:ext cx="2088232" cy="1318293"/>
+          </a:xfrm>
+          <a:prstGeom prst="rect">
+            <a:avLst/>
+          </a:prstGeom>
+          <a:solidFill>
+            <a:srgbClr val="FFFF00"/>
+          </a:solidFill>
+          <a:ln w="12700"/>
+        </p:spPr>
+        <p:style>
+          <a:lnRef idx="2">
+            <a:schemeClr val="accent1">
+              <a:shade val="50000"/>
+            </a:schemeClr>
+          </a:lnRef>
+          <a:fillRef idx="1">
+            <a:schemeClr val="accent1"/>
+          </a:fillRef>
+          <a:effectRef idx="0">
+            <a:schemeClr val="accent1"/>
+          </a:effectRef>
+          <a:fontRef idx="minor">
+            <a:schemeClr val="lt1"/>
+          </a:fontRef>
+        </p:style>
+        <p:txBody>
+          <a:bodyPr rtlCol="0" anchor="ctr"/>
+          <a:lstStyle/>
+          <a:p>
+            <a:pPr algn="ctr"/>
+            <a:endParaRPr lang="ko-KR" altLang="en-US">
+              <a:solidFill>
+                <a:schemeClr val="tx1"/>
+              </a:solidFill>
+              <a:latin typeface="Consolas" pitchFamily="49" charset="0"/>
+              <a:cs typeface="Consolas" pitchFamily="49" charset="0"/>
+            </a:endParaRPr>
+          </a:p>
+        </p:txBody>
+      </p:sp>
+      <p:sp>
+        <p:nvSpPr>
+          <p:cNvPr id="6" name="TextBox 5">
+            <a:extLst>
+              <a:ext uri="{FF2B5EF4-FFF2-40B4-BE49-F238E27FC236}">
+                <a16:creationId xmlns:a16="http://schemas.microsoft.com/office/drawing/2014/main" id="{4022C35F-88AF-4CE3-A0FD-1840DCB42D6D}"/>
+              </a:ext>
+            </a:extLst>
+          </p:cNvPr>
+          <p:cNvSpPr txBox="1"/>
+          <p:nvPr/>
+        </p:nvSpPr>
+        <p:spPr>
+          <a:xfrm>
+            <a:off x="4788024" y="1412776"/>
+            <a:ext cx="1577676" cy="369332"/>
+          </a:xfrm>
+          <a:prstGeom prst="rect">
+            <a:avLst/>
+          </a:prstGeom>
+          <a:noFill/>
+        </p:spPr>
+        <p:txBody>
+          <a:bodyPr wrap="none" rtlCol="0">
+            <a:spAutoFit/>
+          </a:bodyPr>
+          <a:lstStyle/>
+          <a:p>
+            <a:r>
+              <a:rPr lang="en-US" altLang="ko-KR">
+                <a:latin typeface="Consolas" pitchFamily="49" charset="0"/>
+                <a:cs typeface="Consolas" pitchFamily="49" charset="0"/>
+              </a:rPr>
+              <a:t>mediaserver</a:t>
+            </a:r>
+            <a:endParaRPr lang="ko-KR" altLang="en-US">
+              <a:latin typeface="Consolas" pitchFamily="49" charset="0"/>
+              <a:cs typeface="Consolas" pitchFamily="49" charset="0"/>
+            </a:endParaRPr>
+          </a:p>
+        </p:txBody>
+      </p:sp>
+      <p:sp>
+        <p:nvSpPr>
+          <p:cNvPr id="7" name="TextBox 6">
+            <a:extLst>
+              <a:ext uri="{FF2B5EF4-FFF2-40B4-BE49-F238E27FC236}">
+                <a16:creationId xmlns:a16="http://schemas.microsoft.com/office/drawing/2014/main" id="{627549A1-48B8-467A-BB9D-377429838B23}"/>
+              </a:ext>
+            </a:extLst>
+          </p:cNvPr>
+          <p:cNvSpPr txBox="1"/>
+          <p:nvPr/>
+        </p:nvSpPr>
+        <p:spPr>
+          <a:xfrm>
+            <a:off x="3923338" y="3273071"/>
+            <a:ext cx="5376793" cy="646331"/>
+          </a:xfrm>
+          <a:prstGeom prst="rect">
+            <a:avLst/>
+          </a:prstGeom>
+          <a:noFill/>
+        </p:spPr>
+        <p:txBody>
+          <a:bodyPr wrap="none" rtlCol="0">
+            <a:spAutoFit/>
+          </a:bodyPr>
+          <a:lstStyle/>
+          <a:p>
+            <a:r>
+              <a:rPr lang="en-US" altLang="ko-KR">
+                <a:latin typeface="Consolas" pitchFamily="49" charset="0"/>
+                <a:cs typeface="Consolas" pitchFamily="49" charset="0"/>
+              </a:rPr>
+              <a:t>IPCThreadState::self()-&gt;joinThreadPool();</a:t>
+            </a:r>
+          </a:p>
+          <a:p>
+            <a:r>
+              <a:rPr lang="en-US" altLang="ko-KR">
+                <a:latin typeface="Consolas" pitchFamily="49" charset="0"/>
+                <a:cs typeface="Consolas" pitchFamily="49" charset="0"/>
+              </a:rPr>
+              <a:t>((BBinder*)cookie)-&gt;tracsact();</a:t>
+            </a:r>
+            <a:endParaRPr lang="ko-KR" altLang="en-US">
+              <a:latin typeface="Consolas" pitchFamily="49" charset="0"/>
+              <a:cs typeface="Consolas" pitchFamily="49" charset="0"/>
+            </a:endParaRPr>
+          </a:p>
+        </p:txBody>
+      </p:sp>
+      <p:sp>
+        <p:nvSpPr>
+          <p:cNvPr id="8" name="직사각형 7">
+            <a:extLst>
+              <a:ext uri="{FF2B5EF4-FFF2-40B4-BE49-F238E27FC236}">
+                <a16:creationId xmlns:a16="http://schemas.microsoft.com/office/drawing/2014/main" id="{F124475C-5E2B-44CC-9911-05D669739C1F}"/>
+              </a:ext>
+            </a:extLst>
+          </p:cNvPr>
+          <p:cNvSpPr/>
+          <p:nvPr/>
+        </p:nvSpPr>
+        <p:spPr>
+          <a:xfrm>
+            <a:off x="1907704" y="2699628"/>
+            <a:ext cx="1296144" cy="369332"/>
+          </a:xfrm>
+          <a:prstGeom prst="rect">
+            <a:avLst/>
+          </a:prstGeom>
+          <a:solidFill>
+            <a:srgbClr val="FFFF00"/>
+          </a:solidFill>
+          <a:ln w="12700"/>
+        </p:spPr>
+        <p:style>
+          <a:lnRef idx="2">
+            <a:schemeClr val="accent1">
+              <a:shade val="50000"/>
+            </a:schemeClr>
+          </a:lnRef>
+          <a:fillRef idx="1">
+            <a:schemeClr val="accent1"/>
+          </a:fillRef>
+          <a:effectRef idx="0">
+            <a:schemeClr val="accent1"/>
+          </a:effectRef>
+          <a:fontRef idx="minor">
+            <a:schemeClr val="lt1"/>
+          </a:fontRef>
+        </p:style>
+        <p:txBody>
+          <a:bodyPr rtlCol="0" anchor="ctr"/>
+          <a:lstStyle/>
+          <a:p>
+            <a:pPr algn="ctr"/>
+            <a:r>
+              <a:rPr lang="en-US" altLang="ko-KR">
+                <a:solidFill>
+                  <a:schemeClr val="tx1"/>
+                </a:solidFill>
+                <a:latin typeface="Consolas" pitchFamily="49" charset="0"/>
+                <a:cs typeface="Consolas" pitchFamily="49" charset="0"/>
+              </a:rPr>
+              <a:t>0x1000</a:t>
+            </a:r>
+            <a:endParaRPr lang="ko-KR" altLang="en-US">
+              <a:solidFill>
+                <a:schemeClr val="tx1"/>
+              </a:solidFill>
+              <a:latin typeface="Consolas" pitchFamily="49" charset="0"/>
+              <a:cs typeface="Consolas" pitchFamily="49" charset="0"/>
+            </a:endParaRPr>
+          </a:p>
+        </p:txBody>
+      </p:sp>
+      <p:sp>
+        <p:nvSpPr>
+          <p:cNvPr id="9" name="화살표: 오른쪽 8">
+            <a:extLst>
+              <a:ext uri="{FF2B5EF4-FFF2-40B4-BE49-F238E27FC236}">
+                <a16:creationId xmlns:a16="http://schemas.microsoft.com/office/drawing/2014/main" id="{ABDC4BCA-840F-4BAF-83FF-98182E1F732A}"/>
+              </a:ext>
+            </a:extLst>
+          </p:cNvPr>
+          <p:cNvSpPr/>
+          <p:nvPr/>
+        </p:nvSpPr>
+        <p:spPr>
+          <a:xfrm>
+            <a:off x="3491880" y="2636912"/>
+            <a:ext cx="936104" cy="461665"/>
+          </a:xfrm>
+          <a:prstGeom prst="rightArrow">
+            <a:avLst/>
+          </a:prstGeom>
+          <a:solidFill>
+            <a:srgbClr val="FFC000"/>
+          </a:solidFill>
+          <a:ln w="12700"/>
+        </p:spPr>
+        <p:style>
+          <a:lnRef idx="2">
+            <a:schemeClr val="accent1">
+              <a:shade val="50000"/>
+            </a:schemeClr>
+          </a:lnRef>
+          <a:fillRef idx="1">
+            <a:schemeClr val="accent1"/>
+          </a:fillRef>
+          <a:effectRef idx="0">
+            <a:schemeClr val="accent1"/>
+          </a:effectRef>
+          <a:fontRef idx="minor">
+            <a:schemeClr val="lt1"/>
+          </a:fontRef>
+        </p:style>
+        <p:txBody>
+          <a:bodyPr rtlCol="0" anchor="ctr"/>
+          <a:lstStyle/>
+          <a:p>
+            <a:pPr algn="ctr"/>
+            <a:endParaRPr lang="ko-KR" altLang="en-US">
+              <a:solidFill>
+                <a:schemeClr val="tx1"/>
+              </a:solidFill>
+              <a:latin typeface="Consolas" pitchFamily="49" charset="0"/>
+              <a:cs typeface="Consolas" pitchFamily="49" charset="0"/>
+            </a:endParaRPr>
+          </a:p>
+        </p:txBody>
+      </p:sp>
+      <p:sp>
+        <p:nvSpPr>
+          <p:cNvPr id="10" name="직사각형 9">
+            <a:extLst>
+              <a:ext uri="{FF2B5EF4-FFF2-40B4-BE49-F238E27FC236}">
+                <a16:creationId xmlns:a16="http://schemas.microsoft.com/office/drawing/2014/main" id="{D6C4E03D-216B-4D60-A191-4154F8A6DBD5}"/>
+              </a:ext>
+            </a:extLst>
+          </p:cNvPr>
+          <p:cNvSpPr/>
+          <p:nvPr/>
+        </p:nvSpPr>
+        <p:spPr>
+          <a:xfrm>
+            <a:off x="8748466" y="82378"/>
+            <a:ext cx="2472079" cy="369332"/>
+          </a:xfrm>
+          <a:prstGeom prst="rect">
+            <a:avLst/>
+          </a:prstGeom>
+          <a:solidFill>
+            <a:srgbClr val="FFC000"/>
+          </a:solidFill>
+          <a:ln w="12700"/>
+        </p:spPr>
+        <p:style>
+          <a:lnRef idx="2">
+            <a:schemeClr val="accent1">
+              <a:shade val="50000"/>
+            </a:schemeClr>
+          </a:lnRef>
+          <a:fillRef idx="1">
+            <a:schemeClr val="accent1"/>
+          </a:fillRef>
+          <a:effectRef idx="0">
+            <a:schemeClr val="accent1"/>
+          </a:effectRef>
+          <a:fontRef idx="minor">
+            <a:schemeClr val="lt1"/>
+          </a:fontRef>
+        </p:style>
+        <p:txBody>
+          <a:bodyPr rtlCol="0" anchor="ctr"/>
+          <a:lstStyle/>
+          <a:p>
+            <a:pPr algn="ctr"/>
+            <a:r>
+              <a:rPr lang="en-US" altLang="ko-KR">
+                <a:solidFill>
+                  <a:schemeClr val="tx1"/>
+                </a:solidFill>
+                <a:latin typeface="Consolas" pitchFamily="49" charset="0"/>
+                <a:cs typeface="Consolas" pitchFamily="49" charset="0"/>
+              </a:rPr>
+              <a:t>MediaPlayerService</a:t>
+            </a:r>
+            <a:endParaRPr lang="ko-KR" altLang="en-US">
+              <a:solidFill>
+                <a:schemeClr val="tx1"/>
+              </a:solidFill>
+              <a:latin typeface="Consolas" pitchFamily="49" charset="0"/>
+              <a:cs typeface="Consolas" pitchFamily="49" charset="0"/>
+            </a:endParaRPr>
+          </a:p>
+        </p:txBody>
+      </p:sp>
+      <p:sp>
+        <p:nvSpPr>
+          <p:cNvPr id="11" name="직사각형 10">
+            <a:extLst>
+              <a:ext uri="{FF2B5EF4-FFF2-40B4-BE49-F238E27FC236}">
+                <a16:creationId xmlns:a16="http://schemas.microsoft.com/office/drawing/2014/main" id="{16D91E47-51D6-432D-B964-FD1CB6CDDEAF}"/>
+              </a:ext>
+            </a:extLst>
+          </p:cNvPr>
+          <p:cNvSpPr/>
+          <p:nvPr/>
+        </p:nvSpPr>
+        <p:spPr>
+          <a:xfrm>
+            <a:off x="8748465" y="451710"/>
+            <a:ext cx="2472079" cy="369332"/>
+          </a:xfrm>
+          <a:prstGeom prst="rect">
+            <a:avLst/>
+          </a:prstGeom>
+          <a:solidFill>
+            <a:srgbClr val="FFFF00"/>
+          </a:solidFill>
+          <a:ln w="12700"/>
+        </p:spPr>
+        <p:style>
+          <a:lnRef idx="2">
+            <a:schemeClr val="accent1">
+              <a:shade val="50000"/>
+            </a:schemeClr>
+          </a:lnRef>
+          <a:fillRef idx="1">
+            <a:schemeClr val="accent1"/>
+          </a:fillRef>
+          <a:effectRef idx="0">
+            <a:schemeClr val="accent1"/>
+          </a:effectRef>
+          <a:fontRef idx="minor">
+            <a:schemeClr val="lt1"/>
+          </a:fontRef>
+        </p:style>
+        <p:txBody>
+          <a:bodyPr rtlCol="0" anchor="ctr"/>
+          <a:lstStyle/>
+          <a:p>
+            <a:pPr algn="ctr"/>
+            <a:r>
+              <a:rPr lang="en-US" altLang="ko-KR">
+                <a:solidFill>
+                  <a:schemeClr val="tx1"/>
+                </a:solidFill>
+                <a:latin typeface="Consolas" pitchFamily="49" charset="0"/>
+                <a:cs typeface="Consolas" pitchFamily="49" charset="0"/>
+              </a:rPr>
+              <a:t>true</a:t>
+            </a:r>
+            <a:endParaRPr lang="ko-KR" altLang="en-US">
+              <a:solidFill>
+                <a:schemeClr val="tx1"/>
+              </a:solidFill>
+              <a:latin typeface="Consolas" pitchFamily="49" charset="0"/>
+              <a:cs typeface="Consolas" pitchFamily="49" charset="0"/>
+            </a:endParaRPr>
+          </a:p>
+        </p:txBody>
+      </p:sp>
+      <p:sp>
+        <p:nvSpPr>
+          <p:cNvPr id="12" name="직사각형 11">
+            <a:extLst>
+              <a:ext uri="{FF2B5EF4-FFF2-40B4-BE49-F238E27FC236}">
+                <a16:creationId xmlns:a16="http://schemas.microsoft.com/office/drawing/2014/main" id="{7158C449-CD5F-483C-B40F-C67E0A3FB646}"/>
+              </a:ext>
+            </a:extLst>
+          </p:cNvPr>
+          <p:cNvSpPr/>
+          <p:nvPr/>
+        </p:nvSpPr>
+        <p:spPr>
+          <a:xfrm>
+            <a:off x="8748464" y="821042"/>
+            <a:ext cx="2472079" cy="369332"/>
+          </a:xfrm>
+          <a:prstGeom prst="rect">
+            <a:avLst/>
+          </a:prstGeom>
+          <a:solidFill>
+            <a:srgbClr val="FFFF00"/>
+          </a:solidFill>
+          <a:ln w="12700"/>
+        </p:spPr>
+        <p:style>
+          <a:lnRef idx="2">
+            <a:schemeClr val="accent1">
+              <a:shade val="50000"/>
+            </a:schemeClr>
+          </a:lnRef>
+          <a:fillRef idx="1">
+            <a:schemeClr val="accent1"/>
+          </a:fillRef>
+          <a:effectRef idx="0">
+            <a:schemeClr val="accent1"/>
+          </a:effectRef>
+          <a:fontRef idx="minor">
+            <a:schemeClr val="lt1"/>
+          </a:fontRef>
+        </p:style>
+        <p:txBody>
+          <a:bodyPr rtlCol="0" anchor="ctr"/>
+          <a:lstStyle/>
+          <a:p>
+            <a:pPr algn="ctr"/>
+            <a:r>
+              <a:rPr lang="en-US" altLang="ko-KR">
+                <a:solidFill>
+                  <a:schemeClr val="tx1"/>
+                </a:solidFill>
+                <a:latin typeface="Consolas" pitchFamily="49" charset="0"/>
+                <a:cs typeface="Consolas" pitchFamily="49" charset="0"/>
+              </a:rPr>
+              <a:t>Play();</a:t>
+            </a:r>
+            <a:endParaRPr lang="ko-KR" altLang="en-US">
+              <a:solidFill>
+                <a:schemeClr val="tx1"/>
+              </a:solidFill>
+              <a:latin typeface="Consolas" pitchFamily="49" charset="0"/>
+              <a:cs typeface="Consolas" pitchFamily="49" charset="0"/>
+            </a:endParaRPr>
+          </a:p>
+        </p:txBody>
+      </p:sp>
+      <p:sp>
+        <p:nvSpPr>
+          <p:cNvPr id="13" name="직사각형 12">
+            <a:extLst>
+              <a:ext uri="{FF2B5EF4-FFF2-40B4-BE49-F238E27FC236}">
+                <a16:creationId xmlns:a16="http://schemas.microsoft.com/office/drawing/2014/main" id="{255A391F-A66D-4C8D-8812-9F3637A7BFF3}"/>
+              </a:ext>
+            </a:extLst>
+          </p:cNvPr>
+          <p:cNvSpPr/>
+          <p:nvPr/>
+        </p:nvSpPr>
+        <p:spPr>
+          <a:xfrm>
+            <a:off x="8748463" y="1190374"/>
+            <a:ext cx="2472079" cy="369332"/>
+          </a:xfrm>
+          <a:prstGeom prst="rect">
+            <a:avLst/>
+          </a:prstGeom>
+          <a:solidFill>
+            <a:srgbClr val="FFFF00"/>
+          </a:solidFill>
+          <a:ln w="12700"/>
+        </p:spPr>
+        <p:style>
+          <a:lnRef idx="2">
+            <a:schemeClr val="accent1">
+              <a:shade val="50000"/>
+            </a:schemeClr>
+          </a:lnRef>
+          <a:fillRef idx="1">
+            <a:schemeClr val="accent1"/>
+          </a:fillRef>
+          <a:effectRef idx="0">
+            <a:schemeClr val="accent1"/>
+          </a:effectRef>
+          <a:fontRef idx="minor">
+            <a:schemeClr val="lt1"/>
+          </a:fontRef>
+        </p:style>
+        <p:txBody>
+          <a:bodyPr rtlCol="0" anchor="ctr"/>
+          <a:lstStyle/>
+          <a:p>
+            <a:pPr algn="ctr"/>
+            <a:endParaRPr lang="ko-KR" altLang="en-US">
+              <a:solidFill>
+                <a:schemeClr val="tx1"/>
+              </a:solidFill>
+              <a:latin typeface="Consolas" pitchFamily="49" charset="0"/>
+              <a:cs typeface="Consolas" pitchFamily="49" charset="0"/>
+            </a:endParaRPr>
+          </a:p>
+        </p:txBody>
+      </p:sp>
+      <p:sp>
+        <p:nvSpPr>
+          <p:cNvPr id="14" name="TextBox 13">
+            <a:extLst>
+              <a:ext uri="{FF2B5EF4-FFF2-40B4-BE49-F238E27FC236}">
+                <a16:creationId xmlns:a16="http://schemas.microsoft.com/office/drawing/2014/main" id="{078DFACF-70D3-43BE-AEF3-3EC26A55BCB8}"/>
+              </a:ext>
+            </a:extLst>
+          </p:cNvPr>
+          <p:cNvSpPr txBox="1"/>
+          <p:nvPr/>
+        </p:nvSpPr>
+        <p:spPr>
+          <a:xfrm>
+            <a:off x="11220542" y="-102288"/>
+            <a:ext cx="944489" cy="369332"/>
+          </a:xfrm>
+          <a:prstGeom prst="rect">
+            <a:avLst/>
+          </a:prstGeom>
+          <a:noFill/>
+        </p:spPr>
+        <p:txBody>
+          <a:bodyPr wrap="none" rtlCol="0">
+            <a:spAutoFit/>
+          </a:bodyPr>
+          <a:lstStyle/>
+          <a:p>
+            <a:r>
+              <a:rPr lang="en-US" altLang="ko-KR">
+                <a:latin typeface="Consolas" pitchFamily="49" charset="0"/>
+                <a:cs typeface="Consolas" pitchFamily="49" charset="0"/>
+              </a:rPr>
+              <a:t>0x1000</a:t>
+            </a:r>
+            <a:endParaRPr lang="ko-KR" altLang="en-US">
+              <a:latin typeface="Consolas" pitchFamily="49" charset="0"/>
+              <a:cs typeface="Consolas" pitchFamily="49" charset="0"/>
+            </a:endParaRPr>
+          </a:p>
+        </p:txBody>
+      </p:sp>
+      <p:sp>
+        <p:nvSpPr>
+          <p:cNvPr id="22" name="직사각형 21">
+            <a:extLst>
+              <a:ext uri="{FF2B5EF4-FFF2-40B4-BE49-F238E27FC236}">
+                <a16:creationId xmlns:a16="http://schemas.microsoft.com/office/drawing/2014/main" id="{B83C0FBA-358B-4D9D-B3D1-F4596D02B640}"/>
+              </a:ext>
+            </a:extLst>
+          </p:cNvPr>
+          <p:cNvSpPr/>
+          <p:nvPr/>
+        </p:nvSpPr>
+        <p:spPr>
+          <a:xfrm>
+            <a:off x="4691623" y="4185321"/>
+            <a:ext cx="1411751" cy="395350"/>
+          </a:xfrm>
+          <a:prstGeom prst="rect">
+            <a:avLst/>
+          </a:prstGeom>
+          <a:solidFill>
+            <a:srgbClr val="FFFF00"/>
+          </a:solidFill>
+          <a:ln w="12700"/>
+        </p:spPr>
+        <p:style>
+          <a:lnRef idx="2">
+            <a:schemeClr val="accent1">
+              <a:shade val="50000"/>
+            </a:schemeClr>
+          </a:lnRef>
+          <a:fillRef idx="1">
+            <a:schemeClr val="accent1"/>
+          </a:fillRef>
+          <a:effectRef idx="0">
+            <a:schemeClr val="accent1"/>
+          </a:effectRef>
+          <a:fontRef idx="minor">
+            <a:schemeClr val="lt1"/>
+          </a:fontRef>
+        </p:style>
+        <p:txBody>
+          <a:bodyPr rtlCol="0" anchor="ctr"/>
+          <a:lstStyle/>
+          <a:p>
+            <a:pPr algn="ctr"/>
+            <a:endParaRPr lang="ko-KR" altLang="en-US">
+              <a:solidFill>
+                <a:schemeClr val="tx1"/>
+              </a:solidFill>
+              <a:latin typeface="Consolas" pitchFamily="49" charset="0"/>
+              <a:cs typeface="Consolas" pitchFamily="49" charset="0"/>
+            </a:endParaRPr>
+          </a:p>
+        </p:txBody>
+      </p:sp>
+      <p:sp>
+        <p:nvSpPr>
+          <p:cNvPr id="23" name="TextBox 22">
+            <a:extLst>
+              <a:ext uri="{FF2B5EF4-FFF2-40B4-BE49-F238E27FC236}">
+                <a16:creationId xmlns:a16="http://schemas.microsoft.com/office/drawing/2014/main" id="{3F694F77-0EAC-40D3-BF67-15F1A41CD0BF}"/>
+              </a:ext>
+            </a:extLst>
+          </p:cNvPr>
+          <p:cNvSpPr txBox="1"/>
+          <p:nvPr/>
+        </p:nvSpPr>
+        <p:spPr>
+          <a:xfrm>
+            <a:off x="3971543" y="4629896"/>
+            <a:ext cx="5376793" cy="646331"/>
+          </a:xfrm>
+          <a:prstGeom prst="rect">
+            <a:avLst/>
+          </a:prstGeom>
+          <a:noFill/>
+        </p:spPr>
+        <p:txBody>
+          <a:bodyPr wrap="none" rtlCol="0">
+            <a:spAutoFit/>
+          </a:bodyPr>
+          <a:lstStyle/>
+          <a:p>
+            <a:r>
+              <a:rPr lang="en-US" altLang="ko-KR">
+                <a:latin typeface="Consolas" pitchFamily="49" charset="0"/>
+                <a:cs typeface="Consolas" pitchFamily="49" charset="0"/>
+              </a:rPr>
+              <a:t>IPCThreadState::self()-&gt;joinThreadPool();</a:t>
+            </a:r>
+          </a:p>
+          <a:p>
+            <a:r>
+              <a:rPr lang="en-US" altLang="ko-KR">
+                <a:latin typeface="Consolas" pitchFamily="49" charset="0"/>
+                <a:cs typeface="Consolas" pitchFamily="49" charset="0"/>
+              </a:rPr>
+              <a:t>((BBinder*)cookie)-&gt;tracsact();</a:t>
+            </a:r>
+            <a:endParaRPr lang="ko-KR" altLang="en-US">
+              <a:latin typeface="Consolas" pitchFamily="49" charset="0"/>
+              <a:cs typeface="Consolas" pitchFamily="49" charset="0"/>
+            </a:endParaRPr>
+          </a:p>
+        </p:txBody>
+      </p:sp>
+      <p:sp>
+        <p:nvSpPr>
+          <p:cNvPr id="24" name="TextBox 23">
+            <a:extLst>
+              <a:ext uri="{FF2B5EF4-FFF2-40B4-BE49-F238E27FC236}">
+                <a16:creationId xmlns:a16="http://schemas.microsoft.com/office/drawing/2014/main" id="{68A1CE9D-B377-40DD-AEB7-9D389A35FABB}"/>
+              </a:ext>
+            </a:extLst>
+          </p:cNvPr>
+          <p:cNvSpPr txBox="1"/>
+          <p:nvPr/>
+        </p:nvSpPr>
+        <p:spPr>
+          <a:xfrm>
+            <a:off x="6301142" y="4211339"/>
+            <a:ext cx="1197764" cy="369332"/>
+          </a:xfrm>
+          <a:prstGeom prst="rect">
+            <a:avLst/>
+          </a:prstGeom>
+          <a:noFill/>
+        </p:spPr>
+        <p:txBody>
+          <a:bodyPr wrap="none" rtlCol="0">
+            <a:spAutoFit/>
+          </a:bodyPr>
+          <a:lstStyle/>
+          <a:p>
+            <a:r>
+              <a:rPr lang="en-US" altLang="ko-KR">
+                <a:latin typeface="Consolas" pitchFamily="49" charset="0"/>
+                <a:cs typeface="Consolas" pitchFamily="49" charset="0"/>
+              </a:rPr>
+              <a:t>binder_1</a:t>
+            </a:r>
+            <a:endParaRPr lang="ko-KR" altLang="en-US">
+              <a:latin typeface="Consolas" pitchFamily="49" charset="0"/>
+              <a:cs typeface="Consolas" pitchFamily="49" charset="0"/>
+            </a:endParaRPr>
+          </a:p>
+        </p:txBody>
+      </p:sp>
+      <p:sp>
+        <p:nvSpPr>
+          <p:cNvPr id="25" name="직사각형 24">
+            <a:extLst>
+              <a:ext uri="{FF2B5EF4-FFF2-40B4-BE49-F238E27FC236}">
+                <a16:creationId xmlns:a16="http://schemas.microsoft.com/office/drawing/2014/main" id="{436CC8D4-636C-4DE6-AAF9-083280331860}"/>
+              </a:ext>
+            </a:extLst>
+          </p:cNvPr>
+          <p:cNvSpPr/>
+          <p:nvPr/>
+        </p:nvSpPr>
+        <p:spPr>
+          <a:xfrm>
+            <a:off x="4670309" y="5444329"/>
+            <a:ext cx="1411751" cy="395350"/>
+          </a:xfrm>
+          <a:prstGeom prst="rect">
+            <a:avLst/>
+          </a:prstGeom>
+          <a:solidFill>
+            <a:srgbClr val="FFFF00"/>
+          </a:solidFill>
+          <a:ln w="12700"/>
+        </p:spPr>
+        <p:style>
+          <a:lnRef idx="2">
+            <a:schemeClr val="accent1">
+              <a:shade val="50000"/>
+            </a:schemeClr>
+          </a:lnRef>
+          <a:fillRef idx="1">
+            <a:schemeClr val="accent1"/>
+          </a:fillRef>
+          <a:effectRef idx="0">
+            <a:schemeClr val="accent1"/>
+          </a:effectRef>
+          <a:fontRef idx="minor">
+            <a:schemeClr val="lt1"/>
+          </a:fontRef>
+        </p:style>
+        <p:txBody>
+          <a:bodyPr rtlCol="0" anchor="ctr"/>
+          <a:lstStyle/>
+          <a:p>
+            <a:pPr algn="ctr"/>
+            <a:endParaRPr lang="ko-KR" altLang="en-US">
+              <a:solidFill>
+                <a:schemeClr val="tx1"/>
+              </a:solidFill>
+              <a:latin typeface="Consolas" pitchFamily="49" charset="0"/>
+              <a:cs typeface="Consolas" pitchFamily="49" charset="0"/>
+            </a:endParaRPr>
+          </a:p>
+        </p:txBody>
+      </p:sp>
+      <p:sp>
+        <p:nvSpPr>
+          <p:cNvPr id="26" name="TextBox 25">
+            <a:extLst>
+              <a:ext uri="{FF2B5EF4-FFF2-40B4-BE49-F238E27FC236}">
+                <a16:creationId xmlns:a16="http://schemas.microsoft.com/office/drawing/2014/main" id="{4ABB1D96-E1FE-4C79-98F7-DD8AFE3B3DF3}"/>
+              </a:ext>
+            </a:extLst>
+          </p:cNvPr>
+          <p:cNvSpPr txBox="1"/>
+          <p:nvPr/>
+        </p:nvSpPr>
+        <p:spPr>
+          <a:xfrm>
+            <a:off x="3950229" y="5888904"/>
+            <a:ext cx="5376793" cy="646331"/>
+          </a:xfrm>
+          <a:prstGeom prst="rect">
+            <a:avLst/>
+          </a:prstGeom>
+          <a:noFill/>
+        </p:spPr>
+        <p:txBody>
+          <a:bodyPr wrap="none" rtlCol="0">
+            <a:spAutoFit/>
+          </a:bodyPr>
+          <a:lstStyle/>
+          <a:p>
+            <a:r>
+              <a:rPr lang="en-US" altLang="ko-KR">
+                <a:latin typeface="Consolas" pitchFamily="49" charset="0"/>
+                <a:cs typeface="Consolas" pitchFamily="49" charset="0"/>
+              </a:rPr>
+              <a:t>IPCThreadState::self()-&gt;joinThreadPool();</a:t>
+            </a:r>
+          </a:p>
+          <a:p>
+            <a:r>
+              <a:rPr lang="en-US" altLang="ko-KR">
+                <a:latin typeface="Consolas" pitchFamily="49" charset="0"/>
+                <a:cs typeface="Consolas" pitchFamily="49" charset="0"/>
+              </a:rPr>
+              <a:t>((BBinder*)cookie)-&gt;tracsact();</a:t>
+            </a:r>
+            <a:endParaRPr lang="ko-KR" altLang="en-US">
+              <a:latin typeface="Consolas" pitchFamily="49" charset="0"/>
+              <a:cs typeface="Consolas" pitchFamily="49" charset="0"/>
+            </a:endParaRPr>
+          </a:p>
+        </p:txBody>
+      </p:sp>
+      <p:sp>
+        <p:nvSpPr>
+          <p:cNvPr id="27" name="TextBox 26">
+            <a:extLst>
+              <a:ext uri="{FF2B5EF4-FFF2-40B4-BE49-F238E27FC236}">
+                <a16:creationId xmlns:a16="http://schemas.microsoft.com/office/drawing/2014/main" id="{47C3DF81-D794-409E-B219-FFA1875E302B}"/>
+              </a:ext>
+            </a:extLst>
+          </p:cNvPr>
+          <p:cNvSpPr txBox="1"/>
+          <p:nvPr/>
+        </p:nvSpPr>
+        <p:spPr>
+          <a:xfrm>
+            <a:off x="6279828" y="5470347"/>
+            <a:ext cx="1197764" cy="369332"/>
+          </a:xfrm>
+          <a:prstGeom prst="rect">
+            <a:avLst/>
+          </a:prstGeom>
+          <a:noFill/>
+        </p:spPr>
+        <p:txBody>
+          <a:bodyPr wrap="none" rtlCol="0">
+            <a:spAutoFit/>
+          </a:bodyPr>
+          <a:lstStyle/>
+          <a:p>
+            <a:r>
+              <a:rPr lang="en-US" altLang="ko-KR">
+                <a:latin typeface="Consolas" pitchFamily="49" charset="0"/>
+                <a:cs typeface="Consolas" pitchFamily="49" charset="0"/>
+              </a:rPr>
+              <a:t>binder_2</a:t>
+            </a:r>
+            <a:endParaRPr lang="ko-KR" altLang="en-US">
+              <a:latin typeface="Consolas" pitchFamily="49" charset="0"/>
+              <a:cs typeface="Consolas" pitchFamily="49" charset="0"/>
+            </a:endParaRPr>
+          </a:p>
+        </p:txBody>
+      </p:sp>
+      <p:sp>
+        <p:nvSpPr>
+          <p:cNvPr id="29" name="TextBox 28">
+            <a:extLst>
+              <a:ext uri="{FF2B5EF4-FFF2-40B4-BE49-F238E27FC236}">
+                <a16:creationId xmlns:a16="http://schemas.microsoft.com/office/drawing/2014/main" id="{62FD0510-5CFC-4C91-985E-56B714AB5BBA}"/>
+              </a:ext>
+            </a:extLst>
+          </p:cNvPr>
+          <p:cNvSpPr txBox="1"/>
+          <p:nvPr/>
+        </p:nvSpPr>
+        <p:spPr>
+          <a:xfrm>
+            <a:off x="11237606" y="451710"/>
+            <a:ext cx="2464137" cy="369332"/>
+          </a:xfrm>
+          <a:prstGeom prst="rect">
+            <a:avLst/>
+          </a:prstGeom>
+          <a:noFill/>
+        </p:spPr>
+        <p:txBody>
+          <a:bodyPr wrap="none" rtlCol="0">
+            <a:spAutoFit/>
+          </a:bodyPr>
+          <a:lstStyle/>
+          <a:p>
+            <a:pPr algn="ctr"/>
+            <a:r>
+              <a:rPr lang="en-US" altLang="ko-KR">
+                <a:latin typeface="Consolas" pitchFamily="49" charset="0"/>
+                <a:cs typeface="Consolas" pitchFamily="49" charset="0"/>
+              </a:rPr>
+              <a:t>mThreadPoolStarted</a:t>
+            </a:r>
+            <a:endParaRPr lang="ko-KR" altLang="en-US">
+              <a:latin typeface="Consolas" pitchFamily="49" charset="0"/>
+              <a:cs typeface="Consolas" pitchFamily="49" charset="0"/>
+            </a:endParaRPr>
+          </a:p>
+        </p:txBody>
+      </p:sp>
+      <p:sp>
+        <p:nvSpPr>
+          <p:cNvPr id="30" name="직사각형 29">
+            <a:extLst>
+              <a:ext uri="{FF2B5EF4-FFF2-40B4-BE49-F238E27FC236}">
+                <a16:creationId xmlns:a16="http://schemas.microsoft.com/office/drawing/2014/main" id="{B462D66B-A86E-4E5C-9DFD-7F960BEBD498}"/>
+              </a:ext>
+            </a:extLst>
+          </p:cNvPr>
+          <p:cNvSpPr/>
+          <p:nvPr/>
+        </p:nvSpPr>
+        <p:spPr>
+          <a:xfrm>
+            <a:off x="1187624" y="3196416"/>
+            <a:ext cx="2232248" cy="369332"/>
+          </a:xfrm>
+          <a:prstGeom prst="rect">
+            <a:avLst/>
+          </a:prstGeom>
+          <a:solidFill>
+            <a:srgbClr val="FFFF00"/>
+          </a:solidFill>
+          <a:ln w="12700"/>
+        </p:spPr>
+        <p:style>
+          <a:lnRef idx="2">
+            <a:schemeClr val="accent1">
+              <a:shade val="50000"/>
+            </a:schemeClr>
+          </a:lnRef>
+          <a:fillRef idx="1">
+            <a:schemeClr val="accent1"/>
+          </a:fillRef>
+          <a:effectRef idx="0">
+            <a:schemeClr val="accent1"/>
+          </a:effectRef>
+          <a:fontRef idx="minor">
+            <a:schemeClr val="lt1"/>
+          </a:fontRef>
+        </p:style>
+        <p:txBody>
+          <a:bodyPr rtlCol="0" anchor="ctr"/>
+          <a:lstStyle/>
+          <a:p>
+            <a:pPr algn="ctr"/>
+            <a:r>
+              <a:rPr lang="en-US" altLang="ko-KR">
+                <a:solidFill>
+                  <a:schemeClr val="tx1"/>
+                </a:solidFill>
+                <a:latin typeface="Consolas" pitchFamily="49" charset="0"/>
+                <a:cs typeface="Consolas" pitchFamily="49" charset="0"/>
+              </a:rPr>
+              <a:t>BR_SPAWN_LOOPER</a:t>
+            </a:r>
+            <a:endParaRPr lang="ko-KR" altLang="en-US">
+              <a:solidFill>
+                <a:schemeClr val="tx1"/>
+              </a:solidFill>
+              <a:latin typeface="Consolas" pitchFamily="49" charset="0"/>
+              <a:cs typeface="Consolas" pitchFamily="49" charset="0"/>
+            </a:endParaRPr>
+          </a:p>
+        </p:txBody>
+      </p:sp>
+      <p:sp>
+        <p:nvSpPr>
+          <p:cNvPr id="21" name="직사각형 20">
+            <a:extLst>
+              <a:ext uri="{FF2B5EF4-FFF2-40B4-BE49-F238E27FC236}">
+                <a16:creationId xmlns:a16="http://schemas.microsoft.com/office/drawing/2014/main" id="{F3967F07-7579-4D51-9E6A-5082C1F5264F}"/>
+              </a:ext>
+            </a:extLst>
+          </p:cNvPr>
+          <p:cNvSpPr/>
+          <p:nvPr/>
+        </p:nvSpPr>
+        <p:spPr>
+          <a:xfrm>
+            <a:off x="9540553" y="1900868"/>
+            <a:ext cx="2472079" cy="369332"/>
+          </a:xfrm>
+          <a:prstGeom prst="rect">
+            <a:avLst/>
+          </a:prstGeom>
+          <a:solidFill>
+            <a:srgbClr val="FFC000"/>
+          </a:solidFill>
+          <a:ln w="12700"/>
+        </p:spPr>
+        <p:style>
+          <a:lnRef idx="2">
+            <a:schemeClr val="accent1">
+              <a:shade val="50000"/>
+            </a:schemeClr>
+          </a:lnRef>
+          <a:fillRef idx="1">
+            <a:schemeClr val="accent1"/>
+          </a:fillRef>
+          <a:effectRef idx="0">
+            <a:schemeClr val="accent1"/>
+          </a:effectRef>
+          <a:fontRef idx="minor">
+            <a:schemeClr val="lt1"/>
+          </a:fontRef>
+        </p:style>
+        <p:txBody>
+          <a:bodyPr rtlCol="0" anchor="ctr"/>
+          <a:lstStyle/>
+          <a:p>
+            <a:pPr algn="ctr"/>
+            <a:r>
+              <a:rPr lang="en-US" altLang="ko-KR">
+                <a:solidFill>
+                  <a:schemeClr val="tx1"/>
+                </a:solidFill>
+                <a:latin typeface="Consolas" pitchFamily="49" charset="0"/>
+                <a:cs typeface="Consolas" pitchFamily="49" charset="0"/>
+              </a:rPr>
+              <a:t>CameraService</a:t>
+            </a:r>
+            <a:endParaRPr lang="ko-KR" altLang="en-US">
+              <a:solidFill>
+                <a:schemeClr val="tx1"/>
+              </a:solidFill>
+              <a:latin typeface="Consolas" pitchFamily="49" charset="0"/>
+              <a:cs typeface="Consolas" pitchFamily="49" charset="0"/>
+            </a:endParaRPr>
+          </a:p>
+        </p:txBody>
+      </p:sp>
+      <p:sp>
+        <p:nvSpPr>
+          <p:cNvPr id="28" name="직사각형 27">
+            <a:extLst>
+              <a:ext uri="{FF2B5EF4-FFF2-40B4-BE49-F238E27FC236}">
+                <a16:creationId xmlns:a16="http://schemas.microsoft.com/office/drawing/2014/main" id="{0C8CFBB7-B4DB-470C-9A93-E759D460742F}"/>
+              </a:ext>
+            </a:extLst>
+          </p:cNvPr>
+          <p:cNvSpPr/>
+          <p:nvPr/>
+        </p:nvSpPr>
+        <p:spPr>
+          <a:xfrm>
+            <a:off x="9540552" y="2270200"/>
+            <a:ext cx="2472079" cy="369332"/>
+          </a:xfrm>
+          <a:prstGeom prst="rect">
+            <a:avLst/>
+          </a:prstGeom>
+          <a:solidFill>
+            <a:srgbClr val="FFFF00"/>
+          </a:solidFill>
+          <a:ln w="12700"/>
+        </p:spPr>
+        <p:style>
+          <a:lnRef idx="2">
+            <a:schemeClr val="accent1">
+              <a:shade val="50000"/>
+            </a:schemeClr>
+          </a:lnRef>
+          <a:fillRef idx="1">
+            <a:schemeClr val="accent1"/>
+          </a:fillRef>
+          <a:effectRef idx="0">
+            <a:schemeClr val="accent1"/>
+          </a:effectRef>
+          <a:fontRef idx="minor">
+            <a:schemeClr val="lt1"/>
+          </a:fontRef>
+        </p:style>
+        <p:txBody>
+          <a:bodyPr rtlCol="0" anchor="ctr"/>
+          <a:lstStyle/>
+          <a:p>
+            <a:pPr algn="ctr"/>
+            <a:endParaRPr lang="ko-KR" altLang="en-US">
+              <a:solidFill>
+                <a:schemeClr val="tx1"/>
+              </a:solidFill>
+              <a:latin typeface="Consolas" pitchFamily="49" charset="0"/>
+              <a:cs typeface="Consolas" pitchFamily="49" charset="0"/>
+            </a:endParaRPr>
+          </a:p>
+        </p:txBody>
+      </p:sp>
+      <p:sp>
+        <p:nvSpPr>
+          <p:cNvPr id="31" name="직사각형 30">
+            <a:extLst>
+              <a:ext uri="{FF2B5EF4-FFF2-40B4-BE49-F238E27FC236}">
+                <a16:creationId xmlns:a16="http://schemas.microsoft.com/office/drawing/2014/main" id="{3A99A7C2-042C-44D0-84C3-DB7CA870210D}"/>
+              </a:ext>
+            </a:extLst>
+          </p:cNvPr>
+          <p:cNvSpPr/>
+          <p:nvPr/>
+        </p:nvSpPr>
+        <p:spPr>
+          <a:xfrm>
+            <a:off x="9540551" y="2639532"/>
+            <a:ext cx="2472079" cy="369332"/>
+          </a:xfrm>
+          <a:prstGeom prst="rect">
+            <a:avLst/>
+          </a:prstGeom>
+          <a:solidFill>
+            <a:srgbClr val="FFFF00"/>
+          </a:solidFill>
+          <a:ln w="12700"/>
+        </p:spPr>
+        <p:style>
+          <a:lnRef idx="2">
+            <a:schemeClr val="accent1">
+              <a:shade val="50000"/>
+            </a:schemeClr>
+          </a:lnRef>
+          <a:fillRef idx="1">
+            <a:schemeClr val="accent1"/>
+          </a:fillRef>
+          <a:effectRef idx="0">
+            <a:schemeClr val="accent1"/>
+          </a:effectRef>
+          <a:fontRef idx="minor">
+            <a:schemeClr val="lt1"/>
+          </a:fontRef>
+        </p:style>
+        <p:txBody>
+          <a:bodyPr rtlCol="0" anchor="ctr"/>
+          <a:lstStyle/>
+          <a:p>
+            <a:pPr algn="ctr"/>
+            <a:r>
+              <a:rPr lang="en-US" altLang="ko-KR">
+                <a:solidFill>
+                  <a:schemeClr val="tx1"/>
+                </a:solidFill>
+                <a:latin typeface="Consolas" pitchFamily="49" charset="0"/>
+                <a:cs typeface="Consolas" pitchFamily="49" charset="0"/>
+              </a:rPr>
+              <a:t>Preview();</a:t>
+            </a:r>
+            <a:endParaRPr lang="ko-KR" altLang="en-US">
+              <a:solidFill>
+                <a:schemeClr val="tx1"/>
+              </a:solidFill>
+              <a:latin typeface="Consolas" pitchFamily="49" charset="0"/>
+              <a:cs typeface="Consolas" pitchFamily="49" charset="0"/>
+            </a:endParaRPr>
+          </a:p>
+        </p:txBody>
+      </p:sp>
+      <p:sp>
+        <p:nvSpPr>
+          <p:cNvPr id="32" name="직사각형 31">
+            <a:extLst>
+              <a:ext uri="{FF2B5EF4-FFF2-40B4-BE49-F238E27FC236}">
+                <a16:creationId xmlns:a16="http://schemas.microsoft.com/office/drawing/2014/main" id="{15E31103-CD1E-4451-998C-6284D924C6A5}"/>
+              </a:ext>
+            </a:extLst>
+          </p:cNvPr>
+          <p:cNvSpPr/>
+          <p:nvPr/>
+        </p:nvSpPr>
+        <p:spPr>
+          <a:xfrm>
+            <a:off x="9540550" y="3008864"/>
+            <a:ext cx="2472079" cy="369332"/>
+          </a:xfrm>
+          <a:prstGeom prst="rect">
+            <a:avLst/>
+          </a:prstGeom>
+          <a:solidFill>
+            <a:srgbClr val="FFFF00"/>
+          </a:solidFill>
+          <a:ln w="12700"/>
+        </p:spPr>
+        <p:style>
+          <a:lnRef idx="2">
+            <a:schemeClr val="accent1">
+              <a:shade val="50000"/>
+            </a:schemeClr>
+          </a:lnRef>
+          <a:fillRef idx="1">
+            <a:schemeClr val="accent1"/>
+          </a:fillRef>
+          <a:effectRef idx="0">
+            <a:schemeClr val="accent1"/>
+          </a:effectRef>
+          <a:fontRef idx="minor">
+            <a:schemeClr val="lt1"/>
+          </a:fontRef>
+        </p:style>
+        <p:txBody>
+          <a:bodyPr rtlCol="0" anchor="ctr"/>
+          <a:lstStyle/>
+          <a:p>
+            <a:pPr algn="ctr"/>
+            <a:endParaRPr lang="ko-KR" altLang="en-US">
+              <a:solidFill>
+                <a:schemeClr val="tx1"/>
+              </a:solidFill>
+              <a:latin typeface="Consolas" pitchFamily="49" charset="0"/>
+              <a:cs typeface="Consolas" pitchFamily="49" charset="0"/>
+            </a:endParaRPr>
+          </a:p>
+        </p:txBody>
+      </p:sp>
+      <p:sp>
+        <p:nvSpPr>
+          <p:cNvPr id="33" name="TextBox 32">
+            <a:extLst>
+              <a:ext uri="{FF2B5EF4-FFF2-40B4-BE49-F238E27FC236}">
+                <a16:creationId xmlns:a16="http://schemas.microsoft.com/office/drawing/2014/main" id="{50754C5D-B898-446D-A134-2EADF0CD81B7}"/>
+              </a:ext>
+            </a:extLst>
+          </p:cNvPr>
+          <p:cNvSpPr txBox="1"/>
+          <p:nvPr/>
+        </p:nvSpPr>
+        <p:spPr>
+          <a:xfrm>
+            <a:off x="12012629" y="1716202"/>
+            <a:ext cx="944489" cy="369332"/>
+          </a:xfrm>
+          <a:prstGeom prst="rect">
+            <a:avLst/>
+          </a:prstGeom>
+          <a:noFill/>
+        </p:spPr>
+        <p:txBody>
+          <a:bodyPr wrap="none" rtlCol="0">
+            <a:spAutoFit/>
+          </a:bodyPr>
+          <a:lstStyle/>
+          <a:p>
+            <a:r>
+              <a:rPr lang="en-US" altLang="ko-KR">
+                <a:latin typeface="Consolas" pitchFamily="49" charset="0"/>
+                <a:cs typeface="Consolas" pitchFamily="49" charset="0"/>
+              </a:rPr>
+              <a:t>0x2000</a:t>
+            </a:r>
+            <a:endParaRPr lang="ko-KR" altLang="en-US">
+              <a:latin typeface="Consolas" pitchFamily="49" charset="0"/>
+              <a:cs typeface="Consolas" pitchFamily="49" charset="0"/>
+            </a:endParaRPr>
+          </a:p>
+        </p:txBody>
+      </p:sp>
+      <p:sp>
+        <p:nvSpPr>
+          <p:cNvPr id="35" name="직사각형 34">
+            <a:extLst>
+              <a:ext uri="{FF2B5EF4-FFF2-40B4-BE49-F238E27FC236}">
+                <a16:creationId xmlns:a16="http://schemas.microsoft.com/office/drawing/2014/main" id="{748A6482-84FF-40D8-A26B-1BB96E31627C}"/>
+              </a:ext>
+            </a:extLst>
+          </p:cNvPr>
+          <p:cNvSpPr/>
+          <p:nvPr/>
+        </p:nvSpPr>
+        <p:spPr>
+          <a:xfrm>
+            <a:off x="1935901" y="1698187"/>
+            <a:ext cx="1296144" cy="369332"/>
+          </a:xfrm>
+          <a:prstGeom prst="rect">
+            <a:avLst/>
+          </a:prstGeom>
+          <a:solidFill>
+            <a:srgbClr val="FFFF00"/>
+          </a:solidFill>
+          <a:ln w="12700"/>
+        </p:spPr>
+        <p:style>
+          <a:lnRef idx="2">
+            <a:schemeClr val="accent1">
+              <a:shade val="50000"/>
+            </a:schemeClr>
+          </a:lnRef>
+          <a:fillRef idx="1">
+            <a:schemeClr val="accent1"/>
+          </a:fillRef>
+          <a:effectRef idx="0">
+            <a:schemeClr val="accent1"/>
+          </a:effectRef>
+          <a:fontRef idx="minor">
+            <a:schemeClr val="lt1"/>
+          </a:fontRef>
+        </p:style>
+        <p:txBody>
+          <a:bodyPr rtlCol="0" anchor="ctr"/>
+          <a:lstStyle/>
+          <a:p>
+            <a:pPr algn="ctr"/>
+            <a:r>
+              <a:rPr lang="en-US" altLang="ko-KR">
+                <a:solidFill>
+                  <a:schemeClr val="tx1"/>
+                </a:solidFill>
+                <a:latin typeface="Consolas" pitchFamily="49" charset="0"/>
+                <a:cs typeface="Consolas" pitchFamily="49" charset="0"/>
+              </a:rPr>
+              <a:t>0x2000</a:t>
+            </a:r>
+            <a:endParaRPr lang="ko-KR" altLang="en-US">
+              <a:solidFill>
+                <a:schemeClr val="tx1"/>
+              </a:solidFill>
+              <a:latin typeface="Consolas" pitchFamily="49" charset="0"/>
+              <a:cs typeface="Consolas" pitchFamily="49" charset="0"/>
+            </a:endParaRPr>
+          </a:p>
+        </p:txBody>
+      </p:sp>
+      <p:sp>
+        <p:nvSpPr>
+          <p:cNvPr id="36" name="화살표: 오른쪽 35">
+            <a:extLst>
+              <a:ext uri="{FF2B5EF4-FFF2-40B4-BE49-F238E27FC236}">
+                <a16:creationId xmlns:a16="http://schemas.microsoft.com/office/drawing/2014/main" id="{F7ABB482-D12E-40CE-972C-572593840B10}"/>
+              </a:ext>
+            </a:extLst>
+          </p:cNvPr>
+          <p:cNvSpPr/>
+          <p:nvPr/>
+        </p:nvSpPr>
+        <p:spPr>
+          <a:xfrm>
+            <a:off x="3520077" y="1635471"/>
+            <a:ext cx="936104" cy="461665"/>
+          </a:xfrm>
+          <a:prstGeom prst="rightArrow">
+            <a:avLst/>
+          </a:prstGeom>
+          <a:solidFill>
+            <a:srgbClr val="FFC000"/>
+          </a:solidFill>
+          <a:ln w="12700"/>
+        </p:spPr>
+        <p:style>
+          <a:lnRef idx="2">
+            <a:schemeClr val="accent1">
+              <a:shade val="50000"/>
+            </a:schemeClr>
+          </a:lnRef>
+          <a:fillRef idx="1">
+            <a:schemeClr val="accent1"/>
+          </a:fillRef>
+          <a:effectRef idx="0">
+            <a:schemeClr val="accent1"/>
+          </a:effectRef>
+          <a:fontRef idx="minor">
+            <a:schemeClr val="lt1"/>
+          </a:fontRef>
+        </p:style>
+        <p:txBody>
+          <a:bodyPr rtlCol="0" anchor="ctr"/>
+          <a:lstStyle/>
+          <a:p>
+            <a:pPr algn="ctr"/>
+            <a:endParaRPr lang="ko-KR" altLang="en-US">
+              <a:solidFill>
+                <a:schemeClr val="tx1"/>
+              </a:solidFill>
+              <a:latin typeface="Consolas" pitchFamily="49" charset="0"/>
+              <a:cs typeface="Consolas" pitchFamily="49" charset="0"/>
+            </a:endParaRPr>
+          </a:p>
+        </p:txBody>
+      </p:sp>
+    </p:spTree>
+    <p:extLst>
+      <p:ext uri="{BB962C8B-B14F-4D97-AF65-F5344CB8AC3E}">
+        <p14:creationId xmlns:p14="http://schemas.microsoft.com/office/powerpoint/2010/main" val="3109043542"/>
       </p:ext>
     </p:extLst>
   </p:cSld>
@@ -16693,6 +20930,9 @@
           <a:p>
             <a:r>
               <a:rPr lang="en-US" altLang="ko-KR">
+                <a:solidFill>
+                  <a:srgbClr val="FF0000"/>
+                </a:solidFill>
                 <a:latin typeface="Consolas" pitchFamily="49" charset="0"/>
                 <a:cs typeface="Consolas" pitchFamily="49" charset="0"/>
               </a:rPr>
@@ -16700,6 +20940,9 @@
             </a:r>
             <a:r>
               <a:rPr lang="ko-KR" altLang="en-US">
+                <a:solidFill>
+                  <a:srgbClr val="FF0000"/>
+                </a:solidFill>
                 <a:latin typeface="Consolas" pitchFamily="49" charset="0"/>
                 <a:cs typeface="Consolas" pitchFamily="49" charset="0"/>
               </a:rPr>
@@ -16707,6 +20950,9 @@
             </a:r>
             <a:r>
               <a:rPr lang="en-US" altLang="ko-KR">
+                <a:solidFill>
+                  <a:srgbClr val="FF0000"/>
+                </a:solidFill>
                 <a:latin typeface="Consolas" pitchFamily="49" charset="0"/>
                 <a:cs typeface="Consolas" pitchFamily="49" charset="0"/>
               </a:rPr>
@@ -16724,6 +20970,9 @@
             </a:r>
             <a:r>
               <a:rPr lang="en-US" altLang="ko-KR">
+                <a:solidFill>
+                  <a:srgbClr val="FF0000"/>
+                </a:solidFill>
                 <a:latin typeface="Consolas" pitchFamily="49" charset="0"/>
                 <a:cs typeface="Consolas" pitchFamily="49" charset="0"/>
               </a:rPr>
@@ -16731,6 +20980,9 @@
             </a:r>
             <a:r>
               <a:rPr lang="en-US" altLang="ko-KR" err="1">
+                <a:solidFill>
+                  <a:srgbClr val="FF0000"/>
+                </a:solidFill>
                 <a:latin typeface="Consolas" pitchFamily="49" charset="0"/>
                 <a:cs typeface="Consolas" pitchFamily="49" charset="0"/>
               </a:rPr>
@@ -16738,6 +20990,9 @@
             </a:r>
             <a:r>
               <a:rPr lang="en-US" altLang="ko-KR">
+                <a:solidFill>
+                  <a:srgbClr val="FF0000"/>
+                </a:solidFill>
                 <a:latin typeface="Consolas" pitchFamily="49" charset="0"/>
                 <a:cs typeface="Consolas" pitchFamily="49" charset="0"/>
               </a:rPr>
@@ -16745,12 +21000,18 @@
             </a:r>
             <a:r>
               <a:rPr lang="en-US" altLang="ko-KR" err="1">
+                <a:solidFill>
+                  <a:srgbClr val="FF0000"/>
+                </a:solidFill>
                 <a:latin typeface="Consolas" pitchFamily="49" charset="0"/>
                 <a:cs typeface="Consolas" pitchFamily="49" charset="0"/>
               </a:rPr>
               <a:t>servicemanager</a:t>
             </a:r>
             <a:endParaRPr lang="en-US" altLang="ko-KR">
+              <a:solidFill>
+                <a:srgbClr val="FF0000"/>
+              </a:solidFill>
               <a:latin typeface="Consolas" pitchFamily="49" charset="0"/>
               <a:cs typeface="Consolas" pitchFamily="49" charset="0"/>
             </a:endParaRPr>
@@ -16762,6 +21023,9 @@
             </a:pPr>
             <a:r>
               <a:rPr lang="ko-KR" altLang="en-US">
+                <a:solidFill>
+                  <a:srgbClr val="FF0000"/>
+                </a:solidFill>
                 <a:latin typeface="Consolas" pitchFamily="49" charset="0"/>
                 <a:cs typeface="Consolas" pitchFamily="49" charset="0"/>
               </a:rPr>
@@ -16769,6 +21033,9 @@
             </a:r>
             <a:r>
               <a:rPr lang="en-US" altLang="ko-KR">
+                <a:solidFill>
+                  <a:srgbClr val="FF0000"/>
+                </a:solidFill>
                 <a:latin typeface="Consolas" pitchFamily="49" charset="0"/>
                 <a:cs typeface="Consolas" pitchFamily="49" charset="0"/>
               </a:rPr>
@@ -16776,19 +21043,28 @@
             </a:r>
             <a:r>
               <a:rPr lang="ko-KR" altLang="en-US">
+                <a:solidFill>
+                  <a:srgbClr val="FF0000"/>
+                </a:solidFill>
                 <a:latin typeface="Consolas" pitchFamily="49" charset="0"/>
                 <a:cs typeface="Consolas" pitchFamily="49" charset="0"/>
               </a:rPr>
               <a:t>분석</a:t>
             </a:r>
             <a:endParaRPr lang="en-US" altLang="ko-KR">
-              <a:latin typeface="Consolas" pitchFamily="49" charset="0"/>
-              <a:cs typeface="Consolas" pitchFamily="49" charset="0"/>
-            </a:endParaRPr>
-          </a:p>
-          <a:p>
-            <a:r>
-              <a:rPr lang="en-US" altLang="ko-KR">
+              <a:solidFill>
+                <a:srgbClr val="FF0000"/>
+              </a:solidFill>
+              <a:latin typeface="Consolas" pitchFamily="49" charset="0"/>
+              <a:cs typeface="Consolas" pitchFamily="49" charset="0"/>
+            </a:endParaRPr>
+          </a:p>
+          <a:p>
+            <a:r>
+              <a:rPr lang="en-US" altLang="ko-KR">
+                <a:solidFill>
+                  <a:srgbClr val="FF0000"/>
+                </a:solidFill>
                 <a:latin typeface="Consolas" pitchFamily="49" charset="0"/>
                 <a:cs typeface="Consolas" pitchFamily="49" charset="0"/>
               </a:rPr>
@@ -16796,6 +21072,9 @@
             </a:r>
             <a:r>
               <a:rPr lang="en-US" altLang="ko-KR" err="1">
+                <a:solidFill>
+                  <a:srgbClr val="FF0000"/>
+                </a:solidFill>
                 <a:latin typeface="Consolas" pitchFamily="49" charset="0"/>
                 <a:cs typeface="Consolas" pitchFamily="49" charset="0"/>
               </a:rPr>
@@ -16803,6 +21082,9 @@
             </a:r>
             <a:r>
               <a:rPr lang="en-US" altLang="ko-KR">
+                <a:solidFill>
+                  <a:srgbClr val="FF0000"/>
+                </a:solidFill>
                 <a:latin typeface="Consolas" pitchFamily="49" charset="0"/>
                 <a:cs typeface="Consolas" pitchFamily="49" charset="0"/>
               </a:rPr>
@@ -16810,19 +21092,28 @@
             </a:r>
             <a:r>
               <a:rPr lang="ko-KR" altLang="en-US">
+                <a:solidFill>
+                  <a:srgbClr val="FF0000"/>
+                </a:solidFill>
                 <a:latin typeface="Consolas" pitchFamily="49" charset="0"/>
                 <a:cs typeface="Consolas" pitchFamily="49" charset="0"/>
               </a:rPr>
               <a:t>분석 </a:t>
             </a:r>
             <a:endParaRPr lang="en-US" altLang="ko-KR">
-              <a:latin typeface="Consolas" pitchFamily="49" charset="0"/>
-              <a:cs typeface="Consolas" pitchFamily="49" charset="0"/>
-            </a:endParaRPr>
-          </a:p>
-          <a:p>
-            <a:r>
-              <a:rPr lang="en-US" altLang="ko-KR">
+              <a:solidFill>
+                <a:srgbClr val="FF0000"/>
+              </a:solidFill>
+              <a:latin typeface="Consolas" pitchFamily="49" charset="0"/>
+              <a:cs typeface="Consolas" pitchFamily="49" charset="0"/>
+            </a:endParaRPr>
+          </a:p>
+          <a:p>
+            <a:r>
+              <a:rPr lang="en-US" altLang="ko-KR">
+                <a:solidFill>
+                  <a:srgbClr val="FF0000"/>
+                </a:solidFill>
                 <a:latin typeface="Consolas" pitchFamily="49" charset="0"/>
                 <a:cs typeface="Consolas" pitchFamily="49" charset="0"/>
               </a:rPr>
@@ -16830,19 +21121,28 @@
             </a:r>
             <a:r>
               <a:rPr lang="ko-KR" altLang="en-US">
+                <a:solidFill>
+                  <a:srgbClr val="FF0000"/>
+                </a:solidFill>
                 <a:latin typeface="Consolas" pitchFamily="49" charset="0"/>
                 <a:cs typeface="Consolas" pitchFamily="49" charset="0"/>
               </a:rPr>
               <a:t>분석 구현 </a:t>
             </a:r>
             <a:endParaRPr lang="en-US" altLang="ko-KR">
-              <a:latin typeface="Consolas" pitchFamily="49" charset="0"/>
-              <a:cs typeface="Consolas" pitchFamily="49" charset="0"/>
-            </a:endParaRPr>
-          </a:p>
-          <a:p>
-            <a:r>
-              <a:rPr lang="en-US" altLang="ko-KR">
+              <a:solidFill>
+                <a:srgbClr val="FF0000"/>
+              </a:solidFill>
+              <a:latin typeface="Consolas" pitchFamily="49" charset="0"/>
+              <a:cs typeface="Consolas" pitchFamily="49" charset="0"/>
+            </a:endParaRPr>
+          </a:p>
+          <a:p>
+            <a:r>
+              <a:rPr lang="en-US" altLang="ko-KR">
+                <a:solidFill>
+                  <a:srgbClr val="FF0000"/>
+                </a:solidFill>
                 <a:latin typeface="Consolas" pitchFamily="49" charset="0"/>
                 <a:cs typeface="Consolas" pitchFamily="49" charset="0"/>
               </a:rPr>
@@ -16850,19 +21150,28 @@
             </a:r>
             <a:r>
               <a:rPr lang="ko-KR" altLang="en-US">
+                <a:solidFill>
+                  <a:srgbClr val="FF0000"/>
+                </a:solidFill>
                 <a:latin typeface="Consolas" pitchFamily="49" charset="0"/>
                 <a:cs typeface="Consolas" pitchFamily="49" charset="0"/>
               </a:rPr>
               <a:t>분석 구현 </a:t>
             </a:r>
             <a:endParaRPr lang="en-US" altLang="ko-KR">
-              <a:latin typeface="Consolas" pitchFamily="49" charset="0"/>
-              <a:cs typeface="Consolas" pitchFamily="49" charset="0"/>
-            </a:endParaRPr>
-          </a:p>
-          <a:p>
-            <a:r>
-              <a:rPr lang="en-US" altLang="ko-KR">
+              <a:solidFill>
+                <a:srgbClr val="FF0000"/>
+              </a:solidFill>
+              <a:latin typeface="Consolas" pitchFamily="49" charset="0"/>
+              <a:cs typeface="Consolas" pitchFamily="49" charset="0"/>
+            </a:endParaRPr>
+          </a:p>
+          <a:p>
+            <a:r>
+              <a:rPr lang="en-US" altLang="ko-KR">
+                <a:solidFill>
+                  <a:srgbClr val="FF0000"/>
+                </a:solidFill>
                 <a:latin typeface="Consolas" pitchFamily="49" charset="0"/>
                 <a:cs typeface="Consolas" pitchFamily="49" charset="0"/>
               </a:rPr>
@@ -16870,12 +21179,18 @@
             </a:r>
             <a:r>
               <a:rPr lang="ko-KR" altLang="en-US">
+                <a:solidFill>
+                  <a:srgbClr val="FF0000"/>
+                </a:solidFill>
                 <a:latin typeface="Consolas" pitchFamily="49" charset="0"/>
                 <a:cs typeface="Consolas" pitchFamily="49" charset="0"/>
               </a:rPr>
               <a:t>역방향 바인더 </a:t>
             </a:r>
             <a:endParaRPr lang="en-US" altLang="ko-KR">
+              <a:solidFill>
+                <a:srgbClr val="FF0000"/>
+              </a:solidFill>
               <a:latin typeface="Consolas" pitchFamily="49" charset="0"/>
               <a:cs typeface="Consolas" pitchFamily="49" charset="0"/>
             </a:endParaRPr>
@@ -17044,6 +21359,9 @@
           <a:p>
             <a:r>
               <a:rPr lang="en-US" altLang="ko-KR">
+                <a:solidFill>
+                  <a:srgbClr val="FF0000"/>
+                </a:solidFill>
                 <a:latin typeface="Consolas" pitchFamily="49" charset="0"/>
                 <a:cs typeface="Consolas" pitchFamily="49" charset="0"/>
               </a:rPr>
@@ -17051,6 +21369,9 @@
             </a:r>
             <a:r>
               <a:rPr lang="ko-KR" altLang="en-US">
+                <a:solidFill>
+                  <a:srgbClr val="FF0000"/>
+                </a:solidFill>
                 <a:latin typeface="Consolas" pitchFamily="49" charset="0"/>
                 <a:cs typeface="Consolas" pitchFamily="49" charset="0"/>
               </a:rPr>
@@ -17058,6 +21379,9 @@
             </a:r>
             <a:r>
               <a:rPr lang="en-US" altLang="ko-KR">
+                <a:solidFill>
+                  <a:srgbClr val="FF0000"/>
+                </a:solidFill>
                 <a:latin typeface="Consolas" pitchFamily="49" charset="0"/>
                 <a:cs typeface="Consolas" pitchFamily="49" charset="0"/>
               </a:rPr>
@@ -17065,6 +21389,9 @@
             </a:r>
             <a:r>
               <a:rPr lang="ko-KR" altLang="en-US">
+                <a:solidFill>
+                  <a:srgbClr val="FF0000"/>
+                </a:solidFill>
                 <a:latin typeface="Consolas" pitchFamily="49" charset="0"/>
                 <a:cs typeface="Consolas" pitchFamily="49" charset="0"/>
               </a:rPr>
@@ -17072,6 +21399,9 @@
             </a:r>
             <a:r>
               <a:rPr lang="en-US" altLang="ko-KR">
+                <a:solidFill>
+                  <a:srgbClr val="FF0000"/>
+                </a:solidFill>
                 <a:latin typeface="Consolas" pitchFamily="49" charset="0"/>
                 <a:cs typeface="Consolas" pitchFamily="49" charset="0"/>
               </a:rPr>
@@ -17079,6 +21409,9 @@
             </a:r>
             <a:r>
               <a:rPr lang="en-US" altLang="ko-KR" err="1">
+                <a:solidFill>
+                  <a:srgbClr val="FF0000"/>
+                </a:solidFill>
                 <a:latin typeface="Consolas" pitchFamily="49" charset="0"/>
                 <a:cs typeface="Consolas" pitchFamily="49" charset="0"/>
               </a:rPr>
@@ -17086,6 +21419,9 @@
             </a:r>
             <a:r>
               <a:rPr lang="en-US" altLang="ko-KR">
+                <a:solidFill>
+                  <a:srgbClr val="FF0000"/>
+                </a:solidFill>
                 <a:latin typeface="Consolas" pitchFamily="49" charset="0"/>
                 <a:cs typeface="Consolas" pitchFamily="49" charset="0"/>
               </a:rPr>
@@ -17093,19 +21429,28 @@
             </a:r>
             <a:r>
               <a:rPr lang="ko-KR" altLang="en-US">
+                <a:solidFill>
+                  <a:srgbClr val="FF0000"/>
+                </a:solidFill>
                 <a:latin typeface="Consolas" pitchFamily="49" charset="0"/>
                 <a:cs typeface="Consolas" pitchFamily="49" charset="0"/>
               </a:rPr>
               <a:t>분석</a:t>
             </a:r>
             <a:endParaRPr lang="en-US" altLang="ko-KR">
-              <a:latin typeface="Consolas" pitchFamily="49" charset="0"/>
-              <a:cs typeface="Consolas" pitchFamily="49" charset="0"/>
-            </a:endParaRPr>
-          </a:p>
-          <a:p>
-            <a:r>
-              <a:rPr lang="en-US" altLang="ko-KR">
+              <a:solidFill>
+                <a:srgbClr val="FF0000"/>
+              </a:solidFill>
+              <a:latin typeface="Consolas" pitchFamily="49" charset="0"/>
+              <a:cs typeface="Consolas" pitchFamily="49" charset="0"/>
+            </a:endParaRPr>
+          </a:p>
+          <a:p>
+            <a:r>
+              <a:rPr lang="en-US" altLang="ko-KR">
+                <a:solidFill>
+                  <a:srgbClr val="FF0000"/>
+                </a:solidFill>
                 <a:latin typeface="Consolas" pitchFamily="49" charset="0"/>
                 <a:cs typeface="Consolas" pitchFamily="49" charset="0"/>
               </a:rPr>
@@ -17113,12 +21458,18 @@
             </a:r>
             <a:r>
               <a:rPr lang="ko-KR" altLang="en-US">
+                <a:solidFill>
+                  <a:srgbClr val="FF0000"/>
+                </a:solidFill>
                 <a:latin typeface="Consolas" pitchFamily="49" charset="0"/>
                 <a:cs typeface="Consolas" pitchFamily="49" charset="0"/>
               </a:rPr>
               <a:t>분석 </a:t>
             </a:r>
             <a:endParaRPr lang="en-US" altLang="ko-KR">
+              <a:solidFill>
+                <a:srgbClr val="FF0000"/>
+              </a:solidFill>
               <a:latin typeface="Consolas" pitchFamily="49" charset="0"/>
               <a:cs typeface="Consolas" pitchFamily="49" charset="0"/>
             </a:endParaRPr>

--- a/04_day.pptx
+++ b/04_day.pptx
@@ -23,6 +23,13 @@
     <p:sldId id="345" r:id="rId17"/>
     <p:sldId id="346" r:id="rId18"/>
     <p:sldId id="347" r:id="rId19"/>
+    <p:sldId id="348" r:id="rId20"/>
+    <p:sldId id="349" r:id="rId21"/>
+    <p:sldId id="350" r:id="rId22"/>
+    <p:sldId id="351" r:id="rId23"/>
+    <p:sldId id="352" r:id="rId24"/>
+    <p:sldId id="353" r:id="rId25"/>
+    <p:sldId id="354" r:id="rId26"/>
   </p:sldIdLst>
   <p:sldSz cx="9144000" cy="6858000" type="screen4x3"/>
   <p:notesSz cx="6858000" cy="9144000"/>
@@ -20867,6 +20874,816 @@
 </p:sld>
 </file>
 
+<file path=ppt/slides/slide19.xml><?xml version="1.0" encoding="utf-8"?>
+<p:sld xmlns:a="http://schemas.openxmlformats.org/drawingml/2006/main" xmlns:r="http://schemas.openxmlformats.org/officeDocument/2006/relationships" xmlns:p="http://schemas.openxmlformats.org/presentationml/2006/main">
+  <p:cSld>
+    <p:spTree>
+      <p:nvGrpSpPr>
+        <p:cNvPr id="1" name=""/>
+        <p:cNvGrpSpPr/>
+        <p:nvPr/>
+      </p:nvGrpSpPr>
+      <p:grpSpPr>
+        <a:xfrm>
+          <a:off x="0" y="0"/>
+          <a:ext cx="0" cy="0"/>
+          <a:chOff x="0" y="0"/>
+          <a:chExt cx="0" cy="0"/>
+        </a:xfrm>
+      </p:grpSpPr>
+      <p:sp>
+        <p:nvSpPr>
+          <p:cNvPr id="4" name="TextBox 3">
+            <a:extLst>
+              <a:ext uri="{FF2B5EF4-FFF2-40B4-BE49-F238E27FC236}">
+                <a16:creationId xmlns:a16="http://schemas.microsoft.com/office/drawing/2014/main" id="{4A108261-FBA8-4C25-912F-1ECB260A58FF}"/>
+              </a:ext>
+            </a:extLst>
+          </p:cNvPr>
+          <p:cNvSpPr txBox="1"/>
+          <p:nvPr/>
+        </p:nvSpPr>
+        <p:spPr>
+          <a:xfrm>
+            <a:off x="683568" y="188640"/>
+            <a:ext cx="1374094" cy="461665"/>
+          </a:xfrm>
+          <a:prstGeom prst="rect">
+            <a:avLst/>
+          </a:prstGeom>
+          <a:noFill/>
+        </p:spPr>
+        <p:txBody>
+          <a:bodyPr wrap="none" rtlCol="0">
+            <a:spAutoFit/>
+          </a:bodyPr>
+          <a:lstStyle/>
+          <a:p>
+            <a:r>
+              <a:rPr lang="en-US" altLang="ko-KR" sz="2400">
+                <a:latin typeface="Consolas" pitchFamily="49" charset="0"/>
+                <a:cs typeface="Consolas" pitchFamily="49" charset="0"/>
+              </a:rPr>
+              <a:t>mmap();</a:t>
+            </a:r>
+            <a:endParaRPr lang="ko-KR" altLang="en-US" sz="2400">
+              <a:latin typeface="Consolas" pitchFamily="49" charset="0"/>
+              <a:cs typeface="Consolas" pitchFamily="49" charset="0"/>
+            </a:endParaRPr>
+          </a:p>
+        </p:txBody>
+      </p:sp>
+      <p:sp>
+        <p:nvSpPr>
+          <p:cNvPr id="5" name="직사각형 4">
+            <a:extLst>
+              <a:ext uri="{FF2B5EF4-FFF2-40B4-BE49-F238E27FC236}">
+                <a16:creationId xmlns:a16="http://schemas.microsoft.com/office/drawing/2014/main" id="{B19E1916-C05A-4304-BB12-01FC6E86A5BB}"/>
+              </a:ext>
+            </a:extLst>
+          </p:cNvPr>
+          <p:cNvSpPr/>
+          <p:nvPr/>
+        </p:nvSpPr>
+        <p:spPr>
+          <a:xfrm>
+            <a:off x="1370614" y="980728"/>
+            <a:ext cx="1473193" cy="2016224"/>
+          </a:xfrm>
+          <a:prstGeom prst="rect">
+            <a:avLst/>
+          </a:prstGeom>
+          <a:solidFill>
+            <a:srgbClr val="FFFF00"/>
+          </a:solidFill>
+          <a:ln w="12700"/>
+        </p:spPr>
+        <p:style>
+          <a:lnRef idx="2">
+            <a:schemeClr val="accent1">
+              <a:shade val="50000"/>
+            </a:schemeClr>
+          </a:lnRef>
+          <a:fillRef idx="1">
+            <a:schemeClr val="accent1"/>
+          </a:fillRef>
+          <a:effectRef idx="0">
+            <a:schemeClr val="accent1"/>
+          </a:effectRef>
+          <a:fontRef idx="minor">
+            <a:schemeClr val="lt1"/>
+          </a:fontRef>
+        </p:style>
+        <p:txBody>
+          <a:bodyPr rtlCol="0" anchor="ctr"/>
+          <a:lstStyle/>
+          <a:p>
+            <a:pPr algn="ctr"/>
+            <a:endParaRPr lang="ko-KR" altLang="en-US">
+              <a:solidFill>
+                <a:schemeClr val="tx1"/>
+              </a:solidFill>
+              <a:latin typeface="Consolas" pitchFamily="49" charset="0"/>
+              <a:cs typeface="Consolas" pitchFamily="49" charset="0"/>
+            </a:endParaRPr>
+          </a:p>
+        </p:txBody>
+      </p:sp>
+      <p:sp>
+        <p:nvSpPr>
+          <p:cNvPr id="6" name="직사각형 5">
+            <a:extLst>
+              <a:ext uri="{FF2B5EF4-FFF2-40B4-BE49-F238E27FC236}">
+                <a16:creationId xmlns:a16="http://schemas.microsoft.com/office/drawing/2014/main" id="{6970BE4C-F127-4C90-81A5-483E061AFDBF}"/>
+              </a:ext>
+            </a:extLst>
+          </p:cNvPr>
+          <p:cNvSpPr/>
+          <p:nvPr/>
+        </p:nvSpPr>
+        <p:spPr>
+          <a:xfrm>
+            <a:off x="1370614" y="2996952"/>
+            <a:ext cx="1473193" cy="2016224"/>
+          </a:xfrm>
+          <a:prstGeom prst="rect">
+            <a:avLst/>
+          </a:prstGeom>
+          <a:solidFill>
+            <a:srgbClr val="FFFF00"/>
+          </a:solidFill>
+          <a:ln w="12700"/>
+        </p:spPr>
+        <p:style>
+          <a:lnRef idx="2">
+            <a:schemeClr val="accent1">
+              <a:shade val="50000"/>
+            </a:schemeClr>
+          </a:lnRef>
+          <a:fillRef idx="1">
+            <a:schemeClr val="accent1"/>
+          </a:fillRef>
+          <a:effectRef idx="0">
+            <a:schemeClr val="accent1"/>
+          </a:effectRef>
+          <a:fontRef idx="minor">
+            <a:schemeClr val="lt1"/>
+          </a:fontRef>
+        </p:style>
+        <p:txBody>
+          <a:bodyPr rtlCol="0" anchor="ctr"/>
+          <a:lstStyle/>
+          <a:p>
+            <a:pPr algn="ctr"/>
+            <a:endParaRPr lang="ko-KR" altLang="en-US">
+              <a:solidFill>
+                <a:schemeClr val="tx1"/>
+              </a:solidFill>
+              <a:latin typeface="Consolas" pitchFamily="49" charset="0"/>
+              <a:cs typeface="Consolas" pitchFamily="49" charset="0"/>
+            </a:endParaRPr>
+          </a:p>
+        </p:txBody>
+      </p:sp>
+      <p:sp>
+        <p:nvSpPr>
+          <p:cNvPr id="7" name="직사각형 6">
+            <a:extLst>
+              <a:ext uri="{FF2B5EF4-FFF2-40B4-BE49-F238E27FC236}">
+                <a16:creationId xmlns:a16="http://schemas.microsoft.com/office/drawing/2014/main" id="{C1F0D8FE-C0AA-428A-A3D0-5FF48BB14540}"/>
+              </a:ext>
+            </a:extLst>
+          </p:cNvPr>
+          <p:cNvSpPr/>
+          <p:nvPr/>
+        </p:nvSpPr>
+        <p:spPr>
+          <a:xfrm>
+            <a:off x="4355976" y="3104964"/>
+            <a:ext cx="1440160" cy="648072"/>
+          </a:xfrm>
+          <a:prstGeom prst="rect">
+            <a:avLst/>
+          </a:prstGeom>
+          <a:solidFill>
+            <a:srgbClr val="FFC000"/>
+          </a:solidFill>
+          <a:ln w="12700"/>
+        </p:spPr>
+        <p:style>
+          <a:lnRef idx="2">
+            <a:schemeClr val="accent1">
+              <a:shade val="50000"/>
+            </a:schemeClr>
+          </a:lnRef>
+          <a:fillRef idx="1">
+            <a:schemeClr val="accent1"/>
+          </a:fillRef>
+          <a:effectRef idx="0">
+            <a:schemeClr val="accent1"/>
+          </a:effectRef>
+          <a:fontRef idx="minor">
+            <a:schemeClr val="lt1"/>
+          </a:fontRef>
+        </p:style>
+        <p:txBody>
+          <a:bodyPr rtlCol="0" anchor="ctr"/>
+          <a:lstStyle/>
+          <a:p>
+            <a:pPr algn="ctr"/>
+            <a:r>
+              <a:rPr lang="en-US" altLang="ko-KR">
+                <a:solidFill>
+                  <a:schemeClr val="tx1"/>
+                </a:solidFill>
+                <a:latin typeface="Consolas" pitchFamily="49" charset="0"/>
+                <a:cs typeface="Consolas" pitchFamily="49" charset="0"/>
+              </a:rPr>
+              <a:t>hello</a:t>
+            </a:r>
+            <a:endParaRPr lang="ko-KR" altLang="en-US">
+              <a:solidFill>
+                <a:schemeClr val="tx1"/>
+              </a:solidFill>
+              <a:latin typeface="Consolas" pitchFamily="49" charset="0"/>
+              <a:cs typeface="Consolas" pitchFamily="49" charset="0"/>
+            </a:endParaRPr>
+          </a:p>
+        </p:txBody>
+      </p:sp>
+      <p:sp>
+        <p:nvSpPr>
+          <p:cNvPr id="8" name="직사각형 7">
+            <a:extLst>
+              <a:ext uri="{FF2B5EF4-FFF2-40B4-BE49-F238E27FC236}">
+                <a16:creationId xmlns:a16="http://schemas.microsoft.com/office/drawing/2014/main" id="{FA25FF3E-5679-4F5D-B4C8-AAB70A9C96D9}"/>
+              </a:ext>
+            </a:extLst>
+          </p:cNvPr>
+          <p:cNvSpPr/>
+          <p:nvPr/>
+        </p:nvSpPr>
+        <p:spPr>
+          <a:xfrm>
+            <a:off x="1379571" y="3453245"/>
+            <a:ext cx="1464236" cy="648072"/>
+          </a:xfrm>
+          <a:prstGeom prst="rect">
+            <a:avLst/>
+          </a:prstGeom>
+          <a:solidFill>
+            <a:srgbClr val="FFC000"/>
+          </a:solidFill>
+          <a:ln w="12700"/>
+        </p:spPr>
+        <p:style>
+          <a:lnRef idx="2">
+            <a:schemeClr val="accent1">
+              <a:shade val="50000"/>
+            </a:schemeClr>
+          </a:lnRef>
+          <a:fillRef idx="1">
+            <a:schemeClr val="accent1"/>
+          </a:fillRef>
+          <a:effectRef idx="0">
+            <a:schemeClr val="accent1"/>
+          </a:effectRef>
+          <a:fontRef idx="minor">
+            <a:schemeClr val="lt1"/>
+          </a:fontRef>
+        </p:style>
+        <p:txBody>
+          <a:bodyPr rtlCol="0" anchor="ctr"/>
+          <a:lstStyle/>
+          <a:p>
+            <a:pPr algn="ctr"/>
+            <a:endParaRPr lang="ko-KR" altLang="en-US">
+              <a:solidFill>
+                <a:schemeClr val="tx1"/>
+              </a:solidFill>
+              <a:latin typeface="Consolas" pitchFamily="49" charset="0"/>
+              <a:cs typeface="Consolas" pitchFamily="49" charset="0"/>
+            </a:endParaRPr>
+          </a:p>
+        </p:txBody>
+      </p:sp>
+      <p:sp>
+        <p:nvSpPr>
+          <p:cNvPr id="9" name="직사각형 8">
+            <a:extLst>
+              <a:ext uri="{FF2B5EF4-FFF2-40B4-BE49-F238E27FC236}">
+                <a16:creationId xmlns:a16="http://schemas.microsoft.com/office/drawing/2014/main" id="{330E578B-D7E2-43EB-8C75-508EEDA1E9FF}"/>
+              </a:ext>
+            </a:extLst>
+          </p:cNvPr>
+          <p:cNvSpPr/>
+          <p:nvPr/>
+        </p:nvSpPr>
+        <p:spPr>
+          <a:xfrm>
+            <a:off x="1379571" y="1893314"/>
+            <a:ext cx="1464236" cy="648072"/>
+          </a:xfrm>
+          <a:prstGeom prst="rect">
+            <a:avLst/>
+          </a:prstGeom>
+          <a:solidFill>
+            <a:srgbClr val="FFC000"/>
+          </a:solidFill>
+          <a:ln w="12700"/>
+        </p:spPr>
+        <p:style>
+          <a:lnRef idx="2">
+            <a:schemeClr val="accent1">
+              <a:shade val="50000"/>
+            </a:schemeClr>
+          </a:lnRef>
+          <a:fillRef idx="1">
+            <a:schemeClr val="accent1"/>
+          </a:fillRef>
+          <a:effectRef idx="0">
+            <a:schemeClr val="accent1"/>
+          </a:effectRef>
+          <a:fontRef idx="minor">
+            <a:schemeClr val="lt1"/>
+          </a:fontRef>
+        </p:style>
+        <p:txBody>
+          <a:bodyPr rtlCol="0" anchor="ctr"/>
+          <a:lstStyle/>
+          <a:p>
+            <a:pPr algn="ctr"/>
+            <a:endParaRPr lang="ko-KR" altLang="en-US">
+              <a:solidFill>
+                <a:schemeClr val="tx1"/>
+              </a:solidFill>
+              <a:latin typeface="Consolas" pitchFamily="49" charset="0"/>
+              <a:cs typeface="Consolas" pitchFamily="49" charset="0"/>
+            </a:endParaRPr>
+          </a:p>
+        </p:txBody>
+      </p:sp>
+      <p:cxnSp>
+        <p:nvCxnSpPr>
+          <p:cNvPr id="11" name="직선 연결선 10">
+            <a:extLst>
+              <a:ext uri="{FF2B5EF4-FFF2-40B4-BE49-F238E27FC236}">
+                <a16:creationId xmlns:a16="http://schemas.microsoft.com/office/drawing/2014/main" id="{F1574278-09A2-44D9-A6C4-1394C9FCD43F}"/>
+              </a:ext>
+            </a:extLst>
+          </p:cNvPr>
+          <p:cNvCxnSpPr/>
+          <p:nvPr/>
+        </p:nvCxnSpPr>
+        <p:spPr>
+          <a:xfrm>
+            <a:off x="2843807" y="1893314"/>
+            <a:ext cx="1512169" cy="1211650"/>
+          </a:xfrm>
+          <a:prstGeom prst="line">
+            <a:avLst/>
+          </a:prstGeom>
+        </p:spPr>
+        <p:style>
+          <a:lnRef idx="1">
+            <a:schemeClr val="accent1"/>
+          </a:lnRef>
+          <a:fillRef idx="0">
+            <a:schemeClr val="accent1"/>
+          </a:fillRef>
+          <a:effectRef idx="0">
+            <a:schemeClr val="accent1"/>
+          </a:effectRef>
+          <a:fontRef idx="minor">
+            <a:schemeClr val="tx1"/>
+          </a:fontRef>
+        </p:style>
+      </p:cxnSp>
+      <p:cxnSp>
+        <p:nvCxnSpPr>
+          <p:cNvPr id="12" name="직선 연결선 11">
+            <a:extLst>
+              <a:ext uri="{FF2B5EF4-FFF2-40B4-BE49-F238E27FC236}">
+                <a16:creationId xmlns:a16="http://schemas.microsoft.com/office/drawing/2014/main" id="{82F0B845-06CB-4E85-B0DC-14B7CAB10E2F}"/>
+              </a:ext>
+            </a:extLst>
+          </p:cNvPr>
+          <p:cNvCxnSpPr/>
+          <p:nvPr/>
+        </p:nvCxnSpPr>
+        <p:spPr>
+          <a:xfrm>
+            <a:off x="2843807" y="2541386"/>
+            <a:ext cx="1512169" cy="1211650"/>
+          </a:xfrm>
+          <a:prstGeom prst="line">
+            <a:avLst/>
+          </a:prstGeom>
+        </p:spPr>
+        <p:style>
+          <a:lnRef idx="1">
+            <a:schemeClr val="accent1"/>
+          </a:lnRef>
+          <a:fillRef idx="0">
+            <a:schemeClr val="accent1"/>
+          </a:fillRef>
+          <a:effectRef idx="0">
+            <a:schemeClr val="accent1"/>
+          </a:effectRef>
+          <a:fontRef idx="minor">
+            <a:schemeClr val="tx1"/>
+          </a:fontRef>
+        </p:style>
+      </p:cxnSp>
+      <p:cxnSp>
+        <p:nvCxnSpPr>
+          <p:cNvPr id="13" name="직선 연결선 12">
+            <a:extLst>
+              <a:ext uri="{FF2B5EF4-FFF2-40B4-BE49-F238E27FC236}">
+                <a16:creationId xmlns:a16="http://schemas.microsoft.com/office/drawing/2014/main" id="{4B1CD627-F179-4B07-99D4-281EA70EDCB3}"/>
+              </a:ext>
+            </a:extLst>
+          </p:cNvPr>
+          <p:cNvCxnSpPr>
+            <a:cxnSpLocks/>
+          </p:cNvCxnSpPr>
+          <p:nvPr/>
+        </p:nvCxnSpPr>
+        <p:spPr>
+          <a:xfrm flipV="1">
+            <a:off x="2802650" y="3104964"/>
+            <a:ext cx="1553326" cy="347554"/>
+          </a:xfrm>
+          <a:prstGeom prst="line">
+            <a:avLst/>
+          </a:prstGeom>
+        </p:spPr>
+        <p:style>
+          <a:lnRef idx="1">
+            <a:schemeClr val="accent1"/>
+          </a:lnRef>
+          <a:fillRef idx="0">
+            <a:schemeClr val="accent1"/>
+          </a:fillRef>
+          <a:effectRef idx="0">
+            <a:schemeClr val="accent1"/>
+          </a:effectRef>
+          <a:fontRef idx="minor">
+            <a:schemeClr val="tx1"/>
+          </a:fontRef>
+        </p:style>
+      </p:cxnSp>
+      <p:cxnSp>
+        <p:nvCxnSpPr>
+          <p:cNvPr id="16" name="직선 연결선 15">
+            <a:extLst>
+              <a:ext uri="{FF2B5EF4-FFF2-40B4-BE49-F238E27FC236}">
+                <a16:creationId xmlns:a16="http://schemas.microsoft.com/office/drawing/2014/main" id="{4D4C88A6-B2B2-4EC4-ABBC-BE22332C9636}"/>
+              </a:ext>
+            </a:extLst>
+          </p:cNvPr>
+          <p:cNvCxnSpPr>
+            <a:cxnSpLocks/>
+          </p:cNvCxnSpPr>
+          <p:nvPr/>
+        </p:nvCxnSpPr>
+        <p:spPr>
+          <a:xfrm flipV="1">
+            <a:off x="2814900" y="3761068"/>
+            <a:ext cx="1553326" cy="347554"/>
+          </a:xfrm>
+          <a:prstGeom prst="line">
+            <a:avLst/>
+          </a:prstGeom>
+        </p:spPr>
+        <p:style>
+          <a:lnRef idx="1">
+            <a:schemeClr val="accent1"/>
+          </a:lnRef>
+          <a:fillRef idx="0">
+            <a:schemeClr val="accent1"/>
+          </a:fillRef>
+          <a:effectRef idx="0">
+            <a:schemeClr val="accent1"/>
+          </a:effectRef>
+          <a:fontRef idx="minor">
+            <a:schemeClr val="tx1"/>
+          </a:fontRef>
+        </p:style>
+      </p:cxnSp>
+      <p:sp>
+        <p:nvSpPr>
+          <p:cNvPr id="17" name="직사각형 16">
+            <a:extLst>
+              <a:ext uri="{FF2B5EF4-FFF2-40B4-BE49-F238E27FC236}">
+                <a16:creationId xmlns:a16="http://schemas.microsoft.com/office/drawing/2014/main" id="{F8D8352B-2F32-4254-AF4C-88654BD17C77}"/>
+              </a:ext>
+            </a:extLst>
+          </p:cNvPr>
+          <p:cNvSpPr/>
+          <p:nvPr/>
+        </p:nvSpPr>
+        <p:spPr>
+          <a:xfrm>
+            <a:off x="7236296" y="1052736"/>
+            <a:ext cx="1473193" cy="2016224"/>
+          </a:xfrm>
+          <a:prstGeom prst="rect">
+            <a:avLst/>
+          </a:prstGeom>
+          <a:solidFill>
+            <a:srgbClr val="FFFF00"/>
+          </a:solidFill>
+          <a:ln w="12700"/>
+        </p:spPr>
+        <p:style>
+          <a:lnRef idx="2">
+            <a:schemeClr val="accent1">
+              <a:shade val="50000"/>
+            </a:schemeClr>
+          </a:lnRef>
+          <a:fillRef idx="1">
+            <a:schemeClr val="accent1"/>
+          </a:fillRef>
+          <a:effectRef idx="0">
+            <a:schemeClr val="accent1"/>
+          </a:effectRef>
+          <a:fontRef idx="minor">
+            <a:schemeClr val="lt1"/>
+          </a:fontRef>
+        </p:style>
+        <p:txBody>
+          <a:bodyPr rtlCol="0" anchor="ctr"/>
+          <a:lstStyle/>
+          <a:p>
+            <a:pPr algn="ctr"/>
+            <a:endParaRPr lang="ko-KR" altLang="en-US">
+              <a:solidFill>
+                <a:schemeClr val="tx1"/>
+              </a:solidFill>
+              <a:latin typeface="Consolas" pitchFamily="49" charset="0"/>
+              <a:cs typeface="Consolas" pitchFamily="49" charset="0"/>
+            </a:endParaRPr>
+          </a:p>
+        </p:txBody>
+      </p:sp>
+      <p:sp>
+        <p:nvSpPr>
+          <p:cNvPr id="18" name="직사각형 17">
+            <a:extLst>
+              <a:ext uri="{FF2B5EF4-FFF2-40B4-BE49-F238E27FC236}">
+                <a16:creationId xmlns:a16="http://schemas.microsoft.com/office/drawing/2014/main" id="{43920A53-76D7-484E-B914-B55A8F6459E0}"/>
+              </a:ext>
+            </a:extLst>
+          </p:cNvPr>
+          <p:cNvSpPr/>
+          <p:nvPr/>
+        </p:nvSpPr>
+        <p:spPr>
+          <a:xfrm>
+            <a:off x="7236296" y="3068960"/>
+            <a:ext cx="1473193" cy="2016224"/>
+          </a:xfrm>
+          <a:prstGeom prst="rect">
+            <a:avLst/>
+          </a:prstGeom>
+          <a:solidFill>
+            <a:srgbClr val="FFFF00"/>
+          </a:solidFill>
+          <a:ln w="12700"/>
+        </p:spPr>
+        <p:style>
+          <a:lnRef idx="2">
+            <a:schemeClr val="accent1">
+              <a:shade val="50000"/>
+            </a:schemeClr>
+          </a:lnRef>
+          <a:fillRef idx="1">
+            <a:schemeClr val="accent1"/>
+          </a:fillRef>
+          <a:effectRef idx="0">
+            <a:schemeClr val="accent1"/>
+          </a:effectRef>
+          <a:fontRef idx="minor">
+            <a:schemeClr val="lt1"/>
+          </a:fontRef>
+        </p:style>
+        <p:txBody>
+          <a:bodyPr rtlCol="0" anchor="ctr"/>
+          <a:lstStyle/>
+          <a:p>
+            <a:pPr algn="ctr"/>
+            <a:endParaRPr lang="ko-KR" altLang="en-US">
+              <a:solidFill>
+                <a:schemeClr val="tx1"/>
+              </a:solidFill>
+              <a:latin typeface="Consolas" pitchFamily="49" charset="0"/>
+              <a:cs typeface="Consolas" pitchFamily="49" charset="0"/>
+            </a:endParaRPr>
+          </a:p>
+        </p:txBody>
+      </p:sp>
+      <p:sp>
+        <p:nvSpPr>
+          <p:cNvPr id="19" name="직사각형 18">
+            <a:extLst>
+              <a:ext uri="{FF2B5EF4-FFF2-40B4-BE49-F238E27FC236}">
+                <a16:creationId xmlns:a16="http://schemas.microsoft.com/office/drawing/2014/main" id="{07CCADC1-3902-4322-B424-358F998436DF}"/>
+              </a:ext>
+            </a:extLst>
+          </p:cNvPr>
+          <p:cNvSpPr/>
+          <p:nvPr/>
+        </p:nvSpPr>
+        <p:spPr>
+          <a:xfrm>
+            <a:off x="7245253" y="3525253"/>
+            <a:ext cx="1464236" cy="648072"/>
+          </a:xfrm>
+          <a:prstGeom prst="rect">
+            <a:avLst/>
+          </a:prstGeom>
+          <a:solidFill>
+            <a:srgbClr val="FFC000"/>
+          </a:solidFill>
+          <a:ln w="12700"/>
+        </p:spPr>
+        <p:style>
+          <a:lnRef idx="2">
+            <a:schemeClr val="accent1">
+              <a:shade val="50000"/>
+            </a:schemeClr>
+          </a:lnRef>
+          <a:fillRef idx="1">
+            <a:schemeClr val="accent1"/>
+          </a:fillRef>
+          <a:effectRef idx="0">
+            <a:schemeClr val="accent1"/>
+          </a:effectRef>
+          <a:fontRef idx="minor">
+            <a:schemeClr val="lt1"/>
+          </a:fontRef>
+        </p:style>
+        <p:txBody>
+          <a:bodyPr rtlCol="0" anchor="ctr"/>
+          <a:lstStyle/>
+          <a:p>
+            <a:pPr algn="ctr"/>
+            <a:endParaRPr lang="ko-KR" altLang="en-US">
+              <a:solidFill>
+                <a:schemeClr val="tx1"/>
+              </a:solidFill>
+              <a:latin typeface="Consolas" pitchFamily="49" charset="0"/>
+              <a:cs typeface="Consolas" pitchFamily="49" charset="0"/>
+            </a:endParaRPr>
+          </a:p>
+        </p:txBody>
+      </p:sp>
+      <p:sp>
+        <p:nvSpPr>
+          <p:cNvPr id="20" name="직사각형 19">
+            <a:extLst>
+              <a:ext uri="{FF2B5EF4-FFF2-40B4-BE49-F238E27FC236}">
+                <a16:creationId xmlns:a16="http://schemas.microsoft.com/office/drawing/2014/main" id="{D6DFE09E-4AF0-440F-92A8-21F7C639F8DD}"/>
+              </a:ext>
+            </a:extLst>
+          </p:cNvPr>
+          <p:cNvSpPr/>
+          <p:nvPr/>
+        </p:nvSpPr>
+        <p:spPr>
+          <a:xfrm>
+            <a:off x="7245253" y="1965322"/>
+            <a:ext cx="1464236" cy="648072"/>
+          </a:xfrm>
+          <a:prstGeom prst="rect">
+            <a:avLst/>
+          </a:prstGeom>
+          <a:solidFill>
+            <a:srgbClr val="FFC000"/>
+          </a:solidFill>
+          <a:ln w="12700"/>
+        </p:spPr>
+        <p:style>
+          <a:lnRef idx="2">
+            <a:schemeClr val="accent1">
+              <a:shade val="50000"/>
+            </a:schemeClr>
+          </a:lnRef>
+          <a:fillRef idx="1">
+            <a:schemeClr val="accent1"/>
+          </a:fillRef>
+          <a:effectRef idx="0">
+            <a:schemeClr val="accent1"/>
+          </a:effectRef>
+          <a:fontRef idx="minor">
+            <a:schemeClr val="lt1"/>
+          </a:fontRef>
+        </p:style>
+        <p:txBody>
+          <a:bodyPr rtlCol="0" anchor="ctr"/>
+          <a:lstStyle/>
+          <a:p>
+            <a:pPr algn="ctr"/>
+            <a:endParaRPr lang="ko-KR" altLang="en-US">
+              <a:solidFill>
+                <a:schemeClr val="tx1"/>
+              </a:solidFill>
+              <a:latin typeface="Consolas" pitchFamily="49" charset="0"/>
+              <a:cs typeface="Consolas" pitchFamily="49" charset="0"/>
+            </a:endParaRPr>
+          </a:p>
+        </p:txBody>
+      </p:sp>
+      <p:cxnSp>
+        <p:nvCxnSpPr>
+          <p:cNvPr id="21" name="직선 연결선 20">
+            <a:extLst>
+              <a:ext uri="{FF2B5EF4-FFF2-40B4-BE49-F238E27FC236}">
+                <a16:creationId xmlns:a16="http://schemas.microsoft.com/office/drawing/2014/main" id="{4C8DE0C0-0B7C-4831-A3AA-73FBBDB0744D}"/>
+              </a:ext>
+            </a:extLst>
+          </p:cNvPr>
+          <p:cNvCxnSpPr>
+            <a:cxnSpLocks/>
+          </p:cNvCxnSpPr>
+          <p:nvPr/>
+        </p:nvCxnSpPr>
+        <p:spPr>
+          <a:xfrm flipV="1">
+            <a:off x="5796136" y="1957290"/>
+            <a:ext cx="1427910" cy="1132793"/>
+          </a:xfrm>
+          <a:prstGeom prst="line">
+            <a:avLst/>
+          </a:prstGeom>
+        </p:spPr>
+        <p:style>
+          <a:lnRef idx="1">
+            <a:schemeClr val="accent1"/>
+          </a:lnRef>
+          <a:fillRef idx="0">
+            <a:schemeClr val="accent1"/>
+          </a:fillRef>
+          <a:effectRef idx="0">
+            <a:schemeClr val="accent1"/>
+          </a:effectRef>
+          <a:fontRef idx="minor">
+            <a:schemeClr val="tx1"/>
+          </a:fontRef>
+        </p:style>
+      </p:cxnSp>
+      <p:cxnSp>
+        <p:nvCxnSpPr>
+          <p:cNvPr id="24" name="직선 연결선 23">
+            <a:extLst>
+              <a:ext uri="{FF2B5EF4-FFF2-40B4-BE49-F238E27FC236}">
+                <a16:creationId xmlns:a16="http://schemas.microsoft.com/office/drawing/2014/main" id="{7699F794-AA77-44A4-A8AA-B24DCEC065A2}"/>
+              </a:ext>
+            </a:extLst>
+          </p:cNvPr>
+          <p:cNvCxnSpPr>
+            <a:cxnSpLocks/>
+          </p:cNvCxnSpPr>
+          <p:nvPr/>
+        </p:nvCxnSpPr>
+        <p:spPr>
+          <a:xfrm flipV="1">
+            <a:off x="5803908" y="2620243"/>
+            <a:ext cx="1427910" cy="1132793"/>
+          </a:xfrm>
+          <a:prstGeom prst="line">
+            <a:avLst/>
+          </a:prstGeom>
+        </p:spPr>
+        <p:style>
+          <a:lnRef idx="1">
+            <a:schemeClr val="accent1"/>
+          </a:lnRef>
+          <a:fillRef idx="0">
+            <a:schemeClr val="accent1"/>
+          </a:fillRef>
+          <a:effectRef idx="0">
+            <a:schemeClr val="accent1"/>
+          </a:effectRef>
+          <a:fontRef idx="minor">
+            <a:schemeClr val="tx1"/>
+          </a:fontRef>
+        </p:style>
+      </p:cxnSp>
+    </p:spTree>
+    <p:extLst>
+      <p:ext uri="{BB962C8B-B14F-4D97-AF65-F5344CB8AC3E}">
+        <p14:creationId xmlns:p14="http://schemas.microsoft.com/office/powerpoint/2010/main" val="2269730881"/>
+      </p:ext>
+    </p:extLst>
+  </p:cSld>
+  <p:clrMapOvr>
+    <a:masterClrMapping/>
+  </p:clrMapOvr>
+</p:sld>
+</file>
+
 <file path=ppt/slides/slide2.xml><?xml version="1.0" encoding="utf-8"?>
 <p:sld xmlns:a="http://schemas.openxmlformats.org/drawingml/2006/main" xmlns:r="http://schemas.openxmlformats.org/officeDocument/2006/relationships" xmlns:p="http://schemas.openxmlformats.org/presentationml/2006/main">
   <p:cSld>
@@ -21596,6 +22413,8795 @@
     <p:extLst>
       <p:ext uri="{BB962C8B-B14F-4D97-AF65-F5344CB8AC3E}">
         <p14:creationId xmlns:p14="http://schemas.microsoft.com/office/powerpoint/2010/main" val="2589890483"/>
+      </p:ext>
+    </p:extLst>
+  </p:cSld>
+  <p:clrMapOvr>
+    <a:masterClrMapping/>
+  </p:clrMapOvr>
+</p:sld>
+</file>
+
+<file path=ppt/slides/slide20.xml><?xml version="1.0" encoding="utf-8"?>
+<p:sld xmlns:a="http://schemas.openxmlformats.org/drawingml/2006/main" xmlns:r="http://schemas.openxmlformats.org/officeDocument/2006/relationships" xmlns:p="http://schemas.openxmlformats.org/presentationml/2006/main">
+  <p:cSld>
+    <p:spTree>
+      <p:nvGrpSpPr>
+        <p:cNvPr id="1" name=""/>
+        <p:cNvGrpSpPr/>
+        <p:nvPr/>
+      </p:nvGrpSpPr>
+      <p:grpSpPr>
+        <a:xfrm>
+          <a:off x="0" y="0"/>
+          <a:ext cx="0" cy="0"/>
+          <a:chOff x="0" y="0"/>
+          <a:chExt cx="0" cy="0"/>
+        </a:xfrm>
+      </p:grpSpPr>
+      <p:sp>
+        <p:nvSpPr>
+          <p:cNvPr id="4" name="TextBox 3">
+            <a:extLst>
+              <a:ext uri="{FF2B5EF4-FFF2-40B4-BE49-F238E27FC236}">
+                <a16:creationId xmlns:a16="http://schemas.microsoft.com/office/drawing/2014/main" id="{4A108261-FBA8-4C25-912F-1ECB260A58FF}"/>
+              </a:ext>
+            </a:extLst>
+          </p:cNvPr>
+          <p:cNvSpPr txBox="1"/>
+          <p:nvPr/>
+        </p:nvSpPr>
+        <p:spPr>
+          <a:xfrm>
+            <a:off x="1406692" y="72715"/>
+            <a:ext cx="864339" cy="461665"/>
+          </a:xfrm>
+          <a:prstGeom prst="rect">
+            <a:avLst/>
+          </a:prstGeom>
+          <a:noFill/>
+        </p:spPr>
+        <p:txBody>
+          <a:bodyPr wrap="none" rtlCol="0">
+            <a:spAutoFit/>
+          </a:bodyPr>
+          <a:lstStyle/>
+          <a:p>
+            <a:r>
+              <a:rPr lang="en-US" altLang="ko-KR" sz="2400">
+                <a:latin typeface="Consolas" pitchFamily="49" charset="0"/>
+                <a:cs typeface="Consolas" pitchFamily="49" charset="0"/>
+              </a:rPr>
+              <a:t>fd=3</a:t>
+            </a:r>
+            <a:endParaRPr lang="ko-KR" altLang="en-US" sz="2400">
+              <a:latin typeface="Consolas" pitchFamily="49" charset="0"/>
+              <a:cs typeface="Consolas" pitchFamily="49" charset="0"/>
+            </a:endParaRPr>
+          </a:p>
+        </p:txBody>
+      </p:sp>
+      <p:sp>
+        <p:nvSpPr>
+          <p:cNvPr id="5" name="직사각형 4">
+            <a:extLst>
+              <a:ext uri="{FF2B5EF4-FFF2-40B4-BE49-F238E27FC236}">
+                <a16:creationId xmlns:a16="http://schemas.microsoft.com/office/drawing/2014/main" id="{B19E1916-C05A-4304-BB12-01FC6E86A5BB}"/>
+              </a:ext>
+            </a:extLst>
+          </p:cNvPr>
+          <p:cNvSpPr/>
+          <p:nvPr/>
+        </p:nvSpPr>
+        <p:spPr>
+          <a:xfrm>
+            <a:off x="1370614" y="980728"/>
+            <a:ext cx="1473193" cy="2016224"/>
+          </a:xfrm>
+          <a:prstGeom prst="rect">
+            <a:avLst/>
+          </a:prstGeom>
+          <a:solidFill>
+            <a:srgbClr val="FFFF00"/>
+          </a:solidFill>
+          <a:ln w="12700"/>
+        </p:spPr>
+        <p:style>
+          <a:lnRef idx="2">
+            <a:schemeClr val="accent1">
+              <a:shade val="50000"/>
+            </a:schemeClr>
+          </a:lnRef>
+          <a:fillRef idx="1">
+            <a:schemeClr val="accent1"/>
+          </a:fillRef>
+          <a:effectRef idx="0">
+            <a:schemeClr val="accent1"/>
+          </a:effectRef>
+          <a:fontRef idx="minor">
+            <a:schemeClr val="lt1"/>
+          </a:fontRef>
+        </p:style>
+        <p:txBody>
+          <a:bodyPr rtlCol="0" anchor="ctr"/>
+          <a:lstStyle/>
+          <a:p>
+            <a:pPr algn="ctr"/>
+            <a:endParaRPr lang="ko-KR" altLang="en-US">
+              <a:solidFill>
+                <a:schemeClr val="tx1"/>
+              </a:solidFill>
+              <a:latin typeface="Consolas" pitchFamily="49" charset="0"/>
+              <a:cs typeface="Consolas" pitchFamily="49" charset="0"/>
+            </a:endParaRPr>
+          </a:p>
+        </p:txBody>
+      </p:sp>
+      <p:sp>
+        <p:nvSpPr>
+          <p:cNvPr id="6" name="직사각형 5">
+            <a:extLst>
+              <a:ext uri="{FF2B5EF4-FFF2-40B4-BE49-F238E27FC236}">
+                <a16:creationId xmlns:a16="http://schemas.microsoft.com/office/drawing/2014/main" id="{6970BE4C-F127-4C90-81A5-483E061AFDBF}"/>
+              </a:ext>
+            </a:extLst>
+          </p:cNvPr>
+          <p:cNvSpPr/>
+          <p:nvPr/>
+        </p:nvSpPr>
+        <p:spPr>
+          <a:xfrm>
+            <a:off x="1370614" y="2996952"/>
+            <a:ext cx="1473193" cy="2016224"/>
+          </a:xfrm>
+          <a:prstGeom prst="rect">
+            <a:avLst/>
+          </a:prstGeom>
+          <a:solidFill>
+            <a:srgbClr val="FFFF00"/>
+          </a:solidFill>
+          <a:ln w="12700"/>
+        </p:spPr>
+        <p:style>
+          <a:lnRef idx="2">
+            <a:schemeClr val="accent1">
+              <a:shade val="50000"/>
+            </a:schemeClr>
+          </a:lnRef>
+          <a:fillRef idx="1">
+            <a:schemeClr val="accent1"/>
+          </a:fillRef>
+          <a:effectRef idx="0">
+            <a:schemeClr val="accent1"/>
+          </a:effectRef>
+          <a:fontRef idx="minor">
+            <a:schemeClr val="lt1"/>
+          </a:fontRef>
+        </p:style>
+        <p:txBody>
+          <a:bodyPr rtlCol="0" anchor="ctr"/>
+          <a:lstStyle/>
+          <a:p>
+            <a:pPr algn="ctr"/>
+            <a:endParaRPr lang="ko-KR" altLang="en-US">
+              <a:solidFill>
+                <a:schemeClr val="tx1"/>
+              </a:solidFill>
+              <a:latin typeface="Consolas" pitchFamily="49" charset="0"/>
+              <a:cs typeface="Consolas" pitchFamily="49" charset="0"/>
+            </a:endParaRPr>
+          </a:p>
+        </p:txBody>
+      </p:sp>
+      <p:sp>
+        <p:nvSpPr>
+          <p:cNvPr id="7" name="직사각형 6">
+            <a:extLst>
+              <a:ext uri="{FF2B5EF4-FFF2-40B4-BE49-F238E27FC236}">
+                <a16:creationId xmlns:a16="http://schemas.microsoft.com/office/drawing/2014/main" id="{C1F0D8FE-C0AA-428A-A3D0-5FF48BB14540}"/>
+              </a:ext>
+            </a:extLst>
+          </p:cNvPr>
+          <p:cNvSpPr/>
+          <p:nvPr/>
+        </p:nvSpPr>
+        <p:spPr>
+          <a:xfrm>
+            <a:off x="4355976" y="3104964"/>
+            <a:ext cx="1440160" cy="648072"/>
+          </a:xfrm>
+          <a:prstGeom prst="rect">
+            <a:avLst/>
+          </a:prstGeom>
+          <a:solidFill>
+            <a:srgbClr val="FFC000"/>
+          </a:solidFill>
+          <a:ln w="12700"/>
+        </p:spPr>
+        <p:style>
+          <a:lnRef idx="2">
+            <a:schemeClr val="accent1">
+              <a:shade val="50000"/>
+            </a:schemeClr>
+          </a:lnRef>
+          <a:fillRef idx="1">
+            <a:schemeClr val="accent1"/>
+          </a:fillRef>
+          <a:effectRef idx="0">
+            <a:schemeClr val="accent1"/>
+          </a:effectRef>
+          <a:fontRef idx="minor">
+            <a:schemeClr val="lt1"/>
+          </a:fontRef>
+        </p:style>
+        <p:txBody>
+          <a:bodyPr rtlCol="0" anchor="ctr"/>
+          <a:lstStyle/>
+          <a:p>
+            <a:pPr algn="ctr"/>
+            <a:r>
+              <a:rPr lang="en-US" altLang="ko-KR">
+                <a:solidFill>
+                  <a:schemeClr val="tx1"/>
+                </a:solidFill>
+                <a:latin typeface="Consolas" pitchFamily="49" charset="0"/>
+                <a:cs typeface="Consolas" pitchFamily="49" charset="0"/>
+              </a:rPr>
+              <a:t>hello</a:t>
+            </a:r>
+            <a:endParaRPr lang="ko-KR" altLang="en-US">
+              <a:solidFill>
+                <a:schemeClr val="tx1"/>
+              </a:solidFill>
+              <a:latin typeface="Consolas" pitchFamily="49" charset="0"/>
+              <a:cs typeface="Consolas" pitchFamily="49" charset="0"/>
+            </a:endParaRPr>
+          </a:p>
+        </p:txBody>
+      </p:sp>
+      <p:sp>
+        <p:nvSpPr>
+          <p:cNvPr id="8" name="직사각형 7">
+            <a:extLst>
+              <a:ext uri="{FF2B5EF4-FFF2-40B4-BE49-F238E27FC236}">
+                <a16:creationId xmlns:a16="http://schemas.microsoft.com/office/drawing/2014/main" id="{FA25FF3E-5679-4F5D-B4C8-AAB70A9C96D9}"/>
+              </a:ext>
+            </a:extLst>
+          </p:cNvPr>
+          <p:cNvSpPr/>
+          <p:nvPr/>
+        </p:nvSpPr>
+        <p:spPr>
+          <a:xfrm>
+            <a:off x="1379571" y="3453245"/>
+            <a:ext cx="1464236" cy="648072"/>
+          </a:xfrm>
+          <a:prstGeom prst="rect">
+            <a:avLst/>
+          </a:prstGeom>
+          <a:solidFill>
+            <a:srgbClr val="FFC000"/>
+          </a:solidFill>
+          <a:ln w="12700"/>
+        </p:spPr>
+        <p:style>
+          <a:lnRef idx="2">
+            <a:schemeClr val="accent1">
+              <a:shade val="50000"/>
+            </a:schemeClr>
+          </a:lnRef>
+          <a:fillRef idx="1">
+            <a:schemeClr val="accent1"/>
+          </a:fillRef>
+          <a:effectRef idx="0">
+            <a:schemeClr val="accent1"/>
+          </a:effectRef>
+          <a:fontRef idx="minor">
+            <a:schemeClr val="lt1"/>
+          </a:fontRef>
+        </p:style>
+        <p:txBody>
+          <a:bodyPr rtlCol="0" anchor="ctr"/>
+          <a:lstStyle/>
+          <a:p>
+            <a:pPr algn="ctr"/>
+            <a:endParaRPr lang="ko-KR" altLang="en-US">
+              <a:solidFill>
+                <a:schemeClr val="tx1"/>
+              </a:solidFill>
+              <a:latin typeface="Consolas" pitchFamily="49" charset="0"/>
+              <a:cs typeface="Consolas" pitchFamily="49" charset="0"/>
+            </a:endParaRPr>
+          </a:p>
+        </p:txBody>
+      </p:sp>
+      <p:sp>
+        <p:nvSpPr>
+          <p:cNvPr id="9" name="직사각형 8">
+            <a:extLst>
+              <a:ext uri="{FF2B5EF4-FFF2-40B4-BE49-F238E27FC236}">
+                <a16:creationId xmlns:a16="http://schemas.microsoft.com/office/drawing/2014/main" id="{330E578B-D7E2-43EB-8C75-508EEDA1E9FF}"/>
+              </a:ext>
+            </a:extLst>
+          </p:cNvPr>
+          <p:cNvSpPr/>
+          <p:nvPr/>
+        </p:nvSpPr>
+        <p:spPr>
+          <a:xfrm>
+            <a:off x="1379571" y="1893314"/>
+            <a:ext cx="1464236" cy="648072"/>
+          </a:xfrm>
+          <a:prstGeom prst="rect">
+            <a:avLst/>
+          </a:prstGeom>
+          <a:solidFill>
+            <a:srgbClr val="FFC000"/>
+          </a:solidFill>
+          <a:ln w="12700"/>
+        </p:spPr>
+        <p:style>
+          <a:lnRef idx="2">
+            <a:schemeClr val="accent1">
+              <a:shade val="50000"/>
+            </a:schemeClr>
+          </a:lnRef>
+          <a:fillRef idx="1">
+            <a:schemeClr val="accent1"/>
+          </a:fillRef>
+          <a:effectRef idx="0">
+            <a:schemeClr val="accent1"/>
+          </a:effectRef>
+          <a:fontRef idx="minor">
+            <a:schemeClr val="lt1"/>
+          </a:fontRef>
+        </p:style>
+        <p:txBody>
+          <a:bodyPr rtlCol="0" anchor="ctr"/>
+          <a:lstStyle/>
+          <a:p>
+            <a:pPr algn="ctr"/>
+            <a:endParaRPr lang="ko-KR" altLang="en-US">
+              <a:solidFill>
+                <a:schemeClr val="tx1"/>
+              </a:solidFill>
+              <a:latin typeface="Consolas" pitchFamily="49" charset="0"/>
+              <a:cs typeface="Consolas" pitchFamily="49" charset="0"/>
+            </a:endParaRPr>
+          </a:p>
+        </p:txBody>
+      </p:sp>
+      <p:cxnSp>
+        <p:nvCxnSpPr>
+          <p:cNvPr id="11" name="직선 연결선 10">
+            <a:extLst>
+              <a:ext uri="{FF2B5EF4-FFF2-40B4-BE49-F238E27FC236}">
+                <a16:creationId xmlns:a16="http://schemas.microsoft.com/office/drawing/2014/main" id="{F1574278-09A2-44D9-A6C4-1394C9FCD43F}"/>
+              </a:ext>
+            </a:extLst>
+          </p:cNvPr>
+          <p:cNvCxnSpPr/>
+          <p:nvPr/>
+        </p:nvCxnSpPr>
+        <p:spPr>
+          <a:xfrm>
+            <a:off x="2843807" y="1893314"/>
+            <a:ext cx="1512169" cy="1211650"/>
+          </a:xfrm>
+          <a:prstGeom prst="line">
+            <a:avLst/>
+          </a:prstGeom>
+        </p:spPr>
+        <p:style>
+          <a:lnRef idx="1">
+            <a:schemeClr val="accent1"/>
+          </a:lnRef>
+          <a:fillRef idx="0">
+            <a:schemeClr val="accent1"/>
+          </a:fillRef>
+          <a:effectRef idx="0">
+            <a:schemeClr val="accent1"/>
+          </a:effectRef>
+          <a:fontRef idx="minor">
+            <a:schemeClr val="tx1"/>
+          </a:fontRef>
+        </p:style>
+      </p:cxnSp>
+      <p:cxnSp>
+        <p:nvCxnSpPr>
+          <p:cNvPr id="12" name="직선 연결선 11">
+            <a:extLst>
+              <a:ext uri="{FF2B5EF4-FFF2-40B4-BE49-F238E27FC236}">
+                <a16:creationId xmlns:a16="http://schemas.microsoft.com/office/drawing/2014/main" id="{82F0B845-06CB-4E85-B0DC-14B7CAB10E2F}"/>
+              </a:ext>
+            </a:extLst>
+          </p:cNvPr>
+          <p:cNvCxnSpPr/>
+          <p:nvPr/>
+        </p:nvCxnSpPr>
+        <p:spPr>
+          <a:xfrm>
+            <a:off x="2843807" y="2541386"/>
+            <a:ext cx="1512169" cy="1211650"/>
+          </a:xfrm>
+          <a:prstGeom prst="line">
+            <a:avLst/>
+          </a:prstGeom>
+        </p:spPr>
+        <p:style>
+          <a:lnRef idx="1">
+            <a:schemeClr val="accent1"/>
+          </a:lnRef>
+          <a:fillRef idx="0">
+            <a:schemeClr val="accent1"/>
+          </a:fillRef>
+          <a:effectRef idx="0">
+            <a:schemeClr val="accent1"/>
+          </a:effectRef>
+          <a:fontRef idx="minor">
+            <a:schemeClr val="tx1"/>
+          </a:fontRef>
+        </p:style>
+      </p:cxnSp>
+      <p:cxnSp>
+        <p:nvCxnSpPr>
+          <p:cNvPr id="13" name="직선 연결선 12">
+            <a:extLst>
+              <a:ext uri="{FF2B5EF4-FFF2-40B4-BE49-F238E27FC236}">
+                <a16:creationId xmlns:a16="http://schemas.microsoft.com/office/drawing/2014/main" id="{4B1CD627-F179-4B07-99D4-281EA70EDCB3}"/>
+              </a:ext>
+            </a:extLst>
+          </p:cNvPr>
+          <p:cNvCxnSpPr>
+            <a:cxnSpLocks/>
+          </p:cNvCxnSpPr>
+          <p:nvPr/>
+        </p:nvCxnSpPr>
+        <p:spPr>
+          <a:xfrm flipV="1">
+            <a:off x="2802650" y="3104964"/>
+            <a:ext cx="1553326" cy="347554"/>
+          </a:xfrm>
+          <a:prstGeom prst="line">
+            <a:avLst/>
+          </a:prstGeom>
+        </p:spPr>
+        <p:style>
+          <a:lnRef idx="1">
+            <a:schemeClr val="accent1"/>
+          </a:lnRef>
+          <a:fillRef idx="0">
+            <a:schemeClr val="accent1"/>
+          </a:fillRef>
+          <a:effectRef idx="0">
+            <a:schemeClr val="accent1"/>
+          </a:effectRef>
+          <a:fontRef idx="minor">
+            <a:schemeClr val="tx1"/>
+          </a:fontRef>
+        </p:style>
+      </p:cxnSp>
+      <p:cxnSp>
+        <p:nvCxnSpPr>
+          <p:cNvPr id="16" name="직선 연결선 15">
+            <a:extLst>
+              <a:ext uri="{FF2B5EF4-FFF2-40B4-BE49-F238E27FC236}">
+                <a16:creationId xmlns:a16="http://schemas.microsoft.com/office/drawing/2014/main" id="{4D4C88A6-B2B2-4EC4-ABBC-BE22332C9636}"/>
+              </a:ext>
+            </a:extLst>
+          </p:cNvPr>
+          <p:cNvCxnSpPr>
+            <a:cxnSpLocks/>
+          </p:cNvCxnSpPr>
+          <p:nvPr/>
+        </p:nvCxnSpPr>
+        <p:spPr>
+          <a:xfrm flipV="1">
+            <a:off x="2814900" y="3761068"/>
+            <a:ext cx="1553326" cy="347554"/>
+          </a:xfrm>
+          <a:prstGeom prst="line">
+            <a:avLst/>
+          </a:prstGeom>
+        </p:spPr>
+        <p:style>
+          <a:lnRef idx="1">
+            <a:schemeClr val="accent1"/>
+          </a:lnRef>
+          <a:fillRef idx="0">
+            <a:schemeClr val="accent1"/>
+          </a:fillRef>
+          <a:effectRef idx="0">
+            <a:schemeClr val="accent1"/>
+          </a:effectRef>
+          <a:fontRef idx="minor">
+            <a:schemeClr val="tx1"/>
+          </a:fontRef>
+        </p:style>
+      </p:cxnSp>
+      <p:sp>
+        <p:nvSpPr>
+          <p:cNvPr id="17" name="직사각형 16">
+            <a:extLst>
+              <a:ext uri="{FF2B5EF4-FFF2-40B4-BE49-F238E27FC236}">
+                <a16:creationId xmlns:a16="http://schemas.microsoft.com/office/drawing/2014/main" id="{F8D8352B-2F32-4254-AF4C-88654BD17C77}"/>
+              </a:ext>
+            </a:extLst>
+          </p:cNvPr>
+          <p:cNvSpPr/>
+          <p:nvPr/>
+        </p:nvSpPr>
+        <p:spPr>
+          <a:xfrm>
+            <a:off x="7236296" y="1052736"/>
+            <a:ext cx="1473193" cy="2016224"/>
+          </a:xfrm>
+          <a:prstGeom prst="rect">
+            <a:avLst/>
+          </a:prstGeom>
+          <a:solidFill>
+            <a:srgbClr val="FFFF00"/>
+          </a:solidFill>
+          <a:ln w="12700"/>
+        </p:spPr>
+        <p:style>
+          <a:lnRef idx="2">
+            <a:schemeClr val="accent1">
+              <a:shade val="50000"/>
+            </a:schemeClr>
+          </a:lnRef>
+          <a:fillRef idx="1">
+            <a:schemeClr val="accent1"/>
+          </a:fillRef>
+          <a:effectRef idx="0">
+            <a:schemeClr val="accent1"/>
+          </a:effectRef>
+          <a:fontRef idx="minor">
+            <a:schemeClr val="lt1"/>
+          </a:fontRef>
+        </p:style>
+        <p:txBody>
+          <a:bodyPr rtlCol="0" anchor="ctr"/>
+          <a:lstStyle/>
+          <a:p>
+            <a:pPr algn="ctr"/>
+            <a:endParaRPr lang="ko-KR" altLang="en-US">
+              <a:solidFill>
+                <a:schemeClr val="tx1"/>
+              </a:solidFill>
+              <a:latin typeface="Consolas" pitchFamily="49" charset="0"/>
+              <a:cs typeface="Consolas" pitchFamily="49" charset="0"/>
+            </a:endParaRPr>
+          </a:p>
+        </p:txBody>
+      </p:sp>
+      <p:sp>
+        <p:nvSpPr>
+          <p:cNvPr id="18" name="직사각형 17">
+            <a:extLst>
+              <a:ext uri="{FF2B5EF4-FFF2-40B4-BE49-F238E27FC236}">
+                <a16:creationId xmlns:a16="http://schemas.microsoft.com/office/drawing/2014/main" id="{43920A53-76D7-484E-B914-B55A8F6459E0}"/>
+              </a:ext>
+            </a:extLst>
+          </p:cNvPr>
+          <p:cNvSpPr/>
+          <p:nvPr/>
+        </p:nvSpPr>
+        <p:spPr>
+          <a:xfrm>
+            <a:off x="7236296" y="3068960"/>
+            <a:ext cx="1473193" cy="2016224"/>
+          </a:xfrm>
+          <a:prstGeom prst="rect">
+            <a:avLst/>
+          </a:prstGeom>
+          <a:solidFill>
+            <a:srgbClr val="FFFF00"/>
+          </a:solidFill>
+          <a:ln w="12700"/>
+        </p:spPr>
+        <p:style>
+          <a:lnRef idx="2">
+            <a:schemeClr val="accent1">
+              <a:shade val="50000"/>
+            </a:schemeClr>
+          </a:lnRef>
+          <a:fillRef idx="1">
+            <a:schemeClr val="accent1"/>
+          </a:fillRef>
+          <a:effectRef idx="0">
+            <a:schemeClr val="accent1"/>
+          </a:effectRef>
+          <a:fontRef idx="minor">
+            <a:schemeClr val="lt1"/>
+          </a:fontRef>
+        </p:style>
+        <p:txBody>
+          <a:bodyPr rtlCol="0" anchor="ctr"/>
+          <a:lstStyle/>
+          <a:p>
+            <a:pPr algn="ctr"/>
+            <a:endParaRPr lang="ko-KR" altLang="en-US">
+              <a:solidFill>
+                <a:schemeClr val="tx1"/>
+              </a:solidFill>
+              <a:latin typeface="Consolas" pitchFamily="49" charset="0"/>
+              <a:cs typeface="Consolas" pitchFamily="49" charset="0"/>
+            </a:endParaRPr>
+          </a:p>
+        </p:txBody>
+      </p:sp>
+      <p:sp>
+        <p:nvSpPr>
+          <p:cNvPr id="19" name="직사각형 18">
+            <a:extLst>
+              <a:ext uri="{FF2B5EF4-FFF2-40B4-BE49-F238E27FC236}">
+                <a16:creationId xmlns:a16="http://schemas.microsoft.com/office/drawing/2014/main" id="{07CCADC1-3902-4322-B424-358F998436DF}"/>
+              </a:ext>
+            </a:extLst>
+          </p:cNvPr>
+          <p:cNvSpPr/>
+          <p:nvPr/>
+        </p:nvSpPr>
+        <p:spPr>
+          <a:xfrm>
+            <a:off x="7245253" y="3525253"/>
+            <a:ext cx="1464236" cy="648072"/>
+          </a:xfrm>
+          <a:prstGeom prst="rect">
+            <a:avLst/>
+          </a:prstGeom>
+          <a:solidFill>
+            <a:srgbClr val="FFC000"/>
+          </a:solidFill>
+          <a:ln w="12700"/>
+        </p:spPr>
+        <p:style>
+          <a:lnRef idx="2">
+            <a:schemeClr val="accent1">
+              <a:shade val="50000"/>
+            </a:schemeClr>
+          </a:lnRef>
+          <a:fillRef idx="1">
+            <a:schemeClr val="accent1"/>
+          </a:fillRef>
+          <a:effectRef idx="0">
+            <a:schemeClr val="accent1"/>
+          </a:effectRef>
+          <a:fontRef idx="minor">
+            <a:schemeClr val="lt1"/>
+          </a:fontRef>
+        </p:style>
+        <p:txBody>
+          <a:bodyPr rtlCol="0" anchor="ctr"/>
+          <a:lstStyle/>
+          <a:p>
+            <a:pPr algn="ctr"/>
+            <a:endParaRPr lang="ko-KR" altLang="en-US">
+              <a:solidFill>
+                <a:schemeClr val="tx1"/>
+              </a:solidFill>
+              <a:latin typeface="Consolas" pitchFamily="49" charset="0"/>
+              <a:cs typeface="Consolas" pitchFamily="49" charset="0"/>
+            </a:endParaRPr>
+          </a:p>
+        </p:txBody>
+      </p:sp>
+      <p:sp>
+        <p:nvSpPr>
+          <p:cNvPr id="20" name="직사각형 19">
+            <a:extLst>
+              <a:ext uri="{FF2B5EF4-FFF2-40B4-BE49-F238E27FC236}">
+                <a16:creationId xmlns:a16="http://schemas.microsoft.com/office/drawing/2014/main" id="{D6DFE09E-4AF0-440F-92A8-21F7C639F8DD}"/>
+              </a:ext>
+            </a:extLst>
+          </p:cNvPr>
+          <p:cNvSpPr/>
+          <p:nvPr/>
+        </p:nvSpPr>
+        <p:spPr>
+          <a:xfrm>
+            <a:off x="7245253" y="1965322"/>
+            <a:ext cx="1464236" cy="648072"/>
+          </a:xfrm>
+          <a:prstGeom prst="rect">
+            <a:avLst/>
+          </a:prstGeom>
+          <a:solidFill>
+            <a:srgbClr val="FFC000"/>
+          </a:solidFill>
+          <a:ln w="12700"/>
+        </p:spPr>
+        <p:style>
+          <a:lnRef idx="2">
+            <a:schemeClr val="accent1">
+              <a:shade val="50000"/>
+            </a:schemeClr>
+          </a:lnRef>
+          <a:fillRef idx="1">
+            <a:schemeClr val="accent1"/>
+          </a:fillRef>
+          <a:effectRef idx="0">
+            <a:schemeClr val="accent1"/>
+          </a:effectRef>
+          <a:fontRef idx="minor">
+            <a:schemeClr val="lt1"/>
+          </a:fontRef>
+        </p:style>
+        <p:txBody>
+          <a:bodyPr rtlCol="0" anchor="ctr"/>
+          <a:lstStyle/>
+          <a:p>
+            <a:pPr algn="ctr"/>
+            <a:endParaRPr lang="ko-KR" altLang="en-US">
+              <a:solidFill>
+                <a:schemeClr val="tx1"/>
+              </a:solidFill>
+              <a:latin typeface="Consolas" pitchFamily="49" charset="0"/>
+              <a:cs typeface="Consolas" pitchFamily="49" charset="0"/>
+            </a:endParaRPr>
+          </a:p>
+        </p:txBody>
+      </p:sp>
+      <p:cxnSp>
+        <p:nvCxnSpPr>
+          <p:cNvPr id="21" name="직선 연결선 20">
+            <a:extLst>
+              <a:ext uri="{FF2B5EF4-FFF2-40B4-BE49-F238E27FC236}">
+                <a16:creationId xmlns:a16="http://schemas.microsoft.com/office/drawing/2014/main" id="{4C8DE0C0-0B7C-4831-A3AA-73FBBDB0744D}"/>
+              </a:ext>
+            </a:extLst>
+          </p:cNvPr>
+          <p:cNvCxnSpPr>
+            <a:cxnSpLocks/>
+          </p:cNvCxnSpPr>
+          <p:nvPr/>
+        </p:nvCxnSpPr>
+        <p:spPr>
+          <a:xfrm flipV="1">
+            <a:off x="5796136" y="1957290"/>
+            <a:ext cx="1427910" cy="1132793"/>
+          </a:xfrm>
+          <a:prstGeom prst="line">
+            <a:avLst/>
+          </a:prstGeom>
+        </p:spPr>
+        <p:style>
+          <a:lnRef idx="1">
+            <a:schemeClr val="accent1"/>
+          </a:lnRef>
+          <a:fillRef idx="0">
+            <a:schemeClr val="accent1"/>
+          </a:fillRef>
+          <a:effectRef idx="0">
+            <a:schemeClr val="accent1"/>
+          </a:effectRef>
+          <a:fontRef idx="minor">
+            <a:schemeClr val="tx1"/>
+          </a:fontRef>
+        </p:style>
+      </p:cxnSp>
+      <p:cxnSp>
+        <p:nvCxnSpPr>
+          <p:cNvPr id="24" name="직선 연결선 23">
+            <a:extLst>
+              <a:ext uri="{FF2B5EF4-FFF2-40B4-BE49-F238E27FC236}">
+                <a16:creationId xmlns:a16="http://schemas.microsoft.com/office/drawing/2014/main" id="{7699F794-AA77-44A4-A8AA-B24DCEC065A2}"/>
+              </a:ext>
+            </a:extLst>
+          </p:cNvPr>
+          <p:cNvCxnSpPr>
+            <a:cxnSpLocks/>
+          </p:cNvCxnSpPr>
+          <p:nvPr/>
+        </p:nvCxnSpPr>
+        <p:spPr>
+          <a:xfrm flipV="1">
+            <a:off x="5803908" y="2620243"/>
+            <a:ext cx="1427910" cy="1132793"/>
+          </a:xfrm>
+          <a:prstGeom prst="line">
+            <a:avLst/>
+          </a:prstGeom>
+        </p:spPr>
+        <p:style>
+          <a:lnRef idx="1">
+            <a:schemeClr val="accent1"/>
+          </a:lnRef>
+          <a:fillRef idx="0">
+            <a:schemeClr val="accent1"/>
+          </a:fillRef>
+          <a:effectRef idx="0">
+            <a:schemeClr val="accent1"/>
+          </a:effectRef>
+          <a:fontRef idx="minor">
+            <a:schemeClr val="tx1"/>
+          </a:fontRef>
+        </p:style>
+      </p:cxnSp>
+      <p:sp>
+        <p:nvSpPr>
+          <p:cNvPr id="22" name="TextBox 21">
+            <a:extLst>
+              <a:ext uri="{FF2B5EF4-FFF2-40B4-BE49-F238E27FC236}">
+                <a16:creationId xmlns:a16="http://schemas.microsoft.com/office/drawing/2014/main" id="{965F90F6-A65B-4E0D-BF46-CA3FD7CD259E}"/>
+              </a:ext>
+            </a:extLst>
+          </p:cNvPr>
+          <p:cNvSpPr txBox="1"/>
+          <p:nvPr/>
+        </p:nvSpPr>
+        <p:spPr>
+          <a:xfrm>
+            <a:off x="7108553" y="188640"/>
+            <a:ext cx="864339" cy="461665"/>
+          </a:xfrm>
+          <a:prstGeom prst="rect">
+            <a:avLst/>
+          </a:prstGeom>
+          <a:noFill/>
+        </p:spPr>
+        <p:txBody>
+          <a:bodyPr wrap="none" rtlCol="0">
+            <a:spAutoFit/>
+          </a:bodyPr>
+          <a:lstStyle/>
+          <a:p>
+            <a:r>
+              <a:rPr lang="en-US" altLang="ko-KR" sz="2400">
+                <a:latin typeface="Consolas" pitchFamily="49" charset="0"/>
+                <a:cs typeface="Consolas" pitchFamily="49" charset="0"/>
+              </a:rPr>
+              <a:t>fd=4</a:t>
+            </a:r>
+            <a:endParaRPr lang="ko-KR" altLang="en-US" sz="2400">
+              <a:latin typeface="Consolas" pitchFamily="49" charset="0"/>
+              <a:cs typeface="Consolas" pitchFamily="49" charset="0"/>
+            </a:endParaRPr>
+          </a:p>
+        </p:txBody>
+      </p:sp>
+      <p:sp>
+        <p:nvSpPr>
+          <p:cNvPr id="2" name="직사각형 1">
+            <a:extLst>
+              <a:ext uri="{FF2B5EF4-FFF2-40B4-BE49-F238E27FC236}">
+                <a16:creationId xmlns:a16="http://schemas.microsoft.com/office/drawing/2014/main" id="{908A841E-BCFE-451D-B0B7-55544094F25D}"/>
+              </a:ext>
+            </a:extLst>
+          </p:cNvPr>
+          <p:cNvSpPr/>
+          <p:nvPr/>
+        </p:nvSpPr>
+        <p:spPr>
+          <a:xfrm>
+            <a:off x="3203848" y="4293096"/>
+            <a:ext cx="360040" cy="347554"/>
+          </a:xfrm>
+          <a:prstGeom prst="rect">
+            <a:avLst/>
+          </a:prstGeom>
+          <a:solidFill>
+            <a:srgbClr val="FFFF00"/>
+          </a:solidFill>
+          <a:ln w="12700"/>
+        </p:spPr>
+        <p:style>
+          <a:lnRef idx="2">
+            <a:schemeClr val="accent1">
+              <a:shade val="50000"/>
+            </a:schemeClr>
+          </a:lnRef>
+          <a:fillRef idx="1">
+            <a:schemeClr val="accent1"/>
+          </a:fillRef>
+          <a:effectRef idx="0">
+            <a:schemeClr val="accent1"/>
+          </a:effectRef>
+          <a:fontRef idx="minor">
+            <a:schemeClr val="lt1"/>
+          </a:fontRef>
+        </p:style>
+        <p:txBody>
+          <a:bodyPr rtlCol="0" anchor="ctr"/>
+          <a:lstStyle/>
+          <a:p>
+            <a:pPr algn="ctr"/>
+            <a:endParaRPr lang="ko-KR" altLang="en-US">
+              <a:solidFill>
+                <a:schemeClr val="tx1"/>
+              </a:solidFill>
+              <a:latin typeface="Consolas" pitchFamily="49" charset="0"/>
+              <a:cs typeface="Consolas" pitchFamily="49" charset="0"/>
+            </a:endParaRPr>
+          </a:p>
+        </p:txBody>
+      </p:sp>
+      <p:sp>
+        <p:nvSpPr>
+          <p:cNvPr id="23" name="직사각형 22">
+            <a:extLst>
+              <a:ext uri="{FF2B5EF4-FFF2-40B4-BE49-F238E27FC236}">
+                <a16:creationId xmlns:a16="http://schemas.microsoft.com/office/drawing/2014/main" id="{5E9A9B41-0588-44E0-8485-00D47D40F61C}"/>
+              </a:ext>
+            </a:extLst>
+          </p:cNvPr>
+          <p:cNvSpPr/>
+          <p:nvPr/>
+        </p:nvSpPr>
+        <p:spPr>
+          <a:xfrm>
+            <a:off x="3204348" y="4633082"/>
+            <a:ext cx="360040" cy="347554"/>
+          </a:xfrm>
+          <a:prstGeom prst="rect">
+            <a:avLst/>
+          </a:prstGeom>
+          <a:solidFill>
+            <a:srgbClr val="FFFF00"/>
+          </a:solidFill>
+          <a:ln w="12700"/>
+        </p:spPr>
+        <p:style>
+          <a:lnRef idx="2">
+            <a:schemeClr val="accent1">
+              <a:shade val="50000"/>
+            </a:schemeClr>
+          </a:lnRef>
+          <a:fillRef idx="1">
+            <a:schemeClr val="accent1"/>
+          </a:fillRef>
+          <a:effectRef idx="0">
+            <a:schemeClr val="accent1"/>
+          </a:effectRef>
+          <a:fontRef idx="minor">
+            <a:schemeClr val="lt1"/>
+          </a:fontRef>
+        </p:style>
+        <p:txBody>
+          <a:bodyPr rtlCol="0" anchor="ctr"/>
+          <a:lstStyle/>
+          <a:p>
+            <a:pPr algn="ctr"/>
+            <a:endParaRPr lang="ko-KR" altLang="en-US">
+              <a:solidFill>
+                <a:schemeClr val="tx1"/>
+              </a:solidFill>
+              <a:latin typeface="Consolas" pitchFamily="49" charset="0"/>
+              <a:cs typeface="Consolas" pitchFamily="49" charset="0"/>
+            </a:endParaRPr>
+          </a:p>
+        </p:txBody>
+      </p:sp>
+      <p:sp>
+        <p:nvSpPr>
+          <p:cNvPr id="25" name="직사각형 24">
+            <a:extLst>
+              <a:ext uri="{FF2B5EF4-FFF2-40B4-BE49-F238E27FC236}">
+                <a16:creationId xmlns:a16="http://schemas.microsoft.com/office/drawing/2014/main" id="{10848703-3202-4D68-B5D6-006ED7CC07D8}"/>
+              </a:ext>
+            </a:extLst>
+          </p:cNvPr>
+          <p:cNvSpPr/>
+          <p:nvPr/>
+        </p:nvSpPr>
+        <p:spPr>
+          <a:xfrm>
+            <a:off x="3204848" y="4973068"/>
+            <a:ext cx="360040" cy="347554"/>
+          </a:xfrm>
+          <a:prstGeom prst="rect">
+            <a:avLst/>
+          </a:prstGeom>
+          <a:solidFill>
+            <a:srgbClr val="FFFF00"/>
+          </a:solidFill>
+          <a:ln w="12700"/>
+        </p:spPr>
+        <p:style>
+          <a:lnRef idx="2">
+            <a:schemeClr val="accent1">
+              <a:shade val="50000"/>
+            </a:schemeClr>
+          </a:lnRef>
+          <a:fillRef idx="1">
+            <a:schemeClr val="accent1"/>
+          </a:fillRef>
+          <a:effectRef idx="0">
+            <a:schemeClr val="accent1"/>
+          </a:effectRef>
+          <a:fontRef idx="minor">
+            <a:schemeClr val="lt1"/>
+          </a:fontRef>
+        </p:style>
+        <p:txBody>
+          <a:bodyPr rtlCol="0" anchor="ctr"/>
+          <a:lstStyle/>
+          <a:p>
+            <a:pPr algn="ctr"/>
+            <a:endParaRPr lang="ko-KR" altLang="en-US">
+              <a:solidFill>
+                <a:schemeClr val="tx1"/>
+              </a:solidFill>
+              <a:latin typeface="Consolas" pitchFamily="49" charset="0"/>
+              <a:cs typeface="Consolas" pitchFamily="49" charset="0"/>
+            </a:endParaRPr>
+          </a:p>
+        </p:txBody>
+      </p:sp>
+      <p:sp>
+        <p:nvSpPr>
+          <p:cNvPr id="26" name="직사각형 25">
+            <a:extLst>
+              <a:ext uri="{FF2B5EF4-FFF2-40B4-BE49-F238E27FC236}">
+                <a16:creationId xmlns:a16="http://schemas.microsoft.com/office/drawing/2014/main" id="{5353E1A6-EF9F-4A63-A247-0CA7F16D3E4D}"/>
+              </a:ext>
+            </a:extLst>
+          </p:cNvPr>
+          <p:cNvSpPr/>
+          <p:nvPr/>
+        </p:nvSpPr>
+        <p:spPr>
+          <a:xfrm>
+            <a:off x="3205348" y="5313054"/>
+            <a:ext cx="360040" cy="347554"/>
+          </a:xfrm>
+          <a:prstGeom prst="rect">
+            <a:avLst/>
+          </a:prstGeom>
+          <a:solidFill>
+            <a:srgbClr val="FFFF00"/>
+          </a:solidFill>
+          <a:ln w="12700"/>
+        </p:spPr>
+        <p:style>
+          <a:lnRef idx="2">
+            <a:schemeClr val="accent1">
+              <a:shade val="50000"/>
+            </a:schemeClr>
+          </a:lnRef>
+          <a:fillRef idx="1">
+            <a:schemeClr val="accent1"/>
+          </a:fillRef>
+          <a:effectRef idx="0">
+            <a:schemeClr val="accent1"/>
+          </a:effectRef>
+          <a:fontRef idx="minor">
+            <a:schemeClr val="lt1"/>
+          </a:fontRef>
+        </p:style>
+        <p:txBody>
+          <a:bodyPr rtlCol="0" anchor="ctr"/>
+          <a:lstStyle/>
+          <a:p>
+            <a:pPr algn="ctr"/>
+            <a:r>
+              <a:rPr lang="en-US" altLang="ko-KR">
+                <a:solidFill>
+                  <a:schemeClr val="tx1"/>
+                </a:solidFill>
+                <a:latin typeface="Consolas" pitchFamily="49" charset="0"/>
+                <a:cs typeface="Consolas" pitchFamily="49" charset="0"/>
+              </a:rPr>
+              <a:t>3</a:t>
+            </a:r>
+            <a:endParaRPr lang="ko-KR" altLang="en-US">
+              <a:solidFill>
+                <a:schemeClr val="tx1"/>
+              </a:solidFill>
+              <a:latin typeface="Consolas" pitchFamily="49" charset="0"/>
+              <a:cs typeface="Consolas" pitchFamily="49" charset="0"/>
+            </a:endParaRPr>
+          </a:p>
+        </p:txBody>
+      </p:sp>
+      <p:sp>
+        <p:nvSpPr>
+          <p:cNvPr id="3" name="직사각형 2">
+            <a:extLst>
+              <a:ext uri="{FF2B5EF4-FFF2-40B4-BE49-F238E27FC236}">
+                <a16:creationId xmlns:a16="http://schemas.microsoft.com/office/drawing/2014/main" id="{D1CD7FC7-8349-4575-8C0B-1BDA7A2BF996}"/>
+              </a:ext>
+            </a:extLst>
+          </p:cNvPr>
+          <p:cNvSpPr/>
+          <p:nvPr/>
+        </p:nvSpPr>
+        <p:spPr>
+          <a:xfrm>
+            <a:off x="4778395" y="4637812"/>
+            <a:ext cx="648072" cy="288032"/>
+          </a:xfrm>
+          <a:prstGeom prst="rect">
+            <a:avLst/>
+          </a:prstGeom>
+          <a:solidFill>
+            <a:srgbClr val="FFFF00"/>
+          </a:solidFill>
+          <a:ln w="12700"/>
+        </p:spPr>
+        <p:style>
+          <a:lnRef idx="2">
+            <a:schemeClr val="accent1">
+              <a:shade val="50000"/>
+            </a:schemeClr>
+          </a:lnRef>
+          <a:fillRef idx="1">
+            <a:schemeClr val="accent1"/>
+          </a:fillRef>
+          <a:effectRef idx="0">
+            <a:schemeClr val="accent1"/>
+          </a:effectRef>
+          <a:fontRef idx="minor">
+            <a:schemeClr val="lt1"/>
+          </a:fontRef>
+        </p:style>
+        <p:txBody>
+          <a:bodyPr rtlCol="0" anchor="ctr"/>
+          <a:lstStyle/>
+          <a:p>
+            <a:pPr algn="ctr"/>
+            <a:endParaRPr lang="ko-KR" altLang="en-US">
+              <a:solidFill>
+                <a:schemeClr val="tx1"/>
+              </a:solidFill>
+              <a:latin typeface="Consolas" pitchFamily="49" charset="0"/>
+              <a:cs typeface="Consolas" pitchFamily="49" charset="0"/>
+            </a:endParaRPr>
+          </a:p>
+        </p:txBody>
+      </p:sp>
+      <p:sp>
+        <p:nvSpPr>
+          <p:cNvPr id="27" name="직사각형 26">
+            <a:extLst>
+              <a:ext uri="{FF2B5EF4-FFF2-40B4-BE49-F238E27FC236}">
+                <a16:creationId xmlns:a16="http://schemas.microsoft.com/office/drawing/2014/main" id="{5CD1DEAD-65AE-4BA6-BAEB-1BC5AF28FDD9}"/>
+              </a:ext>
+            </a:extLst>
+          </p:cNvPr>
+          <p:cNvSpPr/>
+          <p:nvPr/>
+        </p:nvSpPr>
+        <p:spPr>
+          <a:xfrm>
+            <a:off x="4778395" y="4913929"/>
+            <a:ext cx="648072" cy="288032"/>
+          </a:xfrm>
+          <a:prstGeom prst="rect">
+            <a:avLst/>
+          </a:prstGeom>
+          <a:solidFill>
+            <a:srgbClr val="FFFF00"/>
+          </a:solidFill>
+          <a:ln w="12700"/>
+        </p:spPr>
+        <p:style>
+          <a:lnRef idx="2">
+            <a:schemeClr val="accent1">
+              <a:shade val="50000"/>
+            </a:schemeClr>
+          </a:lnRef>
+          <a:fillRef idx="1">
+            <a:schemeClr val="accent1"/>
+          </a:fillRef>
+          <a:effectRef idx="0">
+            <a:schemeClr val="accent1"/>
+          </a:effectRef>
+          <a:fontRef idx="minor">
+            <a:schemeClr val="lt1"/>
+          </a:fontRef>
+        </p:style>
+        <p:txBody>
+          <a:bodyPr rtlCol="0" anchor="ctr"/>
+          <a:lstStyle/>
+          <a:p>
+            <a:pPr algn="ctr"/>
+            <a:endParaRPr lang="ko-KR" altLang="en-US">
+              <a:solidFill>
+                <a:schemeClr val="tx1"/>
+              </a:solidFill>
+              <a:latin typeface="Consolas" pitchFamily="49" charset="0"/>
+              <a:cs typeface="Consolas" pitchFamily="49" charset="0"/>
+            </a:endParaRPr>
+          </a:p>
+        </p:txBody>
+      </p:sp>
+      <p:sp>
+        <p:nvSpPr>
+          <p:cNvPr id="28" name="직사각형 27">
+            <a:extLst>
+              <a:ext uri="{FF2B5EF4-FFF2-40B4-BE49-F238E27FC236}">
+                <a16:creationId xmlns:a16="http://schemas.microsoft.com/office/drawing/2014/main" id="{3E7F119C-3985-4CE0-885A-7BE974B0A9C3}"/>
+              </a:ext>
+            </a:extLst>
+          </p:cNvPr>
+          <p:cNvSpPr/>
+          <p:nvPr/>
+        </p:nvSpPr>
+        <p:spPr>
+          <a:xfrm>
+            <a:off x="4778395" y="5190046"/>
+            <a:ext cx="648072" cy="288032"/>
+          </a:xfrm>
+          <a:prstGeom prst="rect">
+            <a:avLst/>
+          </a:prstGeom>
+          <a:solidFill>
+            <a:srgbClr val="FFFF00"/>
+          </a:solidFill>
+          <a:ln w="12700"/>
+        </p:spPr>
+        <p:style>
+          <a:lnRef idx="2">
+            <a:schemeClr val="accent1">
+              <a:shade val="50000"/>
+            </a:schemeClr>
+          </a:lnRef>
+          <a:fillRef idx="1">
+            <a:schemeClr val="accent1"/>
+          </a:fillRef>
+          <a:effectRef idx="0">
+            <a:schemeClr val="accent1"/>
+          </a:effectRef>
+          <a:fontRef idx="minor">
+            <a:schemeClr val="lt1"/>
+          </a:fontRef>
+        </p:style>
+        <p:txBody>
+          <a:bodyPr rtlCol="0" anchor="ctr"/>
+          <a:lstStyle/>
+          <a:p>
+            <a:pPr algn="ctr"/>
+            <a:endParaRPr lang="ko-KR" altLang="en-US">
+              <a:solidFill>
+                <a:schemeClr val="tx1"/>
+              </a:solidFill>
+              <a:latin typeface="Consolas" pitchFamily="49" charset="0"/>
+              <a:cs typeface="Consolas" pitchFamily="49" charset="0"/>
+            </a:endParaRPr>
+          </a:p>
+        </p:txBody>
+      </p:sp>
+      <p:sp>
+        <p:nvSpPr>
+          <p:cNvPr id="29" name="직사각형 28">
+            <a:extLst>
+              <a:ext uri="{FF2B5EF4-FFF2-40B4-BE49-F238E27FC236}">
+                <a16:creationId xmlns:a16="http://schemas.microsoft.com/office/drawing/2014/main" id="{5A2FCA26-C7AD-4F10-A978-4C0E513D8D3E}"/>
+              </a:ext>
+            </a:extLst>
+          </p:cNvPr>
+          <p:cNvSpPr/>
+          <p:nvPr/>
+        </p:nvSpPr>
+        <p:spPr>
+          <a:xfrm>
+            <a:off x="4778395" y="5466163"/>
+            <a:ext cx="648072" cy="288032"/>
+          </a:xfrm>
+          <a:prstGeom prst="rect">
+            <a:avLst/>
+          </a:prstGeom>
+          <a:solidFill>
+            <a:srgbClr val="FFFF00"/>
+          </a:solidFill>
+          <a:ln w="12700"/>
+        </p:spPr>
+        <p:style>
+          <a:lnRef idx="2">
+            <a:schemeClr val="accent1">
+              <a:shade val="50000"/>
+            </a:schemeClr>
+          </a:lnRef>
+          <a:fillRef idx="1">
+            <a:schemeClr val="accent1"/>
+          </a:fillRef>
+          <a:effectRef idx="0">
+            <a:schemeClr val="accent1"/>
+          </a:effectRef>
+          <a:fontRef idx="minor">
+            <a:schemeClr val="lt1"/>
+          </a:fontRef>
+        </p:style>
+        <p:txBody>
+          <a:bodyPr rtlCol="0" anchor="ctr"/>
+          <a:lstStyle/>
+          <a:p>
+            <a:pPr algn="ctr"/>
+            <a:endParaRPr lang="ko-KR" altLang="en-US">
+              <a:solidFill>
+                <a:schemeClr val="tx1"/>
+              </a:solidFill>
+              <a:latin typeface="Consolas" pitchFamily="49" charset="0"/>
+              <a:cs typeface="Consolas" pitchFamily="49" charset="0"/>
+            </a:endParaRPr>
+          </a:p>
+        </p:txBody>
+      </p:sp>
+      <p:cxnSp>
+        <p:nvCxnSpPr>
+          <p:cNvPr id="14" name="직선 화살표 연결선 13">
+            <a:extLst>
+              <a:ext uri="{FF2B5EF4-FFF2-40B4-BE49-F238E27FC236}">
+                <a16:creationId xmlns:a16="http://schemas.microsoft.com/office/drawing/2014/main" id="{6CB4E8E0-24FE-4DAE-8F16-C010D743A445}"/>
+              </a:ext>
+            </a:extLst>
+          </p:cNvPr>
+          <p:cNvCxnSpPr>
+            <a:stCxn id="3" idx="3"/>
+            <a:endCxn id="7" idx="2"/>
+          </p:cNvCxnSpPr>
+          <p:nvPr/>
+        </p:nvCxnSpPr>
+        <p:spPr>
+          <a:xfrm flipH="1" flipV="1">
+            <a:off x="5076056" y="3753036"/>
+            <a:ext cx="350411" cy="1028792"/>
+          </a:xfrm>
+          <a:prstGeom prst="straightConnector1">
+            <a:avLst/>
+          </a:prstGeom>
+          <a:ln>
+            <a:tailEnd type="triangle"/>
+          </a:ln>
+        </p:spPr>
+        <p:style>
+          <a:lnRef idx="1">
+            <a:schemeClr val="accent1"/>
+          </a:lnRef>
+          <a:fillRef idx="0">
+            <a:schemeClr val="accent1"/>
+          </a:fillRef>
+          <a:effectRef idx="0">
+            <a:schemeClr val="accent1"/>
+          </a:effectRef>
+          <a:fontRef idx="minor">
+            <a:schemeClr val="tx1"/>
+          </a:fontRef>
+        </p:style>
+      </p:cxnSp>
+      <p:cxnSp>
+        <p:nvCxnSpPr>
+          <p:cNvPr id="30" name="직선 화살표 연결선 29">
+            <a:extLst>
+              <a:ext uri="{FF2B5EF4-FFF2-40B4-BE49-F238E27FC236}">
+                <a16:creationId xmlns:a16="http://schemas.microsoft.com/office/drawing/2014/main" id="{AFCCEBCC-DD54-4561-A926-7C9C1DEE0E2B}"/>
+              </a:ext>
+            </a:extLst>
+          </p:cNvPr>
+          <p:cNvCxnSpPr>
+            <a:cxnSpLocks/>
+            <a:stCxn id="26" idx="3"/>
+            <a:endCxn id="3" idx="1"/>
+          </p:cNvCxnSpPr>
+          <p:nvPr/>
+        </p:nvCxnSpPr>
+        <p:spPr>
+          <a:xfrm flipV="1">
+            <a:off x="3565388" y="4781828"/>
+            <a:ext cx="1213007" cy="705003"/>
+          </a:xfrm>
+          <a:prstGeom prst="straightConnector1">
+            <a:avLst/>
+          </a:prstGeom>
+          <a:ln>
+            <a:tailEnd type="triangle"/>
+          </a:ln>
+        </p:spPr>
+        <p:style>
+          <a:lnRef idx="1">
+            <a:schemeClr val="accent1"/>
+          </a:lnRef>
+          <a:fillRef idx="0">
+            <a:schemeClr val="accent1"/>
+          </a:fillRef>
+          <a:effectRef idx="0">
+            <a:schemeClr val="accent1"/>
+          </a:effectRef>
+          <a:fontRef idx="minor">
+            <a:schemeClr val="tx1"/>
+          </a:fontRef>
+        </p:style>
+      </p:cxnSp>
+      <p:sp>
+        <p:nvSpPr>
+          <p:cNvPr id="32" name="TextBox 31">
+            <a:extLst>
+              <a:ext uri="{FF2B5EF4-FFF2-40B4-BE49-F238E27FC236}">
+                <a16:creationId xmlns:a16="http://schemas.microsoft.com/office/drawing/2014/main" id="{921D93B7-FA1C-413F-BB2A-BFF770CE5F8A}"/>
+              </a:ext>
+            </a:extLst>
+          </p:cNvPr>
+          <p:cNvSpPr txBox="1"/>
+          <p:nvPr/>
+        </p:nvSpPr>
+        <p:spPr>
+          <a:xfrm>
+            <a:off x="2843807" y="5733256"/>
+            <a:ext cx="1197764" cy="369332"/>
+          </a:xfrm>
+          <a:prstGeom prst="rect">
+            <a:avLst/>
+          </a:prstGeom>
+          <a:noFill/>
+        </p:spPr>
+        <p:txBody>
+          <a:bodyPr wrap="none" rtlCol="0">
+            <a:spAutoFit/>
+          </a:bodyPr>
+          <a:lstStyle/>
+          <a:p>
+            <a:r>
+              <a:rPr lang="en-US" altLang="ko-KR">
+                <a:latin typeface="Consolas" pitchFamily="49" charset="0"/>
+                <a:cs typeface="Consolas" pitchFamily="49" charset="0"/>
+              </a:rPr>
+              <a:t>fd_array</a:t>
+            </a:r>
+            <a:endParaRPr lang="ko-KR" altLang="en-US">
+              <a:latin typeface="Consolas" pitchFamily="49" charset="0"/>
+              <a:cs typeface="Consolas" pitchFamily="49" charset="0"/>
+            </a:endParaRPr>
+          </a:p>
+        </p:txBody>
+      </p:sp>
+      <p:sp>
+        <p:nvSpPr>
+          <p:cNvPr id="33" name="TextBox 32">
+            <a:extLst>
+              <a:ext uri="{FF2B5EF4-FFF2-40B4-BE49-F238E27FC236}">
+                <a16:creationId xmlns:a16="http://schemas.microsoft.com/office/drawing/2014/main" id="{024D74C7-0B2F-4456-9129-A19C27BEFC11}"/>
+              </a:ext>
+            </a:extLst>
+          </p:cNvPr>
+          <p:cNvSpPr txBox="1"/>
+          <p:nvPr/>
+        </p:nvSpPr>
+        <p:spPr>
+          <a:xfrm>
+            <a:off x="4716016" y="4277847"/>
+            <a:ext cx="691215" cy="369332"/>
+          </a:xfrm>
+          <a:prstGeom prst="rect">
+            <a:avLst/>
+          </a:prstGeom>
+          <a:noFill/>
+        </p:spPr>
+        <p:txBody>
+          <a:bodyPr wrap="none" rtlCol="0">
+            <a:spAutoFit/>
+          </a:bodyPr>
+          <a:lstStyle/>
+          <a:p>
+            <a:r>
+              <a:rPr lang="en-US" altLang="ko-KR">
+                <a:latin typeface="Consolas" pitchFamily="49" charset="0"/>
+                <a:cs typeface="Consolas" pitchFamily="49" charset="0"/>
+              </a:rPr>
+              <a:t>file</a:t>
+            </a:r>
+            <a:endParaRPr lang="ko-KR" altLang="en-US">
+              <a:latin typeface="Consolas" pitchFamily="49" charset="0"/>
+              <a:cs typeface="Consolas" pitchFamily="49" charset="0"/>
+            </a:endParaRPr>
+          </a:p>
+        </p:txBody>
+      </p:sp>
+      <p:sp>
+        <p:nvSpPr>
+          <p:cNvPr id="37" name="직사각형 36">
+            <a:extLst>
+              <a:ext uri="{FF2B5EF4-FFF2-40B4-BE49-F238E27FC236}">
+                <a16:creationId xmlns:a16="http://schemas.microsoft.com/office/drawing/2014/main" id="{4DDC0998-EF12-4F2F-B92E-65628370E20C}"/>
+              </a:ext>
+            </a:extLst>
+          </p:cNvPr>
+          <p:cNvSpPr/>
+          <p:nvPr/>
+        </p:nvSpPr>
+        <p:spPr>
+          <a:xfrm>
+            <a:off x="6470084" y="4268065"/>
+            <a:ext cx="360040" cy="347554"/>
+          </a:xfrm>
+          <a:prstGeom prst="rect">
+            <a:avLst/>
+          </a:prstGeom>
+          <a:solidFill>
+            <a:srgbClr val="FFFF00"/>
+          </a:solidFill>
+          <a:ln w="12700"/>
+        </p:spPr>
+        <p:style>
+          <a:lnRef idx="2">
+            <a:schemeClr val="accent1">
+              <a:shade val="50000"/>
+            </a:schemeClr>
+          </a:lnRef>
+          <a:fillRef idx="1">
+            <a:schemeClr val="accent1"/>
+          </a:fillRef>
+          <a:effectRef idx="0">
+            <a:schemeClr val="accent1"/>
+          </a:effectRef>
+          <a:fontRef idx="minor">
+            <a:schemeClr val="lt1"/>
+          </a:fontRef>
+        </p:style>
+        <p:txBody>
+          <a:bodyPr rtlCol="0" anchor="ctr"/>
+          <a:lstStyle/>
+          <a:p>
+            <a:pPr algn="ctr"/>
+            <a:endParaRPr lang="ko-KR" altLang="en-US">
+              <a:solidFill>
+                <a:schemeClr val="tx1"/>
+              </a:solidFill>
+              <a:latin typeface="Consolas" pitchFamily="49" charset="0"/>
+              <a:cs typeface="Consolas" pitchFamily="49" charset="0"/>
+            </a:endParaRPr>
+          </a:p>
+        </p:txBody>
+      </p:sp>
+      <p:sp>
+        <p:nvSpPr>
+          <p:cNvPr id="38" name="직사각형 37">
+            <a:extLst>
+              <a:ext uri="{FF2B5EF4-FFF2-40B4-BE49-F238E27FC236}">
+                <a16:creationId xmlns:a16="http://schemas.microsoft.com/office/drawing/2014/main" id="{C7E09DFF-CE3F-4B43-8068-608CC4302F39}"/>
+              </a:ext>
+            </a:extLst>
+          </p:cNvPr>
+          <p:cNvSpPr/>
+          <p:nvPr/>
+        </p:nvSpPr>
+        <p:spPr>
+          <a:xfrm>
+            <a:off x="6470584" y="4608051"/>
+            <a:ext cx="360040" cy="347554"/>
+          </a:xfrm>
+          <a:prstGeom prst="rect">
+            <a:avLst/>
+          </a:prstGeom>
+          <a:solidFill>
+            <a:srgbClr val="FFFF00"/>
+          </a:solidFill>
+          <a:ln w="12700"/>
+        </p:spPr>
+        <p:style>
+          <a:lnRef idx="2">
+            <a:schemeClr val="accent1">
+              <a:shade val="50000"/>
+            </a:schemeClr>
+          </a:lnRef>
+          <a:fillRef idx="1">
+            <a:schemeClr val="accent1"/>
+          </a:fillRef>
+          <a:effectRef idx="0">
+            <a:schemeClr val="accent1"/>
+          </a:effectRef>
+          <a:fontRef idx="minor">
+            <a:schemeClr val="lt1"/>
+          </a:fontRef>
+        </p:style>
+        <p:txBody>
+          <a:bodyPr rtlCol="0" anchor="ctr"/>
+          <a:lstStyle/>
+          <a:p>
+            <a:pPr algn="ctr"/>
+            <a:endParaRPr lang="ko-KR" altLang="en-US">
+              <a:solidFill>
+                <a:schemeClr val="tx1"/>
+              </a:solidFill>
+              <a:latin typeface="Consolas" pitchFamily="49" charset="0"/>
+              <a:cs typeface="Consolas" pitchFamily="49" charset="0"/>
+            </a:endParaRPr>
+          </a:p>
+        </p:txBody>
+      </p:sp>
+      <p:sp>
+        <p:nvSpPr>
+          <p:cNvPr id="39" name="직사각형 38">
+            <a:extLst>
+              <a:ext uri="{FF2B5EF4-FFF2-40B4-BE49-F238E27FC236}">
+                <a16:creationId xmlns:a16="http://schemas.microsoft.com/office/drawing/2014/main" id="{85F61542-529B-4C96-8EA1-C5B93F4802EF}"/>
+              </a:ext>
+            </a:extLst>
+          </p:cNvPr>
+          <p:cNvSpPr/>
+          <p:nvPr/>
+        </p:nvSpPr>
+        <p:spPr>
+          <a:xfrm>
+            <a:off x="6471084" y="4948037"/>
+            <a:ext cx="360040" cy="347554"/>
+          </a:xfrm>
+          <a:prstGeom prst="rect">
+            <a:avLst/>
+          </a:prstGeom>
+          <a:solidFill>
+            <a:srgbClr val="FFFF00"/>
+          </a:solidFill>
+          <a:ln w="12700"/>
+        </p:spPr>
+        <p:style>
+          <a:lnRef idx="2">
+            <a:schemeClr val="accent1">
+              <a:shade val="50000"/>
+            </a:schemeClr>
+          </a:lnRef>
+          <a:fillRef idx="1">
+            <a:schemeClr val="accent1"/>
+          </a:fillRef>
+          <a:effectRef idx="0">
+            <a:schemeClr val="accent1"/>
+          </a:effectRef>
+          <a:fontRef idx="minor">
+            <a:schemeClr val="lt1"/>
+          </a:fontRef>
+        </p:style>
+        <p:txBody>
+          <a:bodyPr rtlCol="0" anchor="ctr"/>
+          <a:lstStyle/>
+          <a:p>
+            <a:pPr algn="ctr"/>
+            <a:endParaRPr lang="ko-KR" altLang="en-US">
+              <a:solidFill>
+                <a:schemeClr val="tx1"/>
+              </a:solidFill>
+              <a:latin typeface="Consolas" pitchFamily="49" charset="0"/>
+              <a:cs typeface="Consolas" pitchFamily="49" charset="0"/>
+            </a:endParaRPr>
+          </a:p>
+        </p:txBody>
+      </p:sp>
+      <p:sp>
+        <p:nvSpPr>
+          <p:cNvPr id="40" name="직사각형 39">
+            <a:extLst>
+              <a:ext uri="{FF2B5EF4-FFF2-40B4-BE49-F238E27FC236}">
+                <a16:creationId xmlns:a16="http://schemas.microsoft.com/office/drawing/2014/main" id="{66172040-ED89-4BE8-ACA8-129EDF0BB7EF}"/>
+              </a:ext>
+            </a:extLst>
+          </p:cNvPr>
+          <p:cNvSpPr/>
+          <p:nvPr/>
+        </p:nvSpPr>
+        <p:spPr>
+          <a:xfrm>
+            <a:off x="6471584" y="5288023"/>
+            <a:ext cx="360040" cy="347554"/>
+          </a:xfrm>
+          <a:prstGeom prst="rect">
+            <a:avLst/>
+          </a:prstGeom>
+          <a:solidFill>
+            <a:srgbClr val="FFFF00"/>
+          </a:solidFill>
+          <a:ln w="12700"/>
+        </p:spPr>
+        <p:style>
+          <a:lnRef idx="2">
+            <a:schemeClr val="accent1">
+              <a:shade val="50000"/>
+            </a:schemeClr>
+          </a:lnRef>
+          <a:fillRef idx="1">
+            <a:schemeClr val="accent1"/>
+          </a:fillRef>
+          <a:effectRef idx="0">
+            <a:schemeClr val="accent1"/>
+          </a:effectRef>
+          <a:fontRef idx="minor">
+            <a:schemeClr val="lt1"/>
+          </a:fontRef>
+        </p:style>
+        <p:txBody>
+          <a:bodyPr rtlCol="0" anchor="ctr"/>
+          <a:lstStyle/>
+          <a:p>
+            <a:pPr algn="ctr"/>
+            <a:endParaRPr lang="ko-KR" altLang="en-US">
+              <a:solidFill>
+                <a:schemeClr val="tx1"/>
+              </a:solidFill>
+              <a:latin typeface="Consolas" pitchFamily="49" charset="0"/>
+              <a:cs typeface="Consolas" pitchFamily="49" charset="0"/>
+            </a:endParaRPr>
+          </a:p>
+        </p:txBody>
+      </p:sp>
+      <p:sp>
+        <p:nvSpPr>
+          <p:cNvPr id="41" name="TextBox 40">
+            <a:extLst>
+              <a:ext uri="{FF2B5EF4-FFF2-40B4-BE49-F238E27FC236}">
+                <a16:creationId xmlns:a16="http://schemas.microsoft.com/office/drawing/2014/main" id="{02B4CB9A-2EDF-412E-B223-1894595AD967}"/>
+              </a:ext>
+            </a:extLst>
+          </p:cNvPr>
+          <p:cNvSpPr txBox="1"/>
+          <p:nvPr/>
+        </p:nvSpPr>
+        <p:spPr>
+          <a:xfrm>
+            <a:off x="6084168" y="6246433"/>
+            <a:ext cx="1197764" cy="369332"/>
+          </a:xfrm>
+          <a:prstGeom prst="rect">
+            <a:avLst/>
+          </a:prstGeom>
+          <a:noFill/>
+        </p:spPr>
+        <p:txBody>
+          <a:bodyPr wrap="none" rtlCol="0">
+            <a:spAutoFit/>
+          </a:bodyPr>
+          <a:lstStyle/>
+          <a:p>
+            <a:r>
+              <a:rPr lang="en-US" altLang="ko-KR">
+                <a:latin typeface="Consolas" pitchFamily="49" charset="0"/>
+                <a:cs typeface="Consolas" pitchFamily="49" charset="0"/>
+              </a:rPr>
+              <a:t>fd_array</a:t>
+            </a:r>
+            <a:endParaRPr lang="ko-KR" altLang="en-US">
+              <a:latin typeface="Consolas" pitchFamily="49" charset="0"/>
+              <a:cs typeface="Consolas" pitchFamily="49" charset="0"/>
+            </a:endParaRPr>
+          </a:p>
+        </p:txBody>
+      </p:sp>
+      <p:sp>
+        <p:nvSpPr>
+          <p:cNvPr id="42" name="직사각형 41">
+            <a:extLst>
+              <a:ext uri="{FF2B5EF4-FFF2-40B4-BE49-F238E27FC236}">
+                <a16:creationId xmlns:a16="http://schemas.microsoft.com/office/drawing/2014/main" id="{323E6488-7047-4B5C-AC21-DF27AF95EEAF}"/>
+              </a:ext>
+            </a:extLst>
+          </p:cNvPr>
+          <p:cNvSpPr/>
+          <p:nvPr/>
+        </p:nvSpPr>
+        <p:spPr>
+          <a:xfrm>
+            <a:off x="6470084" y="5639868"/>
+            <a:ext cx="360040" cy="347554"/>
+          </a:xfrm>
+          <a:prstGeom prst="rect">
+            <a:avLst/>
+          </a:prstGeom>
+          <a:solidFill>
+            <a:srgbClr val="FFFF00"/>
+          </a:solidFill>
+          <a:ln w="12700"/>
+        </p:spPr>
+        <p:style>
+          <a:lnRef idx="2">
+            <a:schemeClr val="accent1">
+              <a:shade val="50000"/>
+            </a:schemeClr>
+          </a:lnRef>
+          <a:fillRef idx="1">
+            <a:schemeClr val="accent1"/>
+          </a:fillRef>
+          <a:effectRef idx="0">
+            <a:schemeClr val="accent1"/>
+          </a:effectRef>
+          <a:fontRef idx="minor">
+            <a:schemeClr val="lt1"/>
+          </a:fontRef>
+        </p:style>
+        <p:txBody>
+          <a:bodyPr rtlCol="0" anchor="ctr"/>
+          <a:lstStyle/>
+          <a:p>
+            <a:pPr algn="ctr"/>
+            <a:r>
+              <a:rPr lang="en-US" altLang="ko-KR">
+                <a:solidFill>
+                  <a:schemeClr val="tx1"/>
+                </a:solidFill>
+                <a:latin typeface="Consolas" pitchFamily="49" charset="0"/>
+                <a:cs typeface="Consolas" pitchFamily="49" charset="0"/>
+              </a:rPr>
+              <a:t>4</a:t>
+            </a:r>
+            <a:endParaRPr lang="ko-KR" altLang="en-US">
+              <a:solidFill>
+                <a:schemeClr val="tx1"/>
+              </a:solidFill>
+              <a:latin typeface="Consolas" pitchFamily="49" charset="0"/>
+              <a:cs typeface="Consolas" pitchFamily="49" charset="0"/>
+            </a:endParaRPr>
+          </a:p>
+        </p:txBody>
+      </p:sp>
+      <p:cxnSp>
+        <p:nvCxnSpPr>
+          <p:cNvPr id="43" name="직선 화살표 연결선 42">
+            <a:extLst>
+              <a:ext uri="{FF2B5EF4-FFF2-40B4-BE49-F238E27FC236}">
+                <a16:creationId xmlns:a16="http://schemas.microsoft.com/office/drawing/2014/main" id="{4DBE79E6-7571-45B7-A82E-B6365DDBD376}"/>
+              </a:ext>
+            </a:extLst>
+          </p:cNvPr>
+          <p:cNvCxnSpPr>
+            <a:cxnSpLocks/>
+            <a:stCxn id="42" idx="1"/>
+            <a:endCxn id="3" idx="3"/>
+          </p:cNvCxnSpPr>
+          <p:nvPr/>
+        </p:nvCxnSpPr>
+        <p:spPr>
+          <a:xfrm flipH="1" flipV="1">
+            <a:off x="5426467" y="4781828"/>
+            <a:ext cx="1043617" cy="1031817"/>
+          </a:xfrm>
+          <a:prstGeom prst="straightConnector1">
+            <a:avLst/>
+          </a:prstGeom>
+          <a:ln>
+            <a:tailEnd type="triangle"/>
+          </a:ln>
+        </p:spPr>
+        <p:style>
+          <a:lnRef idx="1">
+            <a:schemeClr val="accent1"/>
+          </a:lnRef>
+          <a:fillRef idx="0">
+            <a:schemeClr val="accent1"/>
+          </a:fillRef>
+          <a:effectRef idx="0">
+            <a:schemeClr val="accent1"/>
+          </a:effectRef>
+          <a:fontRef idx="minor">
+            <a:schemeClr val="tx1"/>
+          </a:fontRef>
+        </p:style>
+      </p:cxnSp>
+    </p:spTree>
+    <p:extLst>
+      <p:ext uri="{BB962C8B-B14F-4D97-AF65-F5344CB8AC3E}">
+        <p14:creationId xmlns:p14="http://schemas.microsoft.com/office/powerpoint/2010/main" val="1437096684"/>
+      </p:ext>
+    </p:extLst>
+  </p:cSld>
+  <p:clrMapOvr>
+    <a:masterClrMapping/>
+  </p:clrMapOvr>
+</p:sld>
+</file>
+
+<file path=ppt/slides/slide21.xml><?xml version="1.0" encoding="utf-8"?>
+<p:sld xmlns:a="http://schemas.openxmlformats.org/drawingml/2006/main" xmlns:r="http://schemas.openxmlformats.org/officeDocument/2006/relationships" xmlns:p="http://schemas.openxmlformats.org/presentationml/2006/main">
+  <p:cSld>
+    <p:spTree>
+      <p:nvGrpSpPr>
+        <p:cNvPr id="1" name=""/>
+        <p:cNvGrpSpPr/>
+        <p:nvPr/>
+      </p:nvGrpSpPr>
+      <p:grpSpPr>
+        <a:xfrm>
+          <a:off x="0" y="0"/>
+          <a:ext cx="0" cy="0"/>
+          <a:chOff x="0" y="0"/>
+          <a:chExt cx="0" cy="0"/>
+        </a:xfrm>
+      </p:grpSpPr>
+      <p:sp>
+        <p:nvSpPr>
+          <p:cNvPr id="4" name="직사각형 3">
+            <a:extLst>
+              <a:ext uri="{FF2B5EF4-FFF2-40B4-BE49-F238E27FC236}">
+                <a16:creationId xmlns:a16="http://schemas.microsoft.com/office/drawing/2014/main" id="{27A0851F-D87A-4ACE-BFD6-DFA72C8CAD20}"/>
+              </a:ext>
+            </a:extLst>
+          </p:cNvPr>
+          <p:cNvSpPr/>
+          <p:nvPr/>
+        </p:nvSpPr>
+        <p:spPr>
+          <a:xfrm>
+            <a:off x="6950307" y="4322039"/>
+            <a:ext cx="1534407" cy="424013"/>
+          </a:xfrm>
+          <a:prstGeom prst="rect">
+            <a:avLst/>
+          </a:prstGeom>
+          <a:solidFill>
+            <a:srgbClr val="FFC000"/>
+          </a:solidFill>
+          <a:ln w="12700"/>
+        </p:spPr>
+        <p:style>
+          <a:lnRef idx="2">
+            <a:schemeClr val="accent1">
+              <a:shade val="50000"/>
+            </a:schemeClr>
+          </a:lnRef>
+          <a:fillRef idx="1">
+            <a:schemeClr val="accent1"/>
+          </a:fillRef>
+          <a:effectRef idx="0">
+            <a:schemeClr val="accent1"/>
+          </a:effectRef>
+          <a:fontRef idx="minor">
+            <a:schemeClr val="lt1"/>
+          </a:fontRef>
+        </p:style>
+        <p:txBody>
+          <a:bodyPr rtlCol="0" anchor="ctr"/>
+          <a:lstStyle/>
+          <a:p>
+            <a:pPr algn="ctr"/>
+            <a:r>
+              <a:rPr lang="en-US" altLang="ko-KR" sz="1600">
+                <a:solidFill>
+                  <a:schemeClr val="tx1"/>
+                </a:solidFill>
+                <a:latin typeface="Consolas" pitchFamily="49" charset="0"/>
+                <a:cs typeface="Consolas" pitchFamily="49" charset="0"/>
+              </a:rPr>
+              <a:t>BpBinder</a:t>
+            </a:r>
+            <a:endParaRPr lang="ko-KR" altLang="en-US" sz="1600">
+              <a:solidFill>
+                <a:schemeClr val="tx1"/>
+              </a:solidFill>
+              <a:latin typeface="Consolas" pitchFamily="49" charset="0"/>
+              <a:cs typeface="Consolas" pitchFamily="49" charset="0"/>
+            </a:endParaRPr>
+          </a:p>
+        </p:txBody>
+      </p:sp>
+      <p:sp>
+        <p:nvSpPr>
+          <p:cNvPr id="5" name="직사각형 4">
+            <a:extLst>
+              <a:ext uri="{FF2B5EF4-FFF2-40B4-BE49-F238E27FC236}">
+                <a16:creationId xmlns:a16="http://schemas.microsoft.com/office/drawing/2014/main" id="{BF753CBA-6161-4749-890E-3A88B3863764}"/>
+              </a:ext>
+            </a:extLst>
+          </p:cNvPr>
+          <p:cNvSpPr/>
+          <p:nvPr/>
+        </p:nvSpPr>
+        <p:spPr>
+          <a:xfrm>
+            <a:off x="6950307" y="4746053"/>
+            <a:ext cx="1534407" cy="424013"/>
+          </a:xfrm>
+          <a:prstGeom prst="rect">
+            <a:avLst/>
+          </a:prstGeom>
+          <a:solidFill>
+            <a:srgbClr val="FFFF00"/>
+          </a:solidFill>
+          <a:ln w="12700"/>
+        </p:spPr>
+        <p:style>
+          <a:lnRef idx="2">
+            <a:schemeClr val="accent1">
+              <a:shade val="50000"/>
+            </a:schemeClr>
+          </a:lnRef>
+          <a:fillRef idx="1">
+            <a:schemeClr val="accent1"/>
+          </a:fillRef>
+          <a:effectRef idx="0">
+            <a:schemeClr val="accent1"/>
+          </a:effectRef>
+          <a:fontRef idx="minor">
+            <a:schemeClr val="lt1"/>
+          </a:fontRef>
+        </p:style>
+        <p:txBody>
+          <a:bodyPr rtlCol="0" anchor="ctr"/>
+          <a:lstStyle/>
+          <a:p>
+            <a:pPr algn="ctr"/>
+            <a:r>
+              <a:rPr lang="en-US" altLang="ko-KR" sz="1600">
+                <a:solidFill>
+                  <a:schemeClr val="tx1"/>
+                </a:solidFill>
+                <a:latin typeface="Consolas" pitchFamily="49" charset="0"/>
+                <a:cs typeface="Consolas" pitchFamily="49" charset="0"/>
+              </a:rPr>
+              <a:t>transact(){}</a:t>
+            </a:r>
+            <a:endParaRPr lang="ko-KR" altLang="en-US" sz="1600">
+              <a:solidFill>
+                <a:schemeClr val="tx1"/>
+              </a:solidFill>
+              <a:latin typeface="Consolas" pitchFamily="49" charset="0"/>
+              <a:cs typeface="Consolas" pitchFamily="49" charset="0"/>
+            </a:endParaRPr>
+          </a:p>
+        </p:txBody>
+      </p:sp>
+      <p:sp>
+        <p:nvSpPr>
+          <p:cNvPr id="6" name="직사각형 5">
+            <a:extLst>
+              <a:ext uri="{FF2B5EF4-FFF2-40B4-BE49-F238E27FC236}">
+                <a16:creationId xmlns:a16="http://schemas.microsoft.com/office/drawing/2014/main" id="{1E9855E9-5793-4735-8EDE-2C49CD234361}"/>
+              </a:ext>
+            </a:extLst>
+          </p:cNvPr>
+          <p:cNvSpPr/>
+          <p:nvPr/>
+        </p:nvSpPr>
+        <p:spPr>
+          <a:xfrm>
+            <a:off x="6950307" y="5170066"/>
+            <a:ext cx="1534407" cy="424013"/>
+          </a:xfrm>
+          <a:prstGeom prst="rect">
+            <a:avLst/>
+          </a:prstGeom>
+          <a:solidFill>
+            <a:srgbClr val="FFFF00"/>
+          </a:solidFill>
+          <a:ln w="12700"/>
+        </p:spPr>
+        <p:style>
+          <a:lnRef idx="2">
+            <a:schemeClr val="accent1">
+              <a:shade val="50000"/>
+            </a:schemeClr>
+          </a:lnRef>
+          <a:fillRef idx="1">
+            <a:schemeClr val="accent1"/>
+          </a:fillRef>
+          <a:effectRef idx="0">
+            <a:schemeClr val="accent1"/>
+          </a:effectRef>
+          <a:fontRef idx="minor">
+            <a:schemeClr val="lt1"/>
+          </a:fontRef>
+        </p:style>
+        <p:txBody>
+          <a:bodyPr rtlCol="0" anchor="ctr"/>
+          <a:lstStyle/>
+          <a:p>
+            <a:pPr algn="ctr"/>
+            <a:r>
+              <a:rPr lang="en-US" altLang="ko-KR" sz="1600">
+                <a:solidFill>
+                  <a:schemeClr val="tx1"/>
+                </a:solidFill>
+                <a:latin typeface="Consolas" pitchFamily="49" charset="0"/>
+                <a:cs typeface="Consolas" pitchFamily="49" charset="0"/>
+              </a:rPr>
+              <a:t>mHandle=1</a:t>
+            </a:r>
+            <a:endParaRPr lang="ko-KR" altLang="en-US" sz="1600">
+              <a:solidFill>
+                <a:schemeClr val="tx1"/>
+              </a:solidFill>
+              <a:latin typeface="Consolas" pitchFamily="49" charset="0"/>
+              <a:cs typeface="Consolas" pitchFamily="49" charset="0"/>
+            </a:endParaRPr>
+          </a:p>
+        </p:txBody>
+      </p:sp>
+      <p:sp>
+        <p:nvSpPr>
+          <p:cNvPr id="7" name="직사각형 6">
+            <a:extLst>
+              <a:ext uri="{FF2B5EF4-FFF2-40B4-BE49-F238E27FC236}">
+                <a16:creationId xmlns:a16="http://schemas.microsoft.com/office/drawing/2014/main" id="{1E934F06-289C-41E0-BE00-B7DB117BD351}"/>
+              </a:ext>
+            </a:extLst>
+          </p:cNvPr>
+          <p:cNvSpPr/>
+          <p:nvPr/>
+        </p:nvSpPr>
+        <p:spPr>
+          <a:xfrm>
+            <a:off x="6950307" y="2682651"/>
+            <a:ext cx="1534407" cy="424013"/>
+          </a:xfrm>
+          <a:prstGeom prst="rect">
+            <a:avLst/>
+          </a:prstGeom>
+          <a:solidFill>
+            <a:srgbClr val="FFC000"/>
+          </a:solidFill>
+          <a:ln w="12700"/>
+        </p:spPr>
+        <p:style>
+          <a:lnRef idx="2">
+            <a:schemeClr val="accent1">
+              <a:shade val="50000"/>
+            </a:schemeClr>
+          </a:lnRef>
+          <a:fillRef idx="1">
+            <a:schemeClr val="accent1"/>
+          </a:fillRef>
+          <a:effectRef idx="0">
+            <a:schemeClr val="accent1"/>
+          </a:effectRef>
+          <a:fontRef idx="minor">
+            <a:schemeClr val="lt1"/>
+          </a:fontRef>
+        </p:style>
+        <p:txBody>
+          <a:bodyPr rtlCol="0" anchor="ctr"/>
+          <a:lstStyle/>
+          <a:p>
+            <a:pPr algn="ctr"/>
+            <a:r>
+              <a:rPr lang="en-US" altLang="ko-KR" sz="1600">
+                <a:solidFill>
+                  <a:schemeClr val="tx1"/>
+                </a:solidFill>
+                <a:latin typeface="Consolas" pitchFamily="49" charset="0"/>
+                <a:cs typeface="Consolas" pitchFamily="49" charset="0"/>
+              </a:rPr>
+              <a:t>IBinder</a:t>
+            </a:r>
+            <a:endParaRPr lang="ko-KR" altLang="en-US" sz="1600">
+              <a:solidFill>
+                <a:schemeClr val="tx1"/>
+              </a:solidFill>
+              <a:latin typeface="Consolas" pitchFamily="49" charset="0"/>
+              <a:cs typeface="Consolas" pitchFamily="49" charset="0"/>
+            </a:endParaRPr>
+          </a:p>
+        </p:txBody>
+      </p:sp>
+      <p:sp>
+        <p:nvSpPr>
+          <p:cNvPr id="8" name="직사각형 7">
+            <a:extLst>
+              <a:ext uri="{FF2B5EF4-FFF2-40B4-BE49-F238E27FC236}">
+                <a16:creationId xmlns:a16="http://schemas.microsoft.com/office/drawing/2014/main" id="{D904B97C-43F7-4CFE-961D-04C96E1BAB6A}"/>
+              </a:ext>
+            </a:extLst>
+          </p:cNvPr>
+          <p:cNvSpPr/>
+          <p:nvPr/>
+        </p:nvSpPr>
+        <p:spPr>
+          <a:xfrm>
+            <a:off x="6950307" y="3106664"/>
+            <a:ext cx="1534407" cy="424013"/>
+          </a:xfrm>
+          <a:prstGeom prst="rect">
+            <a:avLst/>
+          </a:prstGeom>
+          <a:solidFill>
+            <a:srgbClr val="FFFF00"/>
+          </a:solidFill>
+          <a:ln w="12700"/>
+        </p:spPr>
+        <p:style>
+          <a:lnRef idx="2">
+            <a:schemeClr val="accent1">
+              <a:shade val="50000"/>
+            </a:schemeClr>
+          </a:lnRef>
+          <a:fillRef idx="1">
+            <a:schemeClr val="accent1"/>
+          </a:fillRef>
+          <a:effectRef idx="0">
+            <a:schemeClr val="accent1"/>
+          </a:effectRef>
+          <a:fontRef idx="minor">
+            <a:schemeClr val="lt1"/>
+          </a:fontRef>
+        </p:style>
+        <p:txBody>
+          <a:bodyPr rtlCol="0" anchor="ctr"/>
+          <a:lstStyle/>
+          <a:p>
+            <a:pPr algn="ctr"/>
+            <a:r>
+              <a:rPr lang="en-US" altLang="ko-KR" sz="1600">
+                <a:solidFill>
+                  <a:schemeClr val="tx1"/>
+                </a:solidFill>
+                <a:latin typeface="Consolas" pitchFamily="49" charset="0"/>
+                <a:cs typeface="Consolas" pitchFamily="49" charset="0"/>
+              </a:rPr>
+              <a:t>transact()=0</a:t>
+            </a:r>
+            <a:endParaRPr lang="ko-KR" altLang="en-US" sz="1600">
+              <a:solidFill>
+                <a:schemeClr val="tx1"/>
+              </a:solidFill>
+              <a:latin typeface="Consolas" pitchFamily="49" charset="0"/>
+              <a:cs typeface="Consolas" pitchFamily="49" charset="0"/>
+            </a:endParaRPr>
+          </a:p>
+        </p:txBody>
+      </p:sp>
+      <p:sp>
+        <p:nvSpPr>
+          <p:cNvPr id="9" name="직사각형 8">
+            <a:extLst>
+              <a:ext uri="{FF2B5EF4-FFF2-40B4-BE49-F238E27FC236}">
+                <a16:creationId xmlns:a16="http://schemas.microsoft.com/office/drawing/2014/main" id="{72EECA8E-C9D1-4197-8045-1500596EB60A}"/>
+              </a:ext>
+            </a:extLst>
+          </p:cNvPr>
+          <p:cNvSpPr/>
+          <p:nvPr/>
+        </p:nvSpPr>
+        <p:spPr>
+          <a:xfrm>
+            <a:off x="6950307" y="3530678"/>
+            <a:ext cx="1534407" cy="424013"/>
+          </a:xfrm>
+          <a:prstGeom prst="rect">
+            <a:avLst/>
+          </a:prstGeom>
+          <a:solidFill>
+            <a:srgbClr val="FFFF00"/>
+          </a:solidFill>
+          <a:ln w="12700"/>
+        </p:spPr>
+        <p:style>
+          <a:lnRef idx="2">
+            <a:schemeClr val="accent1">
+              <a:shade val="50000"/>
+            </a:schemeClr>
+          </a:lnRef>
+          <a:fillRef idx="1">
+            <a:schemeClr val="accent1"/>
+          </a:fillRef>
+          <a:effectRef idx="0">
+            <a:schemeClr val="accent1"/>
+          </a:effectRef>
+          <a:fontRef idx="minor">
+            <a:schemeClr val="lt1"/>
+          </a:fontRef>
+        </p:style>
+        <p:txBody>
+          <a:bodyPr rtlCol="0" anchor="ctr"/>
+          <a:lstStyle/>
+          <a:p>
+            <a:pPr algn="ctr"/>
+            <a:endParaRPr lang="ko-KR" altLang="en-US" sz="1600">
+              <a:solidFill>
+                <a:schemeClr val="tx1"/>
+              </a:solidFill>
+              <a:latin typeface="Consolas" pitchFamily="49" charset="0"/>
+              <a:cs typeface="Consolas" pitchFamily="49" charset="0"/>
+            </a:endParaRPr>
+          </a:p>
+        </p:txBody>
+      </p:sp>
+      <p:cxnSp>
+        <p:nvCxnSpPr>
+          <p:cNvPr id="10" name="직선 화살표 연결선 9">
+            <a:extLst>
+              <a:ext uri="{FF2B5EF4-FFF2-40B4-BE49-F238E27FC236}">
+                <a16:creationId xmlns:a16="http://schemas.microsoft.com/office/drawing/2014/main" id="{5C00A94D-5750-4CFF-8072-043DEA210046}"/>
+              </a:ext>
+            </a:extLst>
+          </p:cNvPr>
+          <p:cNvCxnSpPr>
+            <a:cxnSpLocks/>
+            <a:stCxn id="4" idx="0"/>
+            <a:endCxn id="9" idx="2"/>
+          </p:cNvCxnSpPr>
+          <p:nvPr/>
+        </p:nvCxnSpPr>
+        <p:spPr>
+          <a:xfrm flipV="1">
+            <a:off x="7717511" y="3954691"/>
+            <a:ext cx="0" cy="367348"/>
+          </a:xfrm>
+          <a:prstGeom prst="straightConnector1">
+            <a:avLst/>
+          </a:prstGeom>
+          <a:ln>
+            <a:solidFill>
+              <a:schemeClr val="tx1"/>
+            </a:solidFill>
+            <a:tailEnd type="triangle"/>
+          </a:ln>
+        </p:spPr>
+        <p:style>
+          <a:lnRef idx="1">
+            <a:schemeClr val="accent1"/>
+          </a:lnRef>
+          <a:fillRef idx="0">
+            <a:schemeClr val="accent1"/>
+          </a:fillRef>
+          <a:effectRef idx="0">
+            <a:schemeClr val="accent1"/>
+          </a:effectRef>
+          <a:fontRef idx="minor">
+            <a:schemeClr val="tx1"/>
+          </a:fontRef>
+        </p:style>
+      </p:cxnSp>
+      <p:cxnSp>
+        <p:nvCxnSpPr>
+          <p:cNvPr id="11" name="직선 화살표 연결선 10">
+            <a:extLst>
+              <a:ext uri="{FF2B5EF4-FFF2-40B4-BE49-F238E27FC236}">
+                <a16:creationId xmlns:a16="http://schemas.microsoft.com/office/drawing/2014/main" id="{B2C08C55-A573-4A73-9F17-29D4EA7BFE19}"/>
+              </a:ext>
+            </a:extLst>
+          </p:cNvPr>
+          <p:cNvCxnSpPr>
+            <a:cxnSpLocks/>
+            <a:stCxn id="24" idx="3"/>
+            <a:endCxn id="7" idx="1"/>
+          </p:cNvCxnSpPr>
+          <p:nvPr/>
+        </p:nvCxnSpPr>
+        <p:spPr>
+          <a:xfrm flipV="1">
+            <a:off x="5634817" y="2894657"/>
+            <a:ext cx="1315490" cy="242293"/>
+          </a:xfrm>
+          <a:prstGeom prst="straightConnector1">
+            <a:avLst/>
+          </a:prstGeom>
+          <a:ln w="38100">
+            <a:solidFill>
+              <a:srgbClr val="FF0000"/>
+            </a:solidFill>
+            <a:tailEnd type="triangle"/>
+          </a:ln>
+        </p:spPr>
+        <p:style>
+          <a:lnRef idx="1">
+            <a:schemeClr val="accent1"/>
+          </a:lnRef>
+          <a:fillRef idx="0">
+            <a:schemeClr val="accent1"/>
+          </a:fillRef>
+          <a:effectRef idx="0">
+            <a:schemeClr val="accent1"/>
+          </a:effectRef>
+          <a:fontRef idx="minor">
+            <a:schemeClr val="tx1"/>
+          </a:fontRef>
+        </p:style>
+      </p:cxnSp>
+      <p:sp>
+        <p:nvSpPr>
+          <p:cNvPr id="12" name="직사각형 11">
+            <a:extLst>
+              <a:ext uri="{FF2B5EF4-FFF2-40B4-BE49-F238E27FC236}">
+                <a16:creationId xmlns:a16="http://schemas.microsoft.com/office/drawing/2014/main" id="{8456984D-7E3D-4E3F-9573-A3A13092C285}"/>
+              </a:ext>
+            </a:extLst>
+          </p:cNvPr>
+          <p:cNvSpPr/>
+          <p:nvPr/>
+        </p:nvSpPr>
+        <p:spPr>
+          <a:xfrm>
+            <a:off x="2347281" y="5408452"/>
+            <a:ext cx="1998921" cy="424013"/>
+          </a:xfrm>
+          <a:prstGeom prst="rect">
+            <a:avLst/>
+          </a:prstGeom>
+          <a:solidFill>
+            <a:srgbClr val="FFC000"/>
+          </a:solidFill>
+          <a:ln w="12700"/>
+        </p:spPr>
+        <p:style>
+          <a:lnRef idx="2">
+            <a:schemeClr val="accent1">
+              <a:shade val="50000"/>
+            </a:schemeClr>
+          </a:lnRef>
+          <a:fillRef idx="1">
+            <a:schemeClr val="accent1"/>
+          </a:fillRef>
+          <a:effectRef idx="0">
+            <a:schemeClr val="accent1"/>
+          </a:effectRef>
+          <a:fontRef idx="minor">
+            <a:schemeClr val="lt1"/>
+          </a:fontRef>
+        </p:style>
+        <p:txBody>
+          <a:bodyPr rtlCol="0" anchor="ctr"/>
+          <a:lstStyle/>
+          <a:p>
+            <a:pPr algn="ctr"/>
+            <a:r>
+              <a:rPr lang="en-US" altLang="ko-KR" sz="1600">
+                <a:solidFill>
+                  <a:schemeClr val="tx1"/>
+                </a:solidFill>
+                <a:latin typeface="Consolas" pitchFamily="49" charset="0"/>
+                <a:cs typeface="Consolas" pitchFamily="49" charset="0"/>
+              </a:rPr>
+              <a:t>BpLedService</a:t>
+            </a:r>
+            <a:endParaRPr lang="ko-KR" altLang="en-US" sz="1600">
+              <a:solidFill>
+                <a:schemeClr val="tx1"/>
+              </a:solidFill>
+              <a:latin typeface="Consolas" pitchFamily="49" charset="0"/>
+              <a:cs typeface="Consolas" pitchFamily="49" charset="0"/>
+            </a:endParaRPr>
+          </a:p>
+        </p:txBody>
+      </p:sp>
+      <p:sp>
+        <p:nvSpPr>
+          <p:cNvPr id="13" name="직사각형 12">
+            <a:extLst>
+              <a:ext uri="{FF2B5EF4-FFF2-40B4-BE49-F238E27FC236}">
+                <a16:creationId xmlns:a16="http://schemas.microsoft.com/office/drawing/2014/main" id="{F896FA7E-5762-48C6-B750-4022CAE38956}"/>
+              </a:ext>
+            </a:extLst>
+          </p:cNvPr>
+          <p:cNvSpPr/>
+          <p:nvPr/>
+        </p:nvSpPr>
+        <p:spPr>
+          <a:xfrm>
+            <a:off x="2347281" y="5832465"/>
+            <a:ext cx="1998921" cy="424013"/>
+          </a:xfrm>
+          <a:prstGeom prst="rect">
+            <a:avLst/>
+          </a:prstGeom>
+          <a:solidFill>
+            <a:srgbClr val="FFFF00"/>
+          </a:solidFill>
+          <a:ln w="12700"/>
+        </p:spPr>
+        <p:style>
+          <a:lnRef idx="2">
+            <a:schemeClr val="accent1">
+              <a:shade val="50000"/>
+            </a:schemeClr>
+          </a:lnRef>
+          <a:fillRef idx="1">
+            <a:schemeClr val="accent1"/>
+          </a:fillRef>
+          <a:effectRef idx="0">
+            <a:schemeClr val="accent1"/>
+          </a:effectRef>
+          <a:fontRef idx="minor">
+            <a:schemeClr val="lt1"/>
+          </a:fontRef>
+        </p:style>
+        <p:txBody>
+          <a:bodyPr rtlCol="0" anchor="ctr"/>
+          <a:lstStyle/>
+          <a:p>
+            <a:pPr algn="ctr"/>
+            <a:r>
+              <a:rPr lang="en-US" altLang="ko-KR" sz="1600">
+                <a:solidFill>
+                  <a:schemeClr val="tx1"/>
+                </a:solidFill>
+                <a:latin typeface="Consolas" pitchFamily="49" charset="0"/>
+                <a:cs typeface="Consolas" pitchFamily="49" charset="0"/>
+              </a:rPr>
+              <a:t>ledOn(){}</a:t>
+            </a:r>
+            <a:endParaRPr lang="ko-KR" altLang="en-US" sz="1600">
+              <a:solidFill>
+                <a:schemeClr val="tx1"/>
+              </a:solidFill>
+              <a:latin typeface="Consolas" pitchFamily="49" charset="0"/>
+              <a:cs typeface="Consolas" pitchFamily="49" charset="0"/>
+            </a:endParaRPr>
+          </a:p>
+        </p:txBody>
+      </p:sp>
+      <p:sp>
+        <p:nvSpPr>
+          <p:cNvPr id="14" name="직사각형 13">
+            <a:extLst>
+              <a:ext uri="{FF2B5EF4-FFF2-40B4-BE49-F238E27FC236}">
+                <a16:creationId xmlns:a16="http://schemas.microsoft.com/office/drawing/2014/main" id="{DFFD495B-84B0-4CDD-ACF3-E251D7E286E2}"/>
+              </a:ext>
+            </a:extLst>
+          </p:cNvPr>
+          <p:cNvSpPr/>
+          <p:nvPr/>
+        </p:nvSpPr>
+        <p:spPr>
+          <a:xfrm>
+            <a:off x="2347281" y="6256479"/>
+            <a:ext cx="1998921" cy="424013"/>
+          </a:xfrm>
+          <a:prstGeom prst="rect">
+            <a:avLst/>
+          </a:prstGeom>
+          <a:solidFill>
+            <a:srgbClr val="FFFF00"/>
+          </a:solidFill>
+          <a:ln w="12700"/>
+        </p:spPr>
+        <p:style>
+          <a:lnRef idx="2">
+            <a:schemeClr val="accent1">
+              <a:shade val="50000"/>
+            </a:schemeClr>
+          </a:lnRef>
+          <a:fillRef idx="1">
+            <a:schemeClr val="accent1"/>
+          </a:fillRef>
+          <a:effectRef idx="0">
+            <a:schemeClr val="accent1"/>
+          </a:effectRef>
+          <a:fontRef idx="minor">
+            <a:schemeClr val="lt1"/>
+          </a:fontRef>
+        </p:style>
+        <p:txBody>
+          <a:bodyPr rtlCol="0" anchor="ctr"/>
+          <a:lstStyle/>
+          <a:p>
+            <a:pPr algn="ctr"/>
+            <a:endParaRPr lang="ko-KR" altLang="en-US" sz="1600">
+              <a:solidFill>
+                <a:schemeClr val="tx1"/>
+              </a:solidFill>
+              <a:latin typeface="Consolas" pitchFamily="49" charset="0"/>
+              <a:cs typeface="Consolas" pitchFamily="49" charset="0"/>
+            </a:endParaRPr>
+          </a:p>
+        </p:txBody>
+      </p:sp>
+      <p:sp>
+        <p:nvSpPr>
+          <p:cNvPr id="15" name="직사각형 14">
+            <a:extLst>
+              <a:ext uri="{FF2B5EF4-FFF2-40B4-BE49-F238E27FC236}">
+                <a16:creationId xmlns:a16="http://schemas.microsoft.com/office/drawing/2014/main" id="{464B9FEE-607B-444C-A052-F6E482231A79}"/>
+              </a:ext>
+            </a:extLst>
+          </p:cNvPr>
+          <p:cNvSpPr/>
+          <p:nvPr/>
+        </p:nvSpPr>
+        <p:spPr>
+          <a:xfrm>
+            <a:off x="2347281" y="3772971"/>
+            <a:ext cx="1998921" cy="424013"/>
+          </a:xfrm>
+          <a:prstGeom prst="rect">
+            <a:avLst/>
+          </a:prstGeom>
+          <a:solidFill>
+            <a:srgbClr val="FFC000"/>
+          </a:solidFill>
+          <a:ln w="12700"/>
+        </p:spPr>
+        <p:style>
+          <a:lnRef idx="2">
+            <a:schemeClr val="accent1">
+              <a:shade val="50000"/>
+            </a:schemeClr>
+          </a:lnRef>
+          <a:fillRef idx="1">
+            <a:schemeClr val="accent1"/>
+          </a:fillRef>
+          <a:effectRef idx="0">
+            <a:schemeClr val="accent1"/>
+          </a:effectRef>
+          <a:fontRef idx="minor">
+            <a:schemeClr val="lt1"/>
+          </a:fontRef>
+        </p:style>
+        <p:txBody>
+          <a:bodyPr rtlCol="0" anchor="ctr"/>
+          <a:lstStyle/>
+          <a:p>
+            <a:pPr algn="ctr"/>
+            <a:r>
+              <a:rPr lang="en-US" altLang="ko-KR" sz="1600">
+                <a:solidFill>
+                  <a:schemeClr val="tx1"/>
+                </a:solidFill>
+                <a:latin typeface="Consolas" pitchFamily="49" charset="0"/>
+                <a:cs typeface="Consolas" pitchFamily="49" charset="0"/>
+              </a:rPr>
+              <a:t>BpInterface</a:t>
+            </a:r>
+            <a:endParaRPr lang="ko-KR" altLang="en-US" sz="1600">
+              <a:solidFill>
+                <a:schemeClr val="tx1"/>
+              </a:solidFill>
+              <a:latin typeface="Consolas" pitchFamily="49" charset="0"/>
+              <a:cs typeface="Consolas" pitchFamily="49" charset="0"/>
+            </a:endParaRPr>
+          </a:p>
+        </p:txBody>
+      </p:sp>
+      <p:sp>
+        <p:nvSpPr>
+          <p:cNvPr id="16" name="직사각형 15">
+            <a:extLst>
+              <a:ext uri="{FF2B5EF4-FFF2-40B4-BE49-F238E27FC236}">
+                <a16:creationId xmlns:a16="http://schemas.microsoft.com/office/drawing/2014/main" id="{94A5BB28-6E1D-4794-847B-FA644AB8EB49}"/>
+              </a:ext>
+            </a:extLst>
+          </p:cNvPr>
+          <p:cNvSpPr/>
+          <p:nvPr/>
+        </p:nvSpPr>
+        <p:spPr>
+          <a:xfrm>
+            <a:off x="2347281" y="4196984"/>
+            <a:ext cx="1998921" cy="424013"/>
+          </a:xfrm>
+          <a:prstGeom prst="rect">
+            <a:avLst/>
+          </a:prstGeom>
+          <a:solidFill>
+            <a:srgbClr val="FFFF00"/>
+          </a:solidFill>
+          <a:ln w="12700"/>
+        </p:spPr>
+        <p:style>
+          <a:lnRef idx="2">
+            <a:schemeClr val="accent1">
+              <a:shade val="50000"/>
+            </a:schemeClr>
+          </a:lnRef>
+          <a:fillRef idx="1">
+            <a:schemeClr val="accent1"/>
+          </a:fillRef>
+          <a:effectRef idx="0">
+            <a:schemeClr val="accent1"/>
+          </a:effectRef>
+          <a:fontRef idx="minor">
+            <a:schemeClr val="lt1"/>
+          </a:fontRef>
+        </p:style>
+        <p:txBody>
+          <a:bodyPr rtlCol="0" anchor="ctr"/>
+          <a:lstStyle/>
+          <a:p>
+            <a:pPr algn="ctr"/>
+            <a:endParaRPr lang="ko-KR" altLang="en-US" sz="1600">
+              <a:solidFill>
+                <a:schemeClr val="tx1"/>
+              </a:solidFill>
+              <a:latin typeface="Consolas" pitchFamily="49" charset="0"/>
+              <a:cs typeface="Consolas" pitchFamily="49" charset="0"/>
+            </a:endParaRPr>
+          </a:p>
+        </p:txBody>
+      </p:sp>
+      <p:sp>
+        <p:nvSpPr>
+          <p:cNvPr id="17" name="직사각형 16">
+            <a:extLst>
+              <a:ext uri="{FF2B5EF4-FFF2-40B4-BE49-F238E27FC236}">
+                <a16:creationId xmlns:a16="http://schemas.microsoft.com/office/drawing/2014/main" id="{708B4B58-477B-4EA6-9F27-31B530C06664}"/>
+              </a:ext>
+            </a:extLst>
+          </p:cNvPr>
+          <p:cNvSpPr/>
+          <p:nvPr/>
+        </p:nvSpPr>
+        <p:spPr>
+          <a:xfrm>
+            <a:off x="2347281" y="4620998"/>
+            <a:ext cx="1998921" cy="424013"/>
+          </a:xfrm>
+          <a:prstGeom prst="rect">
+            <a:avLst/>
+          </a:prstGeom>
+          <a:solidFill>
+            <a:srgbClr val="FFFF00"/>
+          </a:solidFill>
+          <a:ln w="12700"/>
+        </p:spPr>
+        <p:style>
+          <a:lnRef idx="2">
+            <a:schemeClr val="accent1">
+              <a:shade val="50000"/>
+            </a:schemeClr>
+          </a:lnRef>
+          <a:fillRef idx="1">
+            <a:schemeClr val="accent1"/>
+          </a:fillRef>
+          <a:effectRef idx="0">
+            <a:schemeClr val="accent1"/>
+          </a:effectRef>
+          <a:fontRef idx="minor">
+            <a:schemeClr val="lt1"/>
+          </a:fontRef>
+        </p:style>
+        <p:txBody>
+          <a:bodyPr rtlCol="0" anchor="ctr"/>
+          <a:lstStyle/>
+          <a:p>
+            <a:pPr algn="ctr"/>
+            <a:endParaRPr lang="ko-KR" altLang="en-US" sz="1600">
+              <a:solidFill>
+                <a:schemeClr val="tx1"/>
+              </a:solidFill>
+              <a:latin typeface="Consolas" pitchFamily="49" charset="0"/>
+              <a:cs typeface="Consolas" pitchFamily="49" charset="0"/>
+            </a:endParaRPr>
+          </a:p>
+        </p:txBody>
+      </p:sp>
+      <p:cxnSp>
+        <p:nvCxnSpPr>
+          <p:cNvPr id="18" name="직선 화살표 연결선 17">
+            <a:extLst>
+              <a:ext uri="{FF2B5EF4-FFF2-40B4-BE49-F238E27FC236}">
+                <a16:creationId xmlns:a16="http://schemas.microsoft.com/office/drawing/2014/main" id="{73281B9E-3575-465B-9C1C-C676DE963287}"/>
+              </a:ext>
+            </a:extLst>
+          </p:cNvPr>
+          <p:cNvCxnSpPr>
+            <a:cxnSpLocks/>
+            <a:stCxn id="12" idx="0"/>
+            <a:endCxn id="17" idx="2"/>
+          </p:cNvCxnSpPr>
+          <p:nvPr/>
+        </p:nvCxnSpPr>
+        <p:spPr>
+          <a:xfrm flipV="1">
+            <a:off x="3346741" y="5045011"/>
+            <a:ext cx="0" cy="363440"/>
+          </a:xfrm>
+          <a:prstGeom prst="straightConnector1">
+            <a:avLst/>
+          </a:prstGeom>
+          <a:ln>
+            <a:solidFill>
+              <a:schemeClr val="tx1"/>
+            </a:solidFill>
+            <a:tailEnd type="triangle"/>
+          </a:ln>
+        </p:spPr>
+        <p:style>
+          <a:lnRef idx="1">
+            <a:schemeClr val="accent1"/>
+          </a:lnRef>
+          <a:fillRef idx="0">
+            <a:schemeClr val="accent1"/>
+          </a:fillRef>
+          <a:effectRef idx="0">
+            <a:schemeClr val="accent1"/>
+          </a:effectRef>
+          <a:fontRef idx="minor">
+            <a:schemeClr val="tx1"/>
+          </a:fontRef>
+        </p:style>
+      </p:cxnSp>
+      <p:sp>
+        <p:nvSpPr>
+          <p:cNvPr id="19" name="직사각형 18">
+            <a:extLst>
+              <a:ext uri="{FF2B5EF4-FFF2-40B4-BE49-F238E27FC236}">
+                <a16:creationId xmlns:a16="http://schemas.microsoft.com/office/drawing/2014/main" id="{B235F5A1-261F-493A-BD1A-ED0E45FC1C31}"/>
+              </a:ext>
+            </a:extLst>
+          </p:cNvPr>
+          <p:cNvSpPr/>
+          <p:nvPr/>
+        </p:nvSpPr>
+        <p:spPr>
+          <a:xfrm>
+            <a:off x="1067890" y="2076917"/>
+            <a:ext cx="1998921" cy="424013"/>
+          </a:xfrm>
+          <a:prstGeom prst="rect">
+            <a:avLst/>
+          </a:prstGeom>
+          <a:solidFill>
+            <a:srgbClr val="FFC000"/>
+          </a:solidFill>
+          <a:ln w="12700"/>
+        </p:spPr>
+        <p:style>
+          <a:lnRef idx="2">
+            <a:schemeClr val="accent1">
+              <a:shade val="50000"/>
+            </a:schemeClr>
+          </a:lnRef>
+          <a:fillRef idx="1">
+            <a:schemeClr val="accent1"/>
+          </a:fillRef>
+          <a:effectRef idx="0">
+            <a:schemeClr val="accent1"/>
+          </a:effectRef>
+          <a:fontRef idx="minor">
+            <a:schemeClr val="lt1"/>
+          </a:fontRef>
+        </p:style>
+        <p:txBody>
+          <a:bodyPr rtlCol="0" anchor="ctr"/>
+          <a:lstStyle/>
+          <a:p>
+            <a:pPr algn="ctr"/>
+            <a:r>
+              <a:rPr lang="en-US" altLang="ko-KR" sz="1600">
+                <a:solidFill>
+                  <a:schemeClr val="tx1"/>
+                </a:solidFill>
+                <a:latin typeface="Consolas" pitchFamily="49" charset="0"/>
+                <a:cs typeface="Consolas" pitchFamily="49" charset="0"/>
+              </a:rPr>
+              <a:t>ILedService</a:t>
+            </a:r>
+            <a:endParaRPr lang="ko-KR" altLang="en-US" sz="1600">
+              <a:solidFill>
+                <a:schemeClr val="tx1"/>
+              </a:solidFill>
+              <a:latin typeface="Consolas" pitchFamily="49" charset="0"/>
+              <a:cs typeface="Consolas" pitchFamily="49" charset="0"/>
+            </a:endParaRPr>
+          </a:p>
+        </p:txBody>
+      </p:sp>
+      <p:sp>
+        <p:nvSpPr>
+          <p:cNvPr id="20" name="직사각형 19">
+            <a:extLst>
+              <a:ext uri="{FF2B5EF4-FFF2-40B4-BE49-F238E27FC236}">
+                <a16:creationId xmlns:a16="http://schemas.microsoft.com/office/drawing/2014/main" id="{855E1049-9E5A-46BF-8589-283658964461}"/>
+              </a:ext>
+            </a:extLst>
+          </p:cNvPr>
+          <p:cNvSpPr/>
+          <p:nvPr/>
+        </p:nvSpPr>
+        <p:spPr>
+          <a:xfrm>
+            <a:off x="1067890" y="2500930"/>
+            <a:ext cx="1998921" cy="424013"/>
+          </a:xfrm>
+          <a:prstGeom prst="rect">
+            <a:avLst/>
+          </a:prstGeom>
+          <a:solidFill>
+            <a:srgbClr val="FFFF00"/>
+          </a:solidFill>
+          <a:ln w="12700"/>
+        </p:spPr>
+        <p:style>
+          <a:lnRef idx="2">
+            <a:schemeClr val="accent1">
+              <a:shade val="50000"/>
+            </a:schemeClr>
+          </a:lnRef>
+          <a:fillRef idx="1">
+            <a:schemeClr val="accent1"/>
+          </a:fillRef>
+          <a:effectRef idx="0">
+            <a:schemeClr val="accent1"/>
+          </a:effectRef>
+          <a:fontRef idx="minor">
+            <a:schemeClr val="lt1"/>
+          </a:fontRef>
+        </p:style>
+        <p:txBody>
+          <a:bodyPr rtlCol="0" anchor="ctr"/>
+          <a:lstStyle/>
+          <a:p>
+            <a:pPr algn="ctr"/>
+            <a:r>
+              <a:rPr lang="en-US" altLang="ko-KR" sz="1600">
+                <a:solidFill>
+                  <a:schemeClr val="tx1"/>
+                </a:solidFill>
+                <a:latin typeface="Consolas" pitchFamily="49" charset="0"/>
+                <a:cs typeface="Consolas" pitchFamily="49" charset="0"/>
+              </a:rPr>
+              <a:t>ledOn()=0</a:t>
+            </a:r>
+            <a:endParaRPr lang="ko-KR" altLang="en-US" sz="1600">
+              <a:solidFill>
+                <a:schemeClr val="tx1"/>
+              </a:solidFill>
+              <a:latin typeface="Consolas" pitchFamily="49" charset="0"/>
+              <a:cs typeface="Consolas" pitchFamily="49" charset="0"/>
+            </a:endParaRPr>
+          </a:p>
+        </p:txBody>
+      </p:sp>
+      <p:sp>
+        <p:nvSpPr>
+          <p:cNvPr id="21" name="직사각형 20">
+            <a:extLst>
+              <a:ext uri="{FF2B5EF4-FFF2-40B4-BE49-F238E27FC236}">
+                <a16:creationId xmlns:a16="http://schemas.microsoft.com/office/drawing/2014/main" id="{CD88A72C-F71D-4C7F-B5E5-8D8DC83553D2}"/>
+              </a:ext>
+            </a:extLst>
+          </p:cNvPr>
+          <p:cNvSpPr/>
+          <p:nvPr/>
+        </p:nvSpPr>
+        <p:spPr>
+          <a:xfrm>
+            <a:off x="1067890" y="2924944"/>
+            <a:ext cx="1998921" cy="424013"/>
+          </a:xfrm>
+          <a:prstGeom prst="rect">
+            <a:avLst/>
+          </a:prstGeom>
+          <a:solidFill>
+            <a:srgbClr val="FFFF00"/>
+          </a:solidFill>
+          <a:ln w="12700"/>
+        </p:spPr>
+        <p:style>
+          <a:lnRef idx="2">
+            <a:schemeClr val="accent1">
+              <a:shade val="50000"/>
+            </a:schemeClr>
+          </a:lnRef>
+          <a:fillRef idx="1">
+            <a:schemeClr val="accent1"/>
+          </a:fillRef>
+          <a:effectRef idx="0">
+            <a:schemeClr val="accent1"/>
+          </a:effectRef>
+          <a:fontRef idx="minor">
+            <a:schemeClr val="lt1"/>
+          </a:fontRef>
+        </p:style>
+        <p:txBody>
+          <a:bodyPr rtlCol="0" anchor="ctr"/>
+          <a:lstStyle/>
+          <a:p>
+            <a:pPr algn="ctr"/>
+            <a:endParaRPr lang="ko-KR" altLang="en-US" sz="1600">
+              <a:solidFill>
+                <a:schemeClr val="tx1"/>
+              </a:solidFill>
+              <a:latin typeface="Consolas" pitchFamily="49" charset="0"/>
+              <a:cs typeface="Consolas" pitchFamily="49" charset="0"/>
+            </a:endParaRPr>
+          </a:p>
+        </p:txBody>
+      </p:sp>
+      <p:sp>
+        <p:nvSpPr>
+          <p:cNvPr id="22" name="직사각형 21">
+            <a:extLst>
+              <a:ext uri="{FF2B5EF4-FFF2-40B4-BE49-F238E27FC236}">
+                <a16:creationId xmlns:a16="http://schemas.microsoft.com/office/drawing/2014/main" id="{11BD6449-532A-4100-AC19-7A9F0BCAD9F8}"/>
+              </a:ext>
+            </a:extLst>
+          </p:cNvPr>
+          <p:cNvSpPr/>
+          <p:nvPr/>
+        </p:nvSpPr>
+        <p:spPr>
+          <a:xfrm>
+            <a:off x="3635896" y="2076917"/>
+            <a:ext cx="1998921" cy="424013"/>
+          </a:xfrm>
+          <a:prstGeom prst="rect">
+            <a:avLst/>
+          </a:prstGeom>
+          <a:solidFill>
+            <a:srgbClr val="FFC000"/>
+          </a:solidFill>
+          <a:ln w="12700"/>
+        </p:spPr>
+        <p:style>
+          <a:lnRef idx="2">
+            <a:schemeClr val="accent1">
+              <a:shade val="50000"/>
+            </a:schemeClr>
+          </a:lnRef>
+          <a:fillRef idx="1">
+            <a:schemeClr val="accent1"/>
+          </a:fillRef>
+          <a:effectRef idx="0">
+            <a:schemeClr val="accent1"/>
+          </a:effectRef>
+          <a:fontRef idx="minor">
+            <a:schemeClr val="lt1"/>
+          </a:fontRef>
+        </p:style>
+        <p:txBody>
+          <a:bodyPr rtlCol="0" anchor="ctr"/>
+          <a:lstStyle/>
+          <a:p>
+            <a:pPr algn="ctr"/>
+            <a:r>
+              <a:rPr lang="en-US" altLang="ko-KR" sz="1600">
+                <a:solidFill>
+                  <a:schemeClr val="tx1"/>
+                </a:solidFill>
+                <a:latin typeface="Consolas" pitchFamily="49" charset="0"/>
+                <a:cs typeface="Consolas" pitchFamily="49" charset="0"/>
+              </a:rPr>
+              <a:t>BpRefBase</a:t>
+            </a:r>
+            <a:endParaRPr lang="ko-KR" altLang="en-US" sz="1600">
+              <a:solidFill>
+                <a:schemeClr val="tx1"/>
+              </a:solidFill>
+              <a:latin typeface="Consolas" pitchFamily="49" charset="0"/>
+              <a:cs typeface="Consolas" pitchFamily="49" charset="0"/>
+            </a:endParaRPr>
+          </a:p>
+        </p:txBody>
+      </p:sp>
+      <p:sp>
+        <p:nvSpPr>
+          <p:cNvPr id="23" name="직사각형 22">
+            <a:extLst>
+              <a:ext uri="{FF2B5EF4-FFF2-40B4-BE49-F238E27FC236}">
+                <a16:creationId xmlns:a16="http://schemas.microsoft.com/office/drawing/2014/main" id="{D3ECDC6C-ED18-46EA-B6E6-4598C51E0E62}"/>
+              </a:ext>
+            </a:extLst>
+          </p:cNvPr>
+          <p:cNvSpPr/>
+          <p:nvPr/>
+        </p:nvSpPr>
+        <p:spPr>
+          <a:xfrm>
+            <a:off x="3635896" y="2500930"/>
+            <a:ext cx="1998921" cy="424013"/>
+          </a:xfrm>
+          <a:prstGeom prst="rect">
+            <a:avLst/>
+          </a:prstGeom>
+          <a:solidFill>
+            <a:srgbClr val="FFFF00"/>
+          </a:solidFill>
+          <a:ln w="12700"/>
+        </p:spPr>
+        <p:style>
+          <a:lnRef idx="2">
+            <a:schemeClr val="accent1">
+              <a:shade val="50000"/>
+            </a:schemeClr>
+          </a:lnRef>
+          <a:fillRef idx="1">
+            <a:schemeClr val="accent1"/>
+          </a:fillRef>
+          <a:effectRef idx="0">
+            <a:schemeClr val="accent1"/>
+          </a:effectRef>
+          <a:fontRef idx="minor">
+            <a:schemeClr val="lt1"/>
+          </a:fontRef>
+        </p:style>
+        <p:txBody>
+          <a:bodyPr rtlCol="0" anchor="ctr"/>
+          <a:lstStyle/>
+          <a:p>
+            <a:pPr algn="ctr"/>
+            <a:r>
+              <a:rPr lang="en-US" altLang="ko-KR" sz="1600">
+                <a:solidFill>
+                  <a:schemeClr val="tx1"/>
+                </a:solidFill>
+                <a:latin typeface="Consolas" pitchFamily="49" charset="0"/>
+                <a:cs typeface="Consolas" pitchFamily="49" charset="0"/>
+              </a:rPr>
+              <a:t>remote();</a:t>
+            </a:r>
+            <a:endParaRPr lang="ko-KR" altLang="en-US" sz="1600">
+              <a:solidFill>
+                <a:schemeClr val="tx1"/>
+              </a:solidFill>
+              <a:latin typeface="Consolas" pitchFamily="49" charset="0"/>
+              <a:cs typeface="Consolas" pitchFamily="49" charset="0"/>
+            </a:endParaRPr>
+          </a:p>
+        </p:txBody>
+      </p:sp>
+      <p:sp>
+        <p:nvSpPr>
+          <p:cNvPr id="24" name="직사각형 23">
+            <a:extLst>
+              <a:ext uri="{FF2B5EF4-FFF2-40B4-BE49-F238E27FC236}">
+                <a16:creationId xmlns:a16="http://schemas.microsoft.com/office/drawing/2014/main" id="{27C62D8E-E2C8-4F98-B16A-41352FCD6D85}"/>
+              </a:ext>
+            </a:extLst>
+          </p:cNvPr>
+          <p:cNvSpPr/>
+          <p:nvPr/>
+        </p:nvSpPr>
+        <p:spPr>
+          <a:xfrm>
+            <a:off x="3635896" y="2924944"/>
+            <a:ext cx="1998921" cy="424013"/>
+          </a:xfrm>
+          <a:prstGeom prst="rect">
+            <a:avLst/>
+          </a:prstGeom>
+          <a:solidFill>
+            <a:srgbClr val="FFFF00"/>
+          </a:solidFill>
+          <a:ln w="12700"/>
+        </p:spPr>
+        <p:style>
+          <a:lnRef idx="2">
+            <a:schemeClr val="accent1">
+              <a:shade val="50000"/>
+            </a:schemeClr>
+          </a:lnRef>
+          <a:fillRef idx="1">
+            <a:schemeClr val="accent1"/>
+          </a:fillRef>
+          <a:effectRef idx="0">
+            <a:schemeClr val="accent1"/>
+          </a:effectRef>
+          <a:fontRef idx="minor">
+            <a:schemeClr val="lt1"/>
+          </a:fontRef>
+        </p:style>
+        <p:txBody>
+          <a:bodyPr rtlCol="0" anchor="ctr"/>
+          <a:lstStyle/>
+          <a:p>
+            <a:pPr algn="ctr"/>
+            <a:r>
+              <a:rPr lang="en-US" altLang="ko-KR" sz="1600">
+                <a:solidFill>
+                  <a:schemeClr val="tx1"/>
+                </a:solidFill>
+                <a:latin typeface="Consolas" pitchFamily="49" charset="0"/>
+                <a:cs typeface="Consolas" pitchFamily="49" charset="0"/>
+              </a:rPr>
+              <a:t>mRemote</a:t>
+            </a:r>
+            <a:endParaRPr lang="ko-KR" altLang="en-US" sz="1600">
+              <a:solidFill>
+                <a:schemeClr val="tx1"/>
+              </a:solidFill>
+              <a:latin typeface="Consolas" pitchFamily="49" charset="0"/>
+              <a:cs typeface="Consolas" pitchFamily="49" charset="0"/>
+            </a:endParaRPr>
+          </a:p>
+        </p:txBody>
+      </p:sp>
+      <p:cxnSp>
+        <p:nvCxnSpPr>
+          <p:cNvPr id="25" name="직선 화살표 연결선 24">
+            <a:extLst>
+              <a:ext uri="{FF2B5EF4-FFF2-40B4-BE49-F238E27FC236}">
+                <a16:creationId xmlns:a16="http://schemas.microsoft.com/office/drawing/2014/main" id="{FACC47F7-5E64-46C5-ADA4-BAC3099329D2}"/>
+              </a:ext>
+            </a:extLst>
+          </p:cNvPr>
+          <p:cNvCxnSpPr>
+            <a:cxnSpLocks/>
+            <a:stCxn id="15" idx="0"/>
+            <a:endCxn id="21" idx="2"/>
+          </p:cNvCxnSpPr>
+          <p:nvPr/>
+        </p:nvCxnSpPr>
+        <p:spPr>
+          <a:xfrm flipH="1" flipV="1">
+            <a:off x="2067350" y="3348957"/>
+            <a:ext cx="1279391" cy="424013"/>
+          </a:xfrm>
+          <a:prstGeom prst="straightConnector1">
+            <a:avLst/>
+          </a:prstGeom>
+          <a:ln>
+            <a:solidFill>
+              <a:schemeClr val="tx1"/>
+            </a:solidFill>
+            <a:tailEnd type="triangle"/>
+          </a:ln>
+        </p:spPr>
+        <p:style>
+          <a:lnRef idx="1">
+            <a:schemeClr val="accent1"/>
+          </a:lnRef>
+          <a:fillRef idx="0">
+            <a:schemeClr val="accent1"/>
+          </a:fillRef>
+          <a:effectRef idx="0">
+            <a:schemeClr val="accent1"/>
+          </a:effectRef>
+          <a:fontRef idx="minor">
+            <a:schemeClr val="tx1"/>
+          </a:fontRef>
+        </p:style>
+      </p:cxnSp>
+      <p:cxnSp>
+        <p:nvCxnSpPr>
+          <p:cNvPr id="26" name="직선 화살표 연결선 25">
+            <a:extLst>
+              <a:ext uri="{FF2B5EF4-FFF2-40B4-BE49-F238E27FC236}">
+                <a16:creationId xmlns:a16="http://schemas.microsoft.com/office/drawing/2014/main" id="{D346B7CB-2D27-4490-BA2F-B70663D7D761}"/>
+              </a:ext>
+            </a:extLst>
+          </p:cNvPr>
+          <p:cNvCxnSpPr>
+            <a:cxnSpLocks/>
+            <a:stCxn id="15" idx="0"/>
+            <a:endCxn id="24" idx="2"/>
+          </p:cNvCxnSpPr>
+          <p:nvPr/>
+        </p:nvCxnSpPr>
+        <p:spPr>
+          <a:xfrm flipV="1">
+            <a:off x="3346741" y="3348957"/>
+            <a:ext cx="1288616" cy="424013"/>
+          </a:xfrm>
+          <a:prstGeom prst="straightConnector1">
+            <a:avLst/>
+          </a:prstGeom>
+          <a:ln>
+            <a:solidFill>
+              <a:schemeClr val="tx1"/>
+            </a:solidFill>
+            <a:tailEnd type="triangle"/>
+          </a:ln>
+        </p:spPr>
+        <p:style>
+          <a:lnRef idx="1">
+            <a:schemeClr val="accent1"/>
+          </a:lnRef>
+          <a:fillRef idx="0">
+            <a:schemeClr val="accent1"/>
+          </a:fillRef>
+          <a:effectRef idx="0">
+            <a:schemeClr val="accent1"/>
+          </a:effectRef>
+          <a:fontRef idx="minor">
+            <a:schemeClr val="tx1"/>
+          </a:fontRef>
+        </p:style>
+      </p:cxnSp>
+      <p:sp>
+        <p:nvSpPr>
+          <p:cNvPr id="27" name="직사각형 26">
+            <a:extLst>
+              <a:ext uri="{FF2B5EF4-FFF2-40B4-BE49-F238E27FC236}">
+                <a16:creationId xmlns:a16="http://schemas.microsoft.com/office/drawing/2014/main" id="{2CAD96BB-DA29-42F9-8F5A-DA0BD100D054}"/>
+              </a:ext>
+            </a:extLst>
+          </p:cNvPr>
+          <p:cNvSpPr/>
+          <p:nvPr/>
+        </p:nvSpPr>
+        <p:spPr>
+          <a:xfrm>
+            <a:off x="1067890" y="411151"/>
+            <a:ext cx="1998921" cy="424013"/>
+          </a:xfrm>
+          <a:prstGeom prst="rect">
+            <a:avLst/>
+          </a:prstGeom>
+          <a:solidFill>
+            <a:srgbClr val="FFC000"/>
+          </a:solidFill>
+          <a:ln w="12700"/>
+        </p:spPr>
+        <p:style>
+          <a:lnRef idx="2">
+            <a:schemeClr val="accent1">
+              <a:shade val="50000"/>
+            </a:schemeClr>
+          </a:lnRef>
+          <a:fillRef idx="1">
+            <a:schemeClr val="accent1"/>
+          </a:fillRef>
+          <a:effectRef idx="0">
+            <a:schemeClr val="accent1"/>
+          </a:effectRef>
+          <a:fontRef idx="minor">
+            <a:schemeClr val="lt1"/>
+          </a:fontRef>
+        </p:style>
+        <p:txBody>
+          <a:bodyPr rtlCol="0" anchor="ctr"/>
+          <a:lstStyle/>
+          <a:p>
+            <a:pPr algn="ctr"/>
+            <a:r>
+              <a:rPr lang="en-US" altLang="ko-KR" sz="1600">
+                <a:solidFill>
+                  <a:schemeClr val="tx1"/>
+                </a:solidFill>
+                <a:latin typeface="Consolas" pitchFamily="49" charset="0"/>
+                <a:cs typeface="Consolas" pitchFamily="49" charset="0"/>
+              </a:rPr>
+              <a:t>IInterface</a:t>
+            </a:r>
+            <a:endParaRPr lang="ko-KR" altLang="en-US" sz="1600">
+              <a:solidFill>
+                <a:schemeClr val="tx1"/>
+              </a:solidFill>
+              <a:latin typeface="Consolas" pitchFamily="49" charset="0"/>
+              <a:cs typeface="Consolas" pitchFamily="49" charset="0"/>
+            </a:endParaRPr>
+          </a:p>
+        </p:txBody>
+      </p:sp>
+      <p:sp>
+        <p:nvSpPr>
+          <p:cNvPr id="28" name="직사각형 27">
+            <a:extLst>
+              <a:ext uri="{FF2B5EF4-FFF2-40B4-BE49-F238E27FC236}">
+                <a16:creationId xmlns:a16="http://schemas.microsoft.com/office/drawing/2014/main" id="{8FA94193-375F-4B91-9AA3-1C29C26C9FFD}"/>
+              </a:ext>
+            </a:extLst>
+          </p:cNvPr>
+          <p:cNvSpPr/>
+          <p:nvPr/>
+        </p:nvSpPr>
+        <p:spPr>
+          <a:xfrm>
+            <a:off x="1067890" y="835164"/>
+            <a:ext cx="1998921" cy="424013"/>
+          </a:xfrm>
+          <a:prstGeom prst="rect">
+            <a:avLst/>
+          </a:prstGeom>
+          <a:solidFill>
+            <a:srgbClr val="FFFF00"/>
+          </a:solidFill>
+          <a:ln w="12700"/>
+        </p:spPr>
+        <p:style>
+          <a:lnRef idx="2">
+            <a:schemeClr val="accent1">
+              <a:shade val="50000"/>
+            </a:schemeClr>
+          </a:lnRef>
+          <a:fillRef idx="1">
+            <a:schemeClr val="accent1"/>
+          </a:fillRef>
+          <a:effectRef idx="0">
+            <a:schemeClr val="accent1"/>
+          </a:effectRef>
+          <a:fontRef idx="minor">
+            <a:schemeClr val="lt1"/>
+          </a:fontRef>
+        </p:style>
+        <p:txBody>
+          <a:bodyPr rtlCol="0" anchor="ctr"/>
+          <a:lstStyle/>
+          <a:p>
+            <a:pPr algn="ctr"/>
+            <a:endParaRPr lang="ko-KR" altLang="en-US" sz="1600">
+              <a:solidFill>
+                <a:schemeClr val="tx1"/>
+              </a:solidFill>
+              <a:latin typeface="Consolas" pitchFamily="49" charset="0"/>
+              <a:cs typeface="Consolas" pitchFamily="49" charset="0"/>
+            </a:endParaRPr>
+          </a:p>
+        </p:txBody>
+      </p:sp>
+      <p:sp>
+        <p:nvSpPr>
+          <p:cNvPr id="29" name="직사각형 28">
+            <a:extLst>
+              <a:ext uri="{FF2B5EF4-FFF2-40B4-BE49-F238E27FC236}">
+                <a16:creationId xmlns:a16="http://schemas.microsoft.com/office/drawing/2014/main" id="{67B811DC-E6E4-4F6A-9248-B5D4E49C2B35}"/>
+              </a:ext>
+            </a:extLst>
+          </p:cNvPr>
+          <p:cNvSpPr/>
+          <p:nvPr/>
+        </p:nvSpPr>
+        <p:spPr>
+          <a:xfrm>
+            <a:off x="1067890" y="1259178"/>
+            <a:ext cx="1998921" cy="424013"/>
+          </a:xfrm>
+          <a:prstGeom prst="rect">
+            <a:avLst/>
+          </a:prstGeom>
+          <a:solidFill>
+            <a:srgbClr val="FFFF00"/>
+          </a:solidFill>
+          <a:ln w="12700"/>
+        </p:spPr>
+        <p:style>
+          <a:lnRef idx="2">
+            <a:schemeClr val="accent1">
+              <a:shade val="50000"/>
+            </a:schemeClr>
+          </a:lnRef>
+          <a:fillRef idx="1">
+            <a:schemeClr val="accent1"/>
+          </a:fillRef>
+          <a:effectRef idx="0">
+            <a:schemeClr val="accent1"/>
+          </a:effectRef>
+          <a:fontRef idx="minor">
+            <a:schemeClr val="lt1"/>
+          </a:fontRef>
+        </p:style>
+        <p:txBody>
+          <a:bodyPr rtlCol="0" anchor="ctr"/>
+          <a:lstStyle/>
+          <a:p>
+            <a:pPr algn="ctr"/>
+            <a:endParaRPr lang="ko-KR" altLang="en-US" sz="1600">
+              <a:solidFill>
+                <a:schemeClr val="tx1"/>
+              </a:solidFill>
+              <a:latin typeface="Consolas" pitchFamily="49" charset="0"/>
+              <a:cs typeface="Consolas" pitchFamily="49" charset="0"/>
+            </a:endParaRPr>
+          </a:p>
+        </p:txBody>
+      </p:sp>
+      <p:cxnSp>
+        <p:nvCxnSpPr>
+          <p:cNvPr id="30" name="직선 화살표 연결선 29">
+            <a:extLst>
+              <a:ext uri="{FF2B5EF4-FFF2-40B4-BE49-F238E27FC236}">
+                <a16:creationId xmlns:a16="http://schemas.microsoft.com/office/drawing/2014/main" id="{CBA250BF-CFAC-4B23-AC89-FA4E5CBBB198}"/>
+              </a:ext>
+            </a:extLst>
+          </p:cNvPr>
+          <p:cNvCxnSpPr>
+            <a:cxnSpLocks/>
+            <a:stCxn id="19" idx="0"/>
+            <a:endCxn id="29" idx="2"/>
+          </p:cNvCxnSpPr>
+          <p:nvPr/>
+        </p:nvCxnSpPr>
+        <p:spPr>
+          <a:xfrm flipV="1">
+            <a:off x="2067351" y="1683191"/>
+            <a:ext cx="0" cy="393726"/>
+          </a:xfrm>
+          <a:prstGeom prst="straightConnector1">
+            <a:avLst/>
+          </a:prstGeom>
+          <a:ln>
+            <a:solidFill>
+              <a:schemeClr val="tx1"/>
+            </a:solidFill>
+            <a:tailEnd type="triangle"/>
+          </a:ln>
+        </p:spPr>
+        <p:style>
+          <a:lnRef idx="1">
+            <a:schemeClr val="accent1"/>
+          </a:lnRef>
+          <a:fillRef idx="0">
+            <a:schemeClr val="accent1"/>
+          </a:fillRef>
+          <a:effectRef idx="0">
+            <a:schemeClr val="accent1"/>
+          </a:effectRef>
+          <a:fontRef idx="minor">
+            <a:schemeClr val="tx1"/>
+          </a:fontRef>
+        </p:style>
+      </p:cxnSp>
+      <p:cxnSp>
+        <p:nvCxnSpPr>
+          <p:cNvPr id="31" name="직선 화살표 연결선 30">
+            <a:extLst>
+              <a:ext uri="{FF2B5EF4-FFF2-40B4-BE49-F238E27FC236}">
+                <a16:creationId xmlns:a16="http://schemas.microsoft.com/office/drawing/2014/main" id="{95DF42DE-259A-41F9-9B13-529CEC0F6F41}"/>
+              </a:ext>
+            </a:extLst>
+          </p:cNvPr>
+          <p:cNvCxnSpPr>
+            <a:cxnSpLocks/>
+          </p:cNvCxnSpPr>
+          <p:nvPr/>
+        </p:nvCxnSpPr>
+        <p:spPr>
+          <a:xfrm>
+            <a:off x="410145" y="2279200"/>
+            <a:ext cx="657745" cy="1"/>
+          </a:xfrm>
+          <a:prstGeom prst="straightConnector1">
+            <a:avLst/>
+          </a:prstGeom>
+          <a:ln w="38100">
+            <a:solidFill>
+              <a:srgbClr val="FF0000"/>
+            </a:solidFill>
+            <a:tailEnd type="triangle"/>
+          </a:ln>
+        </p:spPr>
+        <p:style>
+          <a:lnRef idx="1">
+            <a:schemeClr val="accent1"/>
+          </a:lnRef>
+          <a:fillRef idx="0">
+            <a:schemeClr val="accent1"/>
+          </a:fillRef>
+          <a:effectRef idx="0">
+            <a:schemeClr val="accent1"/>
+          </a:effectRef>
+          <a:fontRef idx="minor">
+            <a:schemeClr val="tx1"/>
+          </a:fontRef>
+        </p:style>
+      </p:cxnSp>
+      <p:sp>
+        <p:nvSpPr>
+          <p:cNvPr id="32" name="TextBox 31">
+            <a:extLst>
+              <a:ext uri="{FF2B5EF4-FFF2-40B4-BE49-F238E27FC236}">
+                <a16:creationId xmlns:a16="http://schemas.microsoft.com/office/drawing/2014/main" id="{85F77724-DDA1-459A-9D87-4DEFA0342BA9}"/>
+              </a:ext>
+            </a:extLst>
+          </p:cNvPr>
+          <p:cNvSpPr txBox="1"/>
+          <p:nvPr/>
+        </p:nvSpPr>
+        <p:spPr>
+          <a:xfrm>
+            <a:off x="0" y="2107204"/>
+            <a:ext cx="564578" cy="369332"/>
+          </a:xfrm>
+          <a:prstGeom prst="rect">
+            <a:avLst/>
+          </a:prstGeom>
+          <a:noFill/>
+        </p:spPr>
+        <p:txBody>
+          <a:bodyPr wrap="none" rtlCol="0">
+            <a:spAutoFit/>
+          </a:bodyPr>
+          <a:lstStyle/>
+          <a:p>
+            <a:r>
+              <a:rPr lang="en-US" altLang="ko-KR">
+                <a:latin typeface="Consolas" pitchFamily="49" charset="0"/>
+                <a:cs typeface="Consolas" pitchFamily="49" charset="0"/>
+              </a:rPr>
+              <a:t>led</a:t>
+            </a:r>
+            <a:endParaRPr lang="ko-KR" altLang="en-US">
+              <a:latin typeface="Consolas" pitchFamily="49" charset="0"/>
+              <a:cs typeface="Consolas" pitchFamily="49" charset="0"/>
+            </a:endParaRPr>
+          </a:p>
+        </p:txBody>
+      </p:sp>
+      <p:sp>
+        <p:nvSpPr>
+          <p:cNvPr id="33" name="직사각형 32">
+            <a:extLst>
+              <a:ext uri="{FF2B5EF4-FFF2-40B4-BE49-F238E27FC236}">
+                <a16:creationId xmlns:a16="http://schemas.microsoft.com/office/drawing/2014/main" id="{15100E0B-478F-4B62-AE8C-707225C0407E}"/>
+              </a:ext>
+            </a:extLst>
+          </p:cNvPr>
+          <p:cNvSpPr/>
+          <p:nvPr/>
+        </p:nvSpPr>
+        <p:spPr>
+          <a:xfrm>
+            <a:off x="971600" y="1988840"/>
+            <a:ext cx="2232246" cy="1440160"/>
+          </a:xfrm>
+          <a:prstGeom prst="rect">
+            <a:avLst/>
+          </a:prstGeom>
+          <a:noFill/>
+          <a:ln w="38100">
+            <a:solidFill>
+              <a:srgbClr val="FF0000"/>
+            </a:solidFill>
+          </a:ln>
+        </p:spPr>
+        <p:style>
+          <a:lnRef idx="2">
+            <a:schemeClr val="accent1">
+              <a:shade val="50000"/>
+            </a:schemeClr>
+          </a:lnRef>
+          <a:fillRef idx="1">
+            <a:schemeClr val="accent1"/>
+          </a:fillRef>
+          <a:effectRef idx="0">
+            <a:schemeClr val="accent1"/>
+          </a:effectRef>
+          <a:fontRef idx="minor">
+            <a:schemeClr val="lt1"/>
+          </a:fontRef>
+        </p:style>
+        <p:txBody>
+          <a:bodyPr rtlCol="0" anchor="ctr"/>
+          <a:lstStyle/>
+          <a:p>
+            <a:pPr algn="ctr"/>
+            <a:endParaRPr lang="ko-KR" altLang="en-US">
+              <a:solidFill>
+                <a:schemeClr val="tx1"/>
+              </a:solidFill>
+              <a:latin typeface="Consolas" pitchFamily="49" charset="0"/>
+              <a:cs typeface="Consolas" pitchFamily="49" charset="0"/>
+            </a:endParaRPr>
+          </a:p>
+        </p:txBody>
+      </p:sp>
+      <p:sp>
+        <p:nvSpPr>
+          <p:cNvPr id="34" name="직사각형 33">
+            <a:extLst>
+              <a:ext uri="{FF2B5EF4-FFF2-40B4-BE49-F238E27FC236}">
+                <a16:creationId xmlns:a16="http://schemas.microsoft.com/office/drawing/2014/main" id="{230DE2B0-C34B-4A8C-A66A-D0B6586D8D00}"/>
+              </a:ext>
+            </a:extLst>
+          </p:cNvPr>
+          <p:cNvSpPr/>
+          <p:nvPr/>
+        </p:nvSpPr>
+        <p:spPr>
+          <a:xfrm>
+            <a:off x="2230618" y="5310048"/>
+            <a:ext cx="2232246" cy="1440160"/>
+          </a:xfrm>
+          <a:prstGeom prst="rect">
+            <a:avLst/>
+          </a:prstGeom>
+          <a:noFill/>
+          <a:ln w="38100">
+            <a:solidFill>
+              <a:srgbClr val="FF0000"/>
+            </a:solidFill>
+          </a:ln>
+        </p:spPr>
+        <p:style>
+          <a:lnRef idx="2">
+            <a:schemeClr val="accent1">
+              <a:shade val="50000"/>
+            </a:schemeClr>
+          </a:lnRef>
+          <a:fillRef idx="1">
+            <a:schemeClr val="accent1"/>
+          </a:fillRef>
+          <a:effectRef idx="0">
+            <a:schemeClr val="accent1"/>
+          </a:effectRef>
+          <a:fontRef idx="minor">
+            <a:schemeClr val="lt1"/>
+          </a:fontRef>
+        </p:style>
+        <p:txBody>
+          <a:bodyPr rtlCol="0" anchor="ctr"/>
+          <a:lstStyle/>
+          <a:p>
+            <a:pPr algn="ctr"/>
+            <a:endParaRPr lang="ko-KR" altLang="en-US">
+              <a:solidFill>
+                <a:schemeClr val="tx1"/>
+              </a:solidFill>
+              <a:latin typeface="Consolas" pitchFamily="49" charset="0"/>
+              <a:cs typeface="Consolas" pitchFamily="49" charset="0"/>
+            </a:endParaRPr>
+          </a:p>
+        </p:txBody>
+      </p:sp>
+      <p:sp>
+        <p:nvSpPr>
+          <p:cNvPr id="35" name="TextBox 34">
+            <a:extLst>
+              <a:ext uri="{FF2B5EF4-FFF2-40B4-BE49-F238E27FC236}">
+                <a16:creationId xmlns:a16="http://schemas.microsoft.com/office/drawing/2014/main" id="{1CA00565-AD49-4BA9-8E0F-77B559E74799}"/>
+              </a:ext>
+            </a:extLst>
+          </p:cNvPr>
+          <p:cNvSpPr txBox="1"/>
+          <p:nvPr/>
+        </p:nvSpPr>
+        <p:spPr>
+          <a:xfrm>
+            <a:off x="-1259363" y="2704797"/>
+            <a:ext cx="1830950" cy="369332"/>
+          </a:xfrm>
+          <a:prstGeom prst="rect">
+            <a:avLst/>
+          </a:prstGeom>
+          <a:noFill/>
+        </p:spPr>
+        <p:txBody>
+          <a:bodyPr wrap="none" rtlCol="0">
+            <a:spAutoFit/>
+          </a:bodyPr>
+          <a:lstStyle/>
+          <a:p>
+            <a:pPr algn="ctr"/>
+            <a:r>
+              <a:rPr lang="en-US" altLang="ko-KR">
+                <a:latin typeface="Consolas" pitchFamily="49" charset="0"/>
+                <a:cs typeface="Consolas" pitchFamily="49" charset="0"/>
+              </a:rPr>
+              <a:t>ILedService.h</a:t>
+            </a:r>
+            <a:endParaRPr lang="ko-KR" altLang="en-US">
+              <a:latin typeface="Consolas" pitchFamily="49" charset="0"/>
+              <a:cs typeface="Consolas" pitchFamily="49" charset="0"/>
+            </a:endParaRPr>
+          </a:p>
+        </p:txBody>
+      </p:sp>
+      <p:sp>
+        <p:nvSpPr>
+          <p:cNvPr id="36" name="TextBox 35">
+            <a:extLst>
+              <a:ext uri="{FF2B5EF4-FFF2-40B4-BE49-F238E27FC236}">
+                <a16:creationId xmlns:a16="http://schemas.microsoft.com/office/drawing/2014/main" id="{E66E9957-472A-4A9A-9DC0-2F5A542CFBF9}"/>
+              </a:ext>
+            </a:extLst>
+          </p:cNvPr>
+          <p:cNvSpPr txBox="1"/>
+          <p:nvPr/>
+        </p:nvSpPr>
+        <p:spPr>
+          <a:xfrm>
+            <a:off x="-303095" y="5251126"/>
+            <a:ext cx="2084225" cy="369332"/>
+          </a:xfrm>
+          <a:prstGeom prst="rect">
+            <a:avLst/>
+          </a:prstGeom>
+          <a:noFill/>
+        </p:spPr>
+        <p:txBody>
+          <a:bodyPr wrap="none" rtlCol="0">
+            <a:spAutoFit/>
+          </a:bodyPr>
+          <a:lstStyle/>
+          <a:p>
+            <a:pPr algn="ctr"/>
+            <a:r>
+              <a:rPr lang="en-US" altLang="ko-KR">
+                <a:latin typeface="Consolas" pitchFamily="49" charset="0"/>
+                <a:cs typeface="Consolas" pitchFamily="49" charset="0"/>
+              </a:rPr>
+              <a:t>ILedService.cpp</a:t>
+            </a:r>
+            <a:endParaRPr lang="ko-KR" altLang="en-US">
+              <a:latin typeface="Consolas" pitchFamily="49" charset="0"/>
+              <a:cs typeface="Consolas" pitchFamily="49" charset="0"/>
+            </a:endParaRPr>
+          </a:p>
+        </p:txBody>
+      </p:sp>
+      <p:cxnSp>
+        <p:nvCxnSpPr>
+          <p:cNvPr id="37" name="직선 화살표 연결선 36">
+            <a:extLst>
+              <a:ext uri="{FF2B5EF4-FFF2-40B4-BE49-F238E27FC236}">
+                <a16:creationId xmlns:a16="http://schemas.microsoft.com/office/drawing/2014/main" id="{102F308E-6302-48CD-A97B-7B7ED9271CA0}"/>
+              </a:ext>
+            </a:extLst>
+          </p:cNvPr>
+          <p:cNvCxnSpPr>
+            <a:cxnSpLocks/>
+            <a:endCxn id="7" idx="3"/>
+          </p:cNvCxnSpPr>
+          <p:nvPr/>
+        </p:nvCxnSpPr>
+        <p:spPr>
+          <a:xfrm flipH="1">
+            <a:off x="8484714" y="2888660"/>
+            <a:ext cx="767806" cy="5998"/>
+          </a:xfrm>
+          <a:prstGeom prst="straightConnector1">
+            <a:avLst/>
+          </a:prstGeom>
+          <a:ln w="38100">
+            <a:solidFill>
+              <a:srgbClr val="FF0000"/>
+            </a:solidFill>
+            <a:tailEnd type="triangle"/>
+          </a:ln>
+        </p:spPr>
+        <p:style>
+          <a:lnRef idx="1">
+            <a:schemeClr val="accent1"/>
+          </a:lnRef>
+          <a:fillRef idx="0">
+            <a:schemeClr val="accent1"/>
+          </a:fillRef>
+          <a:effectRef idx="0">
+            <a:schemeClr val="accent1"/>
+          </a:effectRef>
+          <a:fontRef idx="minor">
+            <a:schemeClr val="tx1"/>
+          </a:fontRef>
+        </p:style>
+      </p:cxnSp>
+      <p:sp>
+        <p:nvSpPr>
+          <p:cNvPr id="40" name="TextBox 39">
+            <a:extLst>
+              <a:ext uri="{FF2B5EF4-FFF2-40B4-BE49-F238E27FC236}">
+                <a16:creationId xmlns:a16="http://schemas.microsoft.com/office/drawing/2014/main" id="{97BFD8C4-C389-4C57-9CD5-897846A5C189}"/>
+              </a:ext>
+            </a:extLst>
+          </p:cNvPr>
+          <p:cNvSpPr txBox="1"/>
+          <p:nvPr/>
+        </p:nvSpPr>
+        <p:spPr>
+          <a:xfrm>
+            <a:off x="9235626" y="2500930"/>
+            <a:ext cx="944489" cy="369332"/>
+          </a:xfrm>
+          <a:prstGeom prst="rect">
+            <a:avLst/>
+          </a:prstGeom>
+          <a:noFill/>
+        </p:spPr>
+        <p:txBody>
+          <a:bodyPr wrap="none" rtlCol="0">
+            <a:spAutoFit/>
+          </a:bodyPr>
+          <a:lstStyle/>
+          <a:p>
+            <a:r>
+              <a:rPr lang="en-US" altLang="ko-KR">
+                <a:latin typeface="Consolas" pitchFamily="49" charset="0"/>
+                <a:cs typeface="Consolas" pitchFamily="49" charset="0"/>
+              </a:rPr>
+              <a:t>binder</a:t>
+            </a:r>
+            <a:endParaRPr lang="ko-KR" altLang="en-US">
+              <a:latin typeface="Consolas" pitchFamily="49" charset="0"/>
+              <a:cs typeface="Consolas" pitchFamily="49" charset="0"/>
+            </a:endParaRPr>
+          </a:p>
+        </p:txBody>
+      </p:sp>
+      <p:sp>
+        <p:nvSpPr>
+          <p:cNvPr id="41" name="TextBox 40">
+            <a:extLst>
+              <a:ext uri="{FF2B5EF4-FFF2-40B4-BE49-F238E27FC236}">
+                <a16:creationId xmlns:a16="http://schemas.microsoft.com/office/drawing/2014/main" id="{2E292818-8A1C-415D-A101-639B42A594DC}"/>
+              </a:ext>
+            </a:extLst>
+          </p:cNvPr>
+          <p:cNvSpPr txBox="1"/>
+          <p:nvPr/>
+        </p:nvSpPr>
+        <p:spPr>
+          <a:xfrm>
+            <a:off x="4788024" y="707161"/>
+            <a:ext cx="4110421" cy="646331"/>
+          </a:xfrm>
+          <a:prstGeom prst="rect">
+            <a:avLst/>
+          </a:prstGeom>
+          <a:noFill/>
+        </p:spPr>
+        <p:txBody>
+          <a:bodyPr wrap="none" rtlCol="0">
+            <a:spAutoFit/>
+          </a:bodyPr>
+          <a:lstStyle/>
+          <a:p>
+            <a:r>
+              <a:rPr lang="en-US" altLang="ko-KR">
+                <a:latin typeface="Consolas" pitchFamily="49" charset="0"/>
+                <a:cs typeface="Consolas" pitchFamily="49" charset="0"/>
+              </a:rPr>
+              <a:t>asInterface();</a:t>
+            </a:r>
+          </a:p>
+          <a:p>
+            <a:r>
+              <a:rPr lang="en-US" altLang="ko-KR">
+                <a:latin typeface="Consolas" pitchFamily="49" charset="0"/>
+                <a:cs typeface="Consolas" pitchFamily="49" charset="0"/>
+              </a:rPr>
+              <a:t>led = interface_cast( binder );</a:t>
+            </a:r>
+            <a:endParaRPr lang="ko-KR" altLang="en-US">
+              <a:latin typeface="Consolas" pitchFamily="49" charset="0"/>
+              <a:cs typeface="Consolas" pitchFamily="49" charset="0"/>
+            </a:endParaRPr>
+          </a:p>
+        </p:txBody>
+      </p:sp>
+    </p:spTree>
+    <p:extLst>
+      <p:ext uri="{BB962C8B-B14F-4D97-AF65-F5344CB8AC3E}">
+        <p14:creationId xmlns:p14="http://schemas.microsoft.com/office/powerpoint/2010/main" val="3535507224"/>
+      </p:ext>
+    </p:extLst>
+  </p:cSld>
+  <p:clrMapOvr>
+    <a:masterClrMapping/>
+  </p:clrMapOvr>
+</p:sld>
+</file>
+
+<file path=ppt/slides/slide22.xml><?xml version="1.0" encoding="utf-8"?>
+<p:sld xmlns:a="http://schemas.openxmlformats.org/drawingml/2006/main" xmlns:r="http://schemas.openxmlformats.org/officeDocument/2006/relationships" xmlns:p="http://schemas.openxmlformats.org/presentationml/2006/main">
+  <p:cSld>
+    <p:spTree>
+      <p:nvGrpSpPr>
+        <p:cNvPr id="1" name=""/>
+        <p:cNvGrpSpPr/>
+        <p:nvPr/>
+      </p:nvGrpSpPr>
+      <p:grpSpPr>
+        <a:xfrm>
+          <a:off x="0" y="0"/>
+          <a:ext cx="0" cy="0"/>
+          <a:chOff x="0" y="0"/>
+          <a:chExt cx="0" cy="0"/>
+        </a:xfrm>
+      </p:grpSpPr>
+      <p:sp>
+        <p:nvSpPr>
+          <p:cNvPr id="4" name="직사각형 3">
+            <a:extLst>
+              <a:ext uri="{FF2B5EF4-FFF2-40B4-BE49-F238E27FC236}">
+                <a16:creationId xmlns:a16="http://schemas.microsoft.com/office/drawing/2014/main" id="{27A0851F-D87A-4ACE-BFD6-DFA72C8CAD20}"/>
+              </a:ext>
+            </a:extLst>
+          </p:cNvPr>
+          <p:cNvSpPr/>
+          <p:nvPr/>
+        </p:nvSpPr>
+        <p:spPr>
+          <a:xfrm>
+            <a:off x="6950307" y="4322039"/>
+            <a:ext cx="1534407" cy="424013"/>
+          </a:xfrm>
+          <a:prstGeom prst="rect">
+            <a:avLst/>
+          </a:prstGeom>
+          <a:solidFill>
+            <a:srgbClr val="FFC000"/>
+          </a:solidFill>
+          <a:ln w="12700"/>
+        </p:spPr>
+        <p:style>
+          <a:lnRef idx="2">
+            <a:schemeClr val="accent1">
+              <a:shade val="50000"/>
+            </a:schemeClr>
+          </a:lnRef>
+          <a:fillRef idx="1">
+            <a:schemeClr val="accent1"/>
+          </a:fillRef>
+          <a:effectRef idx="0">
+            <a:schemeClr val="accent1"/>
+          </a:effectRef>
+          <a:fontRef idx="minor">
+            <a:schemeClr val="lt1"/>
+          </a:fontRef>
+        </p:style>
+        <p:txBody>
+          <a:bodyPr rtlCol="0" anchor="ctr"/>
+          <a:lstStyle/>
+          <a:p>
+            <a:pPr algn="ctr"/>
+            <a:r>
+              <a:rPr lang="en-US" altLang="ko-KR" sz="1600">
+                <a:solidFill>
+                  <a:schemeClr val="tx1"/>
+                </a:solidFill>
+                <a:latin typeface="Consolas" pitchFamily="49" charset="0"/>
+                <a:cs typeface="Consolas" pitchFamily="49" charset="0"/>
+              </a:rPr>
+              <a:t>BpBinder</a:t>
+            </a:r>
+            <a:endParaRPr lang="ko-KR" altLang="en-US" sz="1600">
+              <a:solidFill>
+                <a:schemeClr val="tx1"/>
+              </a:solidFill>
+              <a:latin typeface="Consolas" pitchFamily="49" charset="0"/>
+              <a:cs typeface="Consolas" pitchFamily="49" charset="0"/>
+            </a:endParaRPr>
+          </a:p>
+        </p:txBody>
+      </p:sp>
+      <p:sp>
+        <p:nvSpPr>
+          <p:cNvPr id="5" name="직사각형 4">
+            <a:extLst>
+              <a:ext uri="{FF2B5EF4-FFF2-40B4-BE49-F238E27FC236}">
+                <a16:creationId xmlns:a16="http://schemas.microsoft.com/office/drawing/2014/main" id="{BF753CBA-6161-4749-890E-3A88B3863764}"/>
+              </a:ext>
+            </a:extLst>
+          </p:cNvPr>
+          <p:cNvSpPr/>
+          <p:nvPr/>
+        </p:nvSpPr>
+        <p:spPr>
+          <a:xfrm>
+            <a:off x="6950307" y="4746053"/>
+            <a:ext cx="1534407" cy="424013"/>
+          </a:xfrm>
+          <a:prstGeom prst="rect">
+            <a:avLst/>
+          </a:prstGeom>
+          <a:solidFill>
+            <a:srgbClr val="FFFF00"/>
+          </a:solidFill>
+          <a:ln w="12700"/>
+        </p:spPr>
+        <p:style>
+          <a:lnRef idx="2">
+            <a:schemeClr val="accent1">
+              <a:shade val="50000"/>
+            </a:schemeClr>
+          </a:lnRef>
+          <a:fillRef idx="1">
+            <a:schemeClr val="accent1"/>
+          </a:fillRef>
+          <a:effectRef idx="0">
+            <a:schemeClr val="accent1"/>
+          </a:effectRef>
+          <a:fontRef idx="minor">
+            <a:schemeClr val="lt1"/>
+          </a:fontRef>
+        </p:style>
+        <p:txBody>
+          <a:bodyPr rtlCol="0" anchor="ctr"/>
+          <a:lstStyle/>
+          <a:p>
+            <a:pPr algn="ctr"/>
+            <a:r>
+              <a:rPr lang="en-US" altLang="ko-KR" sz="1600">
+                <a:solidFill>
+                  <a:schemeClr val="tx1"/>
+                </a:solidFill>
+                <a:latin typeface="Consolas" pitchFamily="49" charset="0"/>
+                <a:cs typeface="Consolas" pitchFamily="49" charset="0"/>
+              </a:rPr>
+              <a:t>transact(){}</a:t>
+            </a:r>
+            <a:endParaRPr lang="ko-KR" altLang="en-US" sz="1600">
+              <a:solidFill>
+                <a:schemeClr val="tx1"/>
+              </a:solidFill>
+              <a:latin typeface="Consolas" pitchFamily="49" charset="0"/>
+              <a:cs typeface="Consolas" pitchFamily="49" charset="0"/>
+            </a:endParaRPr>
+          </a:p>
+        </p:txBody>
+      </p:sp>
+      <p:sp>
+        <p:nvSpPr>
+          <p:cNvPr id="6" name="직사각형 5">
+            <a:extLst>
+              <a:ext uri="{FF2B5EF4-FFF2-40B4-BE49-F238E27FC236}">
+                <a16:creationId xmlns:a16="http://schemas.microsoft.com/office/drawing/2014/main" id="{1E9855E9-5793-4735-8EDE-2C49CD234361}"/>
+              </a:ext>
+            </a:extLst>
+          </p:cNvPr>
+          <p:cNvSpPr/>
+          <p:nvPr/>
+        </p:nvSpPr>
+        <p:spPr>
+          <a:xfrm>
+            <a:off x="6950307" y="5170066"/>
+            <a:ext cx="1534407" cy="424013"/>
+          </a:xfrm>
+          <a:prstGeom prst="rect">
+            <a:avLst/>
+          </a:prstGeom>
+          <a:solidFill>
+            <a:srgbClr val="FFFF00"/>
+          </a:solidFill>
+          <a:ln w="12700"/>
+        </p:spPr>
+        <p:style>
+          <a:lnRef idx="2">
+            <a:schemeClr val="accent1">
+              <a:shade val="50000"/>
+            </a:schemeClr>
+          </a:lnRef>
+          <a:fillRef idx="1">
+            <a:schemeClr val="accent1"/>
+          </a:fillRef>
+          <a:effectRef idx="0">
+            <a:schemeClr val="accent1"/>
+          </a:effectRef>
+          <a:fontRef idx="minor">
+            <a:schemeClr val="lt1"/>
+          </a:fontRef>
+        </p:style>
+        <p:txBody>
+          <a:bodyPr rtlCol="0" anchor="ctr"/>
+          <a:lstStyle/>
+          <a:p>
+            <a:pPr algn="ctr"/>
+            <a:r>
+              <a:rPr lang="en-US" altLang="ko-KR" sz="1600">
+                <a:solidFill>
+                  <a:schemeClr val="tx1"/>
+                </a:solidFill>
+                <a:latin typeface="Consolas" pitchFamily="49" charset="0"/>
+                <a:cs typeface="Consolas" pitchFamily="49" charset="0"/>
+              </a:rPr>
+              <a:t>mHandle=1</a:t>
+            </a:r>
+            <a:endParaRPr lang="ko-KR" altLang="en-US" sz="1600">
+              <a:solidFill>
+                <a:schemeClr val="tx1"/>
+              </a:solidFill>
+              <a:latin typeface="Consolas" pitchFamily="49" charset="0"/>
+              <a:cs typeface="Consolas" pitchFamily="49" charset="0"/>
+            </a:endParaRPr>
+          </a:p>
+        </p:txBody>
+      </p:sp>
+      <p:sp>
+        <p:nvSpPr>
+          <p:cNvPr id="7" name="직사각형 6">
+            <a:extLst>
+              <a:ext uri="{FF2B5EF4-FFF2-40B4-BE49-F238E27FC236}">
+                <a16:creationId xmlns:a16="http://schemas.microsoft.com/office/drawing/2014/main" id="{1E934F06-289C-41E0-BE00-B7DB117BD351}"/>
+              </a:ext>
+            </a:extLst>
+          </p:cNvPr>
+          <p:cNvSpPr/>
+          <p:nvPr/>
+        </p:nvSpPr>
+        <p:spPr>
+          <a:xfrm>
+            <a:off x="6950307" y="2682651"/>
+            <a:ext cx="1534407" cy="424013"/>
+          </a:xfrm>
+          <a:prstGeom prst="rect">
+            <a:avLst/>
+          </a:prstGeom>
+          <a:solidFill>
+            <a:srgbClr val="FFC000"/>
+          </a:solidFill>
+          <a:ln w="12700"/>
+        </p:spPr>
+        <p:style>
+          <a:lnRef idx="2">
+            <a:schemeClr val="accent1">
+              <a:shade val="50000"/>
+            </a:schemeClr>
+          </a:lnRef>
+          <a:fillRef idx="1">
+            <a:schemeClr val="accent1"/>
+          </a:fillRef>
+          <a:effectRef idx="0">
+            <a:schemeClr val="accent1"/>
+          </a:effectRef>
+          <a:fontRef idx="minor">
+            <a:schemeClr val="lt1"/>
+          </a:fontRef>
+        </p:style>
+        <p:txBody>
+          <a:bodyPr rtlCol="0" anchor="ctr"/>
+          <a:lstStyle/>
+          <a:p>
+            <a:pPr algn="ctr"/>
+            <a:r>
+              <a:rPr lang="en-US" altLang="ko-KR" sz="1600">
+                <a:solidFill>
+                  <a:schemeClr val="tx1"/>
+                </a:solidFill>
+                <a:latin typeface="Consolas" pitchFamily="49" charset="0"/>
+                <a:cs typeface="Consolas" pitchFamily="49" charset="0"/>
+              </a:rPr>
+              <a:t>IBinder</a:t>
+            </a:r>
+            <a:endParaRPr lang="ko-KR" altLang="en-US" sz="1600">
+              <a:solidFill>
+                <a:schemeClr val="tx1"/>
+              </a:solidFill>
+              <a:latin typeface="Consolas" pitchFamily="49" charset="0"/>
+              <a:cs typeface="Consolas" pitchFamily="49" charset="0"/>
+            </a:endParaRPr>
+          </a:p>
+        </p:txBody>
+      </p:sp>
+      <p:sp>
+        <p:nvSpPr>
+          <p:cNvPr id="8" name="직사각형 7">
+            <a:extLst>
+              <a:ext uri="{FF2B5EF4-FFF2-40B4-BE49-F238E27FC236}">
+                <a16:creationId xmlns:a16="http://schemas.microsoft.com/office/drawing/2014/main" id="{D904B97C-43F7-4CFE-961D-04C96E1BAB6A}"/>
+              </a:ext>
+            </a:extLst>
+          </p:cNvPr>
+          <p:cNvSpPr/>
+          <p:nvPr/>
+        </p:nvSpPr>
+        <p:spPr>
+          <a:xfrm>
+            <a:off x="6950307" y="3106664"/>
+            <a:ext cx="1534407" cy="424013"/>
+          </a:xfrm>
+          <a:prstGeom prst="rect">
+            <a:avLst/>
+          </a:prstGeom>
+          <a:solidFill>
+            <a:srgbClr val="FFFF00"/>
+          </a:solidFill>
+          <a:ln w="12700"/>
+        </p:spPr>
+        <p:style>
+          <a:lnRef idx="2">
+            <a:schemeClr val="accent1">
+              <a:shade val="50000"/>
+            </a:schemeClr>
+          </a:lnRef>
+          <a:fillRef idx="1">
+            <a:schemeClr val="accent1"/>
+          </a:fillRef>
+          <a:effectRef idx="0">
+            <a:schemeClr val="accent1"/>
+          </a:effectRef>
+          <a:fontRef idx="minor">
+            <a:schemeClr val="lt1"/>
+          </a:fontRef>
+        </p:style>
+        <p:txBody>
+          <a:bodyPr rtlCol="0" anchor="ctr"/>
+          <a:lstStyle/>
+          <a:p>
+            <a:pPr algn="ctr"/>
+            <a:r>
+              <a:rPr lang="en-US" altLang="ko-KR" sz="1600">
+                <a:solidFill>
+                  <a:schemeClr val="tx1"/>
+                </a:solidFill>
+                <a:latin typeface="Consolas" pitchFamily="49" charset="0"/>
+                <a:cs typeface="Consolas" pitchFamily="49" charset="0"/>
+              </a:rPr>
+              <a:t>transact()=0</a:t>
+            </a:r>
+            <a:endParaRPr lang="ko-KR" altLang="en-US" sz="1600">
+              <a:solidFill>
+                <a:schemeClr val="tx1"/>
+              </a:solidFill>
+              <a:latin typeface="Consolas" pitchFamily="49" charset="0"/>
+              <a:cs typeface="Consolas" pitchFamily="49" charset="0"/>
+            </a:endParaRPr>
+          </a:p>
+        </p:txBody>
+      </p:sp>
+      <p:sp>
+        <p:nvSpPr>
+          <p:cNvPr id="9" name="직사각형 8">
+            <a:extLst>
+              <a:ext uri="{FF2B5EF4-FFF2-40B4-BE49-F238E27FC236}">
+                <a16:creationId xmlns:a16="http://schemas.microsoft.com/office/drawing/2014/main" id="{72EECA8E-C9D1-4197-8045-1500596EB60A}"/>
+              </a:ext>
+            </a:extLst>
+          </p:cNvPr>
+          <p:cNvSpPr/>
+          <p:nvPr/>
+        </p:nvSpPr>
+        <p:spPr>
+          <a:xfrm>
+            <a:off x="6950307" y="3530678"/>
+            <a:ext cx="1534407" cy="424013"/>
+          </a:xfrm>
+          <a:prstGeom prst="rect">
+            <a:avLst/>
+          </a:prstGeom>
+          <a:solidFill>
+            <a:srgbClr val="FFFF00"/>
+          </a:solidFill>
+          <a:ln w="12700"/>
+        </p:spPr>
+        <p:style>
+          <a:lnRef idx="2">
+            <a:schemeClr val="accent1">
+              <a:shade val="50000"/>
+            </a:schemeClr>
+          </a:lnRef>
+          <a:fillRef idx="1">
+            <a:schemeClr val="accent1"/>
+          </a:fillRef>
+          <a:effectRef idx="0">
+            <a:schemeClr val="accent1"/>
+          </a:effectRef>
+          <a:fontRef idx="minor">
+            <a:schemeClr val="lt1"/>
+          </a:fontRef>
+        </p:style>
+        <p:txBody>
+          <a:bodyPr rtlCol="0" anchor="ctr"/>
+          <a:lstStyle/>
+          <a:p>
+            <a:pPr algn="ctr"/>
+            <a:endParaRPr lang="ko-KR" altLang="en-US" sz="1600">
+              <a:solidFill>
+                <a:schemeClr val="tx1"/>
+              </a:solidFill>
+              <a:latin typeface="Consolas" pitchFamily="49" charset="0"/>
+              <a:cs typeface="Consolas" pitchFamily="49" charset="0"/>
+            </a:endParaRPr>
+          </a:p>
+        </p:txBody>
+      </p:sp>
+      <p:cxnSp>
+        <p:nvCxnSpPr>
+          <p:cNvPr id="10" name="직선 화살표 연결선 9">
+            <a:extLst>
+              <a:ext uri="{FF2B5EF4-FFF2-40B4-BE49-F238E27FC236}">
+                <a16:creationId xmlns:a16="http://schemas.microsoft.com/office/drawing/2014/main" id="{5C00A94D-5750-4CFF-8072-043DEA210046}"/>
+              </a:ext>
+            </a:extLst>
+          </p:cNvPr>
+          <p:cNvCxnSpPr>
+            <a:cxnSpLocks/>
+            <a:stCxn id="4" idx="0"/>
+            <a:endCxn id="9" idx="2"/>
+          </p:cNvCxnSpPr>
+          <p:nvPr/>
+        </p:nvCxnSpPr>
+        <p:spPr>
+          <a:xfrm flipV="1">
+            <a:off x="7717511" y="3954691"/>
+            <a:ext cx="0" cy="367348"/>
+          </a:xfrm>
+          <a:prstGeom prst="straightConnector1">
+            <a:avLst/>
+          </a:prstGeom>
+          <a:ln>
+            <a:solidFill>
+              <a:schemeClr val="tx1"/>
+            </a:solidFill>
+            <a:tailEnd type="triangle"/>
+          </a:ln>
+        </p:spPr>
+        <p:style>
+          <a:lnRef idx="1">
+            <a:schemeClr val="accent1"/>
+          </a:lnRef>
+          <a:fillRef idx="0">
+            <a:schemeClr val="accent1"/>
+          </a:fillRef>
+          <a:effectRef idx="0">
+            <a:schemeClr val="accent1"/>
+          </a:effectRef>
+          <a:fontRef idx="minor">
+            <a:schemeClr val="tx1"/>
+          </a:fontRef>
+        </p:style>
+      </p:cxnSp>
+      <p:cxnSp>
+        <p:nvCxnSpPr>
+          <p:cNvPr id="11" name="직선 화살표 연결선 10">
+            <a:extLst>
+              <a:ext uri="{FF2B5EF4-FFF2-40B4-BE49-F238E27FC236}">
+                <a16:creationId xmlns:a16="http://schemas.microsoft.com/office/drawing/2014/main" id="{B2C08C55-A573-4A73-9F17-29D4EA7BFE19}"/>
+              </a:ext>
+            </a:extLst>
+          </p:cNvPr>
+          <p:cNvCxnSpPr>
+            <a:cxnSpLocks/>
+            <a:stCxn id="24" idx="3"/>
+            <a:endCxn id="7" idx="1"/>
+          </p:cNvCxnSpPr>
+          <p:nvPr/>
+        </p:nvCxnSpPr>
+        <p:spPr>
+          <a:xfrm flipV="1">
+            <a:off x="5634817" y="2894657"/>
+            <a:ext cx="1315490" cy="242293"/>
+          </a:xfrm>
+          <a:prstGeom prst="straightConnector1">
+            <a:avLst/>
+          </a:prstGeom>
+          <a:ln w="38100">
+            <a:solidFill>
+              <a:srgbClr val="FF0000"/>
+            </a:solidFill>
+            <a:tailEnd type="triangle"/>
+          </a:ln>
+        </p:spPr>
+        <p:style>
+          <a:lnRef idx="1">
+            <a:schemeClr val="accent1"/>
+          </a:lnRef>
+          <a:fillRef idx="0">
+            <a:schemeClr val="accent1"/>
+          </a:fillRef>
+          <a:effectRef idx="0">
+            <a:schemeClr val="accent1"/>
+          </a:effectRef>
+          <a:fontRef idx="minor">
+            <a:schemeClr val="tx1"/>
+          </a:fontRef>
+        </p:style>
+      </p:cxnSp>
+      <p:sp>
+        <p:nvSpPr>
+          <p:cNvPr id="12" name="직사각형 11">
+            <a:extLst>
+              <a:ext uri="{FF2B5EF4-FFF2-40B4-BE49-F238E27FC236}">
+                <a16:creationId xmlns:a16="http://schemas.microsoft.com/office/drawing/2014/main" id="{8456984D-7E3D-4E3F-9573-A3A13092C285}"/>
+              </a:ext>
+            </a:extLst>
+          </p:cNvPr>
+          <p:cNvSpPr/>
+          <p:nvPr/>
+        </p:nvSpPr>
+        <p:spPr>
+          <a:xfrm>
+            <a:off x="2347281" y="5408452"/>
+            <a:ext cx="1998921" cy="424013"/>
+          </a:xfrm>
+          <a:prstGeom prst="rect">
+            <a:avLst/>
+          </a:prstGeom>
+          <a:solidFill>
+            <a:srgbClr val="FFC000"/>
+          </a:solidFill>
+          <a:ln w="12700"/>
+        </p:spPr>
+        <p:style>
+          <a:lnRef idx="2">
+            <a:schemeClr val="accent1">
+              <a:shade val="50000"/>
+            </a:schemeClr>
+          </a:lnRef>
+          <a:fillRef idx="1">
+            <a:schemeClr val="accent1"/>
+          </a:fillRef>
+          <a:effectRef idx="0">
+            <a:schemeClr val="accent1"/>
+          </a:effectRef>
+          <a:fontRef idx="minor">
+            <a:schemeClr val="lt1"/>
+          </a:fontRef>
+        </p:style>
+        <p:txBody>
+          <a:bodyPr rtlCol="0" anchor="ctr"/>
+          <a:lstStyle/>
+          <a:p>
+            <a:pPr algn="ctr"/>
+            <a:r>
+              <a:rPr lang="en-US" altLang="ko-KR" sz="1600">
+                <a:solidFill>
+                  <a:schemeClr val="tx1"/>
+                </a:solidFill>
+                <a:latin typeface="Consolas" pitchFamily="49" charset="0"/>
+                <a:cs typeface="Consolas" pitchFamily="49" charset="0"/>
+              </a:rPr>
+              <a:t>BpLedService</a:t>
+            </a:r>
+            <a:endParaRPr lang="ko-KR" altLang="en-US" sz="1600">
+              <a:solidFill>
+                <a:schemeClr val="tx1"/>
+              </a:solidFill>
+              <a:latin typeface="Consolas" pitchFamily="49" charset="0"/>
+              <a:cs typeface="Consolas" pitchFamily="49" charset="0"/>
+            </a:endParaRPr>
+          </a:p>
+        </p:txBody>
+      </p:sp>
+      <p:sp>
+        <p:nvSpPr>
+          <p:cNvPr id="13" name="직사각형 12">
+            <a:extLst>
+              <a:ext uri="{FF2B5EF4-FFF2-40B4-BE49-F238E27FC236}">
+                <a16:creationId xmlns:a16="http://schemas.microsoft.com/office/drawing/2014/main" id="{F896FA7E-5762-48C6-B750-4022CAE38956}"/>
+              </a:ext>
+            </a:extLst>
+          </p:cNvPr>
+          <p:cNvSpPr/>
+          <p:nvPr/>
+        </p:nvSpPr>
+        <p:spPr>
+          <a:xfrm>
+            <a:off x="2347281" y="5832465"/>
+            <a:ext cx="1998921" cy="424013"/>
+          </a:xfrm>
+          <a:prstGeom prst="rect">
+            <a:avLst/>
+          </a:prstGeom>
+          <a:solidFill>
+            <a:srgbClr val="FFFF00"/>
+          </a:solidFill>
+          <a:ln w="12700"/>
+        </p:spPr>
+        <p:style>
+          <a:lnRef idx="2">
+            <a:schemeClr val="accent1">
+              <a:shade val="50000"/>
+            </a:schemeClr>
+          </a:lnRef>
+          <a:fillRef idx="1">
+            <a:schemeClr val="accent1"/>
+          </a:fillRef>
+          <a:effectRef idx="0">
+            <a:schemeClr val="accent1"/>
+          </a:effectRef>
+          <a:fontRef idx="minor">
+            <a:schemeClr val="lt1"/>
+          </a:fontRef>
+        </p:style>
+        <p:txBody>
+          <a:bodyPr rtlCol="0" anchor="ctr"/>
+          <a:lstStyle/>
+          <a:p>
+            <a:pPr algn="ctr"/>
+            <a:r>
+              <a:rPr lang="en-US" altLang="ko-KR" sz="1600">
+                <a:solidFill>
+                  <a:schemeClr val="tx1"/>
+                </a:solidFill>
+                <a:latin typeface="Consolas" pitchFamily="49" charset="0"/>
+                <a:cs typeface="Consolas" pitchFamily="49" charset="0"/>
+              </a:rPr>
+              <a:t>ledOn(){}</a:t>
+            </a:r>
+            <a:endParaRPr lang="ko-KR" altLang="en-US" sz="1600">
+              <a:solidFill>
+                <a:schemeClr val="tx1"/>
+              </a:solidFill>
+              <a:latin typeface="Consolas" pitchFamily="49" charset="0"/>
+              <a:cs typeface="Consolas" pitchFamily="49" charset="0"/>
+            </a:endParaRPr>
+          </a:p>
+        </p:txBody>
+      </p:sp>
+      <p:sp>
+        <p:nvSpPr>
+          <p:cNvPr id="14" name="직사각형 13">
+            <a:extLst>
+              <a:ext uri="{FF2B5EF4-FFF2-40B4-BE49-F238E27FC236}">
+                <a16:creationId xmlns:a16="http://schemas.microsoft.com/office/drawing/2014/main" id="{DFFD495B-84B0-4CDD-ACF3-E251D7E286E2}"/>
+              </a:ext>
+            </a:extLst>
+          </p:cNvPr>
+          <p:cNvSpPr/>
+          <p:nvPr/>
+        </p:nvSpPr>
+        <p:spPr>
+          <a:xfrm>
+            <a:off x="2347281" y="6256479"/>
+            <a:ext cx="1998921" cy="424013"/>
+          </a:xfrm>
+          <a:prstGeom prst="rect">
+            <a:avLst/>
+          </a:prstGeom>
+          <a:solidFill>
+            <a:srgbClr val="FFFF00"/>
+          </a:solidFill>
+          <a:ln w="12700"/>
+        </p:spPr>
+        <p:style>
+          <a:lnRef idx="2">
+            <a:schemeClr val="accent1">
+              <a:shade val="50000"/>
+            </a:schemeClr>
+          </a:lnRef>
+          <a:fillRef idx="1">
+            <a:schemeClr val="accent1"/>
+          </a:fillRef>
+          <a:effectRef idx="0">
+            <a:schemeClr val="accent1"/>
+          </a:effectRef>
+          <a:fontRef idx="minor">
+            <a:schemeClr val="lt1"/>
+          </a:fontRef>
+        </p:style>
+        <p:txBody>
+          <a:bodyPr rtlCol="0" anchor="ctr"/>
+          <a:lstStyle/>
+          <a:p>
+            <a:pPr algn="ctr"/>
+            <a:endParaRPr lang="ko-KR" altLang="en-US" sz="1600">
+              <a:solidFill>
+                <a:schemeClr val="tx1"/>
+              </a:solidFill>
+              <a:latin typeface="Consolas" pitchFamily="49" charset="0"/>
+              <a:cs typeface="Consolas" pitchFamily="49" charset="0"/>
+            </a:endParaRPr>
+          </a:p>
+        </p:txBody>
+      </p:sp>
+      <p:sp>
+        <p:nvSpPr>
+          <p:cNvPr id="15" name="직사각형 14">
+            <a:extLst>
+              <a:ext uri="{FF2B5EF4-FFF2-40B4-BE49-F238E27FC236}">
+                <a16:creationId xmlns:a16="http://schemas.microsoft.com/office/drawing/2014/main" id="{464B9FEE-607B-444C-A052-F6E482231A79}"/>
+              </a:ext>
+            </a:extLst>
+          </p:cNvPr>
+          <p:cNvSpPr/>
+          <p:nvPr/>
+        </p:nvSpPr>
+        <p:spPr>
+          <a:xfrm>
+            <a:off x="2347281" y="3772971"/>
+            <a:ext cx="1998921" cy="424013"/>
+          </a:xfrm>
+          <a:prstGeom prst="rect">
+            <a:avLst/>
+          </a:prstGeom>
+          <a:solidFill>
+            <a:srgbClr val="FFC000"/>
+          </a:solidFill>
+          <a:ln w="12700"/>
+        </p:spPr>
+        <p:style>
+          <a:lnRef idx="2">
+            <a:schemeClr val="accent1">
+              <a:shade val="50000"/>
+            </a:schemeClr>
+          </a:lnRef>
+          <a:fillRef idx="1">
+            <a:schemeClr val="accent1"/>
+          </a:fillRef>
+          <a:effectRef idx="0">
+            <a:schemeClr val="accent1"/>
+          </a:effectRef>
+          <a:fontRef idx="minor">
+            <a:schemeClr val="lt1"/>
+          </a:fontRef>
+        </p:style>
+        <p:txBody>
+          <a:bodyPr rtlCol="0" anchor="ctr"/>
+          <a:lstStyle/>
+          <a:p>
+            <a:pPr algn="ctr"/>
+            <a:r>
+              <a:rPr lang="en-US" altLang="ko-KR" sz="1600">
+                <a:solidFill>
+                  <a:schemeClr val="tx1"/>
+                </a:solidFill>
+                <a:latin typeface="Consolas" pitchFamily="49" charset="0"/>
+                <a:cs typeface="Consolas" pitchFamily="49" charset="0"/>
+              </a:rPr>
+              <a:t>BpInterface</a:t>
+            </a:r>
+            <a:endParaRPr lang="ko-KR" altLang="en-US" sz="1600">
+              <a:solidFill>
+                <a:schemeClr val="tx1"/>
+              </a:solidFill>
+              <a:latin typeface="Consolas" pitchFamily="49" charset="0"/>
+              <a:cs typeface="Consolas" pitchFamily="49" charset="0"/>
+            </a:endParaRPr>
+          </a:p>
+        </p:txBody>
+      </p:sp>
+      <p:sp>
+        <p:nvSpPr>
+          <p:cNvPr id="16" name="직사각형 15">
+            <a:extLst>
+              <a:ext uri="{FF2B5EF4-FFF2-40B4-BE49-F238E27FC236}">
+                <a16:creationId xmlns:a16="http://schemas.microsoft.com/office/drawing/2014/main" id="{94A5BB28-6E1D-4794-847B-FA644AB8EB49}"/>
+              </a:ext>
+            </a:extLst>
+          </p:cNvPr>
+          <p:cNvSpPr/>
+          <p:nvPr/>
+        </p:nvSpPr>
+        <p:spPr>
+          <a:xfrm>
+            <a:off x="2347281" y="4196984"/>
+            <a:ext cx="1998921" cy="424013"/>
+          </a:xfrm>
+          <a:prstGeom prst="rect">
+            <a:avLst/>
+          </a:prstGeom>
+          <a:solidFill>
+            <a:srgbClr val="FFFF00"/>
+          </a:solidFill>
+          <a:ln w="12700"/>
+        </p:spPr>
+        <p:style>
+          <a:lnRef idx="2">
+            <a:schemeClr val="accent1">
+              <a:shade val="50000"/>
+            </a:schemeClr>
+          </a:lnRef>
+          <a:fillRef idx="1">
+            <a:schemeClr val="accent1"/>
+          </a:fillRef>
+          <a:effectRef idx="0">
+            <a:schemeClr val="accent1"/>
+          </a:effectRef>
+          <a:fontRef idx="minor">
+            <a:schemeClr val="lt1"/>
+          </a:fontRef>
+        </p:style>
+        <p:txBody>
+          <a:bodyPr rtlCol="0" anchor="ctr"/>
+          <a:lstStyle/>
+          <a:p>
+            <a:pPr algn="ctr"/>
+            <a:endParaRPr lang="ko-KR" altLang="en-US" sz="1600">
+              <a:solidFill>
+                <a:schemeClr val="tx1"/>
+              </a:solidFill>
+              <a:latin typeface="Consolas" pitchFamily="49" charset="0"/>
+              <a:cs typeface="Consolas" pitchFamily="49" charset="0"/>
+            </a:endParaRPr>
+          </a:p>
+        </p:txBody>
+      </p:sp>
+      <p:sp>
+        <p:nvSpPr>
+          <p:cNvPr id="17" name="직사각형 16">
+            <a:extLst>
+              <a:ext uri="{FF2B5EF4-FFF2-40B4-BE49-F238E27FC236}">
+                <a16:creationId xmlns:a16="http://schemas.microsoft.com/office/drawing/2014/main" id="{708B4B58-477B-4EA6-9F27-31B530C06664}"/>
+              </a:ext>
+            </a:extLst>
+          </p:cNvPr>
+          <p:cNvSpPr/>
+          <p:nvPr/>
+        </p:nvSpPr>
+        <p:spPr>
+          <a:xfrm>
+            <a:off x="2347281" y="4620998"/>
+            <a:ext cx="1998921" cy="424013"/>
+          </a:xfrm>
+          <a:prstGeom prst="rect">
+            <a:avLst/>
+          </a:prstGeom>
+          <a:solidFill>
+            <a:srgbClr val="FFFF00"/>
+          </a:solidFill>
+          <a:ln w="12700"/>
+        </p:spPr>
+        <p:style>
+          <a:lnRef idx="2">
+            <a:schemeClr val="accent1">
+              <a:shade val="50000"/>
+            </a:schemeClr>
+          </a:lnRef>
+          <a:fillRef idx="1">
+            <a:schemeClr val="accent1"/>
+          </a:fillRef>
+          <a:effectRef idx="0">
+            <a:schemeClr val="accent1"/>
+          </a:effectRef>
+          <a:fontRef idx="minor">
+            <a:schemeClr val="lt1"/>
+          </a:fontRef>
+        </p:style>
+        <p:txBody>
+          <a:bodyPr rtlCol="0" anchor="ctr"/>
+          <a:lstStyle/>
+          <a:p>
+            <a:pPr algn="ctr"/>
+            <a:endParaRPr lang="ko-KR" altLang="en-US" sz="1600">
+              <a:solidFill>
+                <a:schemeClr val="tx1"/>
+              </a:solidFill>
+              <a:latin typeface="Consolas" pitchFamily="49" charset="0"/>
+              <a:cs typeface="Consolas" pitchFamily="49" charset="0"/>
+            </a:endParaRPr>
+          </a:p>
+        </p:txBody>
+      </p:sp>
+      <p:cxnSp>
+        <p:nvCxnSpPr>
+          <p:cNvPr id="18" name="직선 화살표 연결선 17">
+            <a:extLst>
+              <a:ext uri="{FF2B5EF4-FFF2-40B4-BE49-F238E27FC236}">
+                <a16:creationId xmlns:a16="http://schemas.microsoft.com/office/drawing/2014/main" id="{73281B9E-3575-465B-9C1C-C676DE963287}"/>
+              </a:ext>
+            </a:extLst>
+          </p:cNvPr>
+          <p:cNvCxnSpPr>
+            <a:cxnSpLocks/>
+            <a:stCxn id="12" idx="0"/>
+            <a:endCxn id="17" idx="2"/>
+          </p:cNvCxnSpPr>
+          <p:nvPr/>
+        </p:nvCxnSpPr>
+        <p:spPr>
+          <a:xfrm flipV="1">
+            <a:off x="3346741" y="5045011"/>
+            <a:ext cx="0" cy="363440"/>
+          </a:xfrm>
+          <a:prstGeom prst="straightConnector1">
+            <a:avLst/>
+          </a:prstGeom>
+          <a:ln>
+            <a:solidFill>
+              <a:schemeClr val="tx1"/>
+            </a:solidFill>
+            <a:tailEnd type="triangle"/>
+          </a:ln>
+        </p:spPr>
+        <p:style>
+          <a:lnRef idx="1">
+            <a:schemeClr val="accent1"/>
+          </a:lnRef>
+          <a:fillRef idx="0">
+            <a:schemeClr val="accent1"/>
+          </a:fillRef>
+          <a:effectRef idx="0">
+            <a:schemeClr val="accent1"/>
+          </a:effectRef>
+          <a:fontRef idx="minor">
+            <a:schemeClr val="tx1"/>
+          </a:fontRef>
+        </p:style>
+      </p:cxnSp>
+      <p:sp>
+        <p:nvSpPr>
+          <p:cNvPr id="19" name="직사각형 18">
+            <a:extLst>
+              <a:ext uri="{FF2B5EF4-FFF2-40B4-BE49-F238E27FC236}">
+                <a16:creationId xmlns:a16="http://schemas.microsoft.com/office/drawing/2014/main" id="{B235F5A1-261F-493A-BD1A-ED0E45FC1C31}"/>
+              </a:ext>
+            </a:extLst>
+          </p:cNvPr>
+          <p:cNvSpPr/>
+          <p:nvPr/>
+        </p:nvSpPr>
+        <p:spPr>
+          <a:xfrm>
+            <a:off x="1067890" y="2076917"/>
+            <a:ext cx="1998921" cy="424013"/>
+          </a:xfrm>
+          <a:prstGeom prst="rect">
+            <a:avLst/>
+          </a:prstGeom>
+          <a:solidFill>
+            <a:srgbClr val="FFC000"/>
+          </a:solidFill>
+          <a:ln w="12700"/>
+        </p:spPr>
+        <p:style>
+          <a:lnRef idx="2">
+            <a:schemeClr val="accent1">
+              <a:shade val="50000"/>
+            </a:schemeClr>
+          </a:lnRef>
+          <a:fillRef idx="1">
+            <a:schemeClr val="accent1"/>
+          </a:fillRef>
+          <a:effectRef idx="0">
+            <a:schemeClr val="accent1"/>
+          </a:effectRef>
+          <a:fontRef idx="minor">
+            <a:schemeClr val="lt1"/>
+          </a:fontRef>
+        </p:style>
+        <p:txBody>
+          <a:bodyPr rtlCol="0" anchor="ctr"/>
+          <a:lstStyle/>
+          <a:p>
+            <a:pPr algn="ctr"/>
+            <a:r>
+              <a:rPr lang="en-US" altLang="ko-KR" sz="1600">
+                <a:solidFill>
+                  <a:schemeClr val="tx1"/>
+                </a:solidFill>
+                <a:latin typeface="Consolas" pitchFamily="49" charset="0"/>
+                <a:cs typeface="Consolas" pitchFamily="49" charset="0"/>
+              </a:rPr>
+              <a:t>ILedService</a:t>
+            </a:r>
+            <a:endParaRPr lang="ko-KR" altLang="en-US" sz="1600">
+              <a:solidFill>
+                <a:schemeClr val="tx1"/>
+              </a:solidFill>
+              <a:latin typeface="Consolas" pitchFamily="49" charset="0"/>
+              <a:cs typeface="Consolas" pitchFamily="49" charset="0"/>
+            </a:endParaRPr>
+          </a:p>
+        </p:txBody>
+      </p:sp>
+      <p:sp>
+        <p:nvSpPr>
+          <p:cNvPr id="20" name="직사각형 19">
+            <a:extLst>
+              <a:ext uri="{FF2B5EF4-FFF2-40B4-BE49-F238E27FC236}">
+                <a16:creationId xmlns:a16="http://schemas.microsoft.com/office/drawing/2014/main" id="{855E1049-9E5A-46BF-8589-283658964461}"/>
+              </a:ext>
+            </a:extLst>
+          </p:cNvPr>
+          <p:cNvSpPr/>
+          <p:nvPr/>
+        </p:nvSpPr>
+        <p:spPr>
+          <a:xfrm>
+            <a:off x="1067890" y="2500930"/>
+            <a:ext cx="1998921" cy="424013"/>
+          </a:xfrm>
+          <a:prstGeom prst="rect">
+            <a:avLst/>
+          </a:prstGeom>
+          <a:solidFill>
+            <a:srgbClr val="FFFF00"/>
+          </a:solidFill>
+          <a:ln w="12700"/>
+        </p:spPr>
+        <p:style>
+          <a:lnRef idx="2">
+            <a:schemeClr val="accent1">
+              <a:shade val="50000"/>
+            </a:schemeClr>
+          </a:lnRef>
+          <a:fillRef idx="1">
+            <a:schemeClr val="accent1"/>
+          </a:fillRef>
+          <a:effectRef idx="0">
+            <a:schemeClr val="accent1"/>
+          </a:effectRef>
+          <a:fontRef idx="minor">
+            <a:schemeClr val="lt1"/>
+          </a:fontRef>
+        </p:style>
+        <p:txBody>
+          <a:bodyPr rtlCol="0" anchor="ctr"/>
+          <a:lstStyle/>
+          <a:p>
+            <a:pPr algn="ctr"/>
+            <a:r>
+              <a:rPr lang="en-US" altLang="ko-KR" sz="1600">
+                <a:solidFill>
+                  <a:schemeClr val="tx1"/>
+                </a:solidFill>
+                <a:latin typeface="Consolas" pitchFamily="49" charset="0"/>
+                <a:cs typeface="Consolas" pitchFamily="49" charset="0"/>
+              </a:rPr>
+              <a:t>ledOn()=0</a:t>
+            </a:r>
+            <a:endParaRPr lang="ko-KR" altLang="en-US" sz="1600">
+              <a:solidFill>
+                <a:schemeClr val="tx1"/>
+              </a:solidFill>
+              <a:latin typeface="Consolas" pitchFamily="49" charset="0"/>
+              <a:cs typeface="Consolas" pitchFamily="49" charset="0"/>
+            </a:endParaRPr>
+          </a:p>
+        </p:txBody>
+      </p:sp>
+      <p:sp>
+        <p:nvSpPr>
+          <p:cNvPr id="21" name="직사각형 20">
+            <a:extLst>
+              <a:ext uri="{FF2B5EF4-FFF2-40B4-BE49-F238E27FC236}">
+                <a16:creationId xmlns:a16="http://schemas.microsoft.com/office/drawing/2014/main" id="{CD88A72C-F71D-4C7F-B5E5-8D8DC83553D2}"/>
+              </a:ext>
+            </a:extLst>
+          </p:cNvPr>
+          <p:cNvSpPr/>
+          <p:nvPr/>
+        </p:nvSpPr>
+        <p:spPr>
+          <a:xfrm>
+            <a:off x="1067890" y="2924944"/>
+            <a:ext cx="1998921" cy="424013"/>
+          </a:xfrm>
+          <a:prstGeom prst="rect">
+            <a:avLst/>
+          </a:prstGeom>
+          <a:solidFill>
+            <a:srgbClr val="FFFF00"/>
+          </a:solidFill>
+          <a:ln w="12700"/>
+        </p:spPr>
+        <p:style>
+          <a:lnRef idx="2">
+            <a:schemeClr val="accent1">
+              <a:shade val="50000"/>
+            </a:schemeClr>
+          </a:lnRef>
+          <a:fillRef idx="1">
+            <a:schemeClr val="accent1"/>
+          </a:fillRef>
+          <a:effectRef idx="0">
+            <a:schemeClr val="accent1"/>
+          </a:effectRef>
+          <a:fontRef idx="minor">
+            <a:schemeClr val="lt1"/>
+          </a:fontRef>
+        </p:style>
+        <p:txBody>
+          <a:bodyPr rtlCol="0" anchor="ctr"/>
+          <a:lstStyle/>
+          <a:p>
+            <a:pPr algn="ctr"/>
+            <a:endParaRPr lang="ko-KR" altLang="en-US" sz="1600">
+              <a:solidFill>
+                <a:schemeClr val="tx1"/>
+              </a:solidFill>
+              <a:latin typeface="Consolas" pitchFamily="49" charset="0"/>
+              <a:cs typeface="Consolas" pitchFamily="49" charset="0"/>
+            </a:endParaRPr>
+          </a:p>
+        </p:txBody>
+      </p:sp>
+      <p:sp>
+        <p:nvSpPr>
+          <p:cNvPr id="22" name="직사각형 21">
+            <a:extLst>
+              <a:ext uri="{FF2B5EF4-FFF2-40B4-BE49-F238E27FC236}">
+                <a16:creationId xmlns:a16="http://schemas.microsoft.com/office/drawing/2014/main" id="{11BD6449-532A-4100-AC19-7A9F0BCAD9F8}"/>
+              </a:ext>
+            </a:extLst>
+          </p:cNvPr>
+          <p:cNvSpPr/>
+          <p:nvPr/>
+        </p:nvSpPr>
+        <p:spPr>
+          <a:xfrm>
+            <a:off x="3635896" y="2076917"/>
+            <a:ext cx="1998921" cy="424013"/>
+          </a:xfrm>
+          <a:prstGeom prst="rect">
+            <a:avLst/>
+          </a:prstGeom>
+          <a:solidFill>
+            <a:srgbClr val="FFC000"/>
+          </a:solidFill>
+          <a:ln w="12700"/>
+        </p:spPr>
+        <p:style>
+          <a:lnRef idx="2">
+            <a:schemeClr val="accent1">
+              <a:shade val="50000"/>
+            </a:schemeClr>
+          </a:lnRef>
+          <a:fillRef idx="1">
+            <a:schemeClr val="accent1"/>
+          </a:fillRef>
+          <a:effectRef idx="0">
+            <a:schemeClr val="accent1"/>
+          </a:effectRef>
+          <a:fontRef idx="minor">
+            <a:schemeClr val="lt1"/>
+          </a:fontRef>
+        </p:style>
+        <p:txBody>
+          <a:bodyPr rtlCol="0" anchor="ctr"/>
+          <a:lstStyle/>
+          <a:p>
+            <a:pPr algn="ctr"/>
+            <a:r>
+              <a:rPr lang="en-US" altLang="ko-KR" sz="1600">
+                <a:solidFill>
+                  <a:schemeClr val="tx1"/>
+                </a:solidFill>
+                <a:latin typeface="Consolas" pitchFamily="49" charset="0"/>
+                <a:cs typeface="Consolas" pitchFamily="49" charset="0"/>
+              </a:rPr>
+              <a:t>BpRefBase</a:t>
+            </a:r>
+            <a:endParaRPr lang="ko-KR" altLang="en-US" sz="1600">
+              <a:solidFill>
+                <a:schemeClr val="tx1"/>
+              </a:solidFill>
+              <a:latin typeface="Consolas" pitchFamily="49" charset="0"/>
+              <a:cs typeface="Consolas" pitchFamily="49" charset="0"/>
+            </a:endParaRPr>
+          </a:p>
+        </p:txBody>
+      </p:sp>
+      <p:sp>
+        <p:nvSpPr>
+          <p:cNvPr id="23" name="직사각형 22">
+            <a:extLst>
+              <a:ext uri="{FF2B5EF4-FFF2-40B4-BE49-F238E27FC236}">
+                <a16:creationId xmlns:a16="http://schemas.microsoft.com/office/drawing/2014/main" id="{D3ECDC6C-ED18-46EA-B6E6-4598C51E0E62}"/>
+              </a:ext>
+            </a:extLst>
+          </p:cNvPr>
+          <p:cNvSpPr/>
+          <p:nvPr/>
+        </p:nvSpPr>
+        <p:spPr>
+          <a:xfrm>
+            <a:off x="3635896" y="2500930"/>
+            <a:ext cx="1998921" cy="424013"/>
+          </a:xfrm>
+          <a:prstGeom prst="rect">
+            <a:avLst/>
+          </a:prstGeom>
+          <a:solidFill>
+            <a:srgbClr val="FFFF00"/>
+          </a:solidFill>
+          <a:ln w="12700"/>
+        </p:spPr>
+        <p:style>
+          <a:lnRef idx="2">
+            <a:schemeClr val="accent1">
+              <a:shade val="50000"/>
+            </a:schemeClr>
+          </a:lnRef>
+          <a:fillRef idx="1">
+            <a:schemeClr val="accent1"/>
+          </a:fillRef>
+          <a:effectRef idx="0">
+            <a:schemeClr val="accent1"/>
+          </a:effectRef>
+          <a:fontRef idx="minor">
+            <a:schemeClr val="lt1"/>
+          </a:fontRef>
+        </p:style>
+        <p:txBody>
+          <a:bodyPr rtlCol="0" anchor="ctr"/>
+          <a:lstStyle/>
+          <a:p>
+            <a:pPr algn="ctr"/>
+            <a:r>
+              <a:rPr lang="en-US" altLang="ko-KR" sz="1600">
+                <a:solidFill>
+                  <a:schemeClr val="tx1"/>
+                </a:solidFill>
+                <a:latin typeface="Consolas" pitchFamily="49" charset="0"/>
+                <a:cs typeface="Consolas" pitchFamily="49" charset="0"/>
+              </a:rPr>
+              <a:t>remote();</a:t>
+            </a:r>
+            <a:endParaRPr lang="ko-KR" altLang="en-US" sz="1600">
+              <a:solidFill>
+                <a:schemeClr val="tx1"/>
+              </a:solidFill>
+              <a:latin typeface="Consolas" pitchFamily="49" charset="0"/>
+              <a:cs typeface="Consolas" pitchFamily="49" charset="0"/>
+            </a:endParaRPr>
+          </a:p>
+        </p:txBody>
+      </p:sp>
+      <p:sp>
+        <p:nvSpPr>
+          <p:cNvPr id="24" name="직사각형 23">
+            <a:extLst>
+              <a:ext uri="{FF2B5EF4-FFF2-40B4-BE49-F238E27FC236}">
+                <a16:creationId xmlns:a16="http://schemas.microsoft.com/office/drawing/2014/main" id="{27C62D8E-E2C8-4F98-B16A-41352FCD6D85}"/>
+              </a:ext>
+            </a:extLst>
+          </p:cNvPr>
+          <p:cNvSpPr/>
+          <p:nvPr/>
+        </p:nvSpPr>
+        <p:spPr>
+          <a:xfrm>
+            <a:off x="3635896" y="2924944"/>
+            <a:ext cx="1998921" cy="424013"/>
+          </a:xfrm>
+          <a:prstGeom prst="rect">
+            <a:avLst/>
+          </a:prstGeom>
+          <a:solidFill>
+            <a:srgbClr val="FFFF00"/>
+          </a:solidFill>
+          <a:ln w="12700"/>
+        </p:spPr>
+        <p:style>
+          <a:lnRef idx="2">
+            <a:schemeClr val="accent1">
+              <a:shade val="50000"/>
+            </a:schemeClr>
+          </a:lnRef>
+          <a:fillRef idx="1">
+            <a:schemeClr val="accent1"/>
+          </a:fillRef>
+          <a:effectRef idx="0">
+            <a:schemeClr val="accent1"/>
+          </a:effectRef>
+          <a:fontRef idx="minor">
+            <a:schemeClr val="lt1"/>
+          </a:fontRef>
+        </p:style>
+        <p:txBody>
+          <a:bodyPr rtlCol="0" anchor="ctr"/>
+          <a:lstStyle/>
+          <a:p>
+            <a:pPr algn="ctr"/>
+            <a:r>
+              <a:rPr lang="en-US" altLang="ko-KR" sz="1600">
+                <a:solidFill>
+                  <a:schemeClr val="tx1"/>
+                </a:solidFill>
+                <a:latin typeface="Consolas" pitchFamily="49" charset="0"/>
+                <a:cs typeface="Consolas" pitchFamily="49" charset="0"/>
+              </a:rPr>
+              <a:t>mRemote</a:t>
+            </a:r>
+            <a:endParaRPr lang="ko-KR" altLang="en-US" sz="1600">
+              <a:solidFill>
+                <a:schemeClr val="tx1"/>
+              </a:solidFill>
+              <a:latin typeface="Consolas" pitchFamily="49" charset="0"/>
+              <a:cs typeface="Consolas" pitchFamily="49" charset="0"/>
+            </a:endParaRPr>
+          </a:p>
+        </p:txBody>
+      </p:sp>
+      <p:cxnSp>
+        <p:nvCxnSpPr>
+          <p:cNvPr id="25" name="직선 화살표 연결선 24">
+            <a:extLst>
+              <a:ext uri="{FF2B5EF4-FFF2-40B4-BE49-F238E27FC236}">
+                <a16:creationId xmlns:a16="http://schemas.microsoft.com/office/drawing/2014/main" id="{FACC47F7-5E64-46C5-ADA4-BAC3099329D2}"/>
+              </a:ext>
+            </a:extLst>
+          </p:cNvPr>
+          <p:cNvCxnSpPr>
+            <a:cxnSpLocks/>
+            <a:stCxn id="15" idx="0"/>
+            <a:endCxn id="21" idx="2"/>
+          </p:cNvCxnSpPr>
+          <p:nvPr/>
+        </p:nvCxnSpPr>
+        <p:spPr>
+          <a:xfrm flipH="1" flipV="1">
+            <a:off x="2067350" y="3348957"/>
+            <a:ext cx="1279391" cy="424013"/>
+          </a:xfrm>
+          <a:prstGeom prst="straightConnector1">
+            <a:avLst/>
+          </a:prstGeom>
+          <a:ln>
+            <a:solidFill>
+              <a:schemeClr val="tx1"/>
+            </a:solidFill>
+            <a:tailEnd type="triangle"/>
+          </a:ln>
+        </p:spPr>
+        <p:style>
+          <a:lnRef idx="1">
+            <a:schemeClr val="accent1"/>
+          </a:lnRef>
+          <a:fillRef idx="0">
+            <a:schemeClr val="accent1"/>
+          </a:fillRef>
+          <a:effectRef idx="0">
+            <a:schemeClr val="accent1"/>
+          </a:effectRef>
+          <a:fontRef idx="minor">
+            <a:schemeClr val="tx1"/>
+          </a:fontRef>
+        </p:style>
+      </p:cxnSp>
+      <p:cxnSp>
+        <p:nvCxnSpPr>
+          <p:cNvPr id="26" name="직선 화살표 연결선 25">
+            <a:extLst>
+              <a:ext uri="{FF2B5EF4-FFF2-40B4-BE49-F238E27FC236}">
+                <a16:creationId xmlns:a16="http://schemas.microsoft.com/office/drawing/2014/main" id="{D346B7CB-2D27-4490-BA2F-B70663D7D761}"/>
+              </a:ext>
+            </a:extLst>
+          </p:cNvPr>
+          <p:cNvCxnSpPr>
+            <a:cxnSpLocks/>
+            <a:stCxn id="15" idx="0"/>
+            <a:endCxn id="24" idx="2"/>
+          </p:cNvCxnSpPr>
+          <p:nvPr/>
+        </p:nvCxnSpPr>
+        <p:spPr>
+          <a:xfrm flipV="1">
+            <a:off x="3346741" y="3348957"/>
+            <a:ext cx="1288616" cy="424013"/>
+          </a:xfrm>
+          <a:prstGeom prst="straightConnector1">
+            <a:avLst/>
+          </a:prstGeom>
+          <a:ln>
+            <a:solidFill>
+              <a:schemeClr val="tx1"/>
+            </a:solidFill>
+            <a:tailEnd type="triangle"/>
+          </a:ln>
+        </p:spPr>
+        <p:style>
+          <a:lnRef idx="1">
+            <a:schemeClr val="accent1"/>
+          </a:lnRef>
+          <a:fillRef idx="0">
+            <a:schemeClr val="accent1"/>
+          </a:fillRef>
+          <a:effectRef idx="0">
+            <a:schemeClr val="accent1"/>
+          </a:effectRef>
+          <a:fontRef idx="minor">
+            <a:schemeClr val="tx1"/>
+          </a:fontRef>
+        </p:style>
+      </p:cxnSp>
+      <p:sp>
+        <p:nvSpPr>
+          <p:cNvPr id="27" name="직사각형 26">
+            <a:extLst>
+              <a:ext uri="{FF2B5EF4-FFF2-40B4-BE49-F238E27FC236}">
+                <a16:creationId xmlns:a16="http://schemas.microsoft.com/office/drawing/2014/main" id="{2CAD96BB-DA29-42F9-8F5A-DA0BD100D054}"/>
+              </a:ext>
+            </a:extLst>
+          </p:cNvPr>
+          <p:cNvSpPr/>
+          <p:nvPr/>
+        </p:nvSpPr>
+        <p:spPr>
+          <a:xfrm>
+            <a:off x="1067890" y="411151"/>
+            <a:ext cx="1998921" cy="424013"/>
+          </a:xfrm>
+          <a:prstGeom prst="rect">
+            <a:avLst/>
+          </a:prstGeom>
+          <a:solidFill>
+            <a:srgbClr val="FFC000"/>
+          </a:solidFill>
+          <a:ln w="12700"/>
+        </p:spPr>
+        <p:style>
+          <a:lnRef idx="2">
+            <a:schemeClr val="accent1">
+              <a:shade val="50000"/>
+            </a:schemeClr>
+          </a:lnRef>
+          <a:fillRef idx="1">
+            <a:schemeClr val="accent1"/>
+          </a:fillRef>
+          <a:effectRef idx="0">
+            <a:schemeClr val="accent1"/>
+          </a:effectRef>
+          <a:fontRef idx="minor">
+            <a:schemeClr val="lt1"/>
+          </a:fontRef>
+        </p:style>
+        <p:txBody>
+          <a:bodyPr rtlCol="0" anchor="ctr"/>
+          <a:lstStyle/>
+          <a:p>
+            <a:pPr algn="ctr"/>
+            <a:r>
+              <a:rPr lang="en-US" altLang="ko-KR" sz="1600">
+                <a:solidFill>
+                  <a:schemeClr val="tx1"/>
+                </a:solidFill>
+                <a:latin typeface="Consolas" pitchFamily="49" charset="0"/>
+                <a:cs typeface="Consolas" pitchFamily="49" charset="0"/>
+              </a:rPr>
+              <a:t>IInterface</a:t>
+            </a:r>
+            <a:endParaRPr lang="ko-KR" altLang="en-US" sz="1600">
+              <a:solidFill>
+                <a:schemeClr val="tx1"/>
+              </a:solidFill>
+              <a:latin typeface="Consolas" pitchFamily="49" charset="0"/>
+              <a:cs typeface="Consolas" pitchFamily="49" charset="0"/>
+            </a:endParaRPr>
+          </a:p>
+        </p:txBody>
+      </p:sp>
+      <p:sp>
+        <p:nvSpPr>
+          <p:cNvPr id="28" name="직사각형 27">
+            <a:extLst>
+              <a:ext uri="{FF2B5EF4-FFF2-40B4-BE49-F238E27FC236}">
+                <a16:creationId xmlns:a16="http://schemas.microsoft.com/office/drawing/2014/main" id="{8FA94193-375F-4B91-9AA3-1C29C26C9FFD}"/>
+              </a:ext>
+            </a:extLst>
+          </p:cNvPr>
+          <p:cNvSpPr/>
+          <p:nvPr/>
+        </p:nvSpPr>
+        <p:spPr>
+          <a:xfrm>
+            <a:off x="1067890" y="835164"/>
+            <a:ext cx="1998921" cy="424013"/>
+          </a:xfrm>
+          <a:prstGeom prst="rect">
+            <a:avLst/>
+          </a:prstGeom>
+          <a:solidFill>
+            <a:srgbClr val="FFFF00"/>
+          </a:solidFill>
+          <a:ln w="12700"/>
+        </p:spPr>
+        <p:style>
+          <a:lnRef idx="2">
+            <a:schemeClr val="accent1">
+              <a:shade val="50000"/>
+            </a:schemeClr>
+          </a:lnRef>
+          <a:fillRef idx="1">
+            <a:schemeClr val="accent1"/>
+          </a:fillRef>
+          <a:effectRef idx="0">
+            <a:schemeClr val="accent1"/>
+          </a:effectRef>
+          <a:fontRef idx="minor">
+            <a:schemeClr val="lt1"/>
+          </a:fontRef>
+        </p:style>
+        <p:txBody>
+          <a:bodyPr rtlCol="0" anchor="ctr"/>
+          <a:lstStyle/>
+          <a:p>
+            <a:pPr algn="ctr"/>
+            <a:endParaRPr lang="ko-KR" altLang="en-US" sz="1600">
+              <a:solidFill>
+                <a:schemeClr val="tx1"/>
+              </a:solidFill>
+              <a:latin typeface="Consolas" pitchFamily="49" charset="0"/>
+              <a:cs typeface="Consolas" pitchFamily="49" charset="0"/>
+            </a:endParaRPr>
+          </a:p>
+        </p:txBody>
+      </p:sp>
+      <p:sp>
+        <p:nvSpPr>
+          <p:cNvPr id="29" name="직사각형 28">
+            <a:extLst>
+              <a:ext uri="{FF2B5EF4-FFF2-40B4-BE49-F238E27FC236}">
+                <a16:creationId xmlns:a16="http://schemas.microsoft.com/office/drawing/2014/main" id="{67B811DC-E6E4-4F6A-9248-B5D4E49C2B35}"/>
+              </a:ext>
+            </a:extLst>
+          </p:cNvPr>
+          <p:cNvSpPr/>
+          <p:nvPr/>
+        </p:nvSpPr>
+        <p:spPr>
+          <a:xfrm>
+            <a:off x="1067890" y="1259178"/>
+            <a:ext cx="1998921" cy="424013"/>
+          </a:xfrm>
+          <a:prstGeom prst="rect">
+            <a:avLst/>
+          </a:prstGeom>
+          <a:solidFill>
+            <a:srgbClr val="FFFF00"/>
+          </a:solidFill>
+          <a:ln w="12700"/>
+        </p:spPr>
+        <p:style>
+          <a:lnRef idx="2">
+            <a:schemeClr val="accent1">
+              <a:shade val="50000"/>
+            </a:schemeClr>
+          </a:lnRef>
+          <a:fillRef idx="1">
+            <a:schemeClr val="accent1"/>
+          </a:fillRef>
+          <a:effectRef idx="0">
+            <a:schemeClr val="accent1"/>
+          </a:effectRef>
+          <a:fontRef idx="minor">
+            <a:schemeClr val="lt1"/>
+          </a:fontRef>
+        </p:style>
+        <p:txBody>
+          <a:bodyPr rtlCol="0" anchor="ctr"/>
+          <a:lstStyle/>
+          <a:p>
+            <a:pPr algn="ctr"/>
+            <a:endParaRPr lang="ko-KR" altLang="en-US" sz="1600">
+              <a:solidFill>
+                <a:schemeClr val="tx1"/>
+              </a:solidFill>
+              <a:latin typeface="Consolas" pitchFamily="49" charset="0"/>
+              <a:cs typeface="Consolas" pitchFamily="49" charset="0"/>
+            </a:endParaRPr>
+          </a:p>
+        </p:txBody>
+      </p:sp>
+      <p:cxnSp>
+        <p:nvCxnSpPr>
+          <p:cNvPr id="30" name="직선 화살표 연결선 29">
+            <a:extLst>
+              <a:ext uri="{FF2B5EF4-FFF2-40B4-BE49-F238E27FC236}">
+                <a16:creationId xmlns:a16="http://schemas.microsoft.com/office/drawing/2014/main" id="{CBA250BF-CFAC-4B23-AC89-FA4E5CBBB198}"/>
+              </a:ext>
+            </a:extLst>
+          </p:cNvPr>
+          <p:cNvCxnSpPr>
+            <a:cxnSpLocks/>
+            <a:stCxn id="19" idx="0"/>
+            <a:endCxn id="29" idx="2"/>
+          </p:cNvCxnSpPr>
+          <p:nvPr/>
+        </p:nvCxnSpPr>
+        <p:spPr>
+          <a:xfrm flipV="1">
+            <a:off x="2067351" y="1683191"/>
+            <a:ext cx="0" cy="393726"/>
+          </a:xfrm>
+          <a:prstGeom prst="straightConnector1">
+            <a:avLst/>
+          </a:prstGeom>
+          <a:ln>
+            <a:solidFill>
+              <a:schemeClr val="tx1"/>
+            </a:solidFill>
+            <a:tailEnd type="triangle"/>
+          </a:ln>
+        </p:spPr>
+        <p:style>
+          <a:lnRef idx="1">
+            <a:schemeClr val="accent1"/>
+          </a:lnRef>
+          <a:fillRef idx="0">
+            <a:schemeClr val="accent1"/>
+          </a:fillRef>
+          <a:effectRef idx="0">
+            <a:schemeClr val="accent1"/>
+          </a:effectRef>
+          <a:fontRef idx="minor">
+            <a:schemeClr val="tx1"/>
+          </a:fontRef>
+        </p:style>
+      </p:cxnSp>
+      <p:cxnSp>
+        <p:nvCxnSpPr>
+          <p:cNvPr id="31" name="직선 화살표 연결선 30">
+            <a:extLst>
+              <a:ext uri="{FF2B5EF4-FFF2-40B4-BE49-F238E27FC236}">
+                <a16:creationId xmlns:a16="http://schemas.microsoft.com/office/drawing/2014/main" id="{95DF42DE-259A-41F9-9B13-529CEC0F6F41}"/>
+              </a:ext>
+            </a:extLst>
+          </p:cNvPr>
+          <p:cNvCxnSpPr>
+            <a:cxnSpLocks/>
+          </p:cNvCxnSpPr>
+          <p:nvPr/>
+        </p:nvCxnSpPr>
+        <p:spPr>
+          <a:xfrm>
+            <a:off x="410145" y="2279200"/>
+            <a:ext cx="657745" cy="1"/>
+          </a:xfrm>
+          <a:prstGeom prst="straightConnector1">
+            <a:avLst/>
+          </a:prstGeom>
+          <a:ln w="38100">
+            <a:solidFill>
+              <a:srgbClr val="FF0000"/>
+            </a:solidFill>
+            <a:tailEnd type="triangle"/>
+          </a:ln>
+        </p:spPr>
+        <p:style>
+          <a:lnRef idx="1">
+            <a:schemeClr val="accent1"/>
+          </a:lnRef>
+          <a:fillRef idx="0">
+            <a:schemeClr val="accent1"/>
+          </a:fillRef>
+          <a:effectRef idx="0">
+            <a:schemeClr val="accent1"/>
+          </a:effectRef>
+          <a:fontRef idx="minor">
+            <a:schemeClr val="tx1"/>
+          </a:fontRef>
+        </p:style>
+      </p:cxnSp>
+      <p:sp>
+        <p:nvSpPr>
+          <p:cNvPr id="32" name="TextBox 31">
+            <a:extLst>
+              <a:ext uri="{FF2B5EF4-FFF2-40B4-BE49-F238E27FC236}">
+                <a16:creationId xmlns:a16="http://schemas.microsoft.com/office/drawing/2014/main" id="{85F77724-DDA1-459A-9D87-4DEFA0342BA9}"/>
+              </a:ext>
+            </a:extLst>
+          </p:cNvPr>
+          <p:cNvSpPr txBox="1"/>
+          <p:nvPr/>
+        </p:nvSpPr>
+        <p:spPr>
+          <a:xfrm>
+            <a:off x="0" y="2107204"/>
+            <a:ext cx="564578" cy="369332"/>
+          </a:xfrm>
+          <a:prstGeom prst="rect">
+            <a:avLst/>
+          </a:prstGeom>
+          <a:noFill/>
+        </p:spPr>
+        <p:txBody>
+          <a:bodyPr wrap="none" rtlCol="0">
+            <a:spAutoFit/>
+          </a:bodyPr>
+          <a:lstStyle/>
+          <a:p>
+            <a:r>
+              <a:rPr lang="en-US" altLang="ko-KR">
+                <a:latin typeface="Consolas" pitchFamily="49" charset="0"/>
+                <a:cs typeface="Consolas" pitchFamily="49" charset="0"/>
+              </a:rPr>
+              <a:t>led</a:t>
+            </a:r>
+            <a:endParaRPr lang="ko-KR" altLang="en-US">
+              <a:latin typeface="Consolas" pitchFamily="49" charset="0"/>
+              <a:cs typeface="Consolas" pitchFamily="49" charset="0"/>
+            </a:endParaRPr>
+          </a:p>
+        </p:txBody>
+      </p:sp>
+      <p:sp>
+        <p:nvSpPr>
+          <p:cNvPr id="33" name="직사각형 32">
+            <a:extLst>
+              <a:ext uri="{FF2B5EF4-FFF2-40B4-BE49-F238E27FC236}">
+                <a16:creationId xmlns:a16="http://schemas.microsoft.com/office/drawing/2014/main" id="{15100E0B-478F-4B62-AE8C-707225C0407E}"/>
+              </a:ext>
+            </a:extLst>
+          </p:cNvPr>
+          <p:cNvSpPr/>
+          <p:nvPr/>
+        </p:nvSpPr>
+        <p:spPr>
+          <a:xfrm>
+            <a:off x="971600" y="1988840"/>
+            <a:ext cx="2232246" cy="1440160"/>
+          </a:xfrm>
+          <a:prstGeom prst="rect">
+            <a:avLst/>
+          </a:prstGeom>
+          <a:noFill/>
+          <a:ln w="38100">
+            <a:solidFill>
+              <a:srgbClr val="FF0000"/>
+            </a:solidFill>
+          </a:ln>
+        </p:spPr>
+        <p:style>
+          <a:lnRef idx="2">
+            <a:schemeClr val="accent1">
+              <a:shade val="50000"/>
+            </a:schemeClr>
+          </a:lnRef>
+          <a:fillRef idx="1">
+            <a:schemeClr val="accent1"/>
+          </a:fillRef>
+          <a:effectRef idx="0">
+            <a:schemeClr val="accent1"/>
+          </a:effectRef>
+          <a:fontRef idx="minor">
+            <a:schemeClr val="lt1"/>
+          </a:fontRef>
+        </p:style>
+        <p:txBody>
+          <a:bodyPr rtlCol="0" anchor="ctr"/>
+          <a:lstStyle/>
+          <a:p>
+            <a:pPr algn="ctr"/>
+            <a:endParaRPr lang="ko-KR" altLang="en-US">
+              <a:solidFill>
+                <a:schemeClr val="tx1"/>
+              </a:solidFill>
+              <a:latin typeface="Consolas" pitchFamily="49" charset="0"/>
+              <a:cs typeface="Consolas" pitchFamily="49" charset="0"/>
+            </a:endParaRPr>
+          </a:p>
+        </p:txBody>
+      </p:sp>
+      <p:sp>
+        <p:nvSpPr>
+          <p:cNvPr id="34" name="직사각형 33">
+            <a:extLst>
+              <a:ext uri="{FF2B5EF4-FFF2-40B4-BE49-F238E27FC236}">
+                <a16:creationId xmlns:a16="http://schemas.microsoft.com/office/drawing/2014/main" id="{230DE2B0-C34B-4A8C-A66A-D0B6586D8D00}"/>
+              </a:ext>
+            </a:extLst>
+          </p:cNvPr>
+          <p:cNvSpPr/>
+          <p:nvPr/>
+        </p:nvSpPr>
+        <p:spPr>
+          <a:xfrm>
+            <a:off x="2230618" y="5310048"/>
+            <a:ext cx="2232246" cy="1440160"/>
+          </a:xfrm>
+          <a:prstGeom prst="rect">
+            <a:avLst/>
+          </a:prstGeom>
+          <a:noFill/>
+          <a:ln w="38100">
+            <a:solidFill>
+              <a:srgbClr val="FF0000"/>
+            </a:solidFill>
+          </a:ln>
+        </p:spPr>
+        <p:style>
+          <a:lnRef idx="2">
+            <a:schemeClr val="accent1">
+              <a:shade val="50000"/>
+            </a:schemeClr>
+          </a:lnRef>
+          <a:fillRef idx="1">
+            <a:schemeClr val="accent1"/>
+          </a:fillRef>
+          <a:effectRef idx="0">
+            <a:schemeClr val="accent1"/>
+          </a:effectRef>
+          <a:fontRef idx="minor">
+            <a:schemeClr val="lt1"/>
+          </a:fontRef>
+        </p:style>
+        <p:txBody>
+          <a:bodyPr rtlCol="0" anchor="ctr"/>
+          <a:lstStyle/>
+          <a:p>
+            <a:pPr algn="ctr"/>
+            <a:endParaRPr lang="ko-KR" altLang="en-US">
+              <a:solidFill>
+                <a:schemeClr val="tx1"/>
+              </a:solidFill>
+              <a:latin typeface="Consolas" pitchFamily="49" charset="0"/>
+              <a:cs typeface="Consolas" pitchFamily="49" charset="0"/>
+            </a:endParaRPr>
+          </a:p>
+        </p:txBody>
+      </p:sp>
+      <p:sp>
+        <p:nvSpPr>
+          <p:cNvPr id="35" name="TextBox 34">
+            <a:extLst>
+              <a:ext uri="{FF2B5EF4-FFF2-40B4-BE49-F238E27FC236}">
+                <a16:creationId xmlns:a16="http://schemas.microsoft.com/office/drawing/2014/main" id="{1CA00565-AD49-4BA9-8E0F-77B559E74799}"/>
+              </a:ext>
+            </a:extLst>
+          </p:cNvPr>
+          <p:cNvSpPr txBox="1"/>
+          <p:nvPr/>
+        </p:nvSpPr>
+        <p:spPr>
+          <a:xfrm>
+            <a:off x="-1259363" y="2704797"/>
+            <a:ext cx="1830950" cy="369332"/>
+          </a:xfrm>
+          <a:prstGeom prst="rect">
+            <a:avLst/>
+          </a:prstGeom>
+          <a:noFill/>
+        </p:spPr>
+        <p:txBody>
+          <a:bodyPr wrap="none" rtlCol="0">
+            <a:spAutoFit/>
+          </a:bodyPr>
+          <a:lstStyle/>
+          <a:p>
+            <a:pPr algn="ctr"/>
+            <a:r>
+              <a:rPr lang="en-US" altLang="ko-KR">
+                <a:latin typeface="Consolas" pitchFamily="49" charset="0"/>
+                <a:cs typeface="Consolas" pitchFamily="49" charset="0"/>
+              </a:rPr>
+              <a:t>ILedService.h</a:t>
+            </a:r>
+            <a:endParaRPr lang="ko-KR" altLang="en-US">
+              <a:latin typeface="Consolas" pitchFamily="49" charset="0"/>
+              <a:cs typeface="Consolas" pitchFamily="49" charset="0"/>
+            </a:endParaRPr>
+          </a:p>
+        </p:txBody>
+      </p:sp>
+      <p:sp>
+        <p:nvSpPr>
+          <p:cNvPr id="36" name="TextBox 35">
+            <a:extLst>
+              <a:ext uri="{FF2B5EF4-FFF2-40B4-BE49-F238E27FC236}">
+                <a16:creationId xmlns:a16="http://schemas.microsoft.com/office/drawing/2014/main" id="{E66E9957-472A-4A9A-9DC0-2F5A542CFBF9}"/>
+              </a:ext>
+            </a:extLst>
+          </p:cNvPr>
+          <p:cNvSpPr txBox="1"/>
+          <p:nvPr/>
+        </p:nvSpPr>
+        <p:spPr>
+          <a:xfrm>
+            <a:off x="-303095" y="5251126"/>
+            <a:ext cx="2084225" cy="369332"/>
+          </a:xfrm>
+          <a:prstGeom prst="rect">
+            <a:avLst/>
+          </a:prstGeom>
+          <a:noFill/>
+        </p:spPr>
+        <p:txBody>
+          <a:bodyPr wrap="none" rtlCol="0">
+            <a:spAutoFit/>
+          </a:bodyPr>
+          <a:lstStyle/>
+          <a:p>
+            <a:pPr algn="ctr"/>
+            <a:r>
+              <a:rPr lang="en-US" altLang="ko-KR">
+                <a:latin typeface="Consolas" pitchFamily="49" charset="0"/>
+                <a:cs typeface="Consolas" pitchFamily="49" charset="0"/>
+              </a:rPr>
+              <a:t>ILedService.cpp</a:t>
+            </a:r>
+            <a:endParaRPr lang="ko-KR" altLang="en-US">
+              <a:latin typeface="Consolas" pitchFamily="49" charset="0"/>
+              <a:cs typeface="Consolas" pitchFamily="49" charset="0"/>
+            </a:endParaRPr>
+          </a:p>
+        </p:txBody>
+      </p:sp>
+      <p:cxnSp>
+        <p:nvCxnSpPr>
+          <p:cNvPr id="37" name="직선 화살표 연결선 36">
+            <a:extLst>
+              <a:ext uri="{FF2B5EF4-FFF2-40B4-BE49-F238E27FC236}">
+                <a16:creationId xmlns:a16="http://schemas.microsoft.com/office/drawing/2014/main" id="{102F308E-6302-48CD-A97B-7B7ED9271CA0}"/>
+              </a:ext>
+            </a:extLst>
+          </p:cNvPr>
+          <p:cNvCxnSpPr>
+            <a:cxnSpLocks/>
+            <a:endCxn id="7" idx="3"/>
+          </p:cNvCxnSpPr>
+          <p:nvPr/>
+        </p:nvCxnSpPr>
+        <p:spPr>
+          <a:xfrm flipH="1">
+            <a:off x="8484714" y="2888660"/>
+            <a:ext cx="767806" cy="5998"/>
+          </a:xfrm>
+          <a:prstGeom prst="straightConnector1">
+            <a:avLst/>
+          </a:prstGeom>
+          <a:ln w="38100">
+            <a:solidFill>
+              <a:srgbClr val="FF0000"/>
+            </a:solidFill>
+            <a:tailEnd type="triangle"/>
+          </a:ln>
+        </p:spPr>
+        <p:style>
+          <a:lnRef idx="1">
+            <a:schemeClr val="accent1"/>
+          </a:lnRef>
+          <a:fillRef idx="0">
+            <a:schemeClr val="accent1"/>
+          </a:fillRef>
+          <a:effectRef idx="0">
+            <a:schemeClr val="accent1"/>
+          </a:effectRef>
+          <a:fontRef idx="minor">
+            <a:schemeClr val="tx1"/>
+          </a:fontRef>
+        </p:style>
+      </p:cxnSp>
+      <p:sp>
+        <p:nvSpPr>
+          <p:cNvPr id="40" name="TextBox 39">
+            <a:extLst>
+              <a:ext uri="{FF2B5EF4-FFF2-40B4-BE49-F238E27FC236}">
+                <a16:creationId xmlns:a16="http://schemas.microsoft.com/office/drawing/2014/main" id="{97BFD8C4-C389-4C57-9CD5-897846A5C189}"/>
+              </a:ext>
+            </a:extLst>
+          </p:cNvPr>
+          <p:cNvSpPr txBox="1"/>
+          <p:nvPr/>
+        </p:nvSpPr>
+        <p:spPr>
+          <a:xfrm>
+            <a:off x="9252520" y="2533537"/>
+            <a:ext cx="944489" cy="369332"/>
+          </a:xfrm>
+          <a:prstGeom prst="rect">
+            <a:avLst/>
+          </a:prstGeom>
+          <a:noFill/>
+        </p:spPr>
+        <p:txBody>
+          <a:bodyPr wrap="none" rtlCol="0">
+            <a:spAutoFit/>
+          </a:bodyPr>
+          <a:lstStyle/>
+          <a:p>
+            <a:r>
+              <a:rPr lang="en-US" altLang="ko-KR">
+                <a:latin typeface="Consolas" pitchFamily="49" charset="0"/>
+                <a:cs typeface="Consolas" pitchFamily="49" charset="0"/>
+              </a:rPr>
+              <a:t>binder</a:t>
+            </a:r>
+            <a:endParaRPr lang="ko-KR" altLang="en-US">
+              <a:latin typeface="Consolas" pitchFamily="49" charset="0"/>
+              <a:cs typeface="Consolas" pitchFamily="49" charset="0"/>
+            </a:endParaRPr>
+          </a:p>
+        </p:txBody>
+      </p:sp>
+      <p:sp>
+        <p:nvSpPr>
+          <p:cNvPr id="41" name="TextBox 40">
+            <a:extLst>
+              <a:ext uri="{FF2B5EF4-FFF2-40B4-BE49-F238E27FC236}">
+                <a16:creationId xmlns:a16="http://schemas.microsoft.com/office/drawing/2014/main" id="{2E292818-8A1C-415D-A101-639B42A594DC}"/>
+              </a:ext>
+            </a:extLst>
+          </p:cNvPr>
+          <p:cNvSpPr txBox="1"/>
+          <p:nvPr/>
+        </p:nvSpPr>
+        <p:spPr>
+          <a:xfrm>
+            <a:off x="4788024" y="707161"/>
+            <a:ext cx="4110421" cy="646331"/>
+          </a:xfrm>
+          <a:prstGeom prst="rect">
+            <a:avLst/>
+          </a:prstGeom>
+          <a:noFill/>
+        </p:spPr>
+        <p:txBody>
+          <a:bodyPr wrap="none" rtlCol="0">
+            <a:spAutoFit/>
+          </a:bodyPr>
+          <a:lstStyle/>
+          <a:p>
+            <a:r>
+              <a:rPr lang="en-US" altLang="ko-KR">
+                <a:latin typeface="Consolas" pitchFamily="49" charset="0"/>
+                <a:cs typeface="Consolas" pitchFamily="49" charset="0"/>
+              </a:rPr>
+              <a:t>asInterface();</a:t>
+            </a:r>
+          </a:p>
+          <a:p>
+            <a:r>
+              <a:rPr lang="en-US" altLang="ko-KR">
+                <a:latin typeface="Consolas" pitchFamily="49" charset="0"/>
+                <a:cs typeface="Consolas" pitchFamily="49" charset="0"/>
+              </a:rPr>
+              <a:t>led = interface_cast( binder );</a:t>
+            </a:r>
+            <a:endParaRPr lang="ko-KR" altLang="en-US">
+              <a:latin typeface="Consolas" pitchFamily="49" charset="0"/>
+              <a:cs typeface="Consolas" pitchFamily="49" charset="0"/>
+            </a:endParaRPr>
+          </a:p>
+        </p:txBody>
+      </p:sp>
+    </p:spTree>
+    <p:extLst>
+      <p:ext uri="{BB962C8B-B14F-4D97-AF65-F5344CB8AC3E}">
+        <p14:creationId xmlns:p14="http://schemas.microsoft.com/office/powerpoint/2010/main" val="2644219337"/>
+      </p:ext>
+    </p:extLst>
+  </p:cSld>
+  <p:clrMapOvr>
+    <a:masterClrMapping/>
+  </p:clrMapOvr>
+</p:sld>
+</file>
+
+<file path=ppt/slides/slide23.xml><?xml version="1.0" encoding="utf-8"?>
+<p:sld xmlns:a="http://schemas.openxmlformats.org/drawingml/2006/main" xmlns:r="http://schemas.openxmlformats.org/officeDocument/2006/relationships" xmlns:p="http://schemas.openxmlformats.org/presentationml/2006/main">
+  <p:cSld>
+    <p:spTree>
+      <p:nvGrpSpPr>
+        <p:cNvPr id="1" name=""/>
+        <p:cNvGrpSpPr/>
+        <p:nvPr/>
+      </p:nvGrpSpPr>
+      <p:grpSpPr>
+        <a:xfrm>
+          <a:off x="0" y="0"/>
+          <a:ext cx="0" cy="0"/>
+          <a:chOff x="0" y="0"/>
+          <a:chExt cx="0" cy="0"/>
+        </a:xfrm>
+      </p:grpSpPr>
+      <p:sp>
+        <p:nvSpPr>
+          <p:cNvPr id="66" name="직사각형 65">
+            <a:extLst>
+              <a:ext uri="{FF2B5EF4-FFF2-40B4-BE49-F238E27FC236}">
+                <a16:creationId xmlns:a16="http://schemas.microsoft.com/office/drawing/2014/main" id="{0C397D33-D124-4D06-9C28-CD166ECBCC31}"/>
+              </a:ext>
+            </a:extLst>
+          </p:cNvPr>
+          <p:cNvSpPr/>
+          <p:nvPr/>
+        </p:nvSpPr>
+        <p:spPr>
+          <a:xfrm>
+            <a:off x="2771800" y="5626759"/>
+            <a:ext cx="1998921" cy="369164"/>
+          </a:xfrm>
+          <a:prstGeom prst="rect">
+            <a:avLst/>
+          </a:prstGeom>
+          <a:solidFill>
+            <a:srgbClr val="FFC000"/>
+          </a:solidFill>
+          <a:ln w="12700"/>
+        </p:spPr>
+        <p:style>
+          <a:lnRef idx="2">
+            <a:schemeClr val="accent1">
+              <a:shade val="50000"/>
+            </a:schemeClr>
+          </a:lnRef>
+          <a:fillRef idx="1">
+            <a:schemeClr val="accent1"/>
+          </a:fillRef>
+          <a:effectRef idx="0">
+            <a:schemeClr val="accent1"/>
+          </a:effectRef>
+          <a:fontRef idx="minor">
+            <a:schemeClr val="lt1"/>
+          </a:fontRef>
+        </p:style>
+        <p:txBody>
+          <a:bodyPr rtlCol="0" anchor="ctr"/>
+          <a:lstStyle/>
+          <a:p>
+            <a:pPr algn="ctr"/>
+            <a:r>
+              <a:rPr lang="en-US" altLang="ko-KR" sz="1600">
+                <a:solidFill>
+                  <a:schemeClr val="tx1"/>
+                </a:solidFill>
+                <a:latin typeface="Consolas" pitchFamily="49" charset="0"/>
+                <a:cs typeface="Consolas" pitchFamily="49" charset="0"/>
+              </a:rPr>
+              <a:t>AudioFlinger</a:t>
+            </a:r>
+            <a:endParaRPr lang="ko-KR" altLang="en-US" sz="1600">
+              <a:solidFill>
+                <a:schemeClr val="tx1"/>
+              </a:solidFill>
+              <a:latin typeface="Consolas" pitchFamily="49" charset="0"/>
+              <a:cs typeface="Consolas" pitchFamily="49" charset="0"/>
+            </a:endParaRPr>
+          </a:p>
+        </p:txBody>
+      </p:sp>
+      <p:sp>
+        <p:nvSpPr>
+          <p:cNvPr id="67" name="직사각형 66">
+            <a:extLst>
+              <a:ext uri="{FF2B5EF4-FFF2-40B4-BE49-F238E27FC236}">
+                <a16:creationId xmlns:a16="http://schemas.microsoft.com/office/drawing/2014/main" id="{AC727597-EFBC-45BB-8165-58361D8EB5D1}"/>
+              </a:ext>
+            </a:extLst>
+          </p:cNvPr>
+          <p:cNvSpPr/>
+          <p:nvPr/>
+        </p:nvSpPr>
+        <p:spPr>
+          <a:xfrm>
+            <a:off x="2771800" y="5995922"/>
+            <a:ext cx="1998921" cy="369164"/>
+          </a:xfrm>
+          <a:prstGeom prst="rect">
+            <a:avLst/>
+          </a:prstGeom>
+          <a:solidFill>
+            <a:srgbClr val="FFFF00"/>
+          </a:solidFill>
+          <a:ln w="12700"/>
+        </p:spPr>
+        <p:style>
+          <a:lnRef idx="2">
+            <a:schemeClr val="accent1">
+              <a:shade val="50000"/>
+            </a:schemeClr>
+          </a:lnRef>
+          <a:fillRef idx="1">
+            <a:schemeClr val="accent1"/>
+          </a:fillRef>
+          <a:effectRef idx="0">
+            <a:schemeClr val="accent1"/>
+          </a:effectRef>
+          <a:fontRef idx="minor">
+            <a:schemeClr val="lt1"/>
+          </a:fontRef>
+        </p:style>
+        <p:txBody>
+          <a:bodyPr rtlCol="0" anchor="ctr"/>
+          <a:lstStyle/>
+          <a:p>
+            <a:pPr algn="ctr"/>
+            <a:endParaRPr lang="ko-KR" altLang="en-US" sz="1600">
+              <a:solidFill>
+                <a:schemeClr val="tx1"/>
+              </a:solidFill>
+              <a:latin typeface="Consolas" pitchFamily="49" charset="0"/>
+              <a:cs typeface="Consolas" pitchFamily="49" charset="0"/>
+            </a:endParaRPr>
+          </a:p>
+        </p:txBody>
+      </p:sp>
+      <p:sp>
+        <p:nvSpPr>
+          <p:cNvPr id="68" name="직사각형 67">
+            <a:extLst>
+              <a:ext uri="{FF2B5EF4-FFF2-40B4-BE49-F238E27FC236}">
+                <a16:creationId xmlns:a16="http://schemas.microsoft.com/office/drawing/2014/main" id="{3BDBFC7A-1E3D-47BE-B97C-CCF4262F53A3}"/>
+              </a:ext>
+            </a:extLst>
+          </p:cNvPr>
+          <p:cNvSpPr/>
+          <p:nvPr/>
+        </p:nvSpPr>
+        <p:spPr>
+          <a:xfrm>
+            <a:off x="2771800" y="6365087"/>
+            <a:ext cx="1998921" cy="369164"/>
+          </a:xfrm>
+          <a:prstGeom prst="rect">
+            <a:avLst/>
+          </a:prstGeom>
+          <a:solidFill>
+            <a:srgbClr val="FFFF00"/>
+          </a:solidFill>
+          <a:ln w="12700"/>
+        </p:spPr>
+        <p:style>
+          <a:lnRef idx="2">
+            <a:schemeClr val="accent1">
+              <a:shade val="50000"/>
+            </a:schemeClr>
+          </a:lnRef>
+          <a:fillRef idx="1">
+            <a:schemeClr val="accent1"/>
+          </a:fillRef>
+          <a:effectRef idx="0">
+            <a:schemeClr val="accent1"/>
+          </a:effectRef>
+          <a:fontRef idx="minor">
+            <a:schemeClr val="lt1"/>
+          </a:fontRef>
+        </p:style>
+        <p:txBody>
+          <a:bodyPr rtlCol="0" anchor="ctr"/>
+          <a:lstStyle/>
+          <a:p>
+            <a:pPr algn="ctr"/>
+            <a:r>
+              <a:rPr lang="en-US" altLang="ko-KR" sz="1600">
+                <a:solidFill>
+                  <a:schemeClr val="tx1"/>
+                </a:solidFill>
+                <a:latin typeface="Consolas" pitchFamily="49" charset="0"/>
+                <a:cs typeface="Consolas" pitchFamily="49" charset="0"/>
+              </a:rPr>
+              <a:t>createTrack(){}</a:t>
+            </a:r>
+            <a:endParaRPr lang="ko-KR" altLang="en-US" sz="1600">
+              <a:solidFill>
+                <a:schemeClr val="tx1"/>
+              </a:solidFill>
+              <a:latin typeface="Consolas" pitchFamily="49" charset="0"/>
+              <a:cs typeface="Consolas" pitchFamily="49" charset="0"/>
+            </a:endParaRPr>
+          </a:p>
+        </p:txBody>
+      </p:sp>
+      <p:sp>
+        <p:nvSpPr>
+          <p:cNvPr id="69" name="직사각형 68">
+            <a:extLst>
+              <a:ext uri="{FF2B5EF4-FFF2-40B4-BE49-F238E27FC236}">
+                <a16:creationId xmlns:a16="http://schemas.microsoft.com/office/drawing/2014/main" id="{CC55F3AE-4416-48B3-B65C-780AD6646925}"/>
+              </a:ext>
+            </a:extLst>
+          </p:cNvPr>
+          <p:cNvSpPr/>
+          <p:nvPr/>
+        </p:nvSpPr>
+        <p:spPr>
+          <a:xfrm>
+            <a:off x="2771800" y="4202839"/>
+            <a:ext cx="1998921" cy="369164"/>
+          </a:xfrm>
+          <a:prstGeom prst="rect">
+            <a:avLst/>
+          </a:prstGeom>
+          <a:solidFill>
+            <a:srgbClr val="FFC000"/>
+          </a:solidFill>
+          <a:ln w="12700"/>
+        </p:spPr>
+        <p:style>
+          <a:lnRef idx="2">
+            <a:schemeClr val="accent1">
+              <a:shade val="50000"/>
+            </a:schemeClr>
+          </a:lnRef>
+          <a:fillRef idx="1">
+            <a:schemeClr val="accent1"/>
+          </a:fillRef>
+          <a:effectRef idx="0">
+            <a:schemeClr val="accent1"/>
+          </a:effectRef>
+          <a:fontRef idx="minor">
+            <a:schemeClr val="lt1"/>
+          </a:fontRef>
+        </p:style>
+        <p:txBody>
+          <a:bodyPr rtlCol="0" anchor="ctr"/>
+          <a:lstStyle/>
+          <a:p>
+            <a:pPr algn="ctr"/>
+            <a:r>
+              <a:rPr lang="en-US" altLang="ko-KR" sz="1600">
+                <a:solidFill>
+                  <a:schemeClr val="tx1"/>
+                </a:solidFill>
+                <a:latin typeface="Consolas" pitchFamily="49" charset="0"/>
+                <a:cs typeface="Consolas" pitchFamily="49" charset="0"/>
+              </a:rPr>
+              <a:t>BnAudioFlinger</a:t>
+            </a:r>
+            <a:endParaRPr lang="ko-KR" altLang="en-US" sz="1600">
+              <a:solidFill>
+                <a:schemeClr val="tx1"/>
+              </a:solidFill>
+              <a:latin typeface="Consolas" pitchFamily="49" charset="0"/>
+              <a:cs typeface="Consolas" pitchFamily="49" charset="0"/>
+            </a:endParaRPr>
+          </a:p>
+        </p:txBody>
+      </p:sp>
+      <p:sp>
+        <p:nvSpPr>
+          <p:cNvPr id="70" name="직사각형 69">
+            <a:extLst>
+              <a:ext uri="{FF2B5EF4-FFF2-40B4-BE49-F238E27FC236}">
+                <a16:creationId xmlns:a16="http://schemas.microsoft.com/office/drawing/2014/main" id="{ABD3649A-9BE9-42A7-9CF9-6B5D5C3FA92A}"/>
+              </a:ext>
+            </a:extLst>
+          </p:cNvPr>
+          <p:cNvSpPr/>
+          <p:nvPr/>
+        </p:nvSpPr>
+        <p:spPr>
+          <a:xfrm>
+            <a:off x="2771800" y="4572003"/>
+            <a:ext cx="1998921" cy="369164"/>
+          </a:xfrm>
+          <a:prstGeom prst="rect">
+            <a:avLst/>
+          </a:prstGeom>
+          <a:solidFill>
+            <a:srgbClr val="FFFF00"/>
+          </a:solidFill>
+          <a:ln w="12700"/>
+        </p:spPr>
+        <p:style>
+          <a:lnRef idx="2">
+            <a:schemeClr val="accent1">
+              <a:shade val="50000"/>
+            </a:schemeClr>
+          </a:lnRef>
+          <a:fillRef idx="1">
+            <a:schemeClr val="accent1"/>
+          </a:fillRef>
+          <a:effectRef idx="0">
+            <a:schemeClr val="accent1"/>
+          </a:effectRef>
+          <a:fontRef idx="minor">
+            <a:schemeClr val="lt1"/>
+          </a:fontRef>
+        </p:style>
+        <p:txBody>
+          <a:bodyPr rtlCol="0" anchor="ctr"/>
+          <a:lstStyle/>
+          <a:p>
+            <a:pPr algn="ctr"/>
+            <a:endParaRPr lang="ko-KR" altLang="en-US" sz="1600">
+              <a:solidFill>
+                <a:schemeClr val="tx1"/>
+              </a:solidFill>
+              <a:latin typeface="Consolas" pitchFamily="49" charset="0"/>
+              <a:cs typeface="Consolas" pitchFamily="49" charset="0"/>
+            </a:endParaRPr>
+          </a:p>
+        </p:txBody>
+      </p:sp>
+      <p:sp>
+        <p:nvSpPr>
+          <p:cNvPr id="71" name="직사각형 70">
+            <a:extLst>
+              <a:ext uri="{FF2B5EF4-FFF2-40B4-BE49-F238E27FC236}">
+                <a16:creationId xmlns:a16="http://schemas.microsoft.com/office/drawing/2014/main" id="{E2652FF9-BFA8-4CDF-B14A-1D68D0A52CD3}"/>
+              </a:ext>
+            </a:extLst>
+          </p:cNvPr>
+          <p:cNvSpPr/>
+          <p:nvPr/>
+        </p:nvSpPr>
+        <p:spPr>
+          <a:xfrm>
+            <a:off x="2771800" y="4941168"/>
+            <a:ext cx="1998921" cy="369164"/>
+          </a:xfrm>
+          <a:prstGeom prst="rect">
+            <a:avLst/>
+          </a:prstGeom>
+          <a:solidFill>
+            <a:srgbClr val="FFFF00"/>
+          </a:solidFill>
+          <a:ln w="12700"/>
+        </p:spPr>
+        <p:style>
+          <a:lnRef idx="2">
+            <a:schemeClr val="accent1">
+              <a:shade val="50000"/>
+            </a:schemeClr>
+          </a:lnRef>
+          <a:fillRef idx="1">
+            <a:schemeClr val="accent1"/>
+          </a:fillRef>
+          <a:effectRef idx="0">
+            <a:schemeClr val="accent1"/>
+          </a:effectRef>
+          <a:fontRef idx="minor">
+            <a:schemeClr val="lt1"/>
+          </a:fontRef>
+        </p:style>
+        <p:txBody>
+          <a:bodyPr rtlCol="0" anchor="ctr"/>
+          <a:lstStyle/>
+          <a:p>
+            <a:pPr algn="ctr"/>
+            <a:r>
+              <a:rPr lang="en-US" altLang="ko-KR" sz="1600">
+                <a:solidFill>
+                  <a:schemeClr val="tx1"/>
+                </a:solidFill>
+                <a:latin typeface="Consolas" pitchFamily="49" charset="0"/>
+                <a:cs typeface="Consolas" pitchFamily="49" charset="0"/>
+              </a:rPr>
+              <a:t>onTransact();</a:t>
+            </a:r>
+            <a:endParaRPr lang="ko-KR" altLang="en-US" sz="1600">
+              <a:solidFill>
+                <a:schemeClr val="tx1"/>
+              </a:solidFill>
+              <a:latin typeface="Consolas" pitchFamily="49" charset="0"/>
+              <a:cs typeface="Consolas" pitchFamily="49" charset="0"/>
+            </a:endParaRPr>
+          </a:p>
+        </p:txBody>
+      </p:sp>
+      <p:cxnSp>
+        <p:nvCxnSpPr>
+          <p:cNvPr id="72" name="직선 화살표 연결선 71">
+            <a:extLst>
+              <a:ext uri="{FF2B5EF4-FFF2-40B4-BE49-F238E27FC236}">
+                <a16:creationId xmlns:a16="http://schemas.microsoft.com/office/drawing/2014/main" id="{7176047B-1030-4BC8-B761-4D7642D57A7A}"/>
+              </a:ext>
+            </a:extLst>
+          </p:cNvPr>
+          <p:cNvCxnSpPr>
+            <a:cxnSpLocks/>
+            <a:stCxn id="66" idx="0"/>
+            <a:endCxn id="71" idx="2"/>
+          </p:cNvCxnSpPr>
+          <p:nvPr/>
+        </p:nvCxnSpPr>
+        <p:spPr>
+          <a:xfrm flipV="1">
+            <a:off x="3771260" y="5310331"/>
+            <a:ext cx="0" cy="316426"/>
+          </a:xfrm>
+          <a:prstGeom prst="straightConnector1">
+            <a:avLst/>
+          </a:prstGeom>
+          <a:ln>
+            <a:solidFill>
+              <a:schemeClr val="tx1"/>
+            </a:solidFill>
+            <a:tailEnd type="triangle"/>
+          </a:ln>
+        </p:spPr>
+        <p:style>
+          <a:lnRef idx="1">
+            <a:schemeClr val="accent1"/>
+          </a:lnRef>
+          <a:fillRef idx="0">
+            <a:schemeClr val="accent1"/>
+          </a:fillRef>
+          <a:effectRef idx="0">
+            <a:schemeClr val="accent1"/>
+          </a:effectRef>
+          <a:fontRef idx="minor">
+            <a:schemeClr val="tx1"/>
+          </a:fontRef>
+        </p:style>
+      </p:cxnSp>
+      <p:sp>
+        <p:nvSpPr>
+          <p:cNvPr id="73" name="직사각형 72">
+            <a:extLst>
+              <a:ext uri="{FF2B5EF4-FFF2-40B4-BE49-F238E27FC236}">
+                <a16:creationId xmlns:a16="http://schemas.microsoft.com/office/drawing/2014/main" id="{FF1349D3-48B7-4884-9D4D-A90DD5505B87}"/>
+              </a:ext>
+            </a:extLst>
+          </p:cNvPr>
+          <p:cNvSpPr/>
+          <p:nvPr/>
+        </p:nvSpPr>
+        <p:spPr>
+          <a:xfrm>
+            <a:off x="2771799" y="2769871"/>
+            <a:ext cx="1998921" cy="369164"/>
+          </a:xfrm>
+          <a:prstGeom prst="rect">
+            <a:avLst/>
+          </a:prstGeom>
+          <a:solidFill>
+            <a:srgbClr val="FFC000"/>
+          </a:solidFill>
+          <a:ln w="12700"/>
+        </p:spPr>
+        <p:style>
+          <a:lnRef idx="2">
+            <a:schemeClr val="accent1">
+              <a:shade val="50000"/>
+            </a:schemeClr>
+          </a:lnRef>
+          <a:fillRef idx="1">
+            <a:schemeClr val="accent1"/>
+          </a:fillRef>
+          <a:effectRef idx="0">
+            <a:schemeClr val="accent1"/>
+          </a:effectRef>
+          <a:fontRef idx="minor">
+            <a:schemeClr val="lt1"/>
+          </a:fontRef>
+        </p:style>
+        <p:txBody>
+          <a:bodyPr rtlCol="0" anchor="ctr"/>
+          <a:lstStyle/>
+          <a:p>
+            <a:pPr algn="ctr"/>
+            <a:r>
+              <a:rPr lang="en-US" altLang="ko-KR" sz="1600">
+                <a:solidFill>
+                  <a:schemeClr val="tx1"/>
+                </a:solidFill>
+                <a:latin typeface="Consolas" pitchFamily="49" charset="0"/>
+                <a:cs typeface="Consolas" pitchFamily="49" charset="0"/>
+              </a:rPr>
+              <a:t>BnInterface</a:t>
+            </a:r>
+            <a:endParaRPr lang="ko-KR" altLang="en-US" sz="1600">
+              <a:solidFill>
+                <a:schemeClr val="tx1"/>
+              </a:solidFill>
+              <a:latin typeface="Consolas" pitchFamily="49" charset="0"/>
+              <a:cs typeface="Consolas" pitchFamily="49" charset="0"/>
+            </a:endParaRPr>
+          </a:p>
+        </p:txBody>
+      </p:sp>
+      <p:sp>
+        <p:nvSpPr>
+          <p:cNvPr id="74" name="직사각형 73">
+            <a:extLst>
+              <a:ext uri="{FF2B5EF4-FFF2-40B4-BE49-F238E27FC236}">
+                <a16:creationId xmlns:a16="http://schemas.microsoft.com/office/drawing/2014/main" id="{9A5AABCF-BB4B-483E-8E8C-DD33D0673F71}"/>
+              </a:ext>
+            </a:extLst>
+          </p:cNvPr>
+          <p:cNvSpPr/>
+          <p:nvPr/>
+        </p:nvSpPr>
+        <p:spPr>
+          <a:xfrm>
+            <a:off x="2771799" y="3139035"/>
+            <a:ext cx="1998921" cy="369164"/>
+          </a:xfrm>
+          <a:prstGeom prst="rect">
+            <a:avLst/>
+          </a:prstGeom>
+          <a:solidFill>
+            <a:srgbClr val="FFFF00"/>
+          </a:solidFill>
+          <a:ln w="12700"/>
+        </p:spPr>
+        <p:style>
+          <a:lnRef idx="2">
+            <a:schemeClr val="accent1">
+              <a:shade val="50000"/>
+            </a:schemeClr>
+          </a:lnRef>
+          <a:fillRef idx="1">
+            <a:schemeClr val="accent1"/>
+          </a:fillRef>
+          <a:effectRef idx="0">
+            <a:schemeClr val="accent1"/>
+          </a:effectRef>
+          <a:fontRef idx="minor">
+            <a:schemeClr val="lt1"/>
+          </a:fontRef>
+        </p:style>
+        <p:txBody>
+          <a:bodyPr rtlCol="0" anchor="ctr"/>
+          <a:lstStyle/>
+          <a:p>
+            <a:pPr algn="ctr"/>
+            <a:r>
+              <a:rPr lang="en-US" altLang="ko-KR" sz="1600">
+                <a:solidFill>
+                  <a:schemeClr val="tx1"/>
+                </a:solidFill>
+                <a:latin typeface="Consolas" pitchFamily="49" charset="0"/>
+                <a:cs typeface="Consolas" pitchFamily="49" charset="0"/>
+              </a:rPr>
+              <a:t>onAsBinder()</a:t>
+            </a:r>
+            <a:endParaRPr lang="ko-KR" altLang="en-US" sz="1600">
+              <a:solidFill>
+                <a:schemeClr val="tx1"/>
+              </a:solidFill>
+              <a:latin typeface="Consolas" pitchFamily="49" charset="0"/>
+              <a:cs typeface="Consolas" pitchFamily="49" charset="0"/>
+            </a:endParaRPr>
+          </a:p>
+        </p:txBody>
+      </p:sp>
+      <p:sp>
+        <p:nvSpPr>
+          <p:cNvPr id="75" name="직사각형 74">
+            <a:extLst>
+              <a:ext uri="{FF2B5EF4-FFF2-40B4-BE49-F238E27FC236}">
+                <a16:creationId xmlns:a16="http://schemas.microsoft.com/office/drawing/2014/main" id="{AB071294-F765-435A-BE58-845324BE3B9B}"/>
+              </a:ext>
+            </a:extLst>
+          </p:cNvPr>
+          <p:cNvSpPr/>
+          <p:nvPr/>
+        </p:nvSpPr>
+        <p:spPr>
+          <a:xfrm>
+            <a:off x="2771799" y="3508200"/>
+            <a:ext cx="1998921" cy="369164"/>
+          </a:xfrm>
+          <a:prstGeom prst="rect">
+            <a:avLst/>
+          </a:prstGeom>
+          <a:solidFill>
+            <a:srgbClr val="FFFF00"/>
+          </a:solidFill>
+          <a:ln w="12700"/>
+        </p:spPr>
+        <p:style>
+          <a:lnRef idx="2">
+            <a:schemeClr val="accent1">
+              <a:shade val="50000"/>
+            </a:schemeClr>
+          </a:lnRef>
+          <a:fillRef idx="1">
+            <a:schemeClr val="accent1"/>
+          </a:fillRef>
+          <a:effectRef idx="0">
+            <a:schemeClr val="accent1"/>
+          </a:effectRef>
+          <a:fontRef idx="minor">
+            <a:schemeClr val="lt1"/>
+          </a:fontRef>
+        </p:style>
+        <p:txBody>
+          <a:bodyPr rtlCol="0" anchor="ctr"/>
+          <a:lstStyle/>
+          <a:p>
+            <a:pPr algn="ctr"/>
+            <a:endParaRPr lang="ko-KR" altLang="en-US" sz="1600">
+              <a:solidFill>
+                <a:schemeClr val="tx1"/>
+              </a:solidFill>
+              <a:latin typeface="Consolas" pitchFamily="49" charset="0"/>
+              <a:cs typeface="Consolas" pitchFamily="49" charset="0"/>
+            </a:endParaRPr>
+          </a:p>
+        </p:txBody>
+      </p:sp>
+      <p:cxnSp>
+        <p:nvCxnSpPr>
+          <p:cNvPr id="76" name="직선 화살표 연결선 75">
+            <a:extLst>
+              <a:ext uri="{FF2B5EF4-FFF2-40B4-BE49-F238E27FC236}">
+                <a16:creationId xmlns:a16="http://schemas.microsoft.com/office/drawing/2014/main" id="{176950F5-43EF-4B5E-BE82-AD37D8F5AE61}"/>
+              </a:ext>
+            </a:extLst>
+          </p:cNvPr>
+          <p:cNvCxnSpPr>
+            <a:cxnSpLocks/>
+            <a:stCxn id="69" idx="0"/>
+            <a:endCxn id="75" idx="2"/>
+          </p:cNvCxnSpPr>
+          <p:nvPr/>
+        </p:nvCxnSpPr>
+        <p:spPr>
+          <a:xfrm flipH="1" flipV="1">
+            <a:off x="3771260" y="3877364"/>
+            <a:ext cx="1" cy="325475"/>
+          </a:xfrm>
+          <a:prstGeom prst="straightConnector1">
+            <a:avLst/>
+          </a:prstGeom>
+          <a:ln>
+            <a:solidFill>
+              <a:schemeClr val="tx1"/>
+            </a:solidFill>
+            <a:tailEnd type="triangle"/>
+          </a:ln>
+        </p:spPr>
+        <p:style>
+          <a:lnRef idx="1">
+            <a:schemeClr val="accent1"/>
+          </a:lnRef>
+          <a:fillRef idx="0">
+            <a:schemeClr val="accent1"/>
+          </a:fillRef>
+          <a:effectRef idx="0">
+            <a:schemeClr val="accent1"/>
+          </a:effectRef>
+          <a:fontRef idx="minor">
+            <a:schemeClr val="tx1"/>
+          </a:fontRef>
+        </p:style>
+      </p:cxnSp>
+      <p:sp>
+        <p:nvSpPr>
+          <p:cNvPr id="77" name="직사각형 76">
+            <a:extLst>
+              <a:ext uri="{FF2B5EF4-FFF2-40B4-BE49-F238E27FC236}">
+                <a16:creationId xmlns:a16="http://schemas.microsoft.com/office/drawing/2014/main" id="{95BAE4D6-60C4-4D62-A7EC-FD87D7934E72}"/>
+              </a:ext>
+            </a:extLst>
+          </p:cNvPr>
+          <p:cNvSpPr/>
+          <p:nvPr/>
+        </p:nvSpPr>
+        <p:spPr>
+          <a:xfrm>
+            <a:off x="1043608" y="1293215"/>
+            <a:ext cx="1998921" cy="369164"/>
+          </a:xfrm>
+          <a:prstGeom prst="rect">
+            <a:avLst/>
+          </a:prstGeom>
+          <a:solidFill>
+            <a:srgbClr val="FFC000"/>
+          </a:solidFill>
+          <a:ln w="12700"/>
+        </p:spPr>
+        <p:style>
+          <a:lnRef idx="2">
+            <a:schemeClr val="accent1">
+              <a:shade val="50000"/>
+            </a:schemeClr>
+          </a:lnRef>
+          <a:fillRef idx="1">
+            <a:schemeClr val="accent1"/>
+          </a:fillRef>
+          <a:effectRef idx="0">
+            <a:schemeClr val="accent1"/>
+          </a:effectRef>
+          <a:fontRef idx="minor">
+            <a:schemeClr val="lt1"/>
+          </a:fontRef>
+        </p:style>
+        <p:txBody>
+          <a:bodyPr rtlCol="0" anchor="ctr"/>
+          <a:lstStyle/>
+          <a:p>
+            <a:pPr algn="ctr"/>
+            <a:r>
+              <a:rPr lang="en-US" altLang="ko-KR" sz="1600">
+                <a:solidFill>
+                  <a:schemeClr val="tx1"/>
+                </a:solidFill>
+                <a:latin typeface="Consolas" pitchFamily="49" charset="0"/>
+                <a:cs typeface="Consolas" pitchFamily="49" charset="0"/>
+              </a:rPr>
+              <a:t>IAudioFlinger</a:t>
+            </a:r>
+            <a:endParaRPr lang="ko-KR" altLang="en-US" sz="1600">
+              <a:solidFill>
+                <a:schemeClr val="tx1"/>
+              </a:solidFill>
+              <a:latin typeface="Consolas" pitchFamily="49" charset="0"/>
+              <a:cs typeface="Consolas" pitchFamily="49" charset="0"/>
+            </a:endParaRPr>
+          </a:p>
+        </p:txBody>
+      </p:sp>
+      <p:sp>
+        <p:nvSpPr>
+          <p:cNvPr id="78" name="직사각형 77">
+            <a:extLst>
+              <a:ext uri="{FF2B5EF4-FFF2-40B4-BE49-F238E27FC236}">
+                <a16:creationId xmlns:a16="http://schemas.microsoft.com/office/drawing/2014/main" id="{7D5683AD-CE7F-47EE-A8F7-4439648480AA}"/>
+              </a:ext>
+            </a:extLst>
+          </p:cNvPr>
+          <p:cNvSpPr/>
+          <p:nvPr/>
+        </p:nvSpPr>
+        <p:spPr>
+          <a:xfrm>
+            <a:off x="1043608" y="1662379"/>
+            <a:ext cx="1998921" cy="369164"/>
+          </a:xfrm>
+          <a:prstGeom prst="rect">
+            <a:avLst/>
+          </a:prstGeom>
+          <a:solidFill>
+            <a:srgbClr val="FFFF00"/>
+          </a:solidFill>
+          <a:ln w="12700"/>
+        </p:spPr>
+        <p:style>
+          <a:lnRef idx="2">
+            <a:schemeClr val="accent1">
+              <a:shade val="50000"/>
+            </a:schemeClr>
+          </a:lnRef>
+          <a:fillRef idx="1">
+            <a:schemeClr val="accent1"/>
+          </a:fillRef>
+          <a:effectRef idx="0">
+            <a:schemeClr val="accent1"/>
+          </a:effectRef>
+          <a:fontRef idx="minor">
+            <a:schemeClr val="lt1"/>
+          </a:fontRef>
+        </p:style>
+        <p:txBody>
+          <a:bodyPr rtlCol="0" anchor="ctr"/>
+          <a:lstStyle/>
+          <a:p>
+            <a:pPr algn="ctr"/>
+            <a:endParaRPr lang="ko-KR" altLang="en-US" sz="1600">
+              <a:solidFill>
+                <a:schemeClr val="tx1"/>
+              </a:solidFill>
+              <a:latin typeface="Consolas" pitchFamily="49" charset="0"/>
+              <a:cs typeface="Consolas" pitchFamily="49" charset="0"/>
+            </a:endParaRPr>
+          </a:p>
+        </p:txBody>
+      </p:sp>
+      <p:sp>
+        <p:nvSpPr>
+          <p:cNvPr id="79" name="직사각형 78">
+            <a:extLst>
+              <a:ext uri="{FF2B5EF4-FFF2-40B4-BE49-F238E27FC236}">
+                <a16:creationId xmlns:a16="http://schemas.microsoft.com/office/drawing/2014/main" id="{CD486565-61DF-4B69-BD13-8FB146DE2CCB}"/>
+              </a:ext>
+            </a:extLst>
+          </p:cNvPr>
+          <p:cNvSpPr/>
+          <p:nvPr/>
+        </p:nvSpPr>
+        <p:spPr>
+          <a:xfrm>
+            <a:off x="1043608" y="2031544"/>
+            <a:ext cx="1998921" cy="369164"/>
+          </a:xfrm>
+          <a:prstGeom prst="rect">
+            <a:avLst/>
+          </a:prstGeom>
+          <a:solidFill>
+            <a:srgbClr val="FFFF00"/>
+          </a:solidFill>
+          <a:ln w="12700"/>
+        </p:spPr>
+        <p:style>
+          <a:lnRef idx="2">
+            <a:schemeClr val="accent1">
+              <a:shade val="50000"/>
+            </a:schemeClr>
+          </a:lnRef>
+          <a:fillRef idx="1">
+            <a:schemeClr val="accent1"/>
+          </a:fillRef>
+          <a:effectRef idx="0">
+            <a:schemeClr val="accent1"/>
+          </a:effectRef>
+          <a:fontRef idx="minor">
+            <a:schemeClr val="lt1"/>
+          </a:fontRef>
+        </p:style>
+        <p:txBody>
+          <a:bodyPr rtlCol="0" anchor="ctr"/>
+          <a:lstStyle/>
+          <a:p>
+            <a:pPr algn="ctr"/>
+            <a:r>
+              <a:rPr lang="en-US" altLang="ko-KR" sz="1600">
+                <a:solidFill>
+                  <a:schemeClr val="tx1"/>
+                </a:solidFill>
+                <a:latin typeface="Consolas" pitchFamily="49" charset="0"/>
+                <a:cs typeface="Consolas" pitchFamily="49" charset="0"/>
+              </a:rPr>
+              <a:t>createTrack()=0</a:t>
+            </a:r>
+            <a:endParaRPr lang="ko-KR" altLang="en-US" sz="1600">
+              <a:solidFill>
+                <a:schemeClr val="tx1"/>
+              </a:solidFill>
+              <a:latin typeface="Consolas" pitchFamily="49" charset="0"/>
+              <a:cs typeface="Consolas" pitchFamily="49" charset="0"/>
+            </a:endParaRPr>
+          </a:p>
+        </p:txBody>
+      </p:sp>
+      <p:cxnSp>
+        <p:nvCxnSpPr>
+          <p:cNvPr id="80" name="직선 화살표 연결선 79">
+            <a:extLst>
+              <a:ext uri="{FF2B5EF4-FFF2-40B4-BE49-F238E27FC236}">
+                <a16:creationId xmlns:a16="http://schemas.microsoft.com/office/drawing/2014/main" id="{674424F2-72F0-46EE-A382-94725D995667}"/>
+              </a:ext>
+            </a:extLst>
+          </p:cNvPr>
+          <p:cNvCxnSpPr>
+            <a:cxnSpLocks/>
+            <a:stCxn id="73" idx="0"/>
+            <a:endCxn id="79" idx="2"/>
+          </p:cNvCxnSpPr>
+          <p:nvPr/>
+        </p:nvCxnSpPr>
+        <p:spPr>
+          <a:xfrm flipH="1" flipV="1">
+            <a:off x="2043069" y="2400708"/>
+            <a:ext cx="1728191" cy="369163"/>
+          </a:xfrm>
+          <a:prstGeom prst="straightConnector1">
+            <a:avLst/>
+          </a:prstGeom>
+          <a:ln>
+            <a:solidFill>
+              <a:schemeClr val="tx1"/>
+            </a:solidFill>
+            <a:tailEnd type="triangle"/>
+          </a:ln>
+        </p:spPr>
+        <p:style>
+          <a:lnRef idx="1">
+            <a:schemeClr val="accent1"/>
+          </a:lnRef>
+          <a:fillRef idx="0">
+            <a:schemeClr val="accent1"/>
+          </a:fillRef>
+          <a:effectRef idx="0">
+            <a:schemeClr val="accent1"/>
+          </a:effectRef>
+          <a:fontRef idx="minor">
+            <a:schemeClr val="tx1"/>
+          </a:fontRef>
+        </p:style>
+      </p:cxnSp>
+      <p:sp>
+        <p:nvSpPr>
+          <p:cNvPr id="81" name="직사각형 80">
+            <a:extLst>
+              <a:ext uri="{FF2B5EF4-FFF2-40B4-BE49-F238E27FC236}">
+                <a16:creationId xmlns:a16="http://schemas.microsoft.com/office/drawing/2014/main" id="{56964DD6-94A9-47D1-848D-EB5D4D0B55FD}"/>
+              </a:ext>
+            </a:extLst>
+          </p:cNvPr>
+          <p:cNvSpPr/>
+          <p:nvPr/>
+        </p:nvSpPr>
+        <p:spPr>
+          <a:xfrm>
+            <a:off x="4211960" y="1293213"/>
+            <a:ext cx="1998921" cy="369164"/>
+          </a:xfrm>
+          <a:prstGeom prst="rect">
+            <a:avLst/>
+          </a:prstGeom>
+          <a:solidFill>
+            <a:srgbClr val="FFC000"/>
+          </a:solidFill>
+          <a:ln w="12700"/>
+        </p:spPr>
+        <p:style>
+          <a:lnRef idx="2">
+            <a:schemeClr val="accent1">
+              <a:shade val="50000"/>
+            </a:schemeClr>
+          </a:lnRef>
+          <a:fillRef idx="1">
+            <a:schemeClr val="accent1"/>
+          </a:fillRef>
+          <a:effectRef idx="0">
+            <a:schemeClr val="accent1"/>
+          </a:effectRef>
+          <a:fontRef idx="minor">
+            <a:schemeClr val="lt1"/>
+          </a:fontRef>
+        </p:style>
+        <p:txBody>
+          <a:bodyPr rtlCol="0" anchor="ctr"/>
+          <a:lstStyle/>
+          <a:p>
+            <a:pPr algn="ctr"/>
+            <a:r>
+              <a:rPr lang="en-US" altLang="ko-KR" sz="1600">
+                <a:solidFill>
+                  <a:schemeClr val="tx1"/>
+                </a:solidFill>
+                <a:latin typeface="Consolas" pitchFamily="49" charset="0"/>
+                <a:cs typeface="Consolas" pitchFamily="49" charset="0"/>
+              </a:rPr>
+              <a:t>BBinder</a:t>
+            </a:r>
+            <a:endParaRPr lang="ko-KR" altLang="en-US" sz="1600">
+              <a:solidFill>
+                <a:schemeClr val="tx1"/>
+              </a:solidFill>
+              <a:latin typeface="Consolas" pitchFamily="49" charset="0"/>
+              <a:cs typeface="Consolas" pitchFamily="49" charset="0"/>
+            </a:endParaRPr>
+          </a:p>
+        </p:txBody>
+      </p:sp>
+      <p:sp>
+        <p:nvSpPr>
+          <p:cNvPr id="82" name="직사각형 81">
+            <a:extLst>
+              <a:ext uri="{FF2B5EF4-FFF2-40B4-BE49-F238E27FC236}">
+                <a16:creationId xmlns:a16="http://schemas.microsoft.com/office/drawing/2014/main" id="{33A5017E-6908-41B0-9415-945560787D96}"/>
+              </a:ext>
+            </a:extLst>
+          </p:cNvPr>
+          <p:cNvSpPr/>
+          <p:nvPr/>
+        </p:nvSpPr>
+        <p:spPr>
+          <a:xfrm>
+            <a:off x="4211960" y="1662377"/>
+            <a:ext cx="1998921" cy="369164"/>
+          </a:xfrm>
+          <a:prstGeom prst="rect">
+            <a:avLst/>
+          </a:prstGeom>
+          <a:solidFill>
+            <a:srgbClr val="FFFF00"/>
+          </a:solidFill>
+          <a:ln w="12700"/>
+        </p:spPr>
+        <p:style>
+          <a:lnRef idx="2">
+            <a:schemeClr val="accent1">
+              <a:shade val="50000"/>
+            </a:schemeClr>
+          </a:lnRef>
+          <a:fillRef idx="1">
+            <a:schemeClr val="accent1"/>
+          </a:fillRef>
+          <a:effectRef idx="0">
+            <a:schemeClr val="accent1"/>
+          </a:effectRef>
+          <a:fontRef idx="minor">
+            <a:schemeClr val="lt1"/>
+          </a:fontRef>
+        </p:style>
+        <p:txBody>
+          <a:bodyPr rtlCol="0" anchor="ctr"/>
+          <a:lstStyle/>
+          <a:p>
+            <a:pPr algn="ctr"/>
+            <a:endParaRPr lang="ko-KR" altLang="en-US" sz="1600">
+              <a:solidFill>
+                <a:schemeClr val="tx1"/>
+              </a:solidFill>
+              <a:latin typeface="Consolas" pitchFamily="49" charset="0"/>
+              <a:cs typeface="Consolas" pitchFamily="49" charset="0"/>
+            </a:endParaRPr>
+          </a:p>
+        </p:txBody>
+      </p:sp>
+      <p:sp>
+        <p:nvSpPr>
+          <p:cNvPr id="83" name="직사각형 82">
+            <a:extLst>
+              <a:ext uri="{FF2B5EF4-FFF2-40B4-BE49-F238E27FC236}">
+                <a16:creationId xmlns:a16="http://schemas.microsoft.com/office/drawing/2014/main" id="{511F3A55-00D3-4EC5-AA34-A1A141FECD21}"/>
+              </a:ext>
+            </a:extLst>
+          </p:cNvPr>
+          <p:cNvSpPr/>
+          <p:nvPr/>
+        </p:nvSpPr>
+        <p:spPr>
+          <a:xfrm>
+            <a:off x="4211960" y="2031542"/>
+            <a:ext cx="1998921" cy="369164"/>
+          </a:xfrm>
+          <a:prstGeom prst="rect">
+            <a:avLst/>
+          </a:prstGeom>
+          <a:solidFill>
+            <a:srgbClr val="FFFF00"/>
+          </a:solidFill>
+          <a:ln w="12700"/>
+        </p:spPr>
+        <p:style>
+          <a:lnRef idx="2">
+            <a:schemeClr val="accent1">
+              <a:shade val="50000"/>
+            </a:schemeClr>
+          </a:lnRef>
+          <a:fillRef idx="1">
+            <a:schemeClr val="accent1"/>
+          </a:fillRef>
+          <a:effectRef idx="0">
+            <a:schemeClr val="accent1"/>
+          </a:effectRef>
+          <a:fontRef idx="minor">
+            <a:schemeClr val="lt1"/>
+          </a:fontRef>
+        </p:style>
+        <p:txBody>
+          <a:bodyPr rtlCol="0" anchor="ctr"/>
+          <a:lstStyle/>
+          <a:p>
+            <a:pPr algn="ctr"/>
+            <a:endParaRPr lang="ko-KR" altLang="en-US" sz="1600">
+              <a:solidFill>
+                <a:schemeClr val="tx1"/>
+              </a:solidFill>
+              <a:latin typeface="Consolas" pitchFamily="49" charset="0"/>
+              <a:cs typeface="Consolas" pitchFamily="49" charset="0"/>
+            </a:endParaRPr>
+          </a:p>
+        </p:txBody>
+      </p:sp>
+      <p:cxnSp>
+        <p:nvCxnSpPr>
+          <p:cNvPr id="84" name="직선 화살표 연결선 83">
+            <a:extLst>
+              <a:ext uri="{FF2B5EF4-FFF2-40B4-BE49-F238E27FC236}">
+                <a16:creationId xmlns:a16="http://schemas.microsoft.com/office/drawing/2014/main" id="{81A44017-0D08-47C2-B9F1-A339FD06160F}"/>
+              </a:ext>
+            </a:extLst>
+          </p:cNvPr>
+          <p:cNvCxnSpPr>
+            <a:cxnSpLocks/>
+            <a:stCxn id="73" idx="0"/>
+            <a:endCxn id="83" idx="2"/>
+          </p:cNvCxnSpPr>
+          <p:nvPr/>
+        </p:nvCxnSpPr>
+        <p:spPr>
+          <a:xfrm flipV="1">
+            <a:off x="3771260" y="2400706"/>
+            <a:ext cx="1440161" cy="369165"/>
+          </a:xfrm>
+          <a:prstGeom prst="straightConnector1">
+            <a:avLst/>
+          </a:prstGeom>
+          <a:ln>
+            <a:solidFill>
+              <a:schemeClr val="tx1"/>
+            </a:solidFill>
+            <a:tailEnd type="triangle"/>
+          </a:ln>
+        </p:spPr>
+        <p:style>
+          <a:lnRef idx="1">
+            <a:schemeClr val="accent1"/>
+          </a:lnRef>
+          <a:fillRef idx="0">
+            <a:schemeClr val="accent1"/>
+          </a:fillRef>
+          <a:effectRef idx="0">
+            <a:schemeClr val="accent1"/>
+          </a:effectRef>
+          <a:fontRef idx="minor">
+            <a:schemeClr val="tx1"/>
+          </a:fontRef>
+        </p:style>
+      </p:cxnSp>
+      <p:sp>
+        <p:nvSpPr>
+          <p:cNvPr id="85" name="직사각형 84">
+            <a:extLst>
+              <a:ext uri="{FF2B5EF4-FFF2-40B4-BE49-F238E27FC236}">
+                <a16:creationId xmlns:a16="http://schemas.microsoft.com/office/drawing/2014/main" id="{0E018296-EE84-4647-8B1F-58B7279DD5EC}"/>
+              </a:ext>
+            </a:extLst>
+          </p:cNvPr>
+          <p:cNvSpPr/>
+          <p:nvPr/>
+        </p:nvSpPr>
+        <p:spPr>
+          <a:xfrm>
+            <a:off x="4211960" y="-16442"/>
+            <a:ext cx="1998921" cy="369164"/>
+          </a:xfrm>
+          <a:prstGeom prst="rect">
+            <a:avLst/>
+          </a:prstGeom>
+          <a:solidFill>
+            <a:srgbClr val="FFC000"/>
+          </a:solidFill>
+          <a:ln w="12700"/>
+        </p:spPr>
+        <p:style>
+          <a:lnRef idx="2">
+            <a:schemeClr val="accent1">
+              <a:shade val="50000"/>
+            </a:schemeClr>
+          </a:lnRef>
+          <a:fillRef idx="1">
+            <a:schemeClr val="accent1"/>
+          </a:fillRef>
+          <a:effectRef idx="0">
+            <a:schemeClr val="accent1"/>
+          </a:effectRef>
+          <a:fontRef idx="minor">
+            <a:schemeClr val="lt1"/>
+          </a:fontRef>
+        </p:style>
+        <p:txBody>
+          <a:bodyPr rtlCol="0" anchor="ctr"/>
+          <a:lstStyle/>
+          <a:p>
+            <a:pPr algn="ctr"/>
+            <a:r>
+              <a:rPr lang="en-US" altLang="ko-KR" sz="1600">
+                <a:solidFill>
+                  <a:schemeClr val="tx1"/>
+                </a:solidFill>
+                <a:latin typeface="Consolas" pitchFamily="49" charset="0"/>
+                <a:cs typeface="Consolas" pitchFamily="49" charset="0"/>
+              </a:rPr>
+              <a:t>IBinder</a:t>
+            </a:r>
+            <a:endParaRPr lang="ko-KR" altLang="en-US" sz="1600">
+              <a:solidFill>
+                <a:schemeClr val="tx1"/>
+              </a:solidFill>
+              <a:latin typeface="Consolas" pitchFamily="49" charset="0"/>
+              <a:cs typeface="Consolas" pitchFamily="49" charset="0"/>
+            </a:endParaRPr>
+          </a:p>
+        </p:txBody>
+      </p:sp>
+      <p:sp>
+        <p:nvSpPr>
+          <p:cNvPr id="86" name="직사각형 85">
+            <a:extLst>
+              <a:ext uri="{FF2B5EF4-FFF2-40B4-BE49-F238E27FC236}">
+                <a16:creationId xmlns:a16="http://schemas.microsoft.com/office/drawing/2014/main" id="{7F22E5A5-B1B9-4096-B353-C8C9E5D30655}"/>
+              </a:ext>
+            </a:extLst>
+          </p:cNvPr>
+          <p:cNvSpPr/>
+          <p:nvPr/>
+        </p:nvSpPr>
+        <p:spPr>
+          <a:xfrm>
+            <a:off x="4211960" y="352722"/>
+            <a:ext cx="1998921" cy="369164"/>
+          </a:xfrm>
+          <a:prstGeom prst="rect">
+            <a:avLst/>
+          </a:prstGeom>
+          <a:solidFill>
+            <a:srgbClr val="FFFF00"/>
+          </a:solidFill>
+          <a:ln w="12700"/>
+        </p:spPr>
+        <p:style>
+          <a:lnRef idx="2">
+            <a:schemeClr val="accent1">
+              <a:shade val="50000"/>
+            </a:schemeClr>
+          </a:lnRef>
+          <a:fillRef idx="1">
+            <a:schemeClr val="accent1"/>
+          </a:fillRef>
+          <a:effectRef idx="0">
+            <a:schemeClr val="accent1"/>
+          </a:effectRef>
+          <a:fontRef idx="minor">
+            <a:schemeClr val="lt1"/>
+          </a:fontRef>
+        </p:style>
+        <p:txBody>
+          <a:bodyPr rtlCol="0" anchor="ctr"/>
+          <a:lstStyle/>
+          <a:p>
+            <a:pPr algn="ctr"/>
+            <a:endParaRPr lang="ko-KR" altLang="en-US" sz="1600">
+              <a:solidFill>
+                <a:schemeClr val="tx1"/>
+              </a:solidFill>
+              <a:latin typeface="Consolas" pitchFamily="49" charset="0"/>
+              <a:cs typeface="Consolas" pitchFamily="49" charset="0"/>
+            </a:endParaRPr>
+          </a:p>
+        </p:txBody>
+      </p:sp>
+      <p:sp>
+        <p:nvSpPr>
+          <p:cNvPr id="87" name="직사각형 86">
+            <a:extLst>
+              <a:ext uri="{FF2B5EF4-FFF2-40B4-BE49-F238E27FC236}">
+                <a16:creationId xmlns:a16="http://schemas.microsoft.com/office/drawing/2014/main" id="{3BB43F28-59D9-4990-A961-A806F89F9C4D}"/>
+              </a:ext>
+            </a:extLst>
+          </p:cNvPr>
+          <p:cNvSpPr/>
+          <p:nvPr/>
+        </p:nvSpPr>
+        <p:spPr>
+          <a:xfrm>
+            <a:off x="4211960" y="721887"/>
+            <a:ext cx="1998921" cy="369164"/>
+          </a:xfrm>
+          <a:prstGeom prst="rect">
+            <a:avLst/>
+          </a:prstGeom>
+          <a:solidFill>
+            <a:srgbClr val="FFFF00"/>
+          </a:solidFill>
+          <a:ln w="12700"/>
+        </p:spPr>
+        <p:style>
+          <a:lnRef idx="2">
+            <a:schemeClr val="accent1">
+              <a:shade val="50000"/>
+            </a:schemeClr>
+          </a:lnRef>
+          <a:fillRef idx="1">
+            <a:schemeClr val="accent1"/>
+          </a:fillRef>
+          <a:effectRef idx="0">
+            <a:schemeClr val="accent1"/>
+          </a:effectRef>
+          <a:fontRef idx="minor">
+            <a:schemeClr val="lt1"/>
+          </a:fontRef>
+        </p:style>
+        <p:txBody>
+          <a:bodyPr rtlCol="0" anchor="ctr"/>
+          <a:lstStyle/>
+          <a:p>
+            <a:pPr algn="ctr"/>
+            <a:endParaRPr lang="ko-KR" altLang="en-US" sz="1600">
+              <a:solidFill>
+                <a:schemeClr val="tx1"/>
+              </a:solidFill>
+              <a:latin typeface="Consolas" pitchFamily="49" charset="0"/>
+              <a:cs typeface="Consolas" pitchFamily="49" charset="0"/>
+            </a:endParaRPr>
+          </a:p>
+        </p:txBody>
+      </p:sp>
+      <p:cxnSp>
+        <p:nvCxnSpPr>
+          <p:cNvPr id="88" name="직선 화살표 연결선 87">
+            <a:extLst>
+              <a:ext uri="{FF2B5EF4-FFF2-40B4-BE49-F238E27FC236}">
+                <a16:creationId xmlns:a16="http://schemas.microsoft.com/office/drawing/2014/main" id="{CD28CBA6-FDB1-4D19-8E98-B9066BDA58A2}"/>
+              </a:ext>
+            </a:extLst>
+          </p:cNvPr>
+          <p:cNvCxnSpPr>
+            <a:cxnSpLocks/>
+            <a:stCxn id="81" idx="0"/>
+            <a:endCxn id="87" idx="2"/>
+          </p:cNvCxnSpPr>
+          <p:nvPr/>
+        </p:nvCxnSpPr>
+        <p:spPr>
+          <a:xfrm flipV="1">
+            <a:off x="5211421" y="1091051"/>
+            <a:ext cx="0" cy="202162"/>
+          </a:xfrm>
+          <a:prstGeom prst="straightConnector1">
+            <a:avLst/>
+          </a:prstGeom>
+          <a:ln>
+            <a:solidFill>
+              <a:schemeClr val="tx1"/>
+            </a:solidFill>
+            <a:tailEnd type="triangle"/>
+          </a:ln>
+        </p:spPr>
+        <p:style>
+          <a:lnRef idx="1">
+            <a:schemeClr val="accent1"/>
+          </a:lnRef>
+          <a:fillRef idx="0">
+            <a:schemeClr val="accent1"/>
+          </a:fillRef>
+          <a:effectRef idx="0">
+            <a:schemeClr val="accent1"/>
+          </a:effectRef>
+          <a:fontRef idx="minor">
+            <a:schemeClr val="tx1"/>
+          </a:fontRef>
+        </p:style>
+      </p:cxnSp>
+      <p:cxnSp>
+        <p:nvCxnSpPr>
+          <p:cNvPr id="93" name="직선 화살표 연결선 92">
+            <a:extLst>
+              <a:ext uri="{FF2B5EF4-FFF2-40B4-BE49-F238E27FC236}">
+                <a16:creationId xmlns:a16="http://schemas.microsoft.com/office/drawing/2014/main" id="{4B09FACB-7CA6-4784-80FB-765E753076FD}"/>
+              </a:ext>
+            </a:extLst>
+          </p:cNvPr>
+          <p:cNvCxnSpPr/>
+          <p:nvPr/>
+        </p:nvCxnSpPr>
+        <p:spPr>
+          <a:xfrm flipV="1">
+            <a:off x="-36512" y="1463908"/>
+            <a:ext cx="1080120" cy="184581"/>
+          </a:xfrm>
+          <a:prstGeom prst="straightConnector1">
+            <a:avLst/>
+          </a:prstGeom>
+          <a:ln w="57150">
+            <a:solidFill>
+              <a:schemeClr val="tx1"/>
+            </a:solidFill>
+            <a:tailEnd type="triangle"/>
+          </a:ln>
+        </p:spPr>
+        <p:style>
+          <a:lnRef idx="1">
+            <a:schemeClr val="accent1"/>
+          </a:lnRef>
+          <a:fillRef idx="0">
+            <a:schemeClr val="accent1"/>
+          </a:fillRef>
+          <a:effectRef idx="0">
+            <a:schemeClr val="accent1"/>
+          </a:effectRef>
+          <a:fontRef idx="minor">
+            <a:schemeClr val="tx1"/>
+          </a:fontRef>
+        </p:style>
+      </p:cxnSp>
+      <p:cxnSp>
+        <p:nvCxnSpPr>
+          <p:cNvPr id="94" name="직선 화살표 연결선 93">
+            <a:extLst>
+              <a:ext uri="{FF2B5EF4-FFF2-40B4-BE49-F238E27FC236}">
+                <a16:creationId xmlns:a16="http://schemas.microsoft.com/office/drawing/2014/main" id="{5CE5FA8C-4737-4992-BCCF-44B9BDF010B3}"/>
+              </a:ext>
+            </a:extLst>
+          </p:cNvPr>
+          <p:cNvCxnSpPr/>
+          <p:nvPr/>
+        </p:nvCxnSpPr>
+        <p:spPr>
+          <a:xfrm flipV="1">
+            <a:off x="3231199" y="137123"/>
+            <a:ext cx="1080120" cy="184581"/>
+          </a:xfrm>
+          <a:prstGeom prst="straightConnector1">
+            <a:avLst/>
+          </a:prstGeom>
+          <a:ln w="57150">
+            <a:solidFill>
+              <a:schemeClr val="tx1"/>
+            </a:solidFill>
+            <a:tailEnd type="triangle"/>
+          </a:ln>
+        </p:spPr>
+        <p:style>
+          <a:lnRef idx="1">
+            <a:schemeClr val="accent1"/>
+          </a:lnRef>
+          <a:fillRef idx="0">
+            <a:schemeClr val="accent1"/>
+          </a:fillRef>
+          <a:effectRef idx="0">
+            <a:schemeClr val="accent1"/>
+          </a:effectRef>
+          <a:fontRef idx="minor">
+            <a:schemeClr val="tx1"/>
+          </a:fontRef>
+        </p:style>
+      </p:cxnSp>
+      <p:sp>
+        <p:nvSpPr>
+          <p:cNvPr id="95" name="TextBox 94">
+            <a:extLst>
+              <a:ext uri="{FF2B5EF4-FFF2-40B4-BE49-F238E27FC236}">
+                <a16:creationId xmlns:a16="http://schemas.microsoft.com/office/drawing/2014/main" id="{6A85B8F4-1347-4B47-9584-FB28F57E034B}"/>
+              </a:ext>
+            </a:extLst>
+          </p:cNvPr>
+          <p:cNvSpPr txBox="1"/>
+          <p:nvPr/>
+        </p:nvSpPr>
+        <p:spPr>
+          <a:xfrm>
+            <a:off x="-540567" y="1169631"/>
+            <a:ext cx="1324402" cy="369332"/>
+          </a:xfrm>
+          <a:prstGeom prst="rect">
+            <a:avLst/>
+          </a:prstGeom>
+          <a:noFill/>
+        </p:spPr>
+        <p:txBody>
+          <a:bodyPr wrap="none" rtlCol="0">
+            <a:spAutoFit/>
+          </a:bodyPr>
+          <a:lstStyle/>
+          <a:p>
+            <a:r>
+              <a:rPr lang="en-US" altLang="ko-KR">
+                <a:latin typeface="Consolas" pitchFamily="49" charset="0"/>
+                <a:cs typeface="Consolas" pitchFamily="49" charset="0"/>
+              </a:rPr>
+              <a:t>interface</a:t>
+            </a:r>
+            <a:endParaRPr lang="ko-KR" altLang="en-US">
+              <a:latin typeface="Consolas" pitchFamily="49" charset="0"/>
+              <a:cs typeface="Consolas" pitchFamily="49" charset="0"/>
+            </a:endParaRPr>
+          </a:p>
+        </p:txBody>
+      </p:sp>
+      <p:sp>
+        <p:nvSpPr>
+          <p:cNvPr id="96" name="TextBox 95">
+            <a:extLst>
+              <a:ext uri="{FF2B5EF4-FFF2-40B4-BE49-F238E27FC236}">
+                <a16:creationId xmlns:a16="http://schemas.microsoft.com/office/drawing/2014/main" id="{1B5C39F7-277F-409A-83C2-581C4FEDE58C}"/>
+              </a:ext>
+            </a:extLst>
+          </p:cNvPr>
+          <p:cNvSpPr txBox="1"/>
+          <p:nvPr/>
+        </p:nvSpPr>
+        <p:spPr>
+          <a:xfrm>
+            <a:off x="3065654" y="453550"/>
+            <a:ext cx="944489" cy="369332"/>
+          </a:xfrm>
+          <a:prstGeom prst="rect">
+            <a:avLst/>
+          </a:prstGeom>
+          <a:noFill/>
+        </p:spPr>
+        <p:txBody>
+          <a:bodyPr wrap="none" rtlCol="0">
+            <a:spAutoFit/>
+          </a:bodyPr>
+          <a:lstStyle/>
+          <a:p>
+            <a:r>
+              <a:rPr lang="en-US" altLang="ko-KR">
+                <a:latin typeface="Consolas" pitchFamily="49" charset="0"/>
+                <a:cs typeface="Consolas" pitchFamily="49" charset="0"/>
+              </a:rPr>
+              <a:t>binder</a:t>
+            </a:r>
+            <a:endParaRPr lang="ko-KR" altLang="en-US">
+              <a:latin typeface="Consolas" pitchFamily="49" charset="0"/>
+              <a:cs typeface="Consolas" pitchFamily="49" charset="0"/>
+            </a:endParaRPr>
+          </a:p>
+        </p:txBody>
+      </p:sp>
+      <p:sp>
+        <p:nvSpPr>
+          <p:cNvPr id="98" name="직사각형 97">
+            <a:extLst>
+              <a:ext uri="{FF2B5EF4-FFF2-40B4-BE49-F238E27FC236}">
+                <a16:creationId xmlns:a16="http://schemas.microsoft.com/office/drawing/2014/main" id="{E03F51CB-F800-4CE8-B87C-99B68A728B1A}"/>
+              </a:ext>
+            </a:extLst>
+          </p:cNvPr>
+          <p:cNvSpPr/>
+          <p:nvPr/>
+        </p:nvSpPr>
+        <p:spPr>
+          <a:xfrm>
+            <a:off x="1030461" y="7733"/>
+            <a:ext cx="1998921" cy="369164"/>
+          </a:xfrm>
+          <a:prstGeom prst="rect">
+            <a:avLst/>
+          </a:prstGeom>
+          <a:solidFill>
+            <a:srgbClr val="FFC000"/>
+          </a:solidFill>
+          <a:ln w="12700"/>
+        </p:spPr>
+        <p:style>
+          <a:lnRef idx="2">
+            <a:schemeClr val="accent1">
+              <a:shade val="50000"/>
+            </a:schemeClr>
+          </a:lnRef>
+          <a:fillRef idx="1">
+            <a:schemeClr val="accent1"/>
+          </a:fillRef>
+          <a:effectRef idx="0">
+            <a:schemeClr val="accent1"/>
+          </a:effectRef>
+          <a:fontRef idx="minor">
+            <a:schemeClr val="lt1"/>
+          </a:fontRef>
+        </p:style>
+        <p:txBody>
+          <a:bodyPr rtlCol="0" anchor="ctr"/>
+          <a:lstStyle/>
+          <a:p>
+            <a:pPr algn="ctr"/>
+            <a:r>
+              <a:rPr lang="en-US" altLang="ko-KR" sz="1600">
+                <a:solidFill>
+                  <a:schemeClr val="tx1"/>
+                </a:solidFill>
+                <a:latin typeface="Consolas" pitchFamily="49" charset="0"/>
+                <a:cs typeface="Consolas" pitchFamily="49" charset="0"/>
+              </a:rPr>
+              <a:t>IInterface</a:t>
+            </a:r>
+            <a:endParaRPr lang="ko-KR" altLang="en-US" sz="1600">
+              <a:solidFill>
+                <a:schemeClr val="tx1"/>
+              </a:solidFill>
+              <a:latin typeface="Consolas" pitchFamily="49" charset="0"/>
+              <a:cs typeface="Consolas" pitchFamily="49" charset="0"/>
+            </a:endParaRPr>
+          </a:p>
+        </p:txBody>
+      </p:sp>
+      <p:sp>
+        <p:nvSpPr>
+          <p:cNvPr id="99" name="직사각형 98">
+            <a:extLst>
+              <a:ext uri="{FF2B5EF4-FFF2-40B4-BE49-F238E27FC236}">
+                <a16:creationId xmlns:a16="http://schemas.microsoft.com/office/drawing/2014/main" id="{9884EC0A-B29B-40D8-AF64-6A998115D89E}"/>
+              </a:ext>
+            </a:extLst>
+          </p:cNvPr>
+          <p:cNvSpPr/>
+          <p:nvPr/>
+        </p:nvSpPr>
+        <p:spPr>
+          <a:xfrm>
+            <a:off x="1030461" y="376897"/>
+            <a:ext cx="1998921" cy="369164"/>
+          </a:xfrm>
+          <a:prstGeom prst="rect">
+            <a:avLst/>
+          </a:prstGeom>
+          <a:solidFill>
+            <a:srgbClr val="FFFF00"/>
+          </a:solidFill>
+          <a:ln w="12700"/>
+        </p:spPr>
+        <p:style>
+          <a:lnRef idx="2">
+            <a:schemeClr val="accent1">
+              <a:shade val="50000"/>
+            </a:schemeClr>
+          </a:lnRef>
+          <a:fillRef idx="1">
+            <a:schemeClr val="accent1"/>
+          </a:fillRef>
+          <a:effectRef idx="0">
+            <a:schemeClr val="accent1"/>
+          </a:effectRef>
+          <a:fontRef idx="minor">
+            <a:schemeClr val="lt1"/>
+          </a:fontRef>
+        </p:style>
+        <p:txBody>
+          <a:bodyPr rtlCol="0" anchor="ctr"/>
+          <a:lstStyle/>
+          <a:p>
+            <a:pPr algn="ctr"/>
+            <a:endParaRPr lang="ko-KR" altLang="en-US" sz="1600">
+              <a:solidFill>
+                <a:schemeClr val="tx1"/>
+              </a:solidFill>
+              <a:latin typeface="Consolas" pitchFamily="49" charset="0"/>
+              <a:cs typeface="Consolas" pitchFamily="49" charset="0"/>
+            </a:endParaRPr>
+          </a:p>
+        </p:txBody>
+      </p:sp>
+      <p:sp>
+        <p:nvSpPr>
+          <p:cNvPr id="100" name="직사각형 99">
+            <a:extLst>
+              <a:ext uri="{FF2B5EF4-FFF2-40B4-BE49-F238E27FC236}">
+                <a16:creationId xmlns:a16="http://schemas.microsoft.com/office/drawing/2014/main" id="{3200A287-0783-41D5-8F1A-C418CCA0651C}"/>
+              </a:ext>
+            </a:extLst>
+          </p:cNvPr>
+          <p:cNvSpPr/>
+          <p:nvPr/>
+        </p:nvSpPr>
+        <p:spPr>
+          <a:xfrm>
+            <a:off x="1030461" y="746062"/>
+            <a:ext cx="1998921" cy="369164"/>
+          </a:xfrm>
+          <a:prstGeom prst="rect">
+            <a:avLst/>
+          </a:prstGeom>
+          <a:solidFill>
+            <a:srgbClr val="FFFF00"/>
+          </a:solidFill>
+          <a:ln w="12700"/>
+        </p:spPr>
+        <p:style>
+          <a:lnRef idx="2">
+            <a:schemeClr val="accent1">
+              <a:shade val="50000"/>
+            </a:schemeClr>
+          </a:lnRef>
+          <a:fillRef idx="1">
+            <a:schemeClr val="accent1"/>
+          </a:fillRef>
+          <a:effectRef idx="0">
+            <a:schemeClr val="accent1"/>
+          </a:effectRef>
+          <a:fontRef idx="minor">
+            <a:schemeClr val="lt1"/>
+          </a:fontRef>
+        </p:style>
+        <p:txBody>
+          <a:bodyPr rtlCol="0" anchor="ctr"/>
+          <a:lstStyle/>
+          <a:p>
+            <a:pPr algn="ctr"/>
+            <a:r>
+              <a:rPr lang="en-US" altLang="ko-KR" sz="1600">
+                <a:solidFill>
+                  <a:schemeClr val="tx1"/>
+                </a:solidFill>
+                <a:latin typeface="Consolas" pitchFamily="49" charset="0"/>
+                <a:cs typeface="Consolas" pitchFamily="49" charset="0"/>
+              </a:rPr>
+              <a:t>asBinder()</a:t>
+            </a:r>
+            <a:endParaRPr lang="ko-KR" altLang="en-US" sz="1600">
+              <a:solidFill>
+                <a:schemeClr val="tx1"/>
+              </a:solidFill>
+              <a:latin typeface="Consolas" pitchFamily="49" charset="0"/>
+              <a:cs typeface="Consolas" pitchFamily="49" charset="0"/>
+            </a:endParaRPr>
+          </a:p>
+        </p:txBody>
+      </p:sp>
+      <p:cxnSp>
+        <p:nvCxnSpPr>
+          <p:cNvPr id="101" name="직선 화살표 연결선 100">
+            <a:extLst>
+              <a:ext uri="{FF2B5EF4-FFF2-40B4-BE49-F238E27FC236}">
+                <a16:creationId xmlns:a16="http://schemas.microsoft.com/office/drawing/2014/main" id="{5429A943-83A5-4C1E-806F-4F5711A30451}"/>
+              </a:ext>
+            </a:extLst>
+          </p:cNvPr>
+          <p:cNvCxnSpPr>
+            <a:cxnSpLocks/>
+            <a:stCxn id="77" idx="0"/>
+            <a:endCxn id="100" idx="2"/>
+          </p:cNvCxnSpPr>
+          <p:nvPr/>
+        </p:nvCxnSpPr>
+        <p:spPr>
+          <a:xfrm flipH="1" flipV="1">
+            <a:off x="2029922" y="1115226"/>
+            <a:ext cx="13147" cy="177989"/>
+          </a:xfrm>
+          <a:prstGeom prst="straightConnector1">
+            <a:avLst/>
+          </a:prstGeom>
+          <a:ln>
+            <a:solidFill>
+              <a:schemeClr val="tx1"/>
+            </a:solidFill>
+            <a:tailEnd type="triangle"/>
+          </a:ln>
+        </p:spPr>
+        <p:style>
+          <a:lnRef idx="1">
+            <a:schemeClr val="accent1"/>
+          </a:lnRef>
+          <a:fillRef idx="0">
+            <a:schemeClr val="accent1"/>
+          </a:fillRef>
+          <a:effectRef idx="0">
+            <a:schemeClr val="accent1"/>
+          </a:effectRef>
+          <a:fontRef idx="minor">
+            <a:schemeClr val="tx1"/>
+          </a:fontRef>
+        </p:style>
+      </p:cxnSp>
+      <p:sp>
+        <p:nvSpPr>
+          <p:cNvPr id="104" name="TextBox 103">
+            <a:extLst>
+              <a:ext uri="{FF2B5EF4-FFF2-40B4-BE49-F238E27FC236}">
+                <a16:creationId xmlns:a16="http://schemas.microsoft.com/office/drawing/2014/main" id="{676AA77E-B691-4427-8F0E-68DECCE28A62}"/>
+              </a:ext>
+            </a:extLst>
+          </p:cNvPr>
+          <p:cNvSpPr txBox="1"/>
+          <p:nvPr/>
+        </p:nvSpPr>
+        <p:spPr>
+          <a:xfrm>
+            <a:off x="-1692696" y="3226315"/>
+            <a:ext cx="4110421" cy="369332"/>
+          </a:xfrm>
+          <a:prstGeom prst="rect">
+            <a:avLst/>
+          </a:prstGeom>
+          <a:noFill/>
+        </p:spPr>
+        <p:txBody>
+          <a:bodyPr wrap="none" rtlCol="0">
+            <a:spAutoFit/>
+          </a:bodyPr>
+          <a:lstStyle/>
+          <a:p>
+            <a:r>
+              <a:rPr lang="en-US" altLang="ko-KR">
+                <a:latin typeface="Consolas" pitchFamily="49" charset="0"/>
+                <a:cs typeface="Consolas" pitchFamily="49" charset="0"/>
+              </a:rPr>
+              <a:t>binder = interface-&gt;asBinder();</a:t>
+            </a:r>
+            <a:endParaRPr lang="ko-KR" altLang="en-US">
+              <a:latin typeface="Consolas" pitchFamily="49" charset="0"/>
+              <a:cs typeface="Consolas" pitchFamily="49" charset="0"/>
+            </a:endParaRPr>
+          </a:p>
+        </p:txBody>
+      </p:sp>
+      <p:cxnSp>
+        <p:nvCxnSpPr>
+          <p:cNvPr id="105" name="직선 화살표 연결선 104">
+            <a:extLst>
+              <a:ext uri="{FF2B5EF4-FFF2-40B4-BE49-F238E27FC236}">
+                <a16:creationId xmlns:a16="http://schemas.microsoft.com/office/drawing/2014/main" id="{189DACED-2C3F-4198-A904-BB75162E8C6D}"/>
+              </a:ext>
+            </a:extLst>
+          </p:cNvPr>
+          <p:cNvCxnSpPr/>
+          <p:nvPr/>
+        </p:nvCxnSpPr>
+        <p:spPr>
+          <a:xfrm flipV="1">
+            <a:off x="1720796" y="2954453"/>
+            <a:ext cx="1080120" cy="184581"/>
+          </a:xfrm>
+          <a:prstGeom prst="straightConnector1">
+            <a:avLst/>
+          </a:prstGeom>
+          <a:ln w="57150">
+            <a:solidFill>
+              <a:schemeClr val="tx1"/>
+            </a:solidFill>
+            <a:tailEnd type="triangle"/>
+          </a:ln>
+        </p:spPr>
+        <p:style>
+          <a:lnRef idx="1">
+            <a:schemeClr val="accent1"/>
+          </a:lnRef>
+          <a:fillRef idx="0">
+            <a:schemeClr val="accent1"/>
+          </a:fillRef>
+          <a:effectRef idx="0">
+            <a:schemeClr val="accent1"/>
+          </a:effectRef>
+          <a:fontRef idx="minor">
+            <a:schemeClr val="tx1"/>
+          </a:fontRef>
+        </p:style>
+      </p:cxnSp>
+      <p:sp>
+        <p:nvSpPr>
+          <p:cNvPr id="106" name="TextBox 105">
+            <a:extLst>
+              <a:ext uri="{FF2B5EF4-FFF2-40B4-BE49-F238E27FC236}">
+                <a16:creationId xmlns:a16="http://schemas.microsoft.com/office/drawing/2014/main" id="{8C2BF64A-E9F7-4805-90C7-BFCE284BDDA6}"/>
+              </a:ext>
+            </a:extLst>
+          </p:cNvPr>
+          <p:cNvSpPr txBox="1"/>
+          <p:nvPr/>
+        </p:nvSpPr>
+        <p:spPr>
+          <a:xfrm>
+            <a:off x="-900608" y="746061"/>
+            <a:ext cx="944489" cy="369332"/>
+          </a:xfrm>
+          <a:prstGeom prst="rect">
+            <a:avLst/>
+          </a:prstGeom>
+          <a:noFill/>
+        </p:spPr>
+        <p:txBody>
+          <a:bodyPr wrap="none" rtlCol="0">
+            <a:spAutoFit/>
+          </a:bodyPr>
+          <a:lstStyle/>
+          <a:p>
+            <a:r>
+              <a:rPr lang="en-US" altLang="ko-KR">
+                <a:latin typeface="Consolas" pitchFamily="49" charset="0"/>
+                <a:cs typeface="Consolas" pitchFamily="49" charset="0"/>
+              </a:rPr>
+              <a:t>0x1000</a:t>
+            </a:r>
+            <a:endParaRPr lang="ko-KR" altLang="en-US">
+              <a:latin typeface="Consolas" pitchFamily="49" charset="0"/>
+              <a:cs typeface="Consolas" pitchFamily="49" charset="0"/>
+            </a:endParaRPr>
+          </a:p>
+        </p:txBody>
+      </p:sp>
+      <p:sp>
+        <p:nvSpPr>
+          <p:cNvPr id="107" name="TextBox 106">
+            <a:extLst>
+              <a:ext uri="{FF2B5EF4-FFF2-40B4-BE49-F238E27FC236}">
+                <a16:creationId xmlns:a16="http://schemas.microsoft.com/office/drawing/2014/main" id="{C90574CA-1E89-4E13-96D9-CD58BCEF4C0E}"/>
+              </a:ext>
+            </a:extLst>
+          </p:cNvPr>
+          <p:cNvSpPr txBox="1"/>
+          <p:nvPr/>
+        </p:nvSpPr>
+        <p:spPr>
+          <a:xfrm>
+            <a:off x="884186" y="2672317"/>
+            <a:ext cx="944489" cy="369332"/>
+          </a:xfrm>
+          <a:prstGeom prst="rect">
+            <a:avLst/>
+          </a:prstGeom>
+          <a:noFill/>
+        </p:spPr>
+        <p:txBody>
+          <a:bodyPr wrap="none" rtlCol="0">
+            <a:spAutoFit/>
+          </a:bodyPr>
+          <a:lstStyle/>
+          <a:p>
+            <a:r>
+              <a:rPr lang="en-US" altLang="ko-KR">
+                <a:latin typeface="Consolas" pitchFamily="49" charset="0"/>
+                <a:cs typeface="Consolas" pitchFamily="49" charset="0"/>
+              </a:rPr>
+              <a:t>0x1000</a:t>
+            </a:r>
+            <a:endParaRPr lang="ko-KR" altLang="en-US">
+              <a:latin typeface="Consolas" pitchFamily="49" charset="0"/>
+              <a:cs typeface="Consolas" pitchFamily="49" charset="0"/>
+            </a:endParaRPr>
+          </a:p>
+        </p:txBody>
+      </p:sp>
+    </p:spTree>
+    <p:extLst>
+      <p:ext uri="{BB962C8B-B14F-4D97-AF65-F5344CB8AC3E}">
+        <p14:creationId xmlns:p14="http://schemas.microsoft.com/office/powerpoint/2010/main" val="1662999392"/>
+      </p:ext>
+    </p:extLst>
+  </p:cSld>
+  <p:clrMapOvr>
+    <a:masterClrMapping/>
+  </p:clrMapOvr>
+</p:sld>
+</file>
+
+<file path=ppt/slides/slide24.xml><?xml version="1.0" encoding="utf-8"?>
+<p:sld xmlns:a="http://schemas.openxmlformats.org/drawingml/2006/main" xmlns:r="http://schemas.openxmlformats.org/officeDocument/2006/relationships" xmlns:p="http://schemas.openxmlformats.org/presentationml/2006/main">
+  <p:cSld>
+    <p:spTree>
+      <p:nvGrpSpPr>
+        <p:cNvPr id="1" name=""/>
+        <p:cNvGrpSpPr/>
+        <p:nvPr/>
+      </p:nvGrpSpPr>
+      <p:grpSpPr>
+        <a:xfrm>
+          <a:off x="0" y="0"/>
+          <a:ext cx="0" cy="0"/>
+          <a:chOff x="0" y="0"/>
+          <a:chExt cx="0" cy="0"/>
+        </a:xfrm>
+      </p:grpSpPr>
+      <p:sp>
+        <p:nvSpPr>
+          <p:cNvPr id="4" name="직사각형 3">
+            <a:extLst>
+              <a:ext uri="{FF2B5EF4-FFF2-40B4-BE49-F238E27FC236}">
+                <a16:creationId xmlns:a16="http://schemas.microsoft.com/office/drawing/2014/main" id="{94AA7D4C-249A-4AA5-BF10-11087046BDDF}"/>
+              </a:ext>
+            </a:extLst>
+          </p:cNvPr>
+          <p:cNvSpPr/>
+          <p:nvPr/>
+        </p:nvSpPr>
+        <p:spPr>
+          <a:xfrm>
+            <a:off x="3275856" y="188640"/>
+            <a:ext cx="2160240" cy="720080"/>
+          </a:xfrm>
+          <a:prstGeom prst="rect">
+            <a:avLst/>
+          </a:prstGeom>
+          <a:solidFill>
+            <a:srgbClr val="FFFF00"/>
+          </a:solidFill>
+          <a:ln w="12700"/>
+        </p:spPr>
+        <p:style>
+          <a:lnRef idx="2">
+            <a:schemeClr val="accent1">
+              <a:shade val="50000"/>
+            </a:schemeClr>
+          </a:lnRef>
+          <a:fillRef idx="1">
+            <a:schemeClr val="accent1"/>
+          </a:fillRef>
+          <a:effectRef idx="0">
+            <a:schemeClr val="accent1"/>
+          </a:effectRef>
+          <a:fontRef idx="minor">
+            <a:schemeClr val="lt1"/>
+          </a:fontRef>
+        </p:style>
+        <p:txBody>
+          <a:bodyPr rtlCol="0" anchor="ctr"/>
+          <a:lstStyle/>
+          <a:p>
+            <a:pPr algn="ctr"/>
+            <a:endParaRPr lang="ko-KR" altLang="en-US">
+              <a:solidFill>
+                <a:schemeClr val="tx1"/>
+              </a:solidFill>
+              <a:latin typeface="Consolas" pitchFamily="49" charset="0"/>
+              <a:cs typeface="Consolas" pitchFamily="49" charset="0"/>
+            </a:endParaRPr>
+          </a:p>
+        </p:txBody>
+      </p:sp>
+      <p:sp>
+        <p:nvSpPr>
+          <p:cNvPr id="5" name="직사각형 4">
+            <a:extLst>
+              <a:ext uri="{FF2B5EF4-FFF2-40B4-BE49-F238E27FC236}">
+                <a16:creationId xmlns:a16="http://schemas.microsoft.com/office/drawing/2014/main" id="{38B48F81-A798-4F4D-934D-080E13898824}"/>
+              </a:ext>
+            </a:extLst>
+          </p:cNvPr>
+          <p:cNvSpPr/>
+          <p:nvPr/>
+        </p:nvSpPr>
+        <p:spPr>
+          <a:xfrm>
+            <a:off x="3275856" y="908720"/>
+            <a:ext cx="2160240" cy="720080"/>
+          </a:xfrm>
+          <a:prstGeom prst="rect">
+            <a:avLst/>
+          </a:prstGeom>
+          <a:solidFill>
+            <a:srgbClr val="FFFF00"/>
+          </a:solidFill>
+          <a:ln w="12700"/>
+        </p:spPr>
+        <p:style>
+          <a:lnRef idx="2">
+            <a:schemeClr val="accent1">
+              <a:shade val="50000"/>
+            </a:schemeClr>
+          </a:lnRef>
+          <a:fillRef idx="1">
+            <a:schemeClr val="accent1"/>
+          </a:fillRef>
+          <a:effectRef idx="0">
+            <a:schemeClr val="accent1"/>
+          </a:effectRef>
+          <a:fontRef idx="minor">
+            <a:schemeClr val="lt1"/>
+          </a:fontRef>
+        </p:style>
+        <p:txBody>
+          <a:bodyPr rtlCol="0" anchor="ctr"/>
+          <a:lstStyle/>
+          <a:p>
+            <a:pPr algn="ctr"/>
+            <a:endParaRPr lang="ko-KR" altLang="en-US">
+              <a:solidFill>
+                <a:schemeClr val="tx1"/>
+              </a:solidFill>
+              <a:latin typeface="Consolas" pitchFamily="49" charset="0"/>
+              <a:cs typeface="Consolas" pitchFamily="49" charset="0"/>
+            </a:endParaRPr>
+          </a:p>
+        </p:txBody>
+      </p:sp>
+      <p:sp>
+        <p:nvSpPr>
+          <p:cNvPr id="6" name="직사각형 5">
+            <a:extLst>
+              <a:ext uri="{FF2B5EF4-FFF2-40B4-BE49-F238E27FC236}">
+                <a16:creationId xmlns:a16="http://schemas.microsoft.com/office/drawing/2014/main" id="{54DD521F-D188-4E24-B2BA-78D5DA530EFE}"/>
+              </a:ext>
+            </a:extLst>
+          </p:cNvPr>
+          <p:cNvSpPr/>
+          <p:nvPr/>
+        </p:nvSpPr>
+        <p:spPr>
+          <a:xfrm>
+            <a:off x="3275856" y="1628800"/>
+            <a:ext cx="2160240" cy="720080"/>
+          </a:xfrm>
+          <a:prstGeom prst="rect">
+            <a:avLst/>
+          </a:prstGeom>
+          <a:solidFill>
+            <a:srgbClr val="FFFF00"/>
+          </a:solidFill>
+          <a:ln w="12700"/>
+        </p:spPr>
+        <p:style>
+          <a:lnRef idx="2">
+            <a:schemeClr val="accent1">
+              <a:shade val="50000"/>
+            </a:schemeClr>
+          </a:lnRef>
+          <a:fillRef idx="1">
+            <a:schemeClr val="accent1"/>
+          </a:fillRef>
+          <a:effectRef idx="0">
+            <a:schemeClr val="accent1"/>
+          </a:effectRef>
+          <a:fontRef idx="minor">
+            <a:schemeClr val="lt1"/>
+          </a:fontRef>
+        </p:style>
+        <p:txBody>
+          <a:bodyPr rtlCol="0" anchor="ctr"/>
+          <a:lstStyle/>
+          <a:p>
+            <a:pPr algn="ctr"/>
+            <a:endParaRPr lang="ko-KR" altLang="en-US">
+              <a:solidFill>
+                <a:schemeClr val="tx1"/>
+              </a:solidFill>
+              <a:latin typeface="Consolas" pitchFamily="49" charset="0"/>
+              <a:cs typeface="Consolas" pitchFamily="49" charset="0"/>
+            </a:endParaRPr>
+          </a:p>
+        </p:txBody>
+      </p:sp>
+      <p:sp>
+        <p:nvSpPr>
+          <p:cNvPr id="7" name="직사각형 6">
+            <a:extLst>
+              <a:ext uri="{FF2B5EF4-FFF2-40B4-BE49-F238E27FC236}">
+                <a16:creationId xmlns:a16="http://schemas.microsoft.com/office/drawing/2014/main" id="{37AB5348-B1A8-45D2-AE16-ED17D99F91AA}"/>
+              </a:ext>
+            </a:extLst>
+          </p:cNvPr>
+          <p:cNvSpPr/>
+          <p:nvPr/>
+        </p:nvSpPr>
+        <p:spPr>
+          <a:xfrm>
+            <a:off x="3275856" y="2348880"/>
+            <a:ext cx="2160240" cy="720080"/>
+          </a:xfrm>
+          <a:prstGeom prst="rect">
+            <a:avLst/>
+          </a:prstGeom>
+          <a:solidFill>
+            <a:srgbClr val="FFC000"/>
+          </a:solidFill>
+          <a:ln w="12700"/>
+        </p:spPr>
+        <p:style>
+          <a:lnRef idx="2">
+            <a:schemeClr val="accent1">
+              <a:shade val="50000"/>
+            </a:schemeClr>
+          </a:lnRef>
+          <a:fillRef idx="1">
+            <a:schemeClr val="accent1"/>
+          </a:fillRef>
+          <a:effectRef idx="0">
+            <a:schemeClr val="accent1"/>
+          </a:effectRef>
+          <a:fontRef idx="minor">
+            <a:schemeClr val="lt1"/>
+          </a:fontRef>
+        </p:style>
+        <p:txBody>
+          <a:bodyPr rtlCol="0" anchor="ctr"/>
+          <a:lstStyle/>
+          <a:p>
+            <a:pPr algn="ctr"/>
+            <a:r>
+              <a:rPr lang="en-US" altLang="ko-KR">
+                <a:solidFill>
+                  <a:schemeClr val="tx1"/>
+                </a:solidFill>
+                <a:latin typeface="Consolas" pitchFamily="49" charset="0"/>
+                <a:cs typeface="Consolas" pitchFamily="49" charset="0"/>
+              </a:rPr>
+              <a:t>3</a:t>
+            </a:r>
+            <a:endParaRPr lang="ko-KR" altLang="en-US">
+              <a:solidFill>
+                <a:schemeClr val="tx1"/>
+              </a:solidFill>
+              <a:latin typeface="Consolas" pitchFamily="49" charset="0"/>
+              <a:cs typeface="Consolas" pitchFamily="49" charset="0"/>
+            </a:endParaRPr>
+          </a:p>
+        </p:txBody>
+      </p:sp>
+      <p:sp>
+        <p:nvSpPr>
+          <p:cNvPr id="8" name="직사각형 7">
+            <a:extLst>
+              <a:ext uri="{FF2B5EF4-FFF2-40B4-BE49-F238E27FC236}">
+                <a16:creationId xmlns:a16="http://schemas.microsoft.com/office/drawing/2014/main" id="{0D820EB0-44B8-4053-9D4F-7A7FD9FE5CD2}"/>
+              </a:ext>
+            </a:extLst>
+          </p:cNvPr>
+          <p:cNvSpPr/>
+          <p:nvPr/>
+        </p:nvSpPr>
+        <p:spPr>
+          <a:xfrm>
+            <a:off x="3275856" y="3068960"/>
+            <a:ext cx="2160240" cy="720080"/>
+          </a:xfrm>
+          <a:prstGeom prst="rect">
+            <a:avLst/>
+          </a:prstGeom>
+          <a:solidFill>
+            <a:srgbClr val="FFFF00"/>
+          </a:solidFill>
+          <a:ln w="12700"/>
+        </p:spPr>
+        <p:style>
+          <a:lnRef idx="2">
+            <a:schemeClr val="accent1">
+              <a:shade val="50000"/>
+            </a:schemeClr>
+          </a:lnRef>
+          <a:fillRef idx="1">
+            <a:schemeClr val="accent1"/>
+          </a:fillRef>
+          <a:effectRef idx="0">
+            <a:schemeClr val="accent1"/>
+          </a:effectRef>
+          <a:fontRef idx="minor">
+            <a:schemeClr val="lt1"/>
+          </a:fontRef>
+        </p:style>
+        <p:txBody>
+          <a:bodyPr rtlCol="0" anchor="ctr"/>
+          <a:lstStyle/>
+          <a:p>
+            <a:pPr algn="ctr"/>
+            <a:endParaRPr lang="ko-KR" altLang="en-US">
+              <a:solidFill>
+                <a:schemeClr val="tx1"/>
+              </a:solidFill>
+              <a:latin typeface="Consolas" pitchFamily="49" charset="0"/>
+              <a:cs typeface="Consolas" pitchFamily="49" charset="0"/>
+            </a:endParaRPr>
+          </a:p>
+        </p:txBody>
+      </p:sp>
+      <p:sp>
+        <p:nvSpPr>
+          <p:cNvPr id="9" name="직사각형 8">
+            <a:extLst>
+              <a:ext uri="{FF2B5EF4-FFF2-40B4-BE49-F238E27FC236}">
+                <a16:creationId xmlns:a16="http://schemas.microsoft.com/office/drawing/2014/main" id="{6107BA62-F808-45E9-BD94-AF6E4555EACE}"/>
+              </a:ext>
+            </a:extLst>
+          </p:cNvPr>
+          <p:cNvSpPr/>
+          <p:nvPr/>
+        </p:nvSpPr>
+        <p:spPr>
+          <a:xfrm>
+            <a:off x="3275856" y="3789040"/>
+            <a:ext cx="2160240" cy="720080"/>
+          </a:xfrm>
+          <a:prstGeom prst="rect">
+            <a:avLst/>
+          </a:prstGeom>
+          <a:solidFill>
+            <a:srgbClr val="FFFF00"/>
+          </a:solidFill>
+          <a:ln w="12700"/>
+        </p:spPr>
+        <p:style>
+          <a:lnRef idx="2">
+            <a:schemeClr val="accent1">
+              <a:shade val="50000"/>
+            </a:schemeClr>
+          </a:lnRef>
+          <a:fillRef idx="1">
+            <a:schemeClr val="accent1"/>
+          </a:fillRef>
+          <a:effectRef idx="0">
+            <a:schemeClr val="accent1"/>
+          </a:effectRef>
+          <a:fontRef idx="minor">
+            <a:schemeClr val="lt1"/>
+          </a:fontRef>
+        </p:style>
+        <p:txBody>
+          <a:bodyPr rtlCol="0" anchor="ctr"/>
+          <a:lstStyle/>
+          <a:p>
+            <a:pPr algn="ctr"/>
+            <a:endParaRPr lang="ko-KR" altLang="en-US">
+              <a:solidFill>
+                <a:schemeClr val="tx1"/>
+              </a:solidFill>
+              <a:latin typeface="Consolas" pitchFamily="49" charset="0"/>
+              <a:cs typeface="Consolas" pitchFamily="49" charset="0"/>
+            </a:endParaRPr>
+          </a:p>
+        </p:txBody>
+      </p:sp>
+      <p:sp>
+        <p:nvSpPr>
+          <p:cNvPr id="10" name="직사각형 9">
+            <a:extLst>
+              <a:ext uri="{FF2B5EF4-FFF2-40B4-BE49-F238E27FC236}">
+                <a16:creationId xmlns:a16="http://schemas.microsoft.com/office/drawing/2014/main" id="{CB7615BF-C029-4497-9E92-AADE2E687718}"/>
+              </a:ext>
+            </a:extLst>
+          </p:cNvPr>
+          <p:cNvSpPr/>
+          <p:nvPr/>
+        </p:nvSpPr>
+        <p:spPr>
+          <a:xfrm>
+            <a:off x="3275856" y="4509120"/>
+            <a:ext cx="2160240" cy="720080"/>
+          </a:xfrm>
+          <a:prstGeom prst="rect">
+            <a:avLst/>
+          </a:prstGeom>
+          <a:solidFill>
+            <a:srgbClr val="FFFF00"/>
+          </a:solidFill>
+          <a:ln w="12700"/>
+        </p:spPr>
+        <p:style>
+          <a:lnRef idx="2">
+            <a:schemeClr val="accent1">
+              <a:shade val="50000"/>
+            </a:schemeClr>
+          </a:lnRef>
+          <a:fillRef idx="1">
+            <a:schemeClr val="accent1"/>
+          </a:fillRef>
+          <a:effectRef idx="0">
+            <a:schemeClr val="accent1"/>
+          </a:effectRef>
+          <a:fontRef idx="minor">
+            <a:schemeClr val="lt1"/>
+          </a:fontRef>
+        </p:style>
+        <p:txBody>
+          <a:bodyPr rtlCol="0" anchor="ctr"/>
+          <a:lstStyle/>
+          <a:p>
+            <a:pPr algn="ctr"/>
+            <a:endParaRPr lang="ko-KR" altLang="en-US">
+              <a:solidFill>
+                <a:schemeClr val="tx1"/>
+              </a:solidFill>
+              <a:latin typeface="Consolas" pitchFamily="49" charset="0"/>
+              <a:cs typeface="Consolas" pitchFamily="49" charset="0"/>
+            </a:endParaRPr>
+          </a:p>
+        </p:txBody>
+      </p:sp>
+      <p:sp>
+        <p:nvSpPr>
+          <p:cNvPr id="11" name="직사각형 10">
+            <a:extLst>
+              <a:ext uri="{FF2B5EF4-FFF2-40B4-BE49-F238E27FC236}">
+                <a16:creationId xmlns:a16="http://schemas.microsoft.com/office/drawing/2014/main" id="{9BBA2DFD-3733-4F2F-8F5A-66954D15E52B}"/>
+              </a:ext>
+            </a:extLst>
+          </p:cNvPr>
+          <p:cNvSpPr/>
+          <p:nvPr/>
+        </p:nvSpPr>
+        <p:spPr>
+          <a:xfrm>
+            <a:off x="3275856" y="5229200"/>
+            <a:ext cx="2160240" cy="720080"/>
+          </a:xfrm>
+          <a:prstGeom prst="rect">
+            <a:avLst/>
+          </a:prstGeom>
+          <a:solidFill>
+            <a:srgbClr val="FFFF00"/>
+          </a:solidFill>
+          <a:ln w="12700"/>
+        </p:spPr>
+        <p:style>
+          <a:lnRef idx="2">
+            <a:schemeClr val="accent1">
+              <a:shade val="50000"/>
+            </a:schemeClr>
+          </a:lnRef>
+          <a:fillRef idx="1">
+            <a:schemeClr val="accent1"/>
+          </a:fillRef>
+          <a:effectRef idx="0">
+            <a:schemeClr val="accent1"/>
+          </a:effectRef>
+          <a:fontRef idx="minor">
+            <a:schemeClr val="lt1"/>
+          </a:fontRef>
+        </p:style>
+        <p:txBody>
+          <a:bodyPr rtlCol="0" anchor="ctr"/>
+          <a:lstStyle/>
+          <a:p>
+            <a:pPr algn="ctr"/>
+            <a:endParaRPr lang="ko-KR" altLang="en-US">
+              <a:solidFill>
+                <a:schemeClr val="tx1"/>
+              </a:solidFill>
+              <a:latin typeface="Consolas" pitchFamily="49" charset="0"/>
+              <a:cs typeface="Consolas" pitchFamily="49" charset="0"/>
+            </a:endParaRPr>
+          </a:p>
+        </p:txBody>
+      </p:sp>
+      <p:sp>
+        <p:nvSpPr>
+          <p:cNvPr id="12" name="직사각형 11">
+            <a:extLst>
+              <a:ext uri="{FF2B5EF4-FFF2-40B4-BE49-F238E27FC236}">
+                <a16:creationId xmlns:a16="http://schemas.microsoft.com/office/drawing/2014/main" id="{9997C047-BFEE-4593-B0AC-D84AE13C82A9}"/>
+              </a:ext>
+            </a:extLst>
+          </p:cNvPr>
+          <p:cNvSpPr/>
+          <p:nvPr/>
+        </p:nvSpPr>
+        <p:spPr>
+          <a:xfrm>
+            <a:off x="3275856" y="5949280"/>
+            <a:ext cx="2160240" cy="720080"/>
+          </a:xfrm>
+          <a:prstGeom prst="rect">
+            <a:avLst/>
+          </a:prstGeom>
+          <a:solidFill>
+            <a:srgbClr val="FFFF00"/>
+          </a:solidFill>
+          <a:ln w="12700"/>
+        </p:spPr>
+        <p:style>
+          <a:lnRef idx="2">
+            <a:schemeClr val="accent1">
+              <a:shade val="50000"/>
+            </a:schemeClr>
+          </a:lnRef>
+          <a:fillRef idx="1">
+            <a:schemeClr val="accent1"/>
+          </a:fillRef>
+          <a:effectRef idx="0">
+            <a:schemeClr val="accent1"/>
+          </a:effectRef>
+          <a:fontRef idx="minor">
+            <a:schemeClr val="lt1"/>
+          </a:fontRef>
+        </p:style>
+        <p:txBody>
+          <a:bodyPr rtlCol="0" anchor="ctr"/>
+          <a:lstStyle/>
+          <a:p>
+            <a:pPr algn="ctr"/>
+            <a:endParaRPr lang="ko-KR" altLang="en-US">
+              <a:solidFill>
+                <a:schemeClr val="tx1"/>
+              </a:solidFill>
+              <a:latin typeface="Consolas" pitchFamily="49" charset="0"/>
+              <a:cs typeface="Consolas" pitchFamily="49" charset="0"/>
+            </a:endParaRPr>
+          </a:p>
+        </p:txBody>
+      </p:sp>
+      <p:sp>
+        <p:nvSpPr>
+          <p:cNvPr id="13" name="TextBox 12">
+            <a:extLst>
+              <a:ext uri="{FF2B5EF4-FFF2-40B4-BE49-F238E27FC236}">
+                <a16:creationId xmlns:a16="http://schemas.microsoft.com/office/drawing/2014/main" id="{E4EC1EA0-D4EE-465D-B5C3-E60E8D75BEAA}"/>
+              </a:ext>
+            </a:extLst>
+          </p:cNvPr>
+          <p:cNvSpPr txBox="1"/>
+          <p:nvPr/>
+        </p:nvSpPr>
+        <p:spPr>
+          <a:xfrm>
+            <a:off x="5652120" y="404664"/>
+            <a:ext cx="1071127" cy="369332"/>
+          </a:xfrm>
+          <a:prstGeom prst="rect">
+            <a:avLst/>
+          </a:prstGeom>
+          <a:noFill/>
+        </p:spPr>
+        <p:txBody>
+          <a:bodyPr wrap="none" rtlCol="0">
+            <a:spAutoFit/>
+          </a:bodyPr>
+          <a:lstStyle/>
+          <a:p>
+            <a:r>
+              <a:rPr lang="en-US" altLang="ko-KR">
+                <a:latin typeface="Consolas" pitchFamily="49" charset="0"/>
+                <a:cs typeface="Consolas" pitchFamily="49" charset="0"/>
+              </a:rPr>
+              <a:t>32KByte</a:t>
+            </a:r>
+            <a:endParaRPr lang="ko-KR" altLang="en-US">
+              <a:latin typeface="Consolas" pitchFamily="49" charset="0"/>
+              <a:cs typeface="Consolas" pitchFamily="49" charset="0"/>
+            </a:endParaRPr>
+          </a:p>
+        </p:txBody>
+      </p:sp>
+      <p:cxnSp>
+        <p:nvCxnSpPr>
+          <p:cNvPr id="15" name="직선 화살표 연결선 14">
+            <a:extLst>
+              <a:ext uri="{FF2B5EF4-FFF2-40B4-BE49-F238E27FC236}">
+                <a16:creationId xmlns:a16="http://schemas.microsoft.com/office/drawing/2014/main" id="{E2150FF2-8CE2-4F02-AEFB-EC34916DE7AA}"/>
+              </a:ext>
+            </a:extLst>
+          </p:cNvPr>
+          <p:cNvCxnSpPr/>
+          <p:nvPr/>
+        </p:nvCxnSpPr>
+        <p:spPr>
+          <a:xfrm>
+            <a:off x="2339752" y="188640"/>
+            <a:ext cx="936104" cy="0"/>
+          </a:xfrm>
+          <a:prstGeom prst="straightConnector1">
+            <a:avLst/>
+          </a:prstGeom>
+          <a:ln>
+            <a:tailEnd type="triangle"/>
+          </a:ln>
+        </p:spPr>
+        <p:style>
+          <a:lnRef idx="1">
+            <a:schemeClr val="accent1"/>
+          </a:lnRef>
+          <a:fillRef idx="0">
+            <a:schemeClr val="accent1"/>
+          </a:fillRef>
+          <a:effectRef idx="0">
+            <a:schemeClr val="accent1"/>
+          </a:effectRef>
+          <a:fontRef idx="minor">
+            <a:schemeClr val="tx1"/>
+          </a:fontRef>
+        </p:style>
+      </p:cxnSp>
+      <p:cxnSp>
+        <p:nvCxnSpPr>
+          <p:cNvPr id="16" name="직선 화살표 연결선 15">
+            <a:extLst>
+              <a:ext uri="{FF2B5EF4-FFF2-40B4-BE49-F238E27FC236}">
+                <a16:creationId xmlns:a16="http://schemas.microsoft.com/office/drawing/2014/main" id="{4EEF7696-69D6-4885-B294-2BF6FCD4A36F}"/>
+              </a:ext>
+            </a:extLst>
+          </p:cNvPr>
+          <p:cNvCxnSpPr/>
+          <p:nvPr/>
+        </p:nvCxnSpPr>
+        <p:spPr>
+          <a:xfrm>
+            <a:off x="2339752" y="2348880"/>
+            <a:ext cx="936104" cy="0"/>
+          </a:xfrm>
+          <a:prstGeom prst="straightConnector1">
+            <a:avLst/>
+          </a:prstGeom>
+          <a:ln>
+            <a:tailEnd type="triangle"/>
+          </a:ln>
+        </p:spPr>
+        <p:style>
+          <a:lnRef idx="1">
+            <a:schemeClr val="accent1"/>
+          </a:lnRef>
+          <a:fillRef idx="0">
+            <a:schemeClr val="accent1"/>
+          </a:fillRef>
+          <a:effectRef idx="0">
+            <a:schemeClr val="accent1"/>
+          </a:effectRef>
+          <a:fontRef idx="minor">
+            <a:schemeClr val="tx1"/>
+          </a:fontRef>
+        </p:style>
+      </p:cxnSp>
+      <p:cxnSp>
+        <p:nvCxnSpPr>
+          <p:cNvPr id="18" name="직선 화살표 연결선 17">
+            <a:extLst>
+              <a:ext uri="{FF2B5EF4-FFF2-40B4-BE49-F238E27FC236}">
+                <a16:creationId xmlns:a16="http://schemas.microsoft.com/office/drawing/2014/main" id="{C0C4392C-6EBF-4C3B-BFB2-67D422FB2EFD}"/>
+              </a:ext>
+            </a:extLst>
+          </p:cNvPr>
+          <p:cNvCxnSpPr/>
+          <p:nvPr/>
+        </p:nvCxnSpPr>
+        <p:spPr>
+          <a:xfrm>
+            <a:off x="2771800" y="188640"/>
+            <a:ext cx="0" cy="2160240"/>
+          </a:xfrm>
+          <a:prstGeom prst="straightConnector1">
+            <a:avLst/>
+          </a:prstGeom>
+          <a:ln>
+            <a:tailEnd type="triangle"/>
+          </a:ln>
+        </p:spPr>
+        <p:style>
+          <a:lnRef idx="1">
+            <a:schemeClr val="accent1"/>
+          </a:lnRef>
+          <a:fillRef idx="0">
+            <a:schemeClr val="accent1"/>
+          </a:fillRef>
+          <a:effectRef idx="0">
+            <a:schemeClr val="accent1"/>
+          </a:effectRef>
+          <a:fontRef idx="minor">
+            <a:schemeClr val="tx1"/>
+          </a:fontRef>
+        </p:style>
+      </p:cxnSp>
+      <p:sp>
+        <p:nvSpPr>
+          <p:cNvPr id="19" name="TextBox 18">
+            <a:extLst>
+              <a:ext uri="{FF2B5EF4-FFF2-40B4-BE49-F238E27FC236}">
+                <a16:creationId xmlns:a16="http://schemas.microsoft.com/office/drawing/2014/main" id="{05B2BDFE-02A8-4A57-B2BC-85F612650176}"/>
+              </a:ext>
+            </a:extLst>
+          </p:cNvPr>
+          <p:cNvSpPr txBox="1"/>
+          <p:nvPr/>
+        </p:nvSpPr>
+        <p:spPr>
+          <a:xfrm>
+            <a:off x="1736677" y="1074802"/>
+            <a:ext cx="944489" cy="369332"/>
+          </a:xfrm>
+          <a:prstGeom prst="rect">
+            <a:avLst/>
+          </a:prstGeom>
+          <a:noFill/>
+        </p:spPr>
+        <p:txBody>
+          <a:bodyPr wrap="none" rtlCol="0">
+            <a:spAutoFit/>
+          </a:bodyPr>
+          <a:lstStyle/>
+          <a:p>
+            <a:r>
+              <a:rPr lang="en-US" altLang="ko-KR">
+                <a:latin typeface="Consolas" pitchFamily="49" charset="0"/>
+                <a:cs typeface="Consolas" pitchFamily="49" charset="0"/>
+              </a:rPr>
+              <a:t>offset</a:t>
+            </a:r>
+            <a:endParaRPr lang="ko-KR" altLang="en-US">
+              <a:latin typeface="Consolas" pitchFamily="49" charset="0"/>
+              <a:cs typeface="Consolas" pitchFamily="49" charset="0"/>
+            </a:endParaRPr>
+          </a:p>
+        </p:txBody>
+      </p:sp>
+    </p:spTree>
+    <p:extLst>
+      <p:ext uri="{BB962C8B-B14F-4D97-AF65-F5344CB8AC3E}">
+        <p14:creationId xmlns:p14="http://schemas.microsoft.com/office/powerpoint/2010/main" val="676318672"/>
+      </p:ext>
+    </p:extLst>
+  </p:cSld>
+  <p:clrMapOvr>
+    <a:masterClrMapping/>
+  </p:clrMapOvr>
+</p:sld>
+</file>
+
+<file path=ppt/slides/slide25.xml><?xml version="1.0" encoding="utf-8"?>
+<p:sld xmlns:a="http://schemas.openxmlformats.org/drawingml/2006/main" xmlns:r="http://schemas.openxmlformats.org/officeDocument/2006/relationships" xmlns:p="http://schemas.openxmlformats.org/presentationml/2006/main">
+  <p:cSld>
+    <p:spTree>
+      <p:nvGrpSpPr>
+        <p:cNvPr id="1" name=""/>
+        <p:cNvGrpSpPr/>
+        <p:nvPr/>
+      </p:nvGrpSpPr>
+      <p:grpSpPr>
+        <a:xfrm>
+          <a:off x="0" y="0"/>
+          <a:ext cx="0" cy="0"/>
+          <a:chOff x="0" y="0"/>
+          <a:chExt cx="0" cy="0"/>
+        </a:xfrm>
+      </p:grpSpPr>
+      <p:sp>
+        <p:nvSpPr>
+          <p:cNvPr id="4" name="TextBox 3">
+            <a:extLst>
+              <a:ext uri="{FF2B5EF4-FFF2-40B4-BE49-F238E27FC236}">
+                <a16:creationId xmlns:a16="http://schemas.microsoft.com/office/drawing/2014/main" id="{704DF05D-B2B1-43B2-BA08-25D473BDD2EC}"/>
+              </a:ext>
+            </a:extLst>
+          </p:cNvPr>
+          <p:cNvSpPr txBox="1"/>
+          <p:nvPr/>
+        </p:nvSpPr>
+        <p:spPr>
+          <a:xfrm>
+            <a:off x="683568" y="332656"/>
+            <a:ext cx="11059438" cy="4524315"/>
+          </a:xfrm>
+          <a:prstGeom prst="rect">
+            <a:avLst/>
+          </a:prstGeom>
+          <a:noFill/>
+        </p:spPr>
+        <p:txBody>
+          <a:bodyPr wrap="none" rtlCol="0">
+            <a:spAutoFit/>
+          </a:bodyPr>
+          <a:lstStyle/>
+          <a:p>
+            <a:r>
+              <a:rPr lang="en-US" altLang="ko-KR" sz="2400">
+                <a:latin typeface="Consolas" pitchFamily="49" charset="0"/>
+                <a:cs typeface="Consolas" pitchFamily="49" charset="0"/>
+              </a:rPr>
+              <a:t>HIDL sample</a:t>
+            </a:r>
+          </a:p>
+          <a:p>
+            <a:endParaRPr lang="en-US" altLang="ko-KR" sz="2400">
+              <a:latin typeface="Consolas" pitchFamily="49" charset="0"/>
+              <a:cs typeface="Consolas" pitchFamily="49" charset="0"/>
+            </a:endParaRPr>
+          </a:p>
+          <a:p>
+            <a:r>
+              <a:rPr lang="en-US" altLang="ko-KR" sz="2400">
+                <a:latin typeface="Consolas" pitchFamily="49" charset="0"/>
+                <a:cs typeface="Consolas" pitchFamily="49" charset="0"/>
+              </a:rPr>
+              <a:t># cd /root/android/hardware/interfaces</a:t>
+            </a:r>
+          </a:p>
+          <a:p>
+            <a:r>
+              <a:rPr lang="en-US" altLang="ko-KR" sz="2400">
+                <a:latin typeface="Consolas" pitchFamily="49" charset="0"/>
+                <a:cs typeface="Consolas" pitchFamily="49" charset="0"/>
+              </a:rPr>
+              <a:t># cd light</a:t>
+            </a:r>
+          </a:p>
+          <a:p>
+            <a:endParaRPr lang="en-US" altLang="ko-KR" sz="2400">
+              <a:latin typeface="Consolas" pitchFamily="49" charset="0"/>
+              <a:cs typeface="Consolas" pitchFamily="49" charset="0"/>
+            </a:endParaRPr>
+          </a:p>
+          <a:p>
+            <a:r>
+              <a:rPr lang="en-US" altLang="ko-KR" sz="2400">
+                <a:latin typeface="Consolas" pitchFamily="49" charset="0"/>
+                <a:cs typeface="Consolas" pitchFamily="49" charset="0"/>
+              </a:rPr>
+              <a:t>server sample</a:t>
+            </a:r>
+          </a:p>
+          <a:p>
+            <a:endParaRPr lang="en-US" altLang="ko-KR" sz="2400">
+              <a:latin typeface="Consolas" pitchFamily="49" charset="0"/>
+              <a:cs typeface="Consolas" pitchFamily="49" charset="0"/>
+            </a:endParaRPr>
+          </a:p>
+          <a:p>
+            <a:r>
+              <a:rPr lang="en-US" altLang="ko-KR" sz="2400">
+                <a:latin typeface="Consolas" pitchFamily="49" charset="0"/>
+                <a:cs typeface="Consolas" pitchFamily="49" charset="0"/>
+              </a:rPr>
+              <a:t># cd /root/android/device/htc/flounder/light</a:t>
+            </a:r>
+          </a:p>
+          <a:p>
+            <a:endParaRPr lang="en-US" altLang="ko-KR" sz="2400">
+              <a:latin typeface="Consolas" pitchFamily="49" charset="0"/>
+              <a:cs typeface="Consolas" pitchFamily="49" charset="0"/>
+            </a:endParaRPr>
+          </a:p>
+          <a:p>
+            <a:r>
+              <a:rPr lang="en-US" altLang="ko-KR" sz="2400">
+                <a:latin typeface="Consolas" pitchFamily="49" charset="0"/>
+                <a:cs typeface="Consolas" pitchFamily="49" charset="0"/>
+              </a:rPr>
+              <a:t>client sample</a:t>
+            </a:r>
+          </a:p>
+          <a:p>
+            <a:endParaRPr lang="en-US" altLang="ko-KR" sz="2400">
+              <a:latin typeface="Consolas" pitchFamily="49" charset="0"/>
+              <a:cs typeface="Consolas" pitchFamily="49" charset="0"/>
+            </a:endParaRPr>
+          </a:p>
+          <a:p>
+            <a:r>
+              <a:rPr lang="en-US" altLang="ko-KR" sz="2400">
+                <a:latin typeface="Consolas" pitchFamily="49" charset="0"/>
+                <a:cs typeface="Consolas" pitchFamily="49" charset="0"/>
+              </a:rPr>
+              <a:t># cd /root/android/hardware/interfaces/light/2.0/vts/functional </a:t>
+            </a:r>
+            <a:endParaRPr lang="ko-KR" altLang="en-US" sz="2400">
+              <a:latin typeface="Consolas" pitchFamily="49" charset="0"/>
+              <a:cs typeface="Consolas" pitchFamily="49" charset="0"/>
+            </a:endParaRPr>
+          </a:p>
+        </p:txBody>
+      </p:sp>
+    </p:spTree>
+    <p:extLst>
+      <p:ext uri="{BB962C8B-B14F-4D97-AF65-F5344CB8AC3E}">
+        <p14:creationId xmlns:p14="http://schemas.microsoft.com/office/powerpoint/2010/main" val="2727247878"/>
       </p:ext>
     </p:extLst>
   </p:cSld>
